--- a/ClassMaterials/LinkedLists/Slides/LinkedLists.pptx
+++ b/ClassMaterials/LinkedLists/Slides/LinkedLists.pptx
@@ -5,10 +5,10 @@
     <p:sldMasterId id="2147484539" r:id="rId1"/>
   </p:sldMasterIdLst>
   <p:notesMasterIdLst>
-    <p:notesMasterId r:id="rId34"/>
+    <p:notesMasterId r:id="rId28"/>
   </p:notesMasterIdLst>
   <p:handoutMasterIdLst>
-    <p:handoutMasterId r:id="rId35"/>
+    <p:handoutMasterId r:id="rId29"/>
   </p:handoutMasterIdLst>
   <p:sldIdLst>
     <p:sldId id="256" r:id="rId2"/>
@@ -23,26 +23,20 @@
     <p:sldId id="341" r:id="rId11"/>
     <p:sldId id="342" r:id="rId12"/>
     <p:sldId id="334" r:id="rId13"/>
-    <p:sldId id="322" r:id="rId14"/>
-    <p:sldId id="323" r:id="rId15"/>
-    <p:sldId id="324" r:id="rId16"/>
-    <p:sldId id="325" r:id="rId17"/>
-    <p:sldId id="326" r:id="rId18"/>
-    <p:sldId id="327" r:id="rId19"/>
-    <p:sldId id="328" r:id="rId20"/>
-    <p:sldId id="329" r:id="rId21"/>
-    <p:sldId id="330" r:id="rId22"/>
-    <p:sldId id="310" r:id="rId23"/>
-    <p:sldId id="331" r:id="rId24"/>
-    <p:sldId id="277" r:id="rId25"/>
-    <p:sldId id="278" r:id="rId26"/>
-    <p:sldId id="318" r:id="rId27"/>
-    <p:sldId id="319" r:id="rId28"/>
-    <p:sldId id="320" r:id="rId29"/>
-    <p:sldId id="301" r:id="rId30"/>
-    <p:sldId id="280" r:id="rId31"/>
-    <p:sldId id="333" r:id="rId32"/>
-    <p:sldId id="332" r:id="rId33"/>
+    <p:sldId id="310" r:id="rId14"/>
+    <p:sldId id="343" r:id="rId15"/>
+    <p:sldId id="345" r:id="rId16"/>
+    <p:sldId id="331" r:id="rId17"/>
+    <p:sldId id="277" r:id="rId18"/>
+    <p:sldId id="278" r:id="rId19"/>
+    <p:sldId id="318" r:id="rId20"/>
+    <p:sldId id="319" r:id="rId21"/>
+    <p:sldId id="320" r:id="rId22"/>
+    <p:sldId id="301" r:id="rId23"/>
+    <p:sldId id="280" r:id="rId24"/>
+    <p:sldId id="333" r:id="rId25"/>
+    <p:sldId id="332" r:id="rId26"/>
+    <p:sldId id="346" r:id="rId27"/>
   </p:sldIdLst>
   <p:sldSz cx="9144000" cy="6858000" type="screen4x3"/>
   <p:notesSz cx="6881813" cy="9296400"/>
@@ -307,7 +301,7 @@
               <a:pPr>
                 <a:defRPr/>
               </a:pPr>
-              <a:t>4/30/2018</a:t>
+              <a:t>5/4/2020</a:t>
             </a:fld>
             <a:endParaRPr lang="en-US"/>
           </a:p>
@@ -542,7 +536,7 @@
               <a:pPr>
                 <a:defRPr/>
               </a:pPr>
-              <a:t>4/30/2018</a:t>
+              <a:t>5/4/2020</a:t>
             </a:fld>
             <a:endParaRPr lang="en-US"/>
           </a:p>
@@ -1067,7 +1061,7 @@
           <a:bodyPr/>
           <a:lstStyle/>
           <a:p>
-            <a:endParaRPr lang="en-US" dirty="0"/>
+            <a:endParaRPr lang="en-US"/>
           </a:p>
         </p:txBody>
       </p:sp>
@@ -1086,9 +1080,15 @@
           <a:bodyPr/>
           <a:lstStyle/>
           <a:p>
-            <a:fld id="{AC522A93-4968-4B29-BB16-64A778254383}" type="slidenum">
+            <a:pPr>
+              <a:defRPr/>
+            </a:pPr>
+            <a:fld id="{BDF97A26-8EDD-4564-9705-85BE5B01BB34}" type="slidenum">
               <a:rPr lang="en-US" smtClean="0"/>
-              <a:t>18</a:t>
+              <a:pPr>
+                <a:defRPr/>
+              </a:pPr>
+              <a:t>19</a:t>
             </a:fld>
             <a:endParaRPr lang="en-US"/>
           </a:p>
@@ -1097,7 +1097,7 @@
     </p:spTree>
     <p:extLst>
       <p:ext uri="{BB962C8B-B14F-4D97-AF65-F5344CB8AC3E}">
-        <p14:creationId xmlns:p14="http://schemas.microsoft.com/office/powerpoint/2010/main" val="84732300"/>
+        <p14:creationId xmlns:p14="http://schemas.microsoft.com/office/powerpoint/2010/main" val="317362217"/>
       </p:ext>
     </p:extLst>
   </p:cSld>
@@ -1152,37 +1152,12 @@
           <a:lstStyle/>
           <a:p>
             <a:r>
-              <a:rPr lang="en-US" b="1" dirty="0" smtClean="0"/>
-              <a:t>Q4</a:t>
-            </a:r>
-            <a:r>
               <a:rPr lang="en-US" dirty="0" smtClean="0"/>
-              <a:t>: For</a:t>
+              <a:t>We care about which part of the expression grows the fastest as n,</a:t>
             </a:r>
             <a:r>
               <a:rPr lang="en-US" baseline="0" dirty="0" smtClean="0"/>
-              <a:t> team version control, what should you “always” do? [update before working, update again before committing, commit often with good messages]</a:t>
-            </a:r>
-          </a:p>
-          <a:p>
-            <a:endParaRPr lang="en-US" dirty="0" smtClean="0"/>
-          </a:p>
-          <a:p>
-            <a:r>
-              <a:rPr lang="en-US" dirty="0" smtClean="0"/>
-              <a:t>Consider</a:t>
-            </a:r>
-            <a:r>
-              <a:rPr lang="en-US" baseline="0" dirty="0" smtClean="0"/>
-              <a:t> viewing (possibly adding here) the 120 slides on version control (Day 2 in the </a:t>
-            </a:r>
-            <a:r>
-              <a:rPr lang="en-US" baseline="0" dirty="0" err="1" smtClean="0"/>
-              <a:t>clifton</a:t>
-            </a:r>
-            <a:r>
-              <a:rPr lang="en-US" baseline="0" dirty="0" smtClean="0"/>
-              <a:t> branch of the repository).  I think the visuals of the update edit update commit cycle are good.   CWA.</a:t>
+              <a:t> the input size, grows.</a:t>
             </a:r>
             <a:endParaRPr lang="en-US" dirty="0"/>
           </a:p>
@@ -1206,12 +1181,12 @@
             <a:pPr>
               <a:defRPr/>
             </a:pPr>
-            <a:fld id="{8DFC2F88-2260-47C2-A0F1-192B4CA5C87E}" type="slidenum">
+            <a:fld id="{BDF97A26-8EDD-4564-9705-85BE5B01BB34}" type="slidenum">
               <a:rPr lang="en-US" smtClean="0"/>
               <a:pPr>
                 <a:defRPr/>
               </a:pPr>
-              <a:t>19</a:t>
+              <a:t>20</a:t>
             </a:fld>
             <a:endParaRPr lang="en-US"/>
           </a:p>
@@ -1220,7 +1195,7 @@
     </p:spTree>
     <p:extLst>
       <p:ext uri="{BB962C8B-B14F-4D97-AF65-F5344CB8AC3E}">
-        <p14:creationId xmlns:p14="http://schemas.microsoft.com/office/powerpoint/2010/main" val="700687847"/>
+        <p14:creationId xmlns:p14="http://schemas.microsoft.com/office/powerpoint/2010/main" val="1864529778"/>
       </p:ext>
     </p:extLst>
   </p:cSld>
@@ -1249,29 +1224,19 @@
       </p:grpSpPr>
       <p:sp>
         <p:nvSpPr>
-          <p:cNvPr id="55298" name="Slide Image Placeholder 1"/>
-          <p:cNvSpPr>
-            <a:spLocks noGrp="1" noRot="1" noChangeAspect="1" noTextEdit="1"/>
+          <p:cNvPr id="2" name="Slide Image Placeholder 1"/>
+          <p:cNvSpPr>
+            <a:spLocks noGrp="1" noRot="1" noChangeAspect="1"/>
           </p:cNvSpPr>
           <p:nvPr>
             <p:ph type="sldImg"/>
           </p:nvPr>
         </p:nvSpPr>
-        <p:spPr bwMode="auto">
-          <a:noFill/>
-          <a:ln>
-            <a:solidFill>
-              <a:srgbClr val="000000"/>
-            </a:solidFill>
-            <a:miter lim="800000"/>
-            <a:headEnd/>
-            <a:tailEnd/>
-          </a:ln>
-        </p:spPr>
-      </p:sp>
-      <p:sp>
-        <p:nvSpPr>
-          <p:cNvPr id="55299" name="Notes Placeholder 2"/>
+        <p:spPr/>
+      </p:sp>
+      <p:sp>
+        <p:nvSpPr>
+          <p:cNvPr id="3" name="Notes Placeholder 2"/>
           <p:cNvSpPr>
             <a:spLocks noGrp="1"/>
           </p:cNvSpPr>
@@ -1279,52 +1244,48 @@
             <p:ph type="body" idx="1"/>
           </p:nvPr>
         </p:nvSpPr>
-        <p:spPr>
-          <a:noFill/>
-          <a:ln/>
-        </p:spPr>
+        <p:spPr/>
         <p:txBody>
           <a:bodyPr/>
           <a:lstStyle/>
           <a:p>
-            <a:r>
-              <a:rPr lang="en-US" dirty="0" smtClean="0"/>
-              <a:t>Update before editing or committing to make sure you don't get out of sync with changes made by others (like your instructor, or later your teammates).</a:t>
-            </a:r>
-          </a:p>
-        </p:txBody>
-      </p:sp>
-      <p:sp>
-        <p:nvSpPr>
-          <p:cNvPr id="55300" name="Slide Number Placeholder 3"/>
-          <p:cNvSpPr>
-            <a:spLocks noGrp="1"/>
-          </p:cNvSpPr>
-          <p:nvPr>
-            <p:ph type="sldNum" sz="quarter" idx="5"/>
-          </p:nvPr>
-        </p:nvSpPr>
-        <p:spPr>
-          <a:noFill/>
-        </p:spPr>
+            <a:endParaRPr lang="en-US" dirty="0"/>
+          </a:p>
+        </p:txBody>
+      </p:sp>
+      <p:sp>
+        <p:nvSpPr>
+          <p:cNvPr id="4" name="Slide Number Placeholder 3"/>
+          <p:cNvSpPr>
+            <a:spLocks noGrp="1"/>
+          </p:cNvSpPr>
+          <p:nvPr>
+            <p:ph type="sldNum" sz="quarter" idx="10"/>
+          </p:nvPr>
+        </p:nvSpPr>
+        <p:spPr/>
         <p:txBody>
           <a:bodyPr/>
           <a:lstStyle/>
           <a:p>
-            <a:pPr defTabSz="895166"/>
-            <a:fld id="{4FEA20DD-5B5F-4539-9BED-2B1FCD514924}" type="slidenum">
+            <a:pPr>
+              <a:defRPr/>
+            </a:pPr>
+            <a:fld id="{BDF97A26-8EDD-4564-9705-85BE5B01BB34}" type="slidenum">
               <a:rPr lang="en-US" smtClean="0"/>
-              <a:pPr defTabSz="895166"/>
-              <a:t>20</a:t>
+              <a:pPr>
+                <a:defRPr/>
+              </a:pPr>
+              <a:t>21</a:t>
             </a:fld>
-            <a:endParaRPr lang="en-US" smtClean="0"/>
+            <a:endParaRPr lang="en-US"/>
           </a:p>
         </p:txBody>
       </p:sp>
     </p:spTree>
     <p:extLst>
       <p:ext uri="{BB962C8B-B14F-4D97-AF65-F5344CB8AC3E}">
-        <p14:creationId xmlns:p14="http://schemas.microsoft.com/office/powerpoint/2010/main" val="1230888840"/>
+        <p14:creationId xmlns:p14="http://schemas.microsoft.com/office/powerpoint/2010/main" val="1455335898"/>
       </p:ext>
     </p:extLst>
   </p:cSld>
@@ -1353,19 +1314,29 @@
       </p:grpSpPr>
       <p:sp>
         <p:nvSpPr>
-          <p:cNvPr id="2" name="Slide Image Placeholder 1"/>
-          <p:cNvSpPr>
-            <a:spLocks noGrp="1" noRot="1" noChangeAspect="1"/>
+          <p:cNvPr id="65538" name="Slide Image Placeholder 1"/>
+          <p:cNvSpPr>
+            <a:spLocks noGrp="1" noRot="1" noChangeAspect="1" noTextEdit="1"/>
           </p:cNvSpPr>
           <p:nvPr>
             <p:ph type="sldImg"/>
           </p:nvPr>
         </p:nvSpPr>
-        <p:spPr/>
-      </p:sp>
-      <p:sp>
-        <p:nvSpPr>
-          <p:cNvPr id="3" name="Notes Placeholder 2"/>
+        <p:spPr bwMode="auto">
+          <a:noFill/>
+          <a:ln>
+            <a:solidFill>
+              <a:srgbClr val="000000"/>
+            </a:solidFill>
+            <a:miter lim="800000"/>
+            <a:headEnd/>
+            <a:tailEnd/>
+          </a:ln>
+        </p:spPr>
+      </p:sp>
+      <p:sp>
+        <p:nvSpPr>
+          <p:cNvPr id="65539" name="Notes Placeholder 2"/>
           <p:cNvSpPr>
             <a:spLocks noGrp="1"/>
           </p:cNvSpPr>
@@ -1373,70 +1344,71 @@
             <p:ph type="body" idx="1"/>
           </p:nvPr>
         </p:nvSpPr>
-        <p:spPr/>
+        <p:spPr>
+          <a:noFill/>
+          <a:ln/>
+        </p:spPr>
         <p:txBody>
           <a:bodyPr/>
           <a:lstStyle/>
           <a:p>
-            <a:pPr marL="0" marR="0" lvl="0" indent="0" algn="l" defTabSz="914400" rtl="0" eaLnBrk="1" fontAlgn="auto" latinLnBrk="0" hangingPunct="1">
-              <a:lnSpc>
-                <a:spcPct val="100000"/>
-              </a:lnSpc>
-              <a:spcBef>
-                <a:spcPts val="0"/>
-              </a:spcBef>
-              <a:spcAft>
-                <a:spcPts val="0"/>
-              </a:spcAft>
-              <a:buClrTx/>
-              <a:buSzTx/>
-              <a:buFontTx/>
-              <a:buNone/>
-              <a:tabLst/>
-              <a:defRPr/>
-            </a:pPr>
             <a:r>
               <a:rPr lang="en-US" dirty="0" smtClean="0"/>
-              <a:t>Go</a:t>
+              <a:t>- Examples: employee list, music play list</a:t>
+            </a:r>
+          </a:p>
+          <a:p>
+            <a:r>
+              <a:rPr lang="en-US" dirty="0" smtClean="0"/>
+              <a:t>Sketch a linked list on the board</a:t>
             </a:r>
             <a:r>
               <a:rPr lang="en-US" baseline="0" dirty="0" smtClean="0"/>
-              <a:t> over this quickly, mentioning that if they pair program and always start by updating they will never have a problem!</a:t>
+              <a:t> for “two more weeks” (quiz #3)</a:t>
             </a:r>
             <a:endParaRPr lang="en-US" dirty="0" smtClean="0"/>
           </a:p>
           <a:p>
-            <a:endParaRPr lang="en-US" dirty="0"/>
-          </a:p>
-        </p:txBody>
-      </p:sp>
-      <p:sp>
-        <p:nvSpPr>
-          <p:cNvPr id="4" name="Slide Number Placeholder 3"/>
-          <p:cNvSpPr>
-            <a:spLocks noGrp="1"/>
-          </p:cNvSpPr>
-          <p:nvPr>
-            <p:ph type="sldNum" sz="quarter" idx="10"/>
-          </p:nvPr>
-        </p:nvSpPr>
-        <p:spPr/>
+            <a:endParaRPr lang="en-US" dirty="0" smtClean="0"/>
+          </a:p>
+          <a:p>
+            <a:r>
+              <a:rPr lang="en-US" dirty="0" smtClean="0"/>
+              <a:t>Then show insertion and deletion.  </a:t>
+            </a:r>
+          </a:p>
+        </p:txBody>
+      </p:sp>
+      <p:sp>
+        <p:nvSpPr>
+          <p:cNvPr id="65540" name="Slide Number Placeholder 3"/>
+          <p:cNvSpPr>
+            <a:spLocks noGrp="1"/>
+          </p:cNvSpPr>
+          <p:nvPr>
+            <p:ph type="sldNum" sz="quarter" idx="5"/>
+          </p:nvPr>
+        </p:nvSpPr>
+        <p:spPr>
+          <a:noFill/>
+        </p:spPr>
         <p:txBody>
           <a:bodyPr/>
           <a:lstStyle/>
           <a:p>
-            <a:fld id="{AC522A93-4968-4B29-BB16-64A778254383}" type="slidenum">
+            <a:fld id="{DBC8B16D-3522-4DF2-8915-4B0542FC956A}" type="slidenum">
               <a:rPr lang="en-US" smtClean="0"/>
-              <a:t>21</a:t>
+              <a:pPr/>
+              <a:t>22</a:t>
             </a:fld>
-            <a:endParaRPr lang="en-US"/>
+            <a:endParaRPr lang="en-US" smtClean="0"/>
           </a:p>
         </p:txBody>
       </p:sp>
     </p:spTree>
     <p:extLst>
       <p:ext uri="{BB962C8B-B14F-4D97-AF65-F5344CB8AC3E}">
-        <p14:creationId xmlns:p14="http://schemas.microsoft.com/office/powerpoint/2010/main" val="995804595"/>
+        <p14:creationId xmlns:p14="http://schemas.microsoft.com/office/powerpoint/2010/main" val="3647241296"/>
       </p:ext>
     </p:extLst>
   </p:cSld>
@@ -1465,19 +1437,29 @@
       </p:grpSpPr>
       <p:sp>
         <p:nvSpPr>
-          <p:cNvPr id="2" name="Slide Image Placeholder 1"/>
-          <p:cNvSpPr>
-            <a:spLocks noGrp="1" noRot="1" noChangeAspect="1"/>
+          <p:cNvPr id="40962" name="Rectangle 2"/>
+          <p:cNvSpPr>
+            <a:spLocks noGrp="1" noRot="1" noChangeAspect="1" noTextEdit="1"/>
           </p:cNvSpPr>
           <p:nvPr>
             <p:ph type="sldImg"/>
           </p:nvPr>
         </p:nvSpPr>
-        <p:spPr/>
-      </p:sp>
-      <p:sp>
-        <p:nvSpPr>
-          <p:cNvPr id="3" name="Notes Placeholder 2"/>
+        <p:spPr bwMode="auto">
+          <a:noFill/>
+          <a:ln>
+            <a:solidFill>
+              <a:srgbClr val="000000"/>
+            </a:solidFill>
+            <a:miter lim="800000"/>
+            <a:headEnd/>
+            <a:tailEnd/>
+          </a:ln>
+        </p:spPr>
+      </p:sp>
+      <p:sp>
+        <p:nvSpPr>
+          <p:cNvPr id="40963" name="Rectangle 3"/>
           <p:cNvSpPr>
             <a:spLocks noGrp="1"/>
           </p:cNvSpPr>
@@ -1485,56 +1467,65 @@
             <p:ph type="body" idx="1"/>
           </p:nvPr>
         </p:nvSpPr>
-        <p:spPr/>
+        <p:spPr>
+          <a:noFill/>
+          <a:ln/>
+        </p:spPr>
         <p:txBody>
           <a:bodyPr/>
           <a:lstStyle/>
           <a:p>
             <a:r>
               <a:rPr lang="en-US" dirty="0" smtClean="0"/>
-              <a:t>This is</a:t>
-            </a:r>
-            <a:r>
-              <a:rPr lang="en-US" baseline="0" dirty="0" smtClean="0"/>
-              <a:t> the end of Monday’s class, pick up from here on Wednesday to complete quiz</a:t>
-            </a:r>
-            <a:endParaRPr lang="en-US" dirty="0"/>
-          </a:p>
-        </p:txBody>
-      </p:sp>
-      <p:sp>
-        <p:nvSpPr>
-          <p:cNvPr id="4" name="Slide Number Placeholder 3"/>
-          <p:cNvSpPr>
-            <a:spLocks noGrp="1"/>
-          </p:cNvSpPr>
-          <p:nvPr>
-            <p:ph type="sldNum" sz="quarter" idx="10"/>
-          </p:nvPr>
-        </p:nvSpPr>
-        <p:spPr/>
-        <p:txBody>
-          <a:bodyPr/>
-          <a:lstStyle/>
-          <a:p>
-            <a:pPr>
-              <a:defRPr/>
-            </a:pPr>
-            <a:fld id="{BDF97A26-8EDD-4564-9705-85BE5B01BB34}" type="slidenum">
-              <a:rPr lang="en-US" smtClean="0"/>
-              <a:pPr>
-                <a:defRPr/>
-              </a:pPr>
-              <a:t>22</a:t>
-            </a:fld>
-            <a:endParaRPr lang="en-US"/>
+              <a:t>Big-Oh of each?</a:t>
+            </a:r>
+          </a:p>
+          <a:p>
+            <a:endParaRPr lang="en-US" dirty="0" smtClean="0"/>
+          </a:p>
+          <a:p>
+            <a:r>
+              <a:rPr lang="en-US" sz="1200" kern="1200" dirty="0" smtClean="0">
+                <a:solidFill>
+                  <a:schemeClr val="tx1"/>
+                </a:solidFill>
+                <a:latin typeface="+mn-lt"/>
+                <a:ea typeface="+mn-ea"/>
+                <a:cs typeface="+mn-cs"/>
+              </a:rPr>
+              <a:t>All of the operations perform as could be expected for a doubly-linked list. </a:t>
+            </a:r>
+          </a:p>
+          <a:p>
+            <a:endParaRPr lang="en-US" sz="1200" kern="1200" dirty="0" smtClean="0">
+              <a:solidFill>
+                <a:schemeClr val="tx1"/>
+              </a:solidFill>
+              <a:latin typeface="+mn-lt"/>
+              <a:ea typeface="+mn-ea"/>
+              <a:cs typeface="+mn-cs"/>
+            </a:endParaRPr>
+          </a:p>
+          <a:p>
+            <a:r>
+              <a:rPr lang="en-US" sz="1200" kern="1200" dirty="0" smtClean="0">
+                <a:solidFill>
+                  <a:schemeClr val="tx1"/>
+                </a:solidFill>
+                <a:latin typeface="+mn-lt"/>
+                <a:ea typeface="+mn-ea"/>
+                <a:cs typeface="+mn-cs"/>
+              </a:rPr>
+              <a:t>Thus, these operations all take O(1) time.</a:t>
+            </a:r>
+            <a:endParaRPr lang="en-US" dirty="0" smtClean="0"/>
           </a:p>
         </p:txBody>
       </p:sp>
     </p:spTree>
     <p:extLst>
       <p:ext uri="{BB962C8B-B14F-4D97-AF65-F5344CB8AC3E}">
-        <p14:creationId xmlns:p14="http://schemas.microsoft.com/office/powerpoint/2010/main" val="1886365126"/>
+        <p14:creationId xmlns:p14="http://schemas.microsoft.com/office/powerpoint/2010/main" val="2944510501"/>
       </p:ext>
     </p:extLst>
   </p:cSld>
@@ -1563,29 +1554,19 @@
       </p:grpSpPr>
       <p:sp>
         <p:nvSpPr>
-          <p:cNvPr id="37890" name="Slide Image Placeholder 1"/>
-          <p:cNvSpPr>
-            <a:spLocks noGrp="1" noRot="1" noChangeAspect="1" noTextEdit="1"/>
+          <p:cNvPr id="2" name="Slide Image Placeholder 1"/>
+          <p:cNvSpPr>
+            <a:spLocks noGrp="1" noRot="1" noChangeAspect="1"/>
           </p:cNvSpPr>
           <p:nvPr>
             <p:ph type="sldImg"/>
           </p:nvPr>
         </p:nvSpPr>
-        <p:spPr bwMode="auto">
-          <a:noFill/>
-          <a:ln>
-            <a:solidFill>
-              <a:srgbClr val="000000"/>
-            </a:solidFill>
-            <a:miter lim="800000"/>
-            <a:headEnd/>
-            <a:tailEnd/>
-          </a:ln>
-        </p:spPr>
-      </p:sp>
-      <p:sp>
-        <p:nvSpPr>
-          <p:cNvPr id="37891" name="Notes Placeholder 2"/>
+        <p:spPr/>
+      </p:sp>
+      <p:sp>
+        <p:nvSpPr>
+          <p:cNvPr id="3" name="Notes Placeholder 2"/>
           <p:cNvSpPr>
             <a:spLocks noGrp="1"/>
           </p:cNvSpPr>
@@ -1593,56 +1574,48 @@
             <p:ph type="body" idx="1"/>
           </p:nvPr>
         </p:nvSpPr>
-        <p:spPr>
-          <a:noFill/>
-          <a:ln/>
-        </p:spPr>
+        <p:spPr/>
         <p:txBody>
           <a:bodyPr/>
           <a:lstStyle/>
           <a:p>
-            <a:r>
-              <a:rPr lang="en-US" dirty="0" smtClean="0"/>
-              <a:t>If students get through things quickly</a:t>
-            </a:r>
-            <a:r>
-              <a:rPr lang="en-US" baseline="0" dirty="0" smtClean="0"/>
-              <a:t> we can move into this material in the first hour, but if not- that is OK, we have the next class period to go through it and give them time to work on the rest of the quiz and the homework problems.</a:t>
-            </a:r>
-            <a:endParaRPr lang="en-US" dirty="0" smtClean="0"/>
-          </a:p>
-        </p:txBody>
-      </p:sp>
-      <p:sp>
-        <p:nvSpPr>
-          <p:cNvPr id="37892" name="Slide Number Placeholder 3"/>
-          <p:cNvSpPr>
-            <a:spLocks noGrp="1"/>
-          </p:cNvSpPr>
-          <p:nvPr>
-            <p:ph type="sldNum" sz="quarter" idx="5"/>
-          </p:nvPr>
-        </p:nvSpPr>
-        <p:spPr>
-          <a:noFill/>
-        </p:spPr>
+            <a:endParaRPr lang="en-US" dirty="0"/>
+          </a:p>
+        </p:txBody>
+      </p:sp>
+      <p:sp>
+        <p:nvSpPr>
+          <p:cNvPr id="4" name="Slide Number Placeholder 3"/>
+          <p:cNvSpPr>
+            <a:spLocks noGrp="1"/>
+          </p:cNvSpPr>
+          <p:nvPr>
+            <p:ph type="sldNum" sz="quarter" idx="10"/>
+          </p:nvPr>
+        </p:nvSpPr>
+        <p:spPr/>
         <p:txBody>
           <a:bodyPr/>
           <a:lstStyle/>
           <a:p>
-            <a:fld id="{3F61CCCE-EBAC-4FB5-91D4-9759E6271461}" type="slidenum">
+            <a:pPr>
+              <a:defRPr/>
+            </a:pPr>
+            <a:fld id="{BDF97A26-8EDD-4564-9705-85BE5B01BB34}" type="slidenum">
               <a:rPr lang="en-US" smtClean="0"/>
-              <a:pPr/>
-              <a:t>24</a:t>
+              <a:pPr>
+                <a:defRPr/>
+              </a:pPr>
+              <a:t>25</a:t>
             </a:fld>
-            <a:endParaRPr lang="en-US" smtClean="0"/>
+            <a:endParaRPr lang="en-US"/>
           </a:p>
         </p:txBody>
       </p:sp>
     </p:spTree>
     <p:extLst>
       <p:ext uri="{BB962C8B-B14F-4D97-AF65-F5344CB8AC3E}">
-        <p14:creationId xmlns:p14="http://schemas.microsoft.com/office/powerpoint/2010/main" val="248893057"/>
+        <p14:creationId xmlns:p14="http://schemas.microsoft.com/office/powerpoint/2010/main" val="2526261208"/>
       </p:ext>
     </p:extLst>
   </p:cSld>
@@ -1671,29 +1644,19 @@
       </p:grpSpPr>
       <p:sp>
         <p:nvSpPr>
-          <p:cNvPr id="38914" name="Slide Image Placeholder 1"/>
-          <p:cNvSpPr>
-            <a:spLocks noGrp="1" noRot="1" noChangeAspect="1" noTextEdit="1"/>
+          <p:cNvPr id="2" name="Slide Image Placeholder 1"/>
+          <p:cNvSpPr>
+            <a:spLocks noGrp="1" noRot="1" noChangeAspect="1"/>
           </p:cNvSpPr>
           <p:nvPr>
             <p:ph type="sldImg"/>
           </p:nvPr>
         </p:nvSpPr>
-        <p:spPr bwMode="auto">
-          <a:noFill/>
-          <a:ln>
-            <a:solidFill>
-              <a:srgbClr val="000000"/>
-            </a:solidFill>
-            <a:miter lim="800000"/>
-            <a:headEnd/>
-            <a:tailEnd/>
-          </a:ln>
-        </p:spPr>
-      </p:sp>
-      <p:sp>
-        <p:nvSpPr>
-          <p:cNvPr id="38915" name="Notes Placeholder 2"/>
+        <p:spPr/>
+      </p:sp>
+      <p:sp>
+        <p:nvSpPr>
+          <p:cNvPr id="3" name="Notes Placeholder 2"/>
           <p:cNvSpPr>
             <a:spLocks noGrp="1"/>
           </p:cNvSpPr>
@@ -1701,105 +1664,12 @@
             <p:ph type="body" idx="1"/>
           </p:nvPr>
         </p:nvSpPr>
-        <p:spPr>
-          <a:noFill/>
-          <a:ln/>
-        </p:spPr>
+        <p:spPr/>
         <p:txBody>
           <a:bodyPr/>
           <a:lstStyle/>
           <a:p>
-            <a:r>
-              <a:rPr lang="en-US" dirty="0" smtClean="0"/>
-              <a:t>Q: Have to move all the other elements up or down to make/use room.  O(n)</a:t>
-            </a:r>
-          </a:p>
-        </p:txBody>
-      </p:sp>
-      <p:sp>
-        <p:nvSpPr>
-          <p:cNvPr id="38916" name="Slide Number Placeholder 3"/>
-          <p:cNvSpPr>
-            <a:spLocks noGrp="1"/>
-          </p:cNvSpPr>
-          <p:nvPr>
-            <p:ph type="sldNum" sz="quarter" idx="5"/>
-          </p:nvPr>
-        </p:nvSpPr>
-        <p:spPr>
-          <a:noFill/>
-        </p:spPr>
-        <p:txBody>
-          <a:bodyPr/>
-          <a:lstStyle/>
-          <a:p>
-            <a:fld id="{44E6C81E-B2A6-437F-BF75-B7739F182E02}" type="slidenum">
-              <a:rPr lang="en-US" smtClean="0"/>
-              <a:pPr/>
-              <a:t>25</a:t>
-            </a:fld>
-            <a:endParaRPr lang="en-US" smtClean="0"/>
-          </a:p>
-        </p:txBody>
-      </p:sp>
-    </p:spTree>
-    <p:extLst>
-      <p:ext uri="{BB962C8B-B14F-4D97-AF65-F5344CB8AC3E}">
-        <p14:creationId xmlns:p14="http://schemas.microsoft.com/office/powerpoint/2010/main" val="3971722243"/>
-      </p:ext>
-    </p:extLst>
-  </p:cSld>
-  <p:clrMapOvr>
-    <a:masterClrMapping/>
-  </p:clrMapOvr>
-</p:notes>
-</file>
-
-<file path=ppt/notesSlides/notesSlide17.xml><?xml version="1.0" encoding="utf-8"?>
-<p:notes xmlns:a="http://schemas.openxmlformats.org/drawingml/2006/main" xmlns:r="http://schemas.openxmlformats.org/officeDocument/2006/relationships" xmlns:p="http://schemas.openxmlformats.org/presentationml/2006/main">
-  <p:cSld>
-    <p:spTree>
-      <p:nvGrpSpPr>
-        <p:cNvPr id="1" name=""/>
-        <p:cNvGrpSpPr/>
-        <p:nvPr/>
-      </p:nvGrpSpPr>
-      <p:grpSpPr>
-        <a:xfrm>
-          <a:off x="0" y="0"/>
-          <a:ext cx="0" cy="0"/>
-          <a:chOff x="0" y="0"/>
-          <a:chExt cx="0" cy="0"/>
-        </a:xfrm>
-      </p:grpSpPr>
-      <p:sp>
-        <p:nvSpPr>
-          <p:cNvPr id="2" name="Slide Image Placeholder 1"/>
-          <p:cNvSpPr>
-            <a:spLocks noGrp="1" noRot="1" noChangeAspect="1"/>
-          </p:cNvSpPr>
-          <p:nvPr>
-            <p:ph type="sldImg"/>
-          </p:nvPr>
-        </p:nvSpPr>
-        <p:spPr/>
-      </p:sp>
-      <p:sp>
-        <p:nvSpPr>
-          <p:cNvPr id="3" name="Notes Placeholder 2"/>
-          <p:cNvSpPr>
-            <a:spLocks noGrp="1"/>
-          </p:cNvSpPr>
-          <p:nvPr>
-            <p:ph type="body" idx="1"/>
-          </p:nvPr>
-        </p:nvSpPr>
-        <p:spPr/>
-        <p:txBody>
-          <a:bodyPr/>
-          <a:lstStyle/>
-          <a:p>
-            <a:endParaRPr lang="en-US"/>
+            <a:endParaRPr lang="en-US" dirty="0"/>
           </a:p>
         </p:txBody>
       </p:sp>
@@ -1835,195 +1705,7 @@
     </p:spTree>
     <p:extLst>
       <p:ext uri="{BB962C8B-B14F-4D97-AF65-F5344CB8AC3E}">
-        <p14:creationId xmlns:p14="http://schemas.microsoft.com/office/powerpoint/2010/main" val="317362217"/>
-      </p:ext>
-    </p:extLst>
-  </p:cSld>
-  <p:clrMapOvr>
-    <a:masterClrMapping/>
-  </p:clrMapOvr>
-</p:notes>
-</file>
-
-<file path=ppt/notesSlides/notesSlide18.xml><?xml version="1.0" encoding="utf-8"?>
-<p:notes xmlns:a="http://schemas.openxmlformats.org/drawingml/2006/main" xmlns:r="http://schemas.openxmlformats.org/officeDocument/2006/relationships" xmlns:p="http://schemas.openxmlformats.org/presentationml/2006/main">
-  <p:cSld>
-    <p:spTree>
-      <p:nvGrpSpPr>
-        <p:cNvPr id="1" name=""/>
-        <p:cNvGrpSpPr/>
-        <p:nvPr/>
-      </p:nvGrpSpPr>
-      <p:grpSpPr>
-        <a:xfrm>
-          <a:off x="0" y="0"/>
-          <a:ext cx="0" cy="0"/>
-          <a:chOff x="0" y="0"/>
-          <a:chExt cx="0" cy="0"/>
-        </a:xfrm>
-      </p:grpSpPr>
-      <p:sp>
-        <p:nvSpPr>
-          <p:cNvPr id="2" name="Slide Image Placeholder 1"/>
-          <p:cNvSpPr>
-            <a:spLocks noGrp="1" noRot="1" noChangeAspect="1"/>
-          </p:cNvSpPr>
-          <p:nvPr>
-            <p:ph type="sldImg"/>
-          </p:nvPr>
-        </p:nvSpPr>
-        <p:spPr/>
-      </p:sp>
-      <p:sp>
-        <p:nvSpPr>
-          <p:cNvPr id="3" name="Notes Placeholder 2"/>
-          <p:cNvSpPr>
-            <a:spLocks noGrp="1"/>
-          </p:cNvSpPr>
-          <p:nvPr>
-            <p:ph type="body" idx="1"/>
-          </p:nvPr>
-        </p:nvSpPr>
-        <p:spPr/>
-        <p:txBody>
-          <a:bodyPr/>
-          <a:lstStyle/>
-          <a:p>
-            <a:r>
-              <a:rPr lang="en-US" dirty="0" smtClean="0"/>
-              <a:t>We care about which part of the expression grows the fastest as n,</a:t>
-            </a:r>
-            <a:r>
-              <a:rPr lang="en-US" baseline="0" dirty="0" smtClean="0"/>
-              <a:t> the input size, grows.</a:t>
-            </a:r>
-            <a:endParaRPr lang="en-US" dirty="0"/>
-          </a:p>
-        </p:txBody>
-      </p:sp>
-      <p:sp>
-        <p:nvSpPr>
-          <p:cNvPr id="4" name="Slide Number Placeholder 3"/>
-          <p:cNvSpPr>
-            <a:spLocks noGrp="1"/>
-          </p:cNvSpPr>
-          <p:nvPr>
-            <p:ph type="sldNum" sz="quarter" idx="10"/>
-          </p:nvPr>
-        </p:nvSpPr>
-        <p:spPr/>
-        <p:txBody>
-          <a:bodyPr/>
-          <a:lstStyle/>
-          <a:p>
-            <a:pPr>
-              <a:defRPr/>
-            </a:pPr>
-            <a:fld id="{BDF97A26-8EDD-4564-9705-85BE5B01BB34}" type="slidenum">
-              <a:rPr lang="en-US" smtClean="0"/>
-              <a:pPr>
-                <a:defRPr/>
-              </a:pPr>
-              <a:t>27</a:t>
-            </a:fld>
-            <a:endParaRPr lang="en-US"/>
-          </a:p>
-        </p:txBody>
-      </p:sp>
-    </p:spTree>
-    <p:extLst>
-      <p:ext uri="{BB962C8B-B14F-4D97-AF65-F5344CB8AC3E}">
-        <p14:creationId xmlns:p14="http://schemas.microsoft.com/office/powerpoint/2010/main" val="1864529778"/>
-      </p:ext>
-    </p:extLst>
-  </p:cSld>
-  <p:clrMapOvr>
-    <a:masterClrMapping/>
-  </p:clrMapOvr>
-</p:notes>
-</file>
-
-<file path=ppt/notesSlides/notesSlide19.xml><?xml version="1.0" encoding="utf-8"?>
-<p:notes xmlns:a="http://schemas.openxmlformats.org/drawingml/2006/main" xmlns:r="http://schemas.openxmlformats.org/officeDocument/2006/relationships" xmlns:p="http://schemas.openxmlformats.org/presentationml/2006/main">
-  <p:cSld>
-    <p:spTree>
-      <p:nvGrpSpPr>
-        <p:cNvPr id="1" name=""/>
-        <p:cNvGrpSpPr/>
-        <p:nvPr/>
-      </p:nvGrpSpPr>
-      <p:grpSpPr>
-        <a:xfrm>
-          <a:off x="0" y="0"/>
-          <a:ext cx="0" cy="0"/>
-          <a:chOff x="0" y="0"/>
-          <a:chExt cx="0" cy="0"/>
-        </a:xfrm>
-      </p:grpSpPr>
-      <p:sp>
-        <p:nvSpPr>
-          <p:cNvPr id="2" name="Slide Image Placeholder 1"/>
-          <p:cNvSpPr>
-            <a:spLocks noGrp="1" noRot="1" noChangeAspect="1"/>
-          </p:cNvSpPr>
-          <p:nvPr>
-            <p:ph type="sldImg"/>
-          </p:nvPr>
-        </p:nvSpPr>
-        <p:spPr/>
-      </p:sp>
-      <p:sp>
-        <p:nvSpPr>
-          <p:cNvPr id="3" name="Notes Placeholder 2"/>
-          <p:cNvSpPr>
-            <a:spLocks noGrp="1"/>
-          </p:cNvSpPr>
-          <p:nvPr>
-            <p:ph type="body" idx="1"/>
-          </p:nvPr>
-        </p:nvSpPr>
-        <p:spPr/>
-        <p:txBody>
-          <a:bodyPr/>
-          <a:lstStyle/>
-          <a:p>
-            <a:endParaRPr lang="en-US" dirty="0"/>
-          </a:p>
-        </p:txBody>
-      </p:sp>
-      <p:sp>
-        <p:nvSpPr>
-          <p:cNvPr id="4" name="Slide Number Placeholder 3"/>
-          <p:cNvSpPr>
-            <a:spLocks noGrp="1"/>
-          </p:cNvSpPr>
-          <p:nvPr>
-            <p:ph type="sldNum" sz="quarter" idx="10"/>
-          </p:nvPr>
-        </p:nvSpPr>
-        <p:spPr/>
-        <p:txBody>
-          <a:bodyPr/>
-          <a:lstStyle/>
-          <a:p>
-            <a:pPr>
-              <a:defRPr/>
-            </a:pPr>
-            <a:fld id="{BDF97A26-8EDD-4564-9705-85BE5B01BB34}" type="slidenum">
-              <a:rPr lang="en-US" smtClean="0"/>
-              <a:pPr>
-                <a:defRPr/>
-              </a:pPr>
-              <a:t>28</a:t>
-            </a:fld>
-            <a:endParaRPr lang="en-US"/>
-          </a:p>
-        </p:txBody>
-      </p:sp>
-    </p:spTree>
-    <p:extLst>
-      <p:ext uri="{BB962C8B-B14F-4D97-AF65-F5344CB8AC3E}">
-        <p14:creationId xmlns:p14="http://schemas.microsoft.com/office/powerpoint/2010/main" val="1455335898"/>
+        <p14:creationId xmlns:p14="http://schemas.microsoft.com/office/powerpoint/2010/main" val="2535477123"/>
       </p:ext>
     </p:extLst>
   </p:cSld>
@@ -2118,336 +1800,6 @@
     <p:extLst>
       <p:ext uri="{BB962C8B-B14F-4D97-AF65-F5344CB8AC3E}">
         <p14:creationId xmlns:p14="http://schemas.microsoft.com/office/powerpoint/2010/main" val="1752422369"/>
-      </p:ext>
-    </p:extLst>
-  </p:cSld>
-  <p:clrMapOvr>
-    <a:masterClrMapping/>
-  </p:clrMapOvr>
-</p:notes>
-</file>
-
-<file path=ppt/notesSlides/notesSlide20.xml><?xml version="1.0" encoding="utf-8"?>
-<p:notes xmlns:a="http://schemas.openxmlformats.org/drawingml/2006/main" xmlns:r="http://schemas.openxmlformats.org/officeDocument/2006/relationships" xmlns:p="http://schemas.openxmlformats.org/presentationml/2006/main">
-  <p:cSld>
-    <p:spTree>
-      <p:nvGrpSpPr>
-        <p:cNvPr id="1" name=""/>
-        <p:cNvGrpSpPr/>
-        <p:nvPr/>
-      </p:nvGrpSpPr>
-      <p:grpSpPr>
-        <a:xfrm>
-          <a:off x="0" y="0"/>
-          <a:ext cx="0" cy="0"/>
-          <a:chOff x="0" y="0"/>
-          <a:chExt cx="0" cy="0"/>
-        </a:xfrm>
-      </p:grpSpPr>
-      <p:sp>
-        <p:nvSpPr>
-          <p:cNvPr id="65538" name="Slide Image Placeholder 1"/>
-          <p:cNvSpPr>
-            <a:spLocks noGrp="1" noRot="1" noChangeAspect="1" noTextEdit="1"/>
-          </p:cNvSpPr>
-          <p:nvPr>
-            <p:ph type="sldImg"/>
-          </p:nvPr>
-        </p:nvSpPr>
-        <p:spPr bwMode="auto">
-          <a:noFill/>
-          <a:ln>
-            <a:solidFill>
-              <a:srgbClr val="000000"/>
-            </a:solidFill>
-            <a:miter lim="800000"/>
-            <a:headEnd/>
-            <a:tailEnd/>
-          </a:ln>
-        </p:spPr>
-      </p:sp>
-      <p:sp>
-        <p:nvSpPr>
-          <p:cNvPr id="65539" name="Notes Placeholder 2"/>
-          <p:cNvSpPr>
-            <a:spLocks noGrp="1"/>
-          </p:cNvSpPr>
-          <p:nvPr>
-            <p:ph type="body" idx="1"/>
-          </p:nvPr>
-        </p:nvSpPr>
-        <p:spPr>
-          <a:noFill/>
-          <a:ln/>
-        </p:spPr>
-        <p:txBody>
-          <a:bodyPr/>
-          <a:lstStyle/>
-          <a:p>
-            <a:r>
-              <a:rPr lang="en-US" dirty="0" smtClean="0"/>
-              <a:t>- Examples: employee list, music play list</a:t>
-            </a:r>
-          </a:p>
-          <a:p>
-            <a:r>
-              <a:rPr lang="en-US" dirty="0" smtClean="0"/>
-              <a:t>Sketch a linked list on the board</a:t>
-            </a:r>
-            <a:r>
-              <a:rPr lang="en-US" baseline="0" dirty="0" smtClean="0"/>
-              <a:t> for “two more weeks” (quiz #3)</a:t>
-            </a:r>
-            <a:endParaRPr lang="en-US" dirty="0" smtClean="0"/>
-          </a:p>
-          <a:p>
-            <a:endParaRPr lang="en-US" dirty="0" smtClean="0"/>
-          </a:p>
-          <a:p>
-            <a:r>
-              <a:rPr lang="en-US" dirty="0" smtClean="0"/>
-              <a:t>Then show insertion and deletion.  </a:t>
-            </a:r>
-          </a:p>
-        </p:txBody>
-      </p:sp>
-      <p:sp>
-        <p:nvSpPr>
-          <p:cNvPr id="65540" name="Slide Number Placeholder 3"/>
-          <p:cNvSpPr>
-            <a:spLocks noGrp="1"/>
-          </p:cNvSpPr>
-          <p:nvPr>
-            <p:ph type="sldNum" sz="quarter" idx="5"/>
-          </p:nvPr>
-        </p:nvSpPr>
-        <p:spPr>
-          <a:noFill/>
-        </p:spPr>
-        <p:txBody>
-          <a:bodyPr/>
-          <a:lstStyle/>
-          <a:p>
-            <a:fld id="{DBC8B16D-3522-4DF2-8915-4B0542FC956A}" type="slidenum">
-              <a:rPr lang="en-US" smtClean="0"/>
-              <a:pPr/>
-              <a:t>29</a:t>
-            </a:fld>
-            <a:endParaRPr lang="en-US" smtClean="0"/>
-          </a:p>
-        </p:txBody>
-      </p:sp>
-    </p:spTree>
-    <p:extLst>
-      <p:ext uri="{BB962C8B-B14F-4D97-AF65-F5344CB8AC3E}">
-        <p14:creationId xmlns:p14="http://schemas.microsoft.com/office/powerpoint/2010/main" val="3647241296"/>
-      </p:ext>
-    </p:extLst>
-  </p:cSld>
-  <p:clrMapOvr>
-    <a:masterClrMapping/>
-  </p:clrMapOvr>
-</p:notes>
-</file>
-
-<file path=ppt/notesSlides/notesSlide21.xml><?xml version="1.0" encoding="utf-8"?>
-<p:notes xmlns:a="http://schemas.openxmlformats.org/drawingml/2006/main" xmlns:r="http://schemas.openxmlformats.org/officeDocument/2006/relationships" xmlns:p="http://schemas.openxmlformats.org/presentationml/2006/main">
-  <p:cSld>
-    <p:spTree>
-      <p:nvGrpSpPr>
-        <p:cNvPr id="1" name=""/>
-        <p:cNvGrpSpPr/>
-        <p:nvPr/>
-      </p:nvGrpSpPr>
-      <p:grpSpPr>
-        <a:xfrm>
-          <a:off x="0" y="0"/>
-          <a:ext cx="0" cy="0"/>
-          <a:chOff x="0" y="0"/>
-          <a:chExt cx="0" cy="0"/>
-        </a:xfrm>
-      </p:grpSpPr>
-      <p:sp>
-        <p:nvSpPr>
-          <p:cNvPr id="40962" name="Rectangle 2"/>
-          <p:cNvSpPr>
-            <a:spLocks noGrp="1" noRot="1" noChangeAspect="1" noTextEdit="1"/>
-          </p:cNvSpPr>
-          <p:nvPr>
-            <p:ph type="sldImg"/>
-          </p:nvPr>
-        </p:nvSpPr>
-        <p:spPr bwMode="auto">
-          <a:noFill/>
-          <a:ln>
-            <a:solidFill>
-              <a:srgbClr val="000000"/>
-            </a:solidFill>
-            <a:miter lim="800000"/>
-            <a:headEnd/>
-            <a:tailEnd/>
-          </a:ln>
-        </p:spPr>
-      </p:sp>
-      <p:sp>
-        <p:nvSpPr>
-          <p:cNvPr id="40963" name="Rectangle 3"/>
-          <p:cNvSpPr>
-            <a:spLocks noGrp="1"/>
-          </p:cNvSpPr>
-          <p:nvPr>
-            <p:ph type="body" idx="1"/>
-          </p:nvPr>
-        </p:nvSpPr>
-        <p:spPr>
-          <a:noFill/>
-          <a:ln/>
-        </p:spPr>
-        <p:txBody>
-          <a:bodyPr/>
-          <a:lstStyle/>
-          <a:p>
-            <a:r>
-              <a:rPr lang="en-US" dirty="0" smtClean="0"/>
-              <a:t>Big-Oh of each?</a:t>
-            </a:r>
-          </a:p>
-          <a:p>
-            <a:endParaRPr lang="en-US" dirty="0" smtClean="0"/>
-          </a:p>
-          <a:p>
-            <a:r>
-              <a:rPr lang="en-US" sz="1200" kern="1200" dirty="0" smtClean="0">
-                <a:solidFill>
-                  <a:schemeClr val="tx1"/>
-                </a:solidFill>
-                <a:latin typeface="+mn-lt"/>
-                <a:ea typeface="+mn-ea"/>
-                <a:cs typeface="+mn-cs"/>
-              </a:rPr>
-              <a:t>All of the operations perform as could be expected for a doubly-linked list. </a:t>
-            </a:r>
-          </a:p>
-          <a:p>
-            <a:endParaRPr lang="en-US" sz="1200" kern="1200" dirty="0" smtClean="0">
-              <a:solidFill>
-                <a:schemeClr val="tx1"/>
-              </a:solidFill>
-              <a:latin typeface="+mn-lt"/>
-              <a:ea typeface="+mn-ea"/>
-              <a:cs typeface="+mn-cs"/>
-            </a:endParaRPr>
-          </a:p>
-          <a:p>
-            <a:r>
-              <a:rPr lang="en-US" sz="1200" kern="1200" dirty="0" smtClean="0">
-                <a:solidFill>
-                  <a:schemeClr val="tx1"/>
-                </a:solidFill>
-                <a:latin typeface="+mn-lt"/>
-                <a:ea typeface="+mn-ea"/>
-                <a:cs typeface="+mn-cs"/>
-              </a:rPr>
-              <a:t>Thus, these operations all take O(1) time.</a:t>
-            </a:r>
-            <a:endParaRPr lang="en-US" dirty="0" smtClean="0"/>
-          </a:p>
-        </p:txBody>
-      </p:sp>
-    </p:spTree>
-    <p:extLst>
-      <p:ext uri="{BB962C8B-B14F-4D97-AF65-F5344CB8AC3E}">
-        <p14:creationId xmlns:p14="http://schemas.microsoft.com/office/powerpoint/2010/main" val="2944510501"/>
-      </p:ext>
-    </p:extLst>
-  </p:cSld>
-  <p:clrMapOvr>
-    <a:masterClrMapping/>
-  </p:clrMapOvr>
-</p:notes>
-</file>
-
-<file path=ppt/notesSlides/notesSlide22.xml><?xml version="1.0" encoding="utf-8"?>
-<p:notes xmlns:a="http://schemas.openxmlformats.org/drawingml/2006/main" xmlns:r="http://schemas.openxmlformats.org/officeDocument/2006/relationships" xmlns:p="http://schemas.openxmlformats.org/presentationml/2006/main">
-  <p:cSld>
-    <p:spTree>
-      <p:nvGrpSpPr>
-        <p:cNvPr id="1" name=""/>
-        <p:cNvGrpSpPr/>
-        <p:nvPr/>
-      </p:nvGrpSpPr>
-      <p:grpSpPr>
-        <a:xfrm>
-          <a:off x="0" y="0"/>
-          <a:ext cx="0" cy="0"/>
-          <a:chOff x="0" y="0"/>
-          <a:chExt cx="0" cy="0"/>
-        </a:xfrm>
-      </p:grpSpPr>
-      <p:sp>
-        <p:nvSpPr>
-          <p:cNvPr id="2" name="Slide Image Placeholder 1"/>
-          <p:cNvSpPr>
-            <a:spLocks noGrp="1" noRot="1" noChangeAspect="1"/>
-          </p:cNvSpPr>
-          <p:nvPr>
-            <p:ph type="sldImg"/>
-          </p:nvPr>
-        </p:nvSpPr>
-        <p:spPr/>
-      </p:sp>
-      <p:sp>
-        <p:nvSpPr>
-          <p:cNvPr id="3" name="Notes Placeholder 2"/>
-          <p:cNvSpPr>
-            <a:spLocks noGrp="1"/>
-          </p:cNvSpPr>
-          <p:nvPr>
-            <p:ph type="body" idx="1"/>
-          </p:nvPr>
-        </p:nvSpPr>
-        <p:spPr/>
-        <p:txBody>
-          <a:bodyPr/>
-          <a:lstStyle/>
-          <a:p>
-            <a:endParaRPr lang="en-US" dirty="0"/>
-          </a:p>
-        </p:txBody>
-      </p:sp>
-      <p:sp>
-        <p:nvSpPr>
-          <p:cNvPr id="4" name="Slide Number Placeholder 3"/>
-          <p:cNvSpPr>
-            <a:spLocks noGrp="1"/>
-          </p:cNvSpPr>
-          <p:nvPr>
-            <p:ph type="sldNum" sz="quarter" idx="10"/>
-          </p:nvPr>
-        </p:nvSpPr>
-        <p:spPr/>
-        <p:txBody>
-          <a:bodyPr/>
-          <a:lstStyle/>
-          <a:p>
-            <a:pPr>
-              <a:defRPr/>
-            </a:pPr>
-            <a:fld id="{BDF97A26-8EDD-4564-9705-85BE5B01BB34}" type="slidenum">
-              <a:rPr lang="en-US" smtClean="0"/>
-              <a:pPr>
-                <a:defRPr/>
-              </a:pPr>
-              <a:t>32</a:t>
-            </a:fld>
-            <a:endParaRPr lang="en-US"/>
-          </a:p>
-        </p:txBody>
-      </p:sp>
-    </p:spTree>
-    <p:extLst>
-      <p:ext uri="{BB962C8B-B14F-4D97-AF65-F5344CB8AC3E}">
-        <p14:creationId xmlns:p14="http://schemas.microsoft.com/office/powerpoint/2010/main" val="2526261208"/>
       </p:ext>
     </p:extLst>
   </p:cSld>
@@ -2778,11 +2130,11 @@
           <a:p>
             <a:r>
               <a:rPr lang="en-US" dirty="0" smtClean="0"/>
-              <a:t>Start here</a:t>
+              <a:t>This is</a:t>
             </a:r>
             <a:r>
               <a:rPr lang="en-US" baseline="0" dirty="0" smtClean="0"/>
-              <a:t> with 10-15 minutes left in class</a:t>
+              <a:t> the end of Monday’s class, pick up from here on Wednesday to complete quiz</a:t>
             </a:r>
             <a:endParaRPr lang="en-US" dirty="0"/>
           </a:p>
@@ -2803,8 +2155,14 @@
           <a:bodyPr/>
           <a:lstStyle/>
           <a:p>
-            <a:fld id="{AC522A93-4968-4B29-BB16-64A778254383}" type="slidenum">
+            <a:pPr>
+              <a:defRPr/>
+            </a:pPr>
+            <a:fld id="{BDF97A26-8EDD-4564-9705-85BE5B01BB34}" type="slidenum">
               <a:rPr lang="en-US" smtClean="0"/>
+              <a:pPr>
+                <a:defRPr/>
+              </a:pPr>
               <a:t>13</a:t>
             </a:fld>
             <a:endParaRPr lang="en-US"/>
@@ -2814,7 +2172,7 @@
     </p:spTree>
     <p:extLst>
       <p:ext uri="{BB962C8B-B14F-4D97-AF65-F5344CB8AC3E}">
-        <p14:creationId xmlns:p14="http://schemas.microsoft.com/office/powerpoint/2010/main" val="1175798896"/>
+        <p14:creationId xmlns:p14="http://schemas.microsoft.com/office/powerpoint/2010/main" val="1886365126"/>
       </p:ext>
     </p:extLst>
   </p:cSld>
@@ -2843,87 +2201,76 @@
       </p:grpSpPr>
       <p:sp>
         <p:nvSpPr>
-          <p:cNvPr id="6" name="Rectangle 7"/>
-          <p:cNvSpPr>
-            <a:spLocks noGrp="1" noChangeArrowheads="1"/>
-          </p:cNvSpPr>
-          <p:nvPr>
-            <p:ph type="sldNum" sz="quarter" idx="5"/>
-          </p:nvPr>
-        </p:nvSpPr>
-        <p:spPr>
-          <a:ln/>
-        </p:spPr>
+          <p:cNvPr id="2" name="Slide Image Placeholder 1"/>
+          <p:cNvSpPr>
+            <a:spLocks noGrp="1" noRot="1" noChangeAspect="1"/>
+          </p:cNvSpPr>
+          <p:nvPr>
+            <p:ph type="sldImg"/>
+          </p:nvPr>
+        </p:nvSpPr>
+        <p:spPr/>
+      </p:sp>
+      <p:sp>
+        <p:nvSpPr>
+          <p:cNvPr id="3" name="Notes Placeholder 2"/>
+          <p:cNvSpPr>
+            <a:spLocks noGrp="1"/>
+          </p:cNvSpPr>
+          <p:nvPr>
+            <p:ph type="body" idx="1"/>
+          </p:nvPr>
+        </p:nvSpPr>
+        <p:spPr/>
         <p:txBody>
           <a:bodyPr/>
           <a:lstStyle/>
           <a:p>
-            <a:fld id="{7727C13E-55A7-4AA1-B591-35D39C8ACB4B}" type="slidenum">
-              <a:rPr lang="en-US"/>
-              <a:pPr/>
+            <a:r>
+              <a:rPr lang="en-US" dirty="0" smtClean="0"/>
+              <a:t>This is</a:t>
+            </a:r>
+            <a:r>
+              <a:rPr lang="en-US" baseline="0" dirty="0" smtClean="0"/>
+              <a:t> the end of Monday’s class, pick up from here on Wednesday to complete quiz</a:t>
+            </a:r>
+            <a:endParaRPr lang="en-US" dirty="0"/>
+          </a:p>
+        </p:txBody>
+      </p:sp>
+      <p:sp>
+        <p:nvSpPr>
+          <p:cNvPr id="4" name="Slide Number Placeholder 3"/>
+          <p:cNvSpPr>
+            <a:spLocks noGrp="1"/>
+          </p:cNvSpPr>
+          <p:nvPr>
+            <p:ph type="sldNum" sz="quarter" idx="10"/>
+          </p:nvPr>
+        </p:nvSpPr>
+        <p:spPr/>
+        <p:txBody>
+          <a:bodyPr/>
+          <a:lstStyle/>
+          <a:p>
+            <a:pPr>
+              <a:defRPr/>
+            </a:pPr>
+            <a:fld id="{BDF97A26-8EDD-4564-9705-85BE5B01BB34}" type="slidenum">
+              <a:rPr lang="en-US" smtClean="0"/>
+              <a:pPr>
+                <a:defRPr/>
+              </a:pPr>
               <a:t>14</a:t>
             </a:fld>
             <a:endParaRPr lang="en-US"/>
           </a:p>
         </p:txBody>
       </p:sp>
-      <p:sp>
-        <p:nvSpPr>
-          <p:cNvPr id="523266" name="Rectangle 2"/>
-          <p:cNvSpPr>
-            <a:spLocks noGrp="1" noRot="1" noChangeAspect="1" noChangeArrowheads="1" noTextEdit="1"/>
-          </p:cNvSpPr>
-          <p:nvPr>
-            <p:ph type="sldImg"/>
-          </p:nvPr>
-        </p:nvSpPr>
-        <p:spPr>
-          <a:xfrm>
-            <a:off x="1123950" y="654050"/>
-            <a:ext cx="4611688" cy="3459163"/>
-          </a:xfrm>
-          <a:ln/>
-        </p:spPr>
-      </p:sp>
-      <p:sp>
-        <p:nvSpPr>
-          <p:cNvPr id="2" name="Notes Placeholder 1"/>
-          <p:cNvSpPr>
-            <a:spLocks noGrp="1"/>
-          </p:cNvSpPr>
-          <p:nvPr>
-            <p:ph type="body" idx="1"/>
-          </p:nvPr>
-        </p:nvSpPr>
-        <p:spPr/>
-        <p:txBody>
-          <a:bodyPr/>
-          <a:lstStyle/>
-          <a:p>
-            <a:r>
-              <a:rPr lang="en-US" b="1" dirty="0" smtClean="0"/>
-              <a:t>Q:</a:t>
-            </a:r>
-            <a:r>
-              <a:rPr lang="en-US" b="1" baseline="0" dirty="0" smtClean="0"/>
-              <a:t> </a:t>
-            </a:r>
-            <a:r>
-              <a:rPr lang="en-US" dirty="0" smtClean="0"/>
-              <a:t>What is pair</a:t>
-            </a:r>
-            <a:r>
-              <a:rPr lang="en-US" baseline="0" dirty="0" smtClean="0"/>
-              <a:t> programming? [a software technique where 2 programmers work side by side at the (one) computer continuously collaborating on the same design, algorithm, code, and or test.]</a:t>
-            </a:r>
-            <a:endParaRPr lang="en-US" dirty="0"/>
-          </a:p>
-        </p:txBody>
-      </p:sp>
     </p:spTree>
     <p:extLst>
       <p:ext uri="{BB962C8B-B14F-4D97-AF65-F5344CB8AC3E}">
-        <p14:creationId xmlns:p14="http://schemas.microsoft.com/office/powerpoint/2010/main" val="173982162"/>
+        <p14:creationId xmlns:p14="http://schemas.microsoft.com/office/powerpoint/2010/main" val="17916956"/>
       </p:ext>
     </p:extLst>
   </p:cSld>
@@ -2952,7 +2299,7 @@
       </p:grpSpPr>
       <p:sp>
         <p:nvSpPr>
-          <p:cNvPr id="55298" name="Rectangle 2"/>
+          <p:cNvPr id="37890" name="Slide Image Placeholder 1"/>
           <p:cNvSpPr>
             <a:spLocks noGrp="1" noRot="1" noChangeAspect="1" noTextEdit="1"/>
           </p:cNvSpPr>
@@ -2970,20 +2317,11 @@
             <a:headEnd/>
             <a:tailEnd/>
           </a:ln>
-          <a:extLst>
-            <a:ext uri="{909E8E84-426E-40dd-AFC4-6F175D3DCCD1}">
-              <a14:hiddenFill xmlns="" xmlns:a14="http://schemas.microsoft.com/office/drawing/2010/main">
-                <a:solidFill>
-                  <a:srgbClr val="FFFFFF"/>
-                </a:solidFill>
-              </a14:hiddenFill>
-            </a:ext>
-          </a:extLst>
         </p:spPr>
       </p:sp>
       <p:sp>
         <p:nvSpPr>
-          <p:cNvPr id="55299" name="Rectangle 3"/>
+          <p:cNvPr id="37891" name="Notes Placeholder 2"/>
           <p:cNvSpPr>
             <a:spLocks noGrp="1"/>
           </p:cNvSpPr>
@@ -2994,50 +2332,53 @@
         <p:spPr>
           <a:noFill/>
           <a:ln/>
-          <a:extLst>
-            <a:ext uri="{909E8E84-426E-40dd-AFC4-6F175D3DCCD1}">
-              <a14:hiddenFill xmlns="" xmlns:a14="http://schemas.microsoft.com/office/drawing/2010/main">
-                <a:solidFill>
-                  <a:srgbClr val="FFFFFF"/>
-                </a:solidFill>
-              </a14:hiddenFill>
-            </a:ext>
-            <a:ext uri="{91240B29-F687-4f45-9708-019B960494DF}">
-              <a14:hiddenLine xmlns="" xmlns:a14="http://schemas.microsoft.com/office/drawing/2010/main" w="9525">
-                <a:solidFill>
-                  <a:srgbClr val="000000"/>
-                </a:solidFill>
-                <a:miter lim="800000"/>
-                <a:headEnd/>
-                <a:tailEnd/>
-              </a14:hiddenLine>
-            </a:ext>
-          </a:extLst>
         </p:spPr>
         <p:txBody>
           <a:bodyPr/>
           <a:lstStyle/>
           <a:p>
             <a:r>
-              <a:rPr lang="en-US" b="1" dirty="0" smtClean="0"/>
-              <a:t>Q</a:t>
-            </a:r>
-            <a:r>
               <a:rPr lang="en-US" dirty="0" smtClean="0"/>
-              <a:t>: What are the two</a:t>
+              <a:t>If students get through things quickly</a:t>
             </a:r>
             <a:r>
               <a:rPr lang="en-US" baseline="0" dirty="0" smtClean="0"/>
-              <a:t> roles in Pair Programming? [driver and navigator]</a:t>
+              <a:t> we can move into this material in the first hour, but if not- that is OK, we have the next class period to go through it and give them time to work on the rest of the quiz and the homework problems.</a:t>
             </a:r>
             <a:endParaRPr lang="en-US" dirty="0" smtClean="0"/>
+          </a:p>
+        </p:txBody>
+      </p:sp>
+      <p:sp>
+        <p:nvSpPr>
+          <p:cNvPr id="37892" name="Slide Number Placeholder 3"/>
+          <p:cNvSpPr>
+            <a:spLocks noGrp="1"/>
+          </p:cNvSpPr>
+          <p:nvPr>
+            <p:ph type="sldNum" sz="quarter" idx="5"/>
+          </p:nvPr>
+        </p:nvSpPr>
+        <p:spPr>
+          <a:noFill/>
+        </p:spPr>
+        <p:txBody>
+          <a:bodyPr/>
+          <a:lstStyle/>
+          <a:p>
+            <a:fld id="{3F61CCCE-EBAC-4FB5-91D4-9759E6271461}" type="slidenum">
+              <a:rPr lang="en-US" smtClean="0"/>
+              <a:pPr/>
+              <a:t>17</a:t>
+            </a:fld>
+            <a:endParaRPr lang="en-US" smtClean="0"/>
           </a:p>
         </p:txBody>
       </p:sp>
     </p:spTree>
     <p:extLst>
       <p:ext uri="{BB962C8B-B14F-4D97-AF65-F5344CB8AC3E}">
-        <p14:creationId xmlns:p14="http://schemas.microsoft.com/office/powerpoint/2010/main" val="1644641822"/>
+        <p14:creationId xmlns:p14="http://schemas.microsoft.com/office/powerpoint/2010/main" val="248893057"/>
       </p:ext>
     </p:extLst>
   </p:cSld>
@@ -3066,19 +2407,29 @@
       </p:grpSpPr>
       <p:sp>
         <p:nvSpPr>
-          <p:cNvPr id="2" name="Slide Image Placeholder 1"/>
-          <p:cNvSpPr>
-            <a:spLocks noGrp="1" noRot="1" noChangeAspect="1"/>
+          <p:cNvPr id="38914" name="Slide Image Placeholder 1"/>
+          <p:cNvSpPr>
+            <a:spLocks noGrp="1" noRot="1" noChangeAspect="1" noTextEdit="1"/>
           </p:cNvSpPr>
           <p:nvPr>
             <p:ph type="sldImg"/>
           </p:nvPr>
         </p:nvSpPr>
-        <p:spPr/>
-      </p:sp>
-      <p:sp>
-        <p:nvSpPr>
-          <p:cNvPr id="3" name="Notes Placeholder 2"/>
+        <p:spPr bwMode="auto">
+          <a:noFill/>
+          <a:ln>
+            <a:solidFill>
+              <a:srgbClr val="000000"/>
+            </a:solidFill>
+            <a:miter lim="800000"/>
+            <a:headEnd/>
+            <a:tailEnd/>
+          </a:ln>
+        </p:spPr>
+      </p:sp>
+      <p:sp>
+        <p:nvSpPr>
+          <p:cNvPr id="38915" name="Notes Placeholder 2"/>
           <p:cNvSpPr>
             <a:spLocks noGrp="1"/>
           </p:cNvSpPr>
@@ -3086,50 +2437,51 @@
             <p:ph type="body" idx="1"/>
           </p:nvPr>
         </p:nvSpPr>
-        <p:spPr/>
+        <p:spPr>
+          <a:noFill/>
+          <a:ln/>
+        </p:spPr>
         <p:txBody>
           <a:bodyPr/>
           <a:lstStyle/>
           <a:p>
             <a:r>
               <a:rPr lang="en-US" dirty="0" smtClean="0"/>
-              <a:t>Optional, can skip this</a:t>
-            </a:r>
-            <a:r>
-              <a:rPr lang="en-US" baseline="0" dirty="0" smtClean="0"/>
-              <a:t> but mention it to the students as something to watch if they are unfamiliar with pair programming</a:t>
-            </a:r>
-            <a:endParaRPr lang="en-US" dirty="0"/>
-          </a:p>
-        </p:txBody>
-      </p:sp>
-      <p:sp>
-        <p:nvSpPr>
-          <p:cNvPr id="4" name="Slide Number Placeholder 3"/>
-          <p:cNvSpPr>
-            <a:spLocks noGrp="1"/>
-          </p:cNvSpPr>
-          <p:nvPr>
-            <p:ph type="sldNum" sz="quarter" idx="10"/>
-          </p:nvPr>
-        </p:nvSpPr>
-        <p:spPr/>
+              <a:t>Q: Have to move all the other elements up or down to make/use room.  O(n)</a:t>
+            </a:r>
+          </a:p>
+        </p:txBody>
+      </p:sp>
+      <p:sp>
+        <p:nvSpPr>
+          <p:cNvPr id="38916" name="Slide Number Placeholder 3"/>
+          <p:cNvSpPr>
+            <a:spLocks noGrp="1"/>
+          </p:cNvSpPr>
+          <p:nvPr>
+            <p:ph type="sldNum" sz="quarter" idx="5"/>
+          </p:nvPr>
+        </p:nvSpPr>
+        <p:spPr>
+          <a:noFill/>
+        </p:spPr>
         <p:txBody>
           <a:bodyPr/>
           <a:lstStyle/>
           <a:p>
-            <a:fld id="{AC522A93-4968-4B29-BB16-64A778254383}" type="slidenum">
+            <a:fld id="{44E6C81E-B2A6-437F-BF75-B7739F182E02}" type="slidenum">
               <a:rPr lang="en-US" smtClean="0"/>
-              <a:t>16</a:t>
+              <a:pPr/>
+              <a:t>18</a:t>
             </a:fld>
-            <a:endParaRPr lang="en-US"/>
+            <a:endParaRPr lang="en-US" smtClean="0"/>
           </a:p>
         </p:txBody>
       </p:sp>
     </p:spTree>
     <p:extLst>
       <p:ext uri="{BB962C8B-B14F-4D97-AF65-F5344CB8AC3E}">
-        <p14:creationId xmlns:p14="http://schemas.microsoft.com/office/powerpoint/2010/main" val="1188904769"/>
+        <p14:creationId xmlns:p14="http://schemas.microsoft.com/office/powerpoint/2010/main" val="3971722243"/>
       </p:ext>
     </p:extLst>
   </p:cSld>
@@ -3326,7 +2678,7 @@
               <a:pPr>
                 <a:defRPr/>
               </a:pPr>
-              <a:t>Monday, April 30, 2018</a:t>
+              <a:t>Monday, May 4, 2020</a:t>
             </a:fld>
             <a:endParaRPr lang="en-US" dirty="0"/>
           </a:p>
@@ -3511,7 +2863,7 @@
               <a:pPr>
                 <a:defRPr/>
               </a:pPr>
-              <a:t>Monday, April 30, 2018</a:t>
+              <a:t>Monday, May 4, 2020</a:t>
             </a:fld>
             <a:endParaRPr lang="en-US" dirty="0"/>
           </a:p>
@@ -3706,7 +3058,7 @@
               <a:pPr>
                 <a:defRPr/>
               </a:pPr>
-              <a:t>Monday, April 30, 2018</a:t>
+              <a:t>Monday, May 4, 2020</a:t>
             </a:fld>
             <a:endParaRPr lang="en-US" dirty="0"/>
           </a:p>
@@ -3891,7 +3243,7 @@
               <a:pPr>
                 <a:defRPr/>
               </a:pPr>
-              <a:t>Monday, April 30, 2018</a:t>
+              <a:t>Monday, May 4, 2020</a:t>
             </a:fld>
             <a:endParaRPr lang="en-US" dirty="0"/>
           </a:p>
@@ -4152,7 +3504,7 @@
               <a:pPr>
                 <a:defRPr/>
               </a:pPr>
-              <a:t>Monday, April 30, 2018</a:t>
+              <a:t>Monday, May 4, 2020</a:t>
             </a:fld>
             <a:endParaRPr lang="en-US"/>
           </a:p>
@@ -4455,7 +3807,7 @@
               <a:pPr>
                 <a:defRPr/>
               </a:pPr>
-              <a:t>Monday, April 30, 2018</a:t>
+              <a:t>Monday, May 4, 2020</a:t>
             </a:fld>
             <a:endParaRPr lang="en-US"/>
           </a:p>
@@ -4892,7 +4244,7 @@
               <a:pPr>
                 <a:defRPr/>
               </a:pPr>
-              <a:t>Monday, April 30, 2018</a:t>
+              <a:t>Monday, May 4, 2020</a:t>
             </a:fld>
             <a:endParaRPr lang="en-US"/>
           </a:p>
@@ -5025,7 +4377,7 @@
               <a:pPr>
                 <a:defRPr/>
               </a:pPr>
-              <a:t>Monday, April 30, 2018</a:t>
+              <a:t>Monday, May 4, 2020</a:t>
             </a:fld>
             <a:endParaRPr lang="en-US"/>
           </a:p>
@@ -5135,7 +4487,7 @@
               <a:pPr>
                 <a:defRPr/>
               </a:pPr>
-              <a:t>Monday, April 30, 2018</a:t>
+              <a:t>Monday, May 4, 2020</a:t>
             </a:fld>
             <a:endParaRPr lang="en-US" dirty="0"/>
           </a:p>
@@ -5427,7 +4779,7 @@
               <a:pPr>
                 <a:defRPr/>
               </a:pPr>
-              <a:t>Monday, April 30, 2018</a:t>
+              <a:t>Monday, May 4, 2020</a:t>
             </a:fld>
             <a:endParaRPr lang="en-US"/>
           </a:p>
@@ -5695,7 +5047,7 @@
               <a:pPr>
                 <a:defRPr/>
               </a:pPr>
-              <a:t>Monday, April 30, 2018</a:t>
+              <a:t>Monday, May 4, 2020</a:t>
             </a:fld>
             <a:endParaRPr lang="en-US"/>
           </a:p>
@@ -5923,7 +5275,7 @@
               <a:pPr>
                 <a:defRPr/>
               </a:pPr>
-              <a:t>Monday, April 30, 2018</a:t>
+              <a:t>Monday, May 4, 2020</a:t>
             </a:fld>
             <a:endParaRPr lang="en-US" dirty="0"/>
           </a:p>
@@ -6363,30 +5715,13 @@
             </a:pPr>
             <a:r>
               <a:rPr lang="en-US" sz="2500" dirty="0" smtClean="0"/>
-              <a:t>Linked List Implementation</a:t>
-            </a:r>
-          </a:p>
-          <a:p>
-            <a:pPr marR="0" eaLnBrk="1" hangingPunct="1">
-              <a:lnSpc>
-                <a:spcPct val="90000"/>
-              </a:lnSpc>
-            </a:pPr>
+              <a:t>Linked List </a:t>
+            </a:r>
             <a:r>
               <a:rPr lang="en-US" sz="2500" dirty="0" smtClean="0"/>
-              <a:t>and</a:t>
-            </a:r>
-          </a:p>
-          <a:p>
-            <a:pPr marR="0" eaLnBrk="1" hangingPunct="1">
-              <a:lnSpc>
-                <a:spcPct val="90000"/>
-              </a:lnSpc>
-            </a:pPr>
-            <a:r>
-              <a:rPr lang="en-US" sz="2500" dirty="0" smtClean="0"/>
-              <a:t>Project Preparation</a:t>
-            </a:r>
+              <a:t>Implementation</a:t>
+            </a:r>
+            <a:endParaRPr lang="en-US" sz="2500" dirty="0" smtClean="0"/>
           </a:p>
         </p:txBody>
       </p:sp>
@@ -6444,8 +5779,13 @@
             </a:r>
             <a:r>
               <a:rPr lang="en-US" sz="2400" b="1" dirty="0"/>
-              <a:t>project from SVN</a:t>
-            </a:r>
+              <a:t>project from </a:t>
+            </a:r>
+            <a:r>
+              <a:rPr lang="en-US" sz="2400" b="1" dirty="0" err="1" smtClean="0"/>
+              <a:t>git</a:t>
+            </a:r>
+            <a:endParaRPr lang="en-US" sz="2400" b="1" dirty="0"/>
           </a:p>
         </p:txBody>
       </p:sp>
@@ -6793,7 +6133,7 @@
 </file>
 
 <file path=ppt/slides/slide13.xml><?xml version="1.0" encoding="utf-8"?>
-<p:sld xmlns:a="http://schemas.openxmlformats.org/drawingml/2006/main" xmlns:r="http://schemas.openxmlformats.org/officeDocument/2006/relationships" xmlns:p="http://schemas.openxmlformats.org/presentationml/2006/main">
+<p:sld xmlns:a="http://schemas.openxmlformats.org/drawingml/2006/main" xmlns:r="http://schemas.openxmlformats.org/officeDocument/2006/relationships" xmlns:p="http://schemas.openxmlformats.org/presentationml/2006/main" show="0">
   <p:cSld>
     <p:spTree>
       <p:nvGrpSpPr>
@@ -6811,7 +6151,7 @@
       </p:grpSpPr>
       <p:sp>
         <p:nvSpPr>
-          <p:cNvPr id="2" name="Title 1"/>
+          <p:cNvPr id="4" name="Title 3"/>
           <p:cNvSpPr>
             <a:spLocks noGrp="1"/>
           </p:cNvSpPr>
@@ -6819,80 +6159,138 @@
             <p:ph type="title"/>
           </p:nvPr>
         </p:nvSpPr>
-        <p:spPr/>
+        <p:spPr>
+          <a:xfrm>
+            <a:off x="757482" y="1519237"/>
+            <a:ext cx="7772400" cy="1362075"/>
+          </a:xfrm>
+        </p:spPr>
+        <p:txBody>
+          <a:bodyPr/>
+          <a:lstStyle/>
+          <a:p>
+            <a:r>
+              <a:rPr lang="en-US" dirty="0" smtClean="0"/>
+              <a:t>Team Project Work </a:t>
+            </a:r>
+            <a:r>
+              <a:rPr lang="en-US" dirty="0" err="1" smtClean="0"/>
+              <a:t>TiMe</a:t>
+            </a:r>
+            <a:endParaRPr lang="en-US" dirty="0"/>
+          </a:p>
+        </p:txBody>
+      </p:sp>
+      <p:sp>
+        <p:nvSpPr>
+          <p:cNvPr id="2" name="Text Placeholder 1"/>
+          <p:cNvSpPr>
+            <a:spLocks noGrp="1"/>
+          </p:cNvSpPr>
+          <p:nvPr>
+            <p:ph type="body" idx="1"/>
+          </p:nvPr>
+        </p:nvSpPr>
+        <p:spPr>
+          <a:xfrm>
+            <a:off x="0" y="2514600"/>
+            <a:ext cx="9144000" cy="2642393"/>
+          </a:xfrm>
+        </p:spPr>
         <p:txBody>
           <a:bodyPr>
-            <a:normAutofit/>
+            <a:noAutofit/>
           </a:bodyPr>
           <a:lstStyle/>
           <a:p>
-            <a:r>
-              <a:rPr lang="en-US" dirty="0"/>
-              <a:t>Software Engineering </a:t>
-            </a:r>
-            <a:r>
-              <a:rPr lang="en-US" dirty="0" smtClean="0"/>
-              <a:t>Techniques</a:t>
-            </a:r>
-            <a:endParaRPr lang="en-US" dirty="0"/>
-          </a:p>
-        </p:txBody>
-      </p:sp>
-      <p:sp>
-        <p:nvSpPr>
-          <p:cNvPr id="3" name="Content Placeholder 2"/>
-          <p:cNvSpPr>
-            <a:spLocks noGrp="1"/>
-          </p:cNvSpPr>
-          <p:nvPr>
-            <p:ph idx="1"/>
-          </p:nvPr>
-        </p:nvSpPr>
-        <p:spPr/>
-        <p:txBody>
-          <a:bodyPr/>
-          <a:lstStyle/>
-          <a:p>
-            <a:r>
-              <a:rPr lang="en-US" dirty="0" smtClean="0"/>
-              <a:t>Pair programming</a:t>
-            </a:r>
-          </a:p>
-          <a:p>
-            <a:pPr lvl="1"/>
-            <a:r>
-              <a:rPr lang="en-US" dirty="0" smtClean="0"/>
-              <a:t>Project can be coordinated well with this</a:t>
-            </a:r>
-            <a:endParaRPr lang="en-US" dirty="0"/>
-          </a:p>
-          <a:p>
-            <a:r>
-              <a:rPr lang="en-US" dirty="0"/>
-              <a:t>Version Control </a:t>
-            </a:r>
-            <a:endParaRPr lang="en-US" dirty="0" smtClean="0"/>
-          </a:p>
-          <a:p>
-            <a:pPr lvl="1"/>
-            <a:r>
-              <a:rPr lang="en-US" dirty="0" smtClean="0"/>
-              <a:t>How to avoid merge conflicts in SVN</a:t>
-            </a:r>
-            <a:endParaRPr lang="en-US" dirty="0"/>
+            <a:pPr marL="457200" indent="-457200">
+              <a:buFont typeface="Arial" panose="020B0604020202020204" pitchFamily="34" charset="0"/>
+              <a:buChar char="•"/>
+            </a:pPr>
+            <a:r>
+              <a:rPr lang="en-US" sz="3200" dirty="0" smtClean="0">
+                <a:solidFill>
+                  <a:schemeClr val="tx1"/>
+                </a:solidFill>
+              </a:rPr>
+              <a:t>Move into your groups if not already </a:t>
+            </a:r>
+          </a:p>
+          <a:p>
+            <a:pPr marL="457200" indent="-457200">
+              <a:buFont typeface="Arial" panose="020B0604020202020204" pitchFamily="34" charset="0"/>
+              <a:buChar char="•"/>
+            </a:pPr>
+            <a:r>
+              <a:rPr lang="en-US" sz="3200" dirty="0" smtClean="0">
+                <a:solidFill>
+                  <a:schemeClr val="tx1"/>
+                </a:solidFill>
+              </a:rPr>
+              <a:t>Review comments from Milestone 0 feedback </a:t>
+            </a:r>
+          </a:p>
+          <a:p>
+            <a:pPr marL="457200" indent="-457200">
+              <a:buFont typeface="Arial" panose="020B0604020202020204" pitchFamily="34" charset="0"/>
+              <a:buChar char="•"/>
+            </a:pPr>
+            <a:r>
+              <a:rPr lang="en-US" sz="3200" dirty="0">
+                <a:solidFill>
+                  <a:schemeClr val="tx1"/>
+                </a:solidFill>
+              </a:rPr>
+              <a:t>B</a:t>
+            </a:r>
+            <a:r>
+              <a:rPr lang="en-US" sz="3200" dirty="0" smtClean="0">
+                <a:solidFill>
+                  <a:schemeClr val="tx1"/>
+                </a:solidFill>
+              </a:rPr>
+              <a:t>e prepared to ask question of the grader </a:t>
+            </a:r>
+          </a:p>
+          <a:p>
+            <a:pPr marL="457200" indent="-457200">
+              <a:buFont typeface="Arial" panose="020B0604020202020204" pitchFamily="34" charset="0"/>
+              <a:buChar char="•"/>
+            </a:pPr>
+            <a:r>
+              <a:rPr lang="en-US" sz="3200" dirty="0" smtClean="0">
+                <a:solidFill>
+                  <a:schemeClr val="tx1"/>
+                </a:solidFill>
+              </a:rPr>
+              <a:t>You will have ~5 minutes, so use it well</a:t>
+            </a:r>
+            <a:endParaRPr lang="en-US" sz="3200" dirty="0">
+              <a:solidFill>
+                <a:schemeClr val="tx1"/>
+              </a:solidFill>
+            </a:endParaRPr>
           </a:p>
         </p:txBody>
       </p:sp>
     </p:spTree>
     <p:extLst>
       <p:ext uri="{BB962C8B-B14F-4D97-AF65-F5344CB8AC3E}">
-        <p14:creationId xmlns:p14="http://schemas.microsoft.com/office/powerpoint/2010/main" val="1836425940"/>
+        <p14:creationId xmlns:p14="http://schemas.microsoft.com/office/powerpoint/2010/main" val="3780774253"/>
       </p:ext>
     </p:extLst>
   </p:cSld>
   <p:clrMapOvr>
     <a:masterClrMapping/>
   </p:clrMapOvr>
+  <mc:AlternateContent xmlns:mc="http://schemas.openxmlformats.org/markup-compatibility/2006">
+    <mc:Choice xmlns:p14="http://schemas.microsoft.com/office/powerpoint/2010/main" Requires="p14">
+      <p:transition spd="slow" p14:dur="2000"/>
+    </mc:Choice>
+    <mc:Fallback>
+      <p:transition spd="slow"/>
+    </mc:Fallback>
+  </mc:AlternateContent>
   <p:timing>
     <p:tnLst>
       <p:par>
@@ -6922,9 +6320,9 @@
       </p:grpSpPr>
       <p:sp>
         <p:nvSpPr>
-          <p:cNvPr id="522242" name="Rectangle 2"/>
-          <p:cNvSpPr>
-            <a:spLocks noGrp="1" noChangeArrowheads="1"/>
+          <p:cNvPr id="4" name="Title 3"/>
+          <p:cNvSpPr>
+            <a:spLocks noGrp="1"/>
           </p:cNvSpPr>
           <p:nvPr>
             <p:ph type="title"/>
@@ -6932,8 +6330,8 @@
         </p:nvSpPr>
         <p:spPr>
           <a:xfrm>
-            <a:off x="457200" y="76200"/>
-            <a:ext cx="8229600" cy="792162"/>
+            <a:off x="722313" y="457200"/>
+            <a:ext cx="7772400" cy="766763"/>
           </a:xfrm>
         </p:spPr>
         <p:txBody>
@@ -6941,242 +6339,123 @@
           <a:lstStyle/>
           <a:p>
             <a:r>
-              <a:rPr lang="en-US" dirty="0"/>
-              <a:t>What Is Pair Programming?</a:t>
-            </a:r>
-          </a:p>
-        </p:txBody>
-      </p:sp>
-      <p:sp>
-        <p:nvSpPr>
-          <p:cNvPr id="522243" name="Rectangle 3"/>
-          <p:cNvSpPr>
-            <a:spLocks noGrp="1" noChangeArrowheads="1"/>
-          </p:cNvSpPr>
-          <p:nvPr>
-            <p:ph type="body" idx="1"/>
-          </p:nvPr>
+              <a:rPr lang="en-US" dirty="0" smtClean="0"/>
+              <a:t>Project advice</a:t>
+            </a:r>
+            <a:endParaRPr lang="en-US" dirty="0"/>
+          </a:p>
+        </p:txBody>
+      </p:sp>
+      <p:sp>
+        <p:nvSpPr>
+          <p:cNvPr id="2" name="TextBox 1"/>
+          <p:cNvSpPr txBox="1"/>
+          <p:nvPr/>
         </p:nvSpPr>
         <p:spPr>
           <a:xfrm>
-            <a:off x="228600" y="1066800"/>
-            <a:ext cx="8686800" cy="2481262"/>
-          </a:xfrm>
-          <a:noFill/>
-          <a:ln w="9525">
-            <a:noFill/>
-            <a:miter lim="800000"/>
-            <a:headEnd/>
-            <a:tailEnd/>
-          </a:ln>
-        </p:spPr>
-        <p:txBody>
-          <a:bodyPr vert="horz" wrap="square" lIns="91440" tIns="45720" rIns="91440" bIns="45720" numCol="1" anchor="t" anchorCtr="0" compatLnSpc="1">
-            <a:prstTxWarp prst="textNoShape">
-              <a:avLst/>
-            </a:prstTxWarp>
-            <a:normAutofit/>
-          </a:bodyPr>
-          <a:lstStyle/>
-          <a:p>
-            <a:r>
-              <a:rPr lang="en-US" sz="2400" dirty="0"/>
-              <a:t>Two programmers work side-by-side at </a:t>
-            </a:r>
-            <a:r>
-              <a:rPr lang="en-US" sz="2400" dirty="0" smtClean="0"/>
-              <a:t>a computer</a:t>
-            </a:r>
-            <a:r>
-              <a:rPr lang="en-US" sz="2400" dirty="0"/>
-              <a:t>, continuously collaborating on the same design, algorithm, code, </a:t>
-            </a:r>
-            <a:r>
-              <a:rPr lang="en-US" sz="2400" dirty="0" smtClean="0"/>
-              <a:t>and/or test</a:t>
-            </a:r>
-            <a:br>
-              <a:rPr lang="en-US" sz="2400" dirty="0" smtClean="0"/>
-            </a:br>
-            <a:endParaRPr lang="en-US" sz="2400" dirty="0"/>
-          </a:p>
-          <a:p>
-            <a:r>
-              <a:rPr lang="en-US" sz="2400" dirty="0" smtClean="0"/>
-              <a:t>Enable the pair to produce </a:t>
-            </a:r>
-            <a:r>
-              <a:rPr lang="en-US" sz="2400" dirty="0"/>
-              <a:t>higher quality </a:t>
-            </a:r>
-            <a:r>
-              <a:rPr lang="en-US" sz="2400" dirty="0" smtClean="0"/>
-              <a:t>code </a:t>
-            </a:r>
-            <a:r>
-              <a:rPr lang="en-US" sz="2400" dirty="0"/>
-              <a:t>than that produced by the </a:t>
-            </a:r>
-            <a:r>
-              <a:rPr lang="en-US" sz="2400" dirty="0" smtClean="0"/>
-              <a:t>sum </a:t>
-            </a:r>
-            <a:r>
-              <a:rPr lang="en-US" sz="2400" dirty="0"/>
-              <a:t>of their </a:t>
-            </a:r>
-            <a:r>
-              <a:rPr lang="en-US" sz="2400" dirty="0" smtClean="0"/>
-              <a:t>individual efforts</a:t>
-            </a:r>
-          </a:p>
-        </p:txBody>
-      </p:sp>
-      <p:pic>
-        <p:nvPicPr>
-          <p:cNvPr id="1026" name="Picture 2" descr="http://don-jai.com/wp-content/uploads/2009/05/pair_programming2.JPG">
-            <a:hlinkClick r:id="rId3"/>
-          </p:cNvPr>
-          <p:cNvPicPr>
-            <a:picLocks noChangeAspect="1" noChangeArrowheads="1"/>
-          </p:cNvPicPr>
-          <p:nvPr/>
-        </p:nvPicPr>
-        <p:blipFill rotWithShape="1">
-          <a:blip r:embed="rId4">
-            <a:extLst>
-              <a:ext uri="{28A0092B-C50C-407E-A947-70E740481C1C}">
-                <a14:useLocalDpi xmlns:a14="http://schemas.microsoft.com/office/drawing/2010/main" val="0"/>
-              </a:ext>
-            </a:extLst>
-          </a:blip>
-          <a:srcRect l="7053" t="10517" r="7065" b="11483"/>
-          <a:stretch/>
-        </p:blipFill>
-        <p:spPr bwMode="auto">
-          <a:xfrm>
-            <a:off x="1981200" y="3352800"/>
-            <a:ext cx="4744529" cy="3105510"/>
+            <a:off x="228600" y="1524000"/>
+            <a:ext cx="8610599" cy="3970318"/>
           </a:xfrm>
           <a:prstGeom prst="rect">
             <a:avLst/>
           </a:prstGeom>
-          <a:ln>
-            <a:noFill/>
-          </a:ln>
-          <a:effectLst>
-            <a:softEdge rad="112500"/>
-          </a:effectLst>
-          <a:extLst>
-            <a:ext uri="{909E8E84-426E-40dd-AFC4-6F175D3DCCD1}">
-              <a14:hiddenFill xmlns="" xmlns:a14="http://schemas.microsoft.com/office/drawing/2010/main">
-                <a:solidFill>
-                  <a:srgbClr val="FFFFFF"/>
-                </a:solidFill>
-              </a14:hiddenFill>
-            </a:ext>
-          </a:extLst>
+          <a:noFill/>
         </p:spPr>
-      </p:pic>
+        <p:txBody>
+          <a:bodyPr wrap="square" rtlCol="0">
+            <a:spAutoFit/>
+          </a:bodyPr>
+          <a:lstStyle/>
+          <a:p>
+            <a:pPr marL="457200" indent="-457200">
+              <a:buFont typeface="Arial" panose="020B0604020202020204" pitchFamily="34" charset="0"/>
+              <a:buChar char="•"/>
+            </a:pPr>
+            <a:r>
+              <a:rPr lang="en-US" sz="2800" dirty="0" smtClean="0"/>
+              <a:t>When done with MIlestone1 (or beyond)</a:t>
+            </a:r>
+          </a:p>
+          <a:p>
+            <a:pPr marL="914400" lvl="1" indent="-457200">
+              <a:buFont typeface="Arial" panose="020B0604020202020204" pitchFamily="34" charset="0"/>
+              <a:buChar char="•"/>
+            </a:pPr>
+            <a:r>
+              <a:rPr lang="en-US" sz="2800" b="1" dirty="0" smtClean="0"/>
+              <a:t>Add “final Milestone1 Commit”</a:t>
+            </a:r>
+          </a:p>
+          <a:p>
+            <a:pPr marL="914400" lvl="1" indent="-457200">
+              <a:buFont typeface="Arial" panose="020B0604020202020204" pitchFamily="34" charset="0"/>
+              <a:buChar char="•"/>
+            </a:pPr>
+            <a:r>
+              <a:rPr lang="en-US" sz="2800" dirty="0" smtClean="0"/>
+              <a:t>To your commit message so graders will know to check out that version</a:t>
+            </a:r>
+          </a:p>
+          <a:p>
+            <a:pPr marL="457200" indent="-457200">
+              <a:buFont typeface="Arial" panose="020B0604020202020204" pitchFamily="34" charset="0"/>
+              <a:buChar char="•"/>
+            </a:pPr>
+            <a:r>
+              <a:rPr lang="en-US" sz="2800" dirty="0" smtClean="0"/>
+              <a:t>Build an end-to-end solution</a:t>
+            </a:r>
+          </a:p>
+          <a:p>
+            <a:pPr marL="457200" indent="-457200">
+              <a:buFont typeface="Arial" panose="020B0604020202020204" pitchFamily="34" charset="0"/>
+              <a:buChar char="•"/>
+            </a:pPr>
+            <a:r>
+              <a:rPr lang="en-US" sz="2800" dirty="0" smtClean="0"/>
+              <a:t>Build the next thing you can TEST</a:t>
+            </a:r>
+          </a:p>
+          <a:p>
+            <a:pPr marL="457200" indent="-457200">
+              <a:buFont typeface="Arial" panose="020B0604020202020204" pitchFamily="34" charset="0"/>
+              <a:buChar char="•"/>
+            </a:pPr>
+            <a:r>
+              <a:rPr lang="en-US" sz="2800" dirty="0" smtClean="0"/>
+              <a:t>Don’t focus on cool graphics and other extra items early in the project, focus on basic functionality</a:t>
+            </a:r>
+          </a:p>
+          <a:p>
+            <a:pPr marL="457200" indent="-457200">
+              <a:buFont typeface="Arial" panose="020B0604020202020204" pitchFamily="34" charset="0"/>
+              <a:buChar char="•"/>
+            </a:pPr>
+            <a:r>
+              <a:rPr lang="en-US" sz="2800" dirty="0" smtClean="0"/>
+              <a:t>Complete the milestone and keep moving forward!</a:t>
+            </a:r>
+            <a:endParaRPr lang="en-US" sz="2800" dirty="0"/>
+          </a:p>
+        </p:txBody>
+      </p:sp>
     </p:spTree>
     <p:extLst>
       <p:ext uri="{BB962C8B-B14F-4D97-AF65-F5344CB8AC3E}">
-        <p14:creationId xmlns:p14="http://schemas.microsoft.com/office/powerpoint/2010/main" val="507525378"/>
+        <p14:creationId xmlns:p14="http://schemas.microsoft.com/office/powerpoint/2010/main" val="1261546459"/>
       </p:ext>
     </p:extLst>
   </p:cSld>
   <p:clrMapOvr>
     <a:masterClrMapping/>
   </p:clrMapOvr>
-  <mc:AlternateContent xmlns:mc="http://schemas.openxmlformats.org/markup-compatibility/2006" xmlns:p14="http://schemas.microsoft.com/office/powerpoint/2010/main">
-    <mc:Choice Requires="p14">
-      <p:transition p14:dur="0"/>
-    </mc:Choice>
-    <mc:Fallback xmlns="">
-      <p:transition/>
-    </mc:Fallback>
-  </mc:AlternateContent>
   <p:timing>
     <p:tnLst>
       <p:par>
-        <p:cTn id="1" dur="indefinite" restart="never" nodeType="tmRoot">
-          <p:childTnLst>
-            <p:seq concurrent="1" nextAc="seek">
-              <p:cTn id="2" dur="indefinite" nodeType="mainSeq">
-                <p:childTnLst>
-                  <p:par>
-                    <p:cTn id="3" fill="hold">
-                      <p:stCondLst>
-                        <p:cond delay="indefinite"/>
-                      </p:stCondLst>
-                      <p:childTnLst>
-                        <p:par>
-                          <p:cTn id="4" fill="hold">
-                            <p:stCondLst>
-                              <p:cond delay="0"/>
-                            </p:stCondLst>
-                            <p:childTnLst>
-                              <p:par>
-                                <p:cTn id="5" presetID="1" presetClass="entr" presetSubtype="0" fill="hold" grpId="0" nodeType="clickEffect">
-                                  <p:stCondLst>
-                                    <p:cond delay="0"/>
-                                  </p:stCondLst>
-                                  <p:childTnLst>
-                                    <p:set>
-                                      <p:cBhvr>
-                                        <p:cTn id="6" dur="1" fill="hold">
-                                          <p:stCondLst>
-                                            <p:cond delay="0"/>
-                                          </p:stCondLst>
-                                        </p:cTn>
-                                        <p:tgtEl>
-                                          <p:spTgt spid="522243">
-                                            <p:txEl>
-                                              <p:pRg st="1" end="1"/>
-                                            </p:txEl>
-                                          </p:spTgt>
-                                        </p:tgtEl>
-                                        <p:attrNameLst>
-                                          <p:attrName>style.visibility</p:attrName>
-                                        </p:attrNameLst>
-                                      </p:cBhvr>
-                                      <p:to>
-                                        <p:strVal val="visible"/>
-                                      </p:to>
-                                    </p:set>
-                                  </p:childTnLst>
-                                </p:cTn>
-                              </p:par>
-                            </p:childTnLst>
-                          </p:cTn>
-                        </p:par>
-                      </p:childTnLst>
-                    </p:cTn>
-                  </p:par>
-                </p:childTnLst>
-              </p:cTn>
-              <p:prevCondLst>
-                <p:cond evt="onPrev" delay="0">
-                  <p:tgtEl>
-                    <p:sldTgt/>
-                  </p:tgtEl>
-                </p:cond>
-              </p:prevCondLst>
-              <p:nextCondLst>
-                <p:cond evt="onNext" delay="0">
-                  <p:tgtEl>
-                    <p:sldTgt/>
-                  </p:tgtEl>
-                </p:cond>
-              </p:nextCondLst>
-            </p:seq>
-          </p:childTnLst>
-        </p:cTn>
+        <p:cTn id="1" dur="indefinite" restart="never" nodeType="tmRoot"/>
       </p:par>
     </p:tnLst>
-    <p:bldLst>
-      <p:bldP spid="522243" grpId="0" build="p"/>
-    </p:bldLst>
   </p:timing>
 </p:sld>
 </file>
@@ -7200,413 +6479,48 @@
       </p:grpSpPr>
       <p:sp>
         <p:nvSpPr>
-          <p:cNvPr id="29699" name="Content Placeholder 2"/>
-          <p:cNvSpPr>
-            <a:spLocks noGrp="1"/>
-          </p:cNvSpPr>
-          <p:nvPr>
-            <p:ph sz="quarter" idx="1"/>
+          <p:cNvPr id="2" name="Title 1"/>
+          <p:cNvSpPr>
+            <a:spLocks noGrp="1"/>
+          </p:cNvSpPr>
+          <p:nvPr>
+            <p:ph type="title"/>
           </p:nvPr>
         </p:nvSpPr>
         <p:spPr>
           <a:xfrm>
-            <a:off x="457200" y="1524000"/>
-            <a:ext cx="8001000" cy="4525962"/>
+            <a:off x="739898" y="1524000"/>
+            <a:ext cx="7772400" cy="1362075"/>
           </a:xfrm>
         </p:spPr>
         <p:txBody>
-          <a:bodyPr>
-            <a:normAutofit fontScale="92500" lnSpcReduction="10000"/>
-          </a:bodyPr>
+          <a:bodyPr/>
           <a:lstStyle/>
           <a:p>
             <a:r>
               <a:rPr lang="en-US" dirty="0" smtClean="0"/>
-              <a:t>Working in pairs on a single computer</a:t>
-            </a:r>
-          </a:p>
-          <a:p>
-            <a:pPr lvl="1"/>
-            <a:r>
-              <a:rPr lang="en-US" dirty="0"/>
-              <a:t>T</a:t>
-            </a:r>
-            <a:r>
-              <a:rPr lang="en-US" dirty="0" smtClean="0"/>
-              <a:t>he </a:t>
-            </a:r>
-            <a:r>
-              <a:rPr lang="en-US" i="1" dirty="0" smtClean="0">
-                <a:solidFill>
-                  <a:schemeClr val="accent6"/>
-                </a:solidFill>
-              </a:rPr>
-              <a:t>driver</a:t>
-            </a:r>
-            <a:r>
-              <a:rPr lang="en-US" dirty="0" smtClean="0"/>
-              <a:t>, uses the keyboard, talks/thinks out-loud</a:t>
-            </a:r>
-          </a:p>
-          <a:p>
-            <a:pPr lvl="1"/>
-            <a:r>
-              <a:rPr lang="en-US" dirty="0" smtClean="0"/>
-              <a:t>The </a:t>
-            </a:r>
-            <a:r>
-              <a:rPr lang="en-US" i="1" dirty="0" smtClean="0">
-                <a:solidFill>
-                  <a:srgbClr val="F79646"/>
-                </a:solidFill>
-              </a:rPr>
-              <a:t>navigator</a:t>
-            </a:r>
-            <a:r>
-              <a:rPr lang="en-US" dirty="0" smtClean="0"/>
-              <a:t>, watches, thinks, comments, and takes notes</a:t>
-            </a:r>
-          </a:p>
-          <a:p>
-            <a:pPr lvl="1"/>
-            <a:r>
-              <a:rPr lang="en-US" dirty="0" smtClean="0"/>
-              <a:t>Person who really understands should start by navigating </a:t>
-            </a:r>
-            <a:r>
-              <a:rPr lang="en-US" dirty="0" smtClean="0">
-                <a:sym typeface="Wingdings"/>
-              </a:rPr>
-              <a:t></a:t>
-            </a:r>
-            <a:r>
-              <a:rPr lang="en-US" dirty="0" smtClean="0"/>
-              <a:t/>
-            </a:r>
-            <a:br>
-              <a:rPr lang="en-US" dirty="0" smtClean="0"/>
-            </a:br>
-            <a:endParaRPr lang="en-US" dirty="0" smtClean="0"/>
-          </a:p>
-          <a:p>
-            <a:r>
-              <a:rPr lang="en-US" dirty="0" smtClean="0"/>
-              <a:t>For hard (or new) problems, this technique</a:t>
-            </a:r>
-          </a:p>
-          <a:p>
-            <a:pPr lvl="1"/>
-            <a:r>
-              <a:rPr lang="en-US" dirty="0" smtClean="0"/>
-              <a:t>Reduces number of errors</a:t>
-            </a:r>
-          </a:p>
-          <a:p>
-            <a:pPr lvl="1"/>
-            <a:r>
-              <a:rPr lang="en-US" dirty="0" smtClean="0"/>
-              <a:t>Saves time in the long run</a:t>
-            </a:r>
-          </a:p>
-        </p:txBody>
-      </p:sp>
-      <p:sp>
-        <p:nvSpPr>
-          <p:cNvPr id="29698" name="Title 1"/>
-          <p:cNvSpPr>
-            <a:spLocks noGrp="1"/>
-          </p:cNvSpPr>
-          <p:nvPr>
-            <p:ph type="title"/>
-          </p:nvPr>
-        </p:nvSpPr>
-        <p:spPr/>
-        <p:txBody>
-          <a:bodyPr/>
-          <a:lstStyle/>
-          <a:p>
-            <a:r>
-              <a:rPr lang="en-US" smtClean="0"/>
-              <a:t>Pair Programming</a:t>
-            </a:r>
+              <a:t>FINAL SLIDE FOR TODAY</a:t>
+            </a:r>
+            <a:endParaRPr lang="en-US" dirty="0"/>
           </a:p>
         </p:txBody>
       </p:sp>
     </p:spTree>
     <p:extLst>
       <p:ext uri="{BB962C8B-B14F-4D97-AF65-F5344CB8AC3E}">
-        <p14:creationId xmlns:p14="http://schemas.microsoft.com/office/powerpoint/2010/main" val="1392953167"/>
+        <p14:creationId xmlns:p14="http://schemas.microsoft.com/office/powerpoint/2010/main" val="1122567896"/>
       </p:ext>
     </p:extLst>
   </p:cSld>
   <p:clrMapOvr>
     <a:masterClrMapping/>
   </p:clrMapOvr>
-  <mc:AlternateContent xmlns:mc="http://schemas.openxmlformats.org/markup-compatibility/2006" xmlns:p14="http://schemas.microsoft.com/office/powerpoint/2010/main">
-    <mc:Choice Requires="p14">
-      <p:transition p14:dur="0"/>
-    </mc:Choice>
-    <mc:Fallback xmlns="">
-      <p:transition/>
-    </mc:Fallback>
-  </mc:AlternateContent>
   <p:timing>
     <p:tnLst>
       <p:par>
-        <p:cTn id="1" dur="indefinite" restart="never" nodeType="tmRoot">
-          <p:childTnLst>
-            <p:seq concurrent="1" nextAc="seek">
-              <p:cTn id="2" dur="indefinite" nodeType="mainSeq">
-                <p:childTnLst>
-                  <p:par>
-                    <p:cTn id="3" fill="hold">
-                      <p:stCondLst>
-                        <p:cond delay="indefinite"/>
-                        <p:cond evt="onBegin" delay="0">
-                          <p:tn val="2"/>
-                        </p:cond>
-                      </p:stCondLst>
-                      <p:childTnLst>
-                        <p:par>
-                          <p:cTn id="4" fill="hold">
-                            <p:stCondLst>
-                              <p:cond delay="0"/>
-                            </p:stCondLst>
-                            <p:childTnLst>
-                              <p:par>
-                                <p:cTn id="5" presetID="1" presetClass="entr" presetSubtype="0" fill="hold" grpId="0" nodeType="withEffect">
-                                  <p:stCondLst>
-                                    <p:cond delay="0"/>
-                                  </p:stCondLst>
-                                  <p:childTnLst>
-                                    <p:set>
-                                      <p:cBhvr>
-                                        <p:cTn id="6" dur="1" fill="hold">
-                                          <p:stCondLst>
-                                            <p:cond delay="0"/>
-                                          </p:stCondLst>
-                                        </p:cTn>
-                                        <p:tgtEl>
-                                          <p:spTgt spid="29699">
-                                            <p:txEl>
-                                              <p:pRg st="1" end="1"/>
-                                            </p:txEl>
-                                          </p:spTgt>
-                                        </p:tgtEl>
-                                        <p:attrNameLst>
-                                          <p:attrName>style.visibility</p:attrName>
-                                        </p:attrNameLst>
-                                      </p:cBhvr>
-                                      <p:to>
-                                        <p:strVal val="visible"/>
-                                      </p:to>
-                                    </p:set>
-                                  </p:childTnLst>
-                                </p:cTn>
-                              </p:par>
-                              <p:par>
-                                <p:cTn id="7" presetID="1" presetClass="entr" presetSubtype="0" fill="hold" grpId="0" nodeType="withEffect">
-                                  <p:stCondLst>
-                                    <p:cond delay="0"/>
-                                  </p:stCondLst>
-                                  <p:childTnLst>
-                                    <p:set>
-                                      <p:cBhvr>
-                                        <p:cTn id="8" dur="1" fill="hold">
-                                          <p:stCondLst>
-                                            <p:cond delay="0"/>
-                                          </p:stCondLst>
-                                        </p:cTn>
-                                        <p:tgtEl>
-                                          <p:spTgt spid="29699">
-                                            <p:txEl>
-                                              <p:pRg st="2" end="2"/>
-                                            </p:txEl>
-                                          </p:spTgt>
-                                        </p:tgtEl>
-                                        <p:attrNameLst>
-                                          <p:attrName>style.visibility</p:attrName>
-                                        </p:attrNameLst>
-                                      </p:cBhvr>
-                                      <p:to>
-                                        <p:strVal val="visible"/>
-                                      </p:to>
-                                    </p:set>
-                                  </p:childTnLst>
-                                </p:cTn>
-                              </p:par>
-                              <p:par>
-                                <p:cTn id="9" presetID="1" presetClass="entr" presetSubtype="0" fill="hold" grpId="0" nodeType="withEffect">
-                                  <p:stCondLst>
-                                    <p:cond delay="0"/>
-                                  </p:stCondLst>
-                                  <p:childTnLst>
-                                    <p:set>
-                                      <p:cBhvr>
-                                        <p:cTn id="10" dur="1" fill="hold">
-                                          <p:stCondLst>
-                                            <p:cond delay="0"/>
-                                          </p:stCondLst>
-                                        </p:cTn>
-                                        <p:tgtEl>
-                                          <p:spTgt spid="29699">
-                                            <p:txEl>
-                                              <p:pRg st="3" end="3"/>
-                                            </p:txEl>
-                                          </p:spTgt>
-                                        </p:tgtEl>
-                                        <p:attrNameLst>
-                                          <p:attrName>style.visibility</p:attrName>
-                                        </p:attrNameLst>
-                                      </p:cBhvr>
-                                      <p:to>
-                                        <p:strVal val="visible"/>
-                                      </p:to>
-                                    </p:set>
-                                  </p:childTnLst>
-                                </p:cTn>
-                              </p:par>
-                            </p:childTnLst>
-                          </p:cTn>
-                        </p:par>
-                      </p:childTnLst>
-                    </p:cTn>
-                  </p:par>
-                  <p:par>
-                    <p:cTn id="11" fill="hold">
-                      <p:stCondLst>
-                        <p:cond delay="indefinite"/>
-                      </p:stCondLst>
-                      <p:childTnLst>
-                        <p:par>
-                          <p:cTn id="12" fill="hold">
-                            <p:stCondLst>
-                              <p:cond delay="0"/>
-                            </p:stCondLst>
-                            <p:childTnLst>
-                              <p:par>
-                                <p:cTn id="13" presetID="1" presetClass="entr" presetSubtype="0" fill="hold" grpId="0" nodeType="clickEffect">
-                                  <p:stCondLst>
-                                    <p:cond delay="0"/>
-                                  </p:stCondLst>
-                                  <p:childTnLst>
-                                    <p:set>
-                                      <p:cBhvr>
-                                        <p:cTn id="14" dur="1" fill="hold">
-                                          <p:stCondLst>
-                                            <p:cond delay="0"/>
-                                          </p:stCondLst>
-                                        </p:cTn>
-                                        <p:tgtEl>
-                                          <p:spTgt spid="29699">
-                                            <p:txEl>
-                                              <p:pRg st="4" end="4"/>
-                                            </p:txEl>
-                                          </p:spTgt>
-                                        </p:tgtEl>
-                                        <p:attrNameLst>
-                                          <p:attrName>style.visibility</p:attrName>
-                                        </p:attrNameLst>
-                                      </p:cBhvr>
-                                      <p:to>
-                                        <p:strVal val="visible"/>
-                                      </p:to>
-                                    </p:set>
-                                  </p:childTnLst>
-                                </p:cTn>
-                              </p:par>
-                              <p:par>
-                                <p:cTn id="15" presetID="1" presetClass="entr" presetSubtype="0" fill="hold" grpId="0" nodeType="withEffect">
-                                  <p:stCondLst>
-                                    <p:cond delay="0"/>
-                                  </p:stCondLst>
-                                  <p:childTnLst>
-                                    <p:set>
-                                      <p:cBhvr>
-                                        <p:cTn id="16" dur="1" fill="hold">
-                                          <p:stCondLst>
-                                            <p:cond delay="0"/>
-                                          </p:stCondLst>
-                                        </p:cTn>
-                                        <p:tgtEl>
-                                          <p:spTgt spid="29699">
-                                            <p:txEl>
-                                              <p:pRg st="5" end="5"/>
-                                            </p:txEl>
-                                          </p:spTgt>
-                                        </p:tgtEl>
-                                        <p:attrNameLst>
-                                          <p:attrName>style.visibility</p:attrName>
-                                        </p:attrNameLst>
-                                      </p:cBhvr>
-                                      <p:to>
-                                        <p:strVal val="visible"/>
-                                      </p:to>
-                                    </p:set>
-                                  </p:childTnLst>
-                                </p:cTn>
-                              </p:par>
-                              <p:par>
-                                <p:cTn id="17" presetID="1" presetClass="entr" presetSubtype="0" fill="hold" grpId="0" nodeType="withEffect">
-                                  <p:stCondLst>
-                                    <p:cond delay="0"/>
-                                  </p:stCondLst>
-                                  <p:childTnLst>
-                                    <p:set>
-                                      <p:cBhvr>
-                                        <p:cTn id="18" dur="1" fill="hold">
-                                          <p:stCondLst>
-                                            <p:cond delay="0"/>
-                                          </p:stCondLst>
-                                        </p:cTn>
-                                        <p:tgtEl>
-                                          <p:spTgt spid="29699">
-                                            <p:txEl>
-                                              <p:pRg st="6" end="6"/>
-                                            </p:txEl>
-                                          </p:spTgt>
-                                        </p:tgtEl>
-                                        <p:attrNameLst>
-                                          <p:attrName>style.visibility</p:attrName>
-                                        </p:attrNameLst>
-                                      </p:cBhvr>
-                                      <p:to>
-                                        <p:strVal val="visible"/>
-                                      </p:to>
-                                    </p:set>
-                                  </p:childTnLst>
-                                </p:cTn>
-                              </p:par>
-                            </p:childTnLst>
-                          </p:cTn>
-                        </p:par>
-                      </p:childTnLst>
-                    </p:cTn>
-                  </p:par>
-                </p:childTnLst>
-              </p:cTn>
-              <p:prevCondLst>
-                <p:cond evt="onPrev" delay="0">
-                  <p:tgtEl>
-                    <p:sldTgt/>
-                  </p:tgtEl>
-                </p:cond>
-              </p:prevCondLst>
-              <p:nextCondLst>
-                <p:cond evt="onNext" delay="0">
-                  <p:tgtEl>
-                    <p:sldTgt/>
-                  </p:tgtEl>
-                </p:cond>
-              </p:nextCondLst>
-            </p:seq>
-          </p:childTnLst>
-        </p:cTn>
+        <p:cTn id="1" dur="indefinite" restart="never" nodeType="tmRoot"/>
       </p:par>
     </p:tnLst>
-    <p:bldLst>
-      <p:bldP spid="29699" grpId="0" build="p"/>
-    </p:bldLst>
   </p:timing>
 </p:sld>
 </file>
@@ -7638,49 +6552,24 @@
             <p:ph type="title"/>
           </p:nvPr>
         </p:nvSpPr>
-        <p:spPr/>
+        <p:spPr>
+          <a:xfrm>
+            <a:off x="739898" y="1524000"/>
+            <a:ext cx="7772400" cy="1362075"/>
+          </a:xfrm>
+        </p:spPr>
         <p:txBody>
           <a:bodyPr/>
           <a:lstStyle/>
           <a:p>
             <a:r>
               <a:rPr lang="en-US" dirty="0" smtClean="0"/>
-              <a:t>Pair programming video</a:t>
-            </a:r>
-            <a:endParaRPr lang="en-US" dirty="0"/>
-          </a:p>
-        </p:txBody>
-      </p:sp>
-      <p:sp>
-        <p:nvSpPr>
-          <p:cNvPr id="3" name="Content Placeholder 2"/>
-          <p:cNvSpPr>
-            <a:spLocks noGrp="1"/>
-          </p:cNvSpPr>
-          <p:nvPr>
-            <p:ph idx="1"/>
-          </p:nvPr>
-        </p:nvSpPr>
-        <p:spPr/>
-        <p:txBody>
-          <a:bodyPr/>
-          <a:lstStyle/>
-          <a:p>
-            <a:r>
-              <a:rPr lang="en-US">
-                <a:hlinkClick r:id="rId3"/>
-              </a:rPr>
-              <a:t>https://</a:t>
-            </a:r>
-            <a:r>
-              <a:rPr lang="en-US" smtClean="0">
-                <a:hlinkClick r:id="rId3"/>
-              </a:rPr>
-              <a:t>www.youtube.com/watch?v=rG_U12uqRhE</a:t>
-            </a:r>
-            <a:endParaRPr lang="en-US" dirty="0" smtClean="0"/>
-          </a:p>
-          <a:p>
+              <a:t>FRIDAYs </a:t>
+            </a:r>
+            <a:r>
+              <a:rPr lang="en-US" dirty="0" smtClean="0"/>
+              <a:t>material</a:t>
+            </a:r>
             <a:endParaRPr lang="en-US" dirty="0"/>
           </a:p>
         </p:txBody>
@@ -7688,7 +6577,7 @@
     </p:spTree>
     <p:extLst>
       <p:ext uri="{BB962C8B-B14F-4D97-AF65-F5344CB8AC3E}">
-        <p14:creationId xmlns:p14="http://schemas.microsoft.com/office/powerpoint/2010/main" val="1233081817"/>
+        <p14:creationId xmlns:p14="http://schemas.microsoft.com/office/powerpoint/2010/main" val="3876279726"/>
       </p:ext>
     </p:extLst>
   </p:cSld>
@@ -7732,6 +6621,48 @@
             <p:ph type="title"/>
           </p:nvPr>
         </p:nvSpPr>
+        <p:spPr>
+          <a:xfrm>
+            <a:off x="638908" y="2667000"/>
+            <a:ext cx="7772400" cy="1362075"/>
+          </a:xfrm>
+        </p:spPr>
+        <p:txBody>
+          <a:bodyPr/>
+          <a:lstStyle/>
+          <a:p>
+            <a:pPr>
+              <a:defRPr/>
+            </a:pPr>
+            <a:r>
+              <a:rPr lang="en-US" dirty="0" smtClean="0"/>
+              <a:t>Data Structures +</a:t>
+            </a:r>
+            <a:br>
+              <a:rPr lang="en-US" dirty="0" smtClean="0"/>
+            </a:br>
+            <a:r>
+              <a:rPr lang="en-US" dirty="0" err="1" smtClean="0"/>
+              <a:t>BiG</a:t>
+            </a:r>
+            <a:r>
+              <a:rPr lang="en-US" dirty="0" smtClean="0"/>
+              <a:t>-O Notation</a:t>
+            </a:r>
+            <a:endParaRPr lang="en-US" dirty="0"/>
+          </a:p>
+        </p:txBody>
+      </p:sp>
+      <p:sp>
+        <p:nvSpPr>
+          <p:cNvPr id="11267" name="Text Placeholder 4"/>
+          <p:cNvSpPr>
+            <a:spLocks noGrp="1"/>
+          </p:cNvSpPr>
+          <p:nvPr>
+            <p:ph type="body" idx="1"/>
+          </p:nvPr>
+        </p:nvSpPr>
         <p:spPr/>
         <p:txBody>
           <a:bodyPr/>
@@ -7739,7 +6670,58 @@
           <a:p>
             <a:r>
               <a:rPr lang="en-US" dirty="0" smtClean="0"/>
-              <a:t>Software Versions</a:t>
+              <a:t>Understanding the engineering trade-offs when storing data</a:t>
+            </a:r>
+          </a:p>
+        </p:txBody>
+      </p:sp>
+      <p:sp>
+        <p:nvSpPr>
+          <p:cNvPr id="5" name="Rectangle 1"/>
+          <p:cNvSpPr txBox="1">
+            <a:spLocks/>
+          </p:cNvSpPr>
+          <p:nvPr/>
+        </p:nvSpPr>
+        <p:spPr>
+          <a:xfrm>
+            <a:off x="2819400" y="1244600"/>
+            <a:ext cx="7772400" cy="1470025"/>
+          </a:xfrm>
+          <a:prstGeom prst="rect">
+            <a:avLst/>
+          </a:prstGeom>
+        </p:spPr>
+        <p:txBody>
+          <a:bodyPr vert="horz" lIns="91440" tIns="45720" rIns="91440" bIns="45720" rtlCol="0" anchor="t">
+            <a:normAutofit/>
+          </a:bodyPr>
+          <a:lstStyle>
+            <a:lvl1pPr algn="l" defTabSz="914400" rtl="0" eaLnBrk="1" latinLnBrk="0" hangingPunct="1">
+              <a:spcBef>
+                <a:spcPct val="0"/>
+              </a:spcBef>
+              <a:buNone/>
+              <a:defRPr sz="4000" b="1" kern="1200" cap="all">
+                <a:solidFill>
+                  <a:schemeClr val="tx1"/>
+                </a:solidFill>
+                <a:latin typeface="+mj-lt"/>
+                <a:ea typeface="+mj-ea"/>
+                <a:cs typeface="+mj-cs"/>
+              </a:defRPr>
+            </a:lvl1pPr>
+          </a:lstStyle>
+          <a:p>
+            <a:pPr fontAlgn="auto">
+              <a:spcAft>
+                <a:spcPts val="0"/>
+              </a:spcAft>
+              <a:defRPr/>
+            </a:pPr>
+            <a:r>
+              <a:rPr lang="en-US" dirty="0" smtClean="0"/>
+              <a:t>CSSE 220</a:t>
             </a:r>
             <a:endParaRPr lang="en-US" dirty="0"/>
           </a:p>
@@ -7747,41 +6729,141 @@
       </p:sp>
       <p:sp>
         <p:nvSpPr>
-          <p:cNvPr id="5" name="Text Placeholder 4"/>
-          <p:cNvSpPr>
-            <a:spLocks noGrp="1"/>
-          </p:cNvSpPr>
-          <p:nvPr>
-            <p:ph type="body" idx="1"/>
-          </p:nvPr>
-        </p:nvSpPr>
-        <p:spPr/>
-        <p:txBody>
-          <a:bodyPr/>
-          <a:lstStyle/>
-          <a:p>
-            <a:endParaRPr lang="en-US" dirty="0"/>
+          <p:cNvPr id="6" name="TextBox 5"/>
+          <p:cNvSpPr txBox="1"/>
+          <p:nvPr/>
+        </p:nvSpPr>
+        <p:spPr>
+          <a:xfrm>
+            <a:off x="262304" y="5633392"/>
+            <a:ext cx="6800850" cy="461665"/>
+          </a:xfrm>
+          <a:prstGeom prst="rect">
+            <a:avLst/>
+          </a:prstGeom>
+        </p:spPr>
+        <p:style>
+          <a:lnRef idx="2">
+            <a:schemeClr val="accent4">
+              <a:shade val="50000"/>
+            </a:schemeClr>
+          </a:lnRef>
+          <a:fillRef idx="1">
+            <a:schemeClr val="accent4"/>
+          </a:fillRef>
+          <a:effectRef idx="0">
+            <a:schemeClr val="accent4"/>
+          </a:effectRef>
+          <a:fontRef idx="minor">
+            <a:schemeClr val="lt1"/>
+          </a:fontRef>
+        </p:style>
+        <p:txBody>
+          <a:bodyPr wrap="square">
+            <a:spAutoFit/>
+          </a:bodyPr>
+          <a:lstStyle/>
+          <a:p>
+            <a:pPr>
+              <a:defRPr/>
+            </a:pPr>
+            <a:r>
+              <a:rPr lang="en-US" sz="2400" b="1" dirty="0"/>
+              <a:t>Checkout </a:t>
+            </a:r>
+            <a:r>
+              <a:rPr lang="en-US" sz="2400" b="1" i="1" dirty="0" err="1" smtClean="0"/>
+              <a:t>LinkedListSimple</a:t>
+            </a:r>
+            <a:r>
+              <a:rPr lang="en-US" sz="2400" b="1" i="1" dirty="0" smtClean="0"/>
+              <a:t> </a:t>
+            </a:r>
+            <a:r>
+              <a:rPr lang="en-US" sz="2400" b="1" dirty="0"/>
+              <a:t>project from </a:t>
+            </a:r>
+            <a:r>
+              <a:rPr lang="en-US" sz="2400" b="1" dirty="0" err="1" smtClean="0"/>
+              <a:t>git</a:t>
+            </a:r>
+            <a:endParaRPr lang="en-US" sz="2400" b="1" dirty="0"/>
+          </a:p>
+        </p:txBody>
+      </p:sp>
+      <p:sp>
+        <p:nvSpPr>
+          <p:cNvPr id="7" name="TextBox 6"/>
+          <p:cNvSpPr txBox="1"/>
+          <p:nvPr/>
+        </p:nvSpPr>
+        <p:spPr>
+          <a:xfrm>
+            <a:off x="285750" y="6242050"/>
+            <a:ext cx="6800850" cy="461665"/>
+          </a:xfrm>
+          <a:prstGeom prst="rect">
+            <a:avLst/>
+          </a:prstGeom>
+        </p:spPr>
+        <p:style>
+          <a:lnRef idx="2">
+            <a:schemeClr val="accent4">
+              <a:shade val="50000"/>
+            </a:schemeClr>
+          </a:lnRef>
+          <a:fillRef idx="1">
+            <a:schemeClr val="accent4"/>
+          </a:fillRef>
+          <a:effectRef idx="0">
+            <a:schemeClr val="accent4"/>
+          </a:effectRef>
+          <a:fontRef idx="minor">
+            <a:schemeClr val="lt1"/>
+          </a:fontRef>
+        </p:style>
+        <p:txBody>
+          <a:bodyPr wrap="square">
+            <a:spAutoFit/>
+          </a:bodyPr>
+          <a:lstStyle/>
+          <a:p>
+            <a:pPr>
+              <a:defRPr/>
+            </a:pPr>
+            <a:r>
+              <a:rPr lang="en-US" sz="2400" b="1" dirty="0"/>
+              <a:t>Checkout </a:t>
+            </a:r>
+            <a:r>
+              <a:rPr lang="en-US" sz="2400" b="1" i="1" dirty="0" err="1" smtClean="0"/>
+              <a:t>SinglyLinkedList</a:t>
+            </a:r>
+            <a:r>
+              <a:rPr lang="en-US" sz="2400" b="1" i="1" dirty="0" smtClean="0"/>
+              <a:t> </a:t>
+            </a:r>
+            <a:r>
+              <a:rPr lang="en-US" sz="2400" b="1" dirty="0" smtClean="0"/>
+              <a:t>homework </a:t>
+            </a:r>
+            <a:r>
+              <a:rPr lang="en-US" sz="2400" b="1" dirty="0"/>
+              <a:t>from </a:t>
+            </a:r>
+            <a:r>
+              <a:rPr lang="en-US" sz="2400" b="1" dirty="0" err="1" smtClean="0"/>
+              <a:t>git</a:t>
+            </a:r>
+            <a:endParaRPr lang="en-US" sz="2400" b="1" dirty="0"/>
           </a:p>
         </p:txBody>
       </p:sp>
     </p:spTree>
-    <p:extLst>
-      <p:ext uri="{BB962C8B-B14F-4D97-AF65-F5344CB8AC3E}">
-        <p14:creationId xmlns:p14="http://schemas.microsoft.com/office/powerpoint/2010/main" val="1734600895"/>
-      </p:ext>
-    </p:extLst>
   </p:cSld>
   <p:clrMapOvr>
     <a:masterClrMapping/>
   </p:clrMapOvr>
-  <mc:AlternateContent xmlns:mc="http://schemas.openxmlformats.org/markup-compatibility/2006" xmlns:p14="http://schemas.microsoft.com/office/powerpoint/2010/main">
-    <mc:Choice Requires="p14">
-      <p:transition p14:dur="0"/>
-    </mc:Choice>
-    <mc:Fallback xmlns="">
-      <p:transition/>
-    </mc:Fallback>
-  </mc:AlternateContent>
   <p:timing>
     <p:tnLst>
       <p:par>
@@ -7811,7 +6893,7 @@
       </p:grpSpPr>
       <p:sp>
         <p:nvSpPr>
-          <p:cNvPr id="2" name="Title 1"/>
+          <p:cNvPr id="4" name="Title 3"/>
           <p:cNvSpPr>
             <a:spLocks noGrp="1"/>
           </p:cNvSpPr>
@@ -7821,631 +6903,107 @@
         </p:nvSpPr>
         <p:spPr/>
         <p:txBody>
+          <a:bodyPr/>
+          <a:lstStyle/>
+          <a:p>
+            <a:pPr>
+              <a:defRPr/>
+            </a:pPr>
+            <a:r>
+              <a:rPr lang="en-US" dirty="0" smtClean="0"/>
+              <a:t>Data Structures</a:t>
+            </a:r>
+            <a:endParaRPr lang="en-US" dirty="0"/>
+          </a:p>
+        </p:txBody>
+      </p:sp>
+      <p:sp>
+        <p:nvSpPr>
+          <p:cNvPr id="12290" name="Content Placeholder 4"/>
+          <p:cNvSpPr>
+            <a:spLocks noGrp="1"/>
+          </p:cNvSpPr>
+          <p:nvPr>
+            <p:ph idx="1"/>
+          </p:nvPr>
+        </p:nvSpPr>
+        <p:spPr/>
+        <p:txBody>
           <a:bodyPr>
-            <a:normAutofit/>
+            <a:normAutofit lnSpcReduction="10000"/>
           </a:bodyPr>
           <a:lstStyle/>
           <a:p>
             <a:r>
-              <a:rPr lang="en-US" sz="3800" dirty="0" smtClean="0"/>
-              <a:t>When Two+ People Edit the Same Code</a:t>
-            </a:r>
-            <a:endParaRPr lang="en-US" sz="3800" dirty="0"/>
-          </a:p>
-        </p:txBody>
-      </p:sp>
-      <p:sp>
-        <p:nvSpPr>
-          <p:cNvPr id="4" name="Rectangle 3"/>
-          <p:cNvSpPr/>
-          <p:nvPr/>
-        </p:nvSpPr>
-        <p:spPr>
-          <a:xfrm>
-            <a:off x="2362200" y="2758440"/>
-            <a:ext cx="1392936" cy="685800"/>
-          </a:xfrm>
-          <a:prstGeom prst="rect">
-            <a:avLst/>
-          </a:prstGeom>
-        </p:spPr>
-        <p:style>
-          <a:lnRef idx="2">
-            <a:schemeClr val="accent1">
-              <a:shade val="50000"/>
-            </a:schemeClr>
-          </a:lnRef>
-          <a:fillRef idx="1">
-            <a:schemeClr val="accent1"/>
-          </a:fillRef>
-          <a:effectRef idx="0">
-            <a:schemeClr val="accent1"/>
-          </a:effectRef>
-          <a:fontRef idx="minor">
-            <a:schemeClr val="lt1"/>
-          </a:fontRef>
-        </p:style>
-        <p:txBody>
-          <a:bodyPr rtlCol="0" anchor="ctr"/>
-          <a:lstStyle/>
-          <a:p>
-            <a:pPr algn="ctr"/>
-            <a:r>
               <a:rPr lang="en-US" dirty="0" smtClean="0"/>
-              <a:t>Alice edits </a:t>
+              <a:t>Efficient ways to store data </a:t>
+            </a:r>
+            <a:r>
+              <a:rPr lang="en-US" b="1" dirty="0" smtClean="0"/>
+              <a:t>based on how we’ll use it</a:t>
+            </a:r>
+          </a:p>
+          <a:p>
+            <a:endParaRPr lang="en-US" dirty="0" smtClean="0"/>
+          </a:p>
+          <a:p>
+            <a:r>
+              <a:rPr lang="en-US" dirty="0" smtClean="0"/>
+              <a:t>The main theme for the rest of the course</a:t>
+            </a:r>
+          </a:p>
+          <a:p>
+            <a:endParaRPr lang="en-US" dirty="0" smtClean="0"/>
+          </a:p>
+          <a:p>
+            <a:r>
+              <a:rPr lang="en-US" dirty="0" smtClean="0"/>
+              <a:t>So far we’ve seen </a:t>
+            </a:r>
+            <a:r>
+              <a:rPr lang="en-US" dirty="0" err="1" smtClean="0">
+                <a:latin typeface="Lucida Sans Typewriter" charset="0"/>
+              </a:rPr>
+              <a:t>ArrayList</a:t>
             </a:r>
             <a:r>
               <a:rPr lang="en-US" dirty="0" err="1" smtClean="0"/>
-              <a:t>sqrt</a:t>
-            </a:r>
+              <a:t>s</a:t>
+            </a:r>
+            <a:endParaRPr lang="en-US" dirty="0" smtClean="0"/>
+          </a:p>
+          <a:p>
+            <a:pPr lvl="1"/>
             <a:r>
               <a:rPr lang="en-US" dirty="0" smtClean="0"/>
-              <a:t> method</a:t>
-            </a:r>
-            <a:endParaRPr lang="en-US" dirty="0"/>
-          </a:p>
-        </p:txBody>
-      </p:sp>
-      <p:sp>
-        <p:nvSpPr>
-          <p:cNvPr id="6" name="Rectangle 5"/>
-          <p:cNvSpPr/>
-          <p:nvPr/>
-        </p:nvSpPr>
-        <p:spPr>
-          <a:xfrm>
-            <a:off x="3755136" y="1295400"/>
-            <a:ext cx="1219200" cy="685800"/>
-          </a:xfrm>
-          <a:prstGeom prst="rect">
-            <a:avLst/>
-          </a:prstGeom>
-        </p:spPr>
-        <p:style>
-          <a:lnRef idx="2">
-            <a:schemeClr val="accent1">
-              <a:shade val="50000"/>
-            </a:schemeClr>
-          </a:lnRef>
-          <a:fillRef idx="1">
-            <a:schemeClr val="accent1"/>
-          </a:fillRef>
-          <a:effectRef idx="0">
-            <a:schemeClr val="accent1"/>
-          </a:effectRef>
-          <a:fontRef idx="minor">
-            <a:schemeClr val="lt1"/>
-          </a:fontRef>
-        </p:style>
-        <p:txBody>
-          <a:bodyPr rtlCol="0" anchor="ctr"/>
-          <a:lstStyle/>
-          <a:p>
-            <a:pPr algn="ctr"/>
+              <a:t>Fast addition </a:t>
+            </a:r>
+            <a:r>
+              <a:rPr lang="en-US" b="1" dirty="0" smtClean="0"/>
+              <a:t>to end of list</a:t>
+            </a:r>
+          </a:p>
+          <a:p>
+            <a:pPr lvl="1"/>
             <a:r>
               <a:rPr lang="en-US" dirty="0" smtClean="0"/>
-              <a:t>Math.java</a:t>
-            </a:r>
-            <a:endParaRPr lang="en-US" dirty="0"/>
-          </a:p>
-        </p:txBody>
-      </p:sp>
-      <p:sp>
-        <p:nvSpPr>
-          <p:cNvPr id="7" name="Rectangle 6"/>
-          <p:cNvSpPr/>
-          <p:nvPr/>
-        </p:nvSpPr>
-        <p:spPr>
-          <a:xfrm>
-            <a:off x="4974336" y="2819400"/>
-            <a:ext cx="1392936" cy="685800"/>
-          </a:xfrm>
-          <a:prstGeom prst="rect">
-            <a:avLst/>
-          </a:prstGeom>
-        </p:spPr>
-        <p:style>
-          <a:lnRef idx="2">
-            <a:schemeClr val="accent1">
-              <a:shade val="50000"/>
-            </a:schemeClr>
-          </a:lnRef>
-          <a:fillRef idx="1">
-            <a:schemeClr val="accent1"/>
-          </a:fillRef>
-          <a:effectRef idx="0">
-            <a:schemeClr val="accent1"/>
-          </a:effectRef>
-          <a:fontRef idx="minor">
-            <a:schemeClr val="lt1"/>
-          </a:fontRef>
-        </p:style>
-        <p:txBody>
-          <a:bodyPr rtlCol="0" anchor="ctr"/>
-          <a:lstStyle/>
-          <a:p>
-            <a:pPr algn="ctr"/>
+              <a:t>Fast access to any existing position</a:t>
+            </a:r>
+          </a:p>
+          <a:p>
+            <a:pPr lvl="1"/>
             <a:r>
               <a:rPr lang="en-US" dirty="0" smtClean="0"/>
-              <a:t>Bob edits </a:t>
-            </a:r>
-            <a:r>
-              <a:rPr lang="en-US" dirty="0" err="1" smtClean="0"/>
-              <a:t>sqrt</a:t>
-            </a:r>
-            <a:r>
-              <a:rPr lang="en-US" dirty="0" smtClean="0"/>
-              <a:t> method</a:t>
-            </a:r>
-            <a:endParaRPr lang="en-US" dirty="0"/>
-          </a:p>
-        </p:txBody>
-      </p:sp>
-      <p:sp>
-        <p:nvSpPr>
-          <p:cNvPr id="8" name="Rectangle 7"/>
-          <p:cNvSpPr/>
-          <p:nvPr/>
-        </p:nvSpPr>
-        <p:spPr>
-          <a:xfrm>
-            <a:off x="2258568" y="4000500"/>
-            <a:ext cx="1600200" cy="685800"/>
-          </a:xfrm>
-          <a:prstGeom prst="rect">
-            <a:avLst/>
-          </a:prstGeom>
-        </p:spPr>
-        <p:style>
-          <a:lnRef idx="2">
-            <a:schemeClr val="accent1">
-              <a:shade val="50000"/>
-            </a:schemeClr>
-          </a:lnRef>
-          <a:fillRef idx="1">
-            <a:schemeClr val="accent1"/>
-          </a:fillRef>
-          <a:effectRef idx="0">
-            <a:schemeClr val="accent1"/>
-          </a:effectRef>
-          <a:fontRef idx="minor">
-            <a:schemeClr val="lt1"/>
-          </a:fontRef>
-        </p:style>
-        <p:txBody>
-          <a:bodyPr rtlCol="0" anchor="ctr"/>
-          <a:lstStyle/>
-          <a:p>
-            <a:pPr algn="ctr"/>
-            <a:r>
-              <a:rPr lang="en-US" dirty="0" smtClean="0"/>
-              <a:t>Alice commits changes</a:t>
-            </a:r>
-            <a:endParaRPr lang="en-US" dirty="0"/>
-          </a:p>
-        </p:txBody>
-      </p:sp>
-      <p:sp>
-        <p:nvSpPr>
-          <p:cNvPr id="9" name="Rectangle 8"/>
-          <p:cNvSpPr/>
-          <p:nvPr/>
-        </p:nvSpPr>
-        <p:spPr>
-          <a:xfrm>
-            <a:off x="5889342" y="3951470"/>
-            <a:ext cx="1725168" cy="664464"/>
-          </a:xfrm>
-          <a:prstGeom prst="rect">
-            <a:avLst/>
-          </a:prstGeom>
-        </p:spPr>
-        <p:style>
-          <a:lnRef idx="2">
-            <a:schemeClr val="accent1">
-              <a:shade val="50000"/>
-            </a:schemeClr>
-          </a:lnRef>
-          <a:fillRef idx="1">
-            <a:schemeClr val="accent1"/>
-          </a:fillRef>
-          <a:effectRef idx="0">
-            <a:schemeClr val="accent1"/>
-          </a:effectRef>
-          <a:fontRef idx="minor">
-            <a:schemeClr val="lt1"/>
-          </a:fontRef>
-        </p:style>
-        <p:txBody>
-          <a:bodyPr rtlCol="0" anchor="ctr"/>
-          <a:lstStyle/>
-          <a:p>
-            <a:pPr algn="ctr"/>
-            <a:r>
-              <a:rPr lang="en-US" dirty="0" smtClean="0"/>
-              <a:t>Bob attempts to commit changes</a:t>
-            </a:r>
-            <a:endParaRPr lang="en-US" dirty="0"/>
-          </a:p>
-        </p:txBody>
-      </p:sp>
-      <p:cxnSp>
-        <p:nvCxnSpPr>
-          <p:cNvPr id="11" name="Straight Arrow Connector 10"/>
-          <p:cNvCxnSpPr>
-            <a:stCxn id="6" idx="2"/>
-            <a:endCxn id="7" idx="0"/>
-          </p:cNvCxnSpPr>
-          <p:nvPr/>
-        </p:nvCxnSpPr>
-        <p:spPr>
-          <a:xfrm>
-            <a:off x="4364736" y="1981200"/>
-            <a:ext cx="1306068" cy="838200"/>
-          </a:xfrm>
-          <a:prstGeom prst="straightConnector1">
-            <a:avLst/>
-          </a:prstGeom>
-          <a:ln>
-            <a:tailEnd type="triangle"/>
-          </a:ln>
-        </p:spPr>
-        <p:style>
-          <a:lnRef idx="1">
-            <a:schemeClr val="accent1"/>
-          </a:lnRef>
-          <a:fillRef idx="0">
-            <a:schemeClr val="accent1"/>
-          </a:fillRef>
-          <a:effectRef idx="0">
-            <a:schemeClr val="accent1"/>
-          </a:effectRef>
-          <a:fontRef idx="minor">
-            <a:schemeClr val="tx1"/>
-          </a:fontRef>
-        </p:style>
-      </p:cxnSp>
-      <p:cxnSp>
-        <p:nvCxnSpPr>
-          <p:cNvPr id="13" name="Straight Arrow Connector 12"/>
-          <p:cNvCxnSpPr>
-            <a:stCxn id="6" idx="2"/>
-            <a:endCxn id="4" idx="0"/>
-          </p:cNvCxnSpPr>
-          <p:nvPr/>
-        </p:nvCxnSpPr>
-        <p:spPr>
-          <a:xfrm flipH="1">
-            <a:off x="3058668" y="1981200"/>
-            <a:ext cx="1306068" cy="777240"/>
-          </a:xfrm>
-          <a:prstGeom prst="straightConnector1">
-            <a:avLst/>
-          </a:prstGeom>
-          <a:ln>
-            <a:tailEnd type="triangle"/>
-          </a:ln>
-        </p:spPr>
-        <p:style>
-          <a:lnRef idx="1">
-            <a:schemeClr val="accent1"/>
-          </a:lnRef>
-          <a:fillRef idx="0">
-            <a:schemeClr val="accent1"/>
-          </a:fillRef>
-          <a:effectRef idx="0">
-            <a:schemeClr val="accent1"/>
-          </a:effectRef>
-          <a:fontRef idx="minor">
-            <a:schemeClr val="tx1"/>
-          </a:fontRef>
-        </p:style>
-      </p:cxnSp>
-      <p:cxnSp>
-        <p:nvCxnSpPr>
-          <p:cNvPr id="15" name="Straight Arrow Connector 14"/>
-          <p:cNvCxnSpPr>
-            <a:stCxn id="4" idx="2"/>
-            <a:endCxn id="8" idx="0"/>
-          </p:cNvCxnSpPr>
-          <p:nvPr/>
-        </p:nvCxnSpPr>
-        <p:spPr>
-          <a:xfrm>
-            <a:off x="3058668" y="3444240"/>
-            <a:ext cx="0" cy="556260"/>
-          </a:xfrm>
-          <a:prstGeom prst="straightConnector1">
-            <a:avLst/>
-          </a:prstGeom>
-          <a:ln>
-            <a:tailEnd type="triangle"/>
-          </a:ln>
-        </p:spPr>
-        <p:style>
-          <a:lnRef idx="1">
-            <a:schemeClr val="accent1"/>
-          </a:lnRef>
-          <a:fillRef idx="0">
-            <a:schemeClr val="accent1"/>
-          </a:fillRef>
-          <a:effectRef idx="0">
-            <a:schemeClr val="accent1"/>
-          </a:effectRef>
-          <a:fontRef idx="minor">
-            <a:schemeClr val="tx1"/>
-          </a:fontRef>
-        </p:style>
-      </p:cxnSp>
-      <p:cxnSp>
-        <p:nvCxnSpPr>
-          <p:cNvPr id="17" name="Straight Arrow Connector 16"/>
-          <p:cNvCxnSpPr>
-            <a:stCxn id="7" idx="2"/>
-            <a:endCxn id="9" idx="0"/>
-          </p:cNvCxnSpPr>
-          <p:nvPr/>
-        </p:nvCxnSpPr>
-        <p:spPr>
-          <a:xfrm>
-            <a:off x="5670804" y="3505200"/>
-            <a:ext cx="1081122" cy="446270"/>
-          </a:xfrm>
-          <a:prstGeom prst="straightConnector1">
-            <a:avLst/>
-          </a:prstGeom>
-          <a:ln>
-            <a:tailEnd type="triangle"/>
-          </a:ln>
-        </p:spPr>
-        <p:style>
-          <a:lnRef idx="1">
-            <a:schemeClr val="accent1"/>
-          </a:lnRef>
-          <a:fillRef idx="0">
-            <a:schemeClr val="accent1"/>
-          </a:fillRef>
-          <a:effectRef idx="0">
-            <a:schemeClr val="accent1"/>
-          </a:effectRef>
-          <a:fontRef idx="minor">
-            <a:schemeClr val="tx1"/>
-          </a:fontRef>
-        </p:style>
-      </p:cxnSp>
-      <p:sp>
-        <p:nvSpPr>
-          <p:cNvPr id="18" name="TextBox 17"/>
-          <p:cNvSpPr txBox="1"/>
-          <p:nvPr/>
-        </p:nvSpPr>
-        <p:spPr>
-          <a:xfrm>
-            <a:off x="6629400" y="4897165"/>
-            <a:ext cx="1060098" cy="461665"/>
-          </a:xfrm>
-          <a:prstGeom prst="rect">
-            <a:avLst/>
-          </a:prstGeom>
-          <a:solidFill>
-            <a:schemeClr val="bg1"/>
-          </a:solidFill>
-        </p:spPr>
-        <p:txBody>
-          <a:bodyPr wrap="none" rtlCol="0">
-            <a:spAutoFit/>
-          </a:bodyPr>
-          <a:lstStyle/>
-          <a:p>
-            <a:r>
-              <a:rPr lang="en-US" sz="2400" b="1" dirty="0" smtClean="0">
-                <a:solidFill>
-                  <a:srgbClr val="FF0000"/>
-                </a:solidFill>
-              </a:rPr>
-              <a:t>ERROR</a:t>
-            </a:r>
-            <a:endParaRPr lang="en-US" sz="2400" b="1" dirty="0">
-              <a:solidFill>
-                <a:srgbClr val="FF0000"/>
-              </a:solidFill>
-            </a:endParaRPr>
-          </a:p>
-        </p:txBody>
-      </p:sp>
-      <p:sp>
-        <p:nvSpPr>
-          <p:cNvPr id="22" name="Rectangle 21"/>
-          <p:cNvSpPr/>
-          <p:nvPr/>
-        </p:nvSpPr>
-        <p:spPr>
-          <a:xfrm>
-            <a:off x="3276600" y="5585460"/>
-            <a:ext cx="1600200" cy="685800"/>
-          </a:xfrm>
-          <a:prstGeom prst="rect">
-            <a:avLst/>
-          </a:prstGeom>
-        </p:spPr>
-        <p:style>
-          <a:lnRef idx="2">
-            <a:schemeClr val="accent1">
-              <a:shade val="50000"/>
-            </a:schemeClr>
-          </a:lnRef>
-          <a:fillRef idx="1">
-            <a:schemeClr val="accent1"/>
-          </a:fillRef>
-          <a:effectRef idx="0">
-            <a:schemeClr val="accent1"/>
-          </a:effectRef>
-          <a:fontRef idx="minor">
-            <a:schemeClr val="lt1"/>
-          </a:fontRef>
-        </p:style>
-        <p:txBody>
-          <a:bodyPr rtlCol="0" anchor="ctr"/>
-          <a:lstStyle/>
-          <a:p>
-            <a:pPr algn="ctr"/>
-            <a:r>
-              <a:rPr lang="en-US" dirty="0" smtClean="0"/>
-              <a:t>Updated Math.java</a:t>
-            </a:r>
-            <a:endParaRPr lang="en-US" dirty="0"/>
-          </a:p>
-        </p:txBody>
-      </p:sp>
-      <p:cxnSp>
-        <p:nvCxnSpPr>
-          <p:cNvPr id="24" name="Straight Arrow Connector 23"/>
-          <p:cNvCxnSpPr>
-            <a:stCxn id="8" idx="2"/>
-            <a:endCxn id="22" idx="0"/>
-          </p:cNvCxnSpPr>
-          <p:nvPr/>
-        </p:nvCxnSpPr>
-        <p:spPr>
-          <a:xfrm>
-            <a:off x="3058668" y="4686300"/>
-            <a:ext cx="1018032" cy="899160"/>
-          </a:xfrm>
-          <a:prstGeom prst="straightConnector1">
-            <a:avLst/>
-          </a:prstGeom>
-          <a:ln>
-            <a:tailEnd type="triangle"/>
-          </a:ln>
-        </p:spPr>
-        <p:style>
-          <a:lnRef idx="1">
-            <a:schemeClr val="accent1"/>
-          </a:lnRef>
-          <a:fillRef idx="0">
-            <a:schemeClr val="accent1"/>
-          </a:fillRef>
-          <a:effectRef idx="0">
-            <a:schemeClr val="accent1"/>
-          </a:effectRef>
-          <a:fontRef idx="minor">
-            <a:schemeClr val="tx1"/>
-          </a:fontRef>
-        </p:style>
-      </p:cxnSp>
-      <p:cxnSp>
-        <p:nvCxnSpPr>
-          <p:cNvPr id="26" name="Straight Arrow Connector 25"/>
-          <p:cNvCxnSpPr>
-            <a:stCxn id="9" idx="2"/>
-            <a:endCxn id="18" idx="0"/>
-          </p:cNvCxnSpPr>
-          <p:nvPr/>
-        </p:nvCxnSpPr>
-        <p:spPr>
-          <a:xfrm>
-            <a:off x="6751926" y="4615934"/>
-            <a:ext cx="407523" cy="281231"/>
-          </a:xfrm>
-          <a:prstGeom prst="straightConnector1">
-            <a:avLst/>
-          </a:prstGeom>
-          <a:ln>
-            <a:tailEnd type="triangle"/>
-          </a:ln>
-        </p:spPr>
-        <p:style>
-          <a:lnRef idx="1">
-            <a:schemeClr val="accent1"/>
-          </a:lnRef>
-          <a:fillRef idx="0">
-            <a:schemeClr val="accent1"/>
-          </a:fillRef>
-          <a:effectRef idx="0">
-            <a:schemeClr val="accent1"/>
-          </a:effectRef>
-          <a:fontRef idx="minor">
-            <a:schemeClr val="tx1"/>
-          </a:fontRef>
-        </p:style>
-      </p:cxnSp>
-      <p:sp>
-        <p:nvSpPr>
-          <p:cNvPr id="30" name="TextBox 29"/>
-          <p:cNvSpPr txBox="1"/>
-          <p:nvPr/>
-        </p:nvSpPr>
-        <p:spPr>
-          <a:xfrm>
-            <a:off x="5670804" y="5328195"/>
-            <a:ext cx="3224794" cy="1477328"/>
-          </a:xfrm>
-          <a:prstGeom prst="rect">
-            <a:avLst/>
-          </a:prstGeom>
-          <a:noFill/>
-        </p:spPr>
-        <p:txBody>
-          <a:bodyPr wrap="none" rtlCol="0">
-            <a:spAutoFit/>
-          </a:bodyPr>
-          <a:lstStyle/>
-          <a:p>
-            <a:r>
-              <a:rPr lang="en-US" dirty="0" smtClean="0"/>
-              <a:t>Source control system cannot </a:t>
-            </a:r>
-          </a:p>
-          <a:p>
-            <a:r>
-              <a:rPr lang="en-US" dirty="0" smtClean="0"/>
-              <a:t>resolve multiple changes on the </a:t>
-            </a:r>
-          </a:p>
-          <a:p>
-            <a:r>
-              <a:rPr lang="en-US" dirty="0" smtClean="0"/>
-              <a:t>same code, Bob should have </a:t>
-            </a:r>
-          </a:p>
-          <a:p>
-            <a:r>
-              <a:rPr lang="en-US" dirty="0"/>
-              <a:t>u</a:t>
-            </a:r>
-            <a:r>
-              <a:rPr lang="en-US" dirty="0" smtClean="0"/>
-              <a:t>pdated and resolved conflicts</a:t>
-            </a:r>
-          </a:p>
-          <a:p>
-            <a:r>
-              <a:rPr lang="en-US" dirty="0" smtClean="0"/>
-              <a:t>before committing.</a:t>
-            </a:r>
-            <a:endParaRPr lang="en-US" dirty="0"/>
+              <a:t>Slow inserts to and deletes from middle of list</a:t>
+            </a:r>
           </a:p>
         </p:txBody>
       </p:sp>
     </p:spTree>
-    <p:extLst>
-      <p:ext uri="{BB962C8B-B14F-4D97-AF65-F5344CB8AC3E}">
-        <p14:creationId xmlns:p14="http://schemas.microsoft.com/office/powerpoint/2010/main" val="1346734240"/>
-      </p:ext>
-    </p:extLst>
   </p:cSld>
   <p:clrMapOvr>
     <a:masterClrMapping/>
   </p:clrMapOvr>
-  <mc:AlternateContent xmlns:mc="http://schemas.openxmlformats.org/markup-compatibility/2006" xmlns:p14="http://schemas.microsoft.com/office/powerpoint/2010/main">
-    <mc:Choice Requires="p14">
-      <p:transition p14:dur="0"/>
-    </mc:Choice>
-    <mc:Fallback xmlns="">
-      <p:transition/>
-    </mc:Fallback>
-  </mc:AlternateContent>
   <p:timing>
     <p:tnLst>
       <p:par>
@@ -8475,7 +7033,30 @@
       </p:grpSpPr>
       <p:sp>
         <p:nvSpPr>
-          <p:cNvPr id="22530" name="Content Placeholder 1"/>
+          <p:cNvPr id="2" name="Title 1"/>
+          <p:cNvSpPr>
+            <a:spLocks noGrp="1"/>
+          </p:cNvSpPr>
+          <p:nvPr>
+            <p:ph type="title"/>
+          </p:nvPr>
+        </p:nvSpPr>
+        <p:spPr/>
+        <p:txBody>
+          <a:bodyPr/>
+          <a:lstStyle/>
+          <a:p>
+            <a:r>
+              <a:rPr lang="en-US" dirty="0" smtClean="0"/>
+              <a:t>Big-O Notation</a:t>
+            </a:r>
+            <a:endParaRPr lang="en-US" dirty="0"/>
+          </a:p>
+        </p:txBody>
+      </p:sp>
+      <p:sp>
+        <p:nvSpPr>
+          <p:cNvPr id="3" name="Content Placeholder 2"/>
           <p:cNvSpPr>
             <a:spLocks noGrp="1"/>
           </p:cNvSpPr>
@@ -8483,181 +7064,80 @@
             <p:ph idx="1"/>
           </p:nvPr>
         </p:nvSpPr>
-        <p:spPr>
-          <a:xfrm>
-            <a:off x="381000" y="990600"/>
-            <a:ext cx="8610600" cy="5016500"/>
-          </a:xfrm>
-        </p:spPr>
-        <p:txBody>
-          <a:bodyPr>
-            <a:normAutofit fontScale="92500" lnSpcReduction="20000"/>
-          </a:bodyPr>
-          <a:lstStyle/>
-          <a:p>
-            <a:r>
-              <a:rPr lang="en-US" b="1" dirty="0"/>
-              <a:t>Version control tracks multiple </a:t>
-            </a:r>
-            <a:r>
-              <a:rPr lang="en-US" b="1" dirty="0" smtClean="0"/>
-              <a:t>versions</a:t>
-            </a:r>
-            <a:endParaRPr lang="en-US" b="1" dirty="0"/>
+        <p:spPr/>
+        <p:txBody>
+          <a:bodyPr/>
+          <a:lstStyle/>
+          <a:p>
+            <a:r>
+              <a:rPr lang="en-US" dirty="0" smtClean="0"/>
+              <a:t>Describes the limiting behavior </a:t>
+            </a:r>
           </a:p>
           <a:p>
             <a:pPr lvl="1"/>
             <a:r>
               <a:rPr lang="en-US" dirty="0" smtClean="0"/>
-              <a:t>Enables old </a:t>
-            </a:r>
-            <a:r>
-              <a:rPr lang="en-US" dirty="0"/>
-              <a:t>versions to be recovered</a:t>
+              <a:t>How slow it can possibly run?</a:t>
             </a:r>
           </a:p>
           <a:p>
             <a:pPr lvl="1"/>
             <a:r>
               <a:rPr lang="en-US" dirty="0" smtClean="0"/>
-              <a:t>Allows multiple </a:t>
-            </a:r>
-            <a:r>
-              <a:rPr lang="en-US" dirty="0"/>
-              <a:t>versions to exist </a:t>
-            </a:r>
+              <a:t>Describes the </a:t>
+            </a:r>
+            <a:r>
+              <a:rPr lang="en-US" u="sng" dirty="0" smtClean="0"/>
+              <a:t>worst case</a:t>
+            </a:r>
+          </a:p>
+          <a:p>
             <a:r>
               <a:rPr lang="en-US" dirty="0" smtClean="0"/>
-              <a:t>simultaneously</a:t>
-            </a:r>
-            <a:br>
+              <a:t>Used for Classifying Algorithm Efficiency</a:t>
+            </a:r>
+          </a:p>
+          <a:p>
+            <a:r>
               <a:rPr lang="en-US" dirty="0" smtClean="0"/>
-            </a:br>
-            <a:endParaRPr lang="en-US" dirty="0" smtClean="0"/>
-          </a:p>
-          <a:p>
-            <a:r>
-              <a:rPr lang="en-US" b="1" dirty="0" smtClean="0"/>
-              <a:t>Always</a:t>
-            </a:r>
+              <a:t>“O” for “Order”</a:t>
+            </a:r>
+          </a:p>
+          <a:p>
+            <a:pPr lvl="1"/>
             <a:r>
               <a:rPr lang="en-US" dirty="0" smtClean="0"/>
-              <a:t>:</a:t>
+              <a:t>O(n) </a:t>
+            </a:r>
+            <a:r>
+              <a:rPr lang="en-US" dirty="0" smtClean="0">
+                <a:sym typeface="Wingdings" panose="05000000000000000000" pitchFamily="2" charset="2"/>
+              </a:rPr>
+              <a:t> said as “Order n”</a:t>
             </a:r>
           </a:p>
           <a:p>
             <a:pPr lvl="1"/>
             <a:r>
-              <a:rPr lang="en-US" b="1" dirty="0" smtClean="0"/>
-              <a:t>Update before </a:t>
-            </a:r>
-            <a:r>
-              <a:rPr lang="en-US" dirty="0" smtClean="0"/>
-              <a:t>working</a:t>
-            </a:r>
-          </a:p>
-          <a:p>
-            <a:pPr lvl="1"/>
-            <a:r>
-              <a:rPr lang="en-US" b="1" dirty="0" smtClean="0"/>
-              <a:t>Update again </a:t>
-            </a:r>
-            <a:r>
-              <a:rPr lang="en-US" dirty="0" smtClean="0"/>
-              <a:t>before committing</a:t>
-            </a:r>
-          </a:p>
-          <a:p>
-            <a:pPr lvl="1"/>
-            <a:r>
-              <a:rPr lang="en-US" b="1" dirty="0" smtClean="0"/>
-              <a:t>Commit often </a:t>
-            </a:r>
-            <a:r>
-              <a:rPr lang="en-US" dirty="0" smtClean="0"/>
-              <a:t>and with good messages</a:t>
-            </a:r>
-          </a:p>
-          <a:p>
-            <a:endParaRPr lang="en-US" dirty="0" smtClean="0"/>
-          </a:p>
-          <a:p>
-            <a:r>
-              <a:rPr lang="en-US" b="1" dirty="0" smtClean="0"/>
-              <a:t>Communicate</a:t>
-            </a:r>
-            <a:r>
-              <a:rPr lang="en-US" dirty="0" smtClean="0"/>
-              <a:t> with teammates so you don’t edit the same code simultaneously</a:t>
-            </a:r>
-          </a:p>
-          <a:p>
-            <a:pPr lvl="1"/>
-            <a:r>
-              <a:rPr lang="en-US" dirty="0" smtClean="0"/>
-              <a:t>Pair programming ameliorates this issue  </a:t>
-            </a:r>
-            <a:r>
-              <a:rPr lang="en-US" dirty="0" smtClean="0">
-                <a:sym typeface="Wingdings" pitchFamily="2" charset="2"/>
-              </a:rPr>
-              <a:t></a:t>
-            </a:r>
-            <a:endParaRPr lang="en-US" dirty="0" smtClean="0"/>
-          </a:p>
-        </p:txBody>
-      </p:sp>
-      <p:sp>
-        <p:nvSpPr>
-          <p:cNvPr id="3" name="Title 2"/>
-          <p:cNvSpPr>
-            <a:spLocks noGrp="1"/>
-          </p:cNvSpPr>
-          <p:nvPr>
-            <p:ph type="title"/>
-          </p:nvPr>
-        </p:nvSpPr>
-        <p:spPr>
-          <a:xfrm>
-            <a:off x="457200" y="152400"/>
-            <a:ext cx="8229600" cy="715962"/>
-          </a:xfrm>
-        </p:spPr>
-        <p:txBody>
-          <a:bodyPr>
-            <a:normAutofit fontScale="90000"/>
-          </a:bodyPr>
-          <a:lstStyle/>
-          <a:p>
-            <a:pPr>
-              <a:defRPr/>
-            </a:pPr>
-            <a:r>
-              <a:rPr lang="en-US" dirty="0" smtClean="0"/>
-              <a:t>Team Version Control</a:t>
-            </a:r>
-            <a:endParaRPr lang="en-US" dirty="0"/>
+              <a:rPr lang="en-US" dirty="0" smtClean="0">
+                <a:sym typeface="Wingdings" panose="05000000000000000000" pitchFamily="2" charset="2"/>
+              </a:rPr>
+              <a:t>O(n^2)  said as “Order n-squared”</a:t>
+            </a:r>
           </a:p>
         </p:txBody>
       </p:sp>
     </p:spTree>
     <p:extLst>
       <p:ext uri="{BB962C8B-B14F-4D97-AF65-F5344CB8AC3E}">
-        <p14:creationId xmlns:p14="http://schemas.microsoft.com/office/powerpoint/2010/main" val="314108139"/>
+        <p14:creationId xmlns:p14="http://schemas.microsoft.com/office/powerpoint/2010/main" val="3916409691"/>
       </p:ext>
     </p:extLst>
   </p:cSld>
   <p:clrMapOvr>
     <a:masterClrMapping/>
   </p:clrMapOvr>
-  <mc:AlternateContent xmlns:mc="http://schemas.openxmlformats.org/markup-compatibility/2006" xmlns:p14="http://schemas.microsoft.com/office/powerpoint/2010/main">
-    <mc:Choice Requires="p14">
-      <p:transition p14:dur="0"/>
-    </mc:Choice>
-    <mc:Fallback xmlns="">
-      <p:transition/>
-    </mc:Fallback>
-  </mc:AlternateContent>
   <p:timing>
     <p:tnLst>
       <p:par>
@@ -8892,1430 +7372,6 @@
       </p:grpSpPr>
       <p:sp>
         <p:nvSpPr>
-          <p:cNvPr id="23554" name="Title 1"/>
-          <p:cNvSpPr>
-            <a:spLocks noGrp="1"/>
-          </p:cNvSpPr>
-          <p:nvPr>
-            <p:ph type="title"/>
-          </p:nvPr>
-        </p:nvSpPr>
-        <p:spPr/>
-        <p:txBody>
-          <a:bodyPr/>
-          <a:lstStyle/>
-          <a:p>
-            <a:r>
-              <a:rPr lang="en-US" dirty="0" smtClean="0"/>
-              <a:t>Team Version Control</a:t>
-            </a:r>
-          </a:p>
-        </p:txBody>
-      </p:sp>
-      <p:sp>
-        <p:nvSpPr>
-          <p:cNvPr id="3" name="Rounded Rectangle 2"/>
-          <p:cNvSpPr/>
-          <p:nvPr/>
-        </p:nvSpPr>
-        <p:spPr>
-          <a:xfrm>
-            <a:off x="533400" y="1828800"/>
-            <a:ext cx="1828800" cy="914400"/>
-          </a:xfrm>
-          <a:prstGeom prst="roundRect">
-            <a:avLst/>
-          </a:prstGeom>
-        </p:spPr>
-        <p:style>
-          <a:lnRef idx="2">
-            <a:schemeClr val="accent1">
-              <a:shade val="50000"/>
-            </a:schemeClr>
-          </a:lnRef>
-          <a:fillRef idx="1">
-            <a:schemeClr val="accent1"/>
-          </a:fillRef>
-          <a:effectRef idx="0">
-            <a:schemeClr val="accent1"/>
-          </a:effectRef>
-          <a:fontRef idx="minor">
-            <a:schemeClr val="lt1"/>
-          </a:fontRef>
-        </p:style>
-        <p:txBody>
-          <a:bodyPr anchor="ctr"/>
-          <a:lstStyle/>
-          <a:p>
-            <a:pPr algn="ctr">
-              <a:defRPr/>
-            </a:pPr>
-            <a:r>
-              <a:rPr lang="en-US" sz="2400" dirty="0"/>
-              <a:t>Check Out</a:t>
-            </a:r>
-          </a:p>
-        </p:txBody>
-      </p:sp>
-      <p:sp>
-        <p:nvSpPr>
-          <p:cNvPr id="4" name="Rounded Rectangle 3"/>
-          <p:cNvSpPr/>
-          <p:nvPr/>
-        </p:nvSpPr>
-        <p:spPr>
-          <a:xfrm>
-            <a:off x="5334000" y="3352800"/>
-            <a:ext cx="1828800" cy="914400"/>
-          </a:xfrm>
-          <a:prstGeom prst="roundRect">
-            <a:avLst/>
-          </a:prstGeom>
-        </p:spPr>
-        <p:style>
-          <a:lnRef idx="2">
-            <a:schemeClr val="accent1">
-              <a:shade val="50000"/>
-            </a:schemeClr>
-          </a:lnRef>
-          <a:fillRef idx="1">
-            <a:schemeClr val="accent1"/>
-          </a:fillRef>
-          <a:effectRef idx="0">
-            <a:schemeClr val="accent1"/>
-          </a:effectRef>
-          <a:fontRef idx="minor">
-            <a:schemeClr val="lt1"/>
-          </a:fontRef>
-        </p:style>
-        <p:txBody>
-          <a:bodyPr anchor="ctr"/>
-          <a:lstStyle/>
-          <a:p>
-            <a:pPr algn="ctr">
-              <a:defRPr/>
-            </a:pPr>
-            <a:r>
-              <a:rPr lang="en-US" sz="2400" dirty="0"/>
-              <a:t>Edit</a:t>
-            </a:r>
-          </a:p>
-        </p:txBody>
-      </p:sp>
-      <p:sp>
-        <p:nvSpPr>
-          <p:cNvPr id="5" name="Rounded Rectangle 4"/>
-          <p:cNvSpPr/>
-          <p:nvPr/>
-        </p:nvSpPr>
-        <p:spPr>
-          <a:xfrm>
-            <a:off x="1905000" y="3352800"/>
-            <a:ext cx="1828800" cy="914400"/>
-          </a:xfrm>
-          <a:prstGeom prst="roundRect">
-            <a:avLst/>
-          </a:prstGeom>
-        </p:spPr>
-        <p:style>
-          <a:lnRef idx="2">
-            <a:schemeClr val="accent1">
-              <a:shade val="50000"/>
-            </a:schemeClr>
-          </a:lnRef>
-          <a:fillRef idx="1">
-            <a:schemeClr val="accent1"/>
-          </a:fillRef>
-          <a:effectRef idx="0">
-            <a:schemeClr val="accent1"/>
-          </a:effectRef>
-          <a:fontRef idx="minor">
-            <a:schemeClr val="lt1"/>
-          </a:fontRef>
-        </p:style>
-        <p:txBody>
-          <a:bodyPr anchor="ctr"/>
-          <a:lstStyle/>
-          <a:p>
-            <a:pPr algn="ctr">
-              <a:defRPr/>
-            </a:pPr>
-            <a:r>
-              <a:rPr lang="en-US" sz="2400" dirty="0"/>
-              <a:t>Update</a:t>
-            </a:r>
-          </a:p>
-        </p:txBody>
-      </p:sp>
-      <p:sp>
-        <p:nvSpPr>
-          <p:cNvPr id="6" name="Rounded Rectangle 5"/>
-          <p:cNvSpPr/>
-          <p:nvPr/>
-        </p:nvSpPr>
-        <p:spPr>
-          <a:xfrm>
-            <a:off x="1905000" y="5257800"/>
-            <a:ext cx="1828800" cy="914400"/>
-          </a:xfrm>
-          <a:prstGeom prst="roundRect">
-            <a:avLst/>
-          </a:prstGeom>
-        </p:spPr>
-        <p:style>
-          <a:lnRef idx="2">
-            <a:schemeClr val="accent1">
-              <a:shade val="50000"/>
-            </a:schemeClr>
-          </a:lnRef>
-          <a:fillRef idx="1">
-            <a:schemeClr val="accent1"/>
-          </a:fillRef>
-          <a:effectRef idx="0">
-            <a:schemeClr val="accent1"/>
-          </a:effectRef>
-          <a:fontRef idx="minor">
-            <a:schemeClr val="lt1"/>
-          </a:fontRef>
-        </p:style>
-        <p:txBody>
-          <a:bodyPr anchor="ctr"/>
-          <a:lstStyle/>
-          <a:p>
-            <a:pPr algn="ctr">
-              <a:defRPr/>
-            </a:pPr>
-            <a:r>
-              <a:rPr lang="en-US" sz="2400" dirty="0"/>
-              <a:t>Commit</a:t>
-            </a:r>
-          </a:p>
-        </p:txBody>
-      </p:sp>
-      <p:sp>
-        <p:nvSpPr>
-          <p:cNvPr id="7" name="Rounded Rectangle 6"/>
-          <p:cNvSpPr/>
-          <p:nvPr/>
-        </p:nvSpPr>
-        <p:spPr>
-          <a:xfrm>
-            <a:off x="5334000" y="5257800"/>
-            <a:ext cx="1828800" cy="914400"/>
-          </a:xfrm>
-          <a:prstGeom prst="roundRect">
-            <a:avLst/>
-          </a:prstGeom>
-        </p:spPr>
-        <p:style>
-          <a:lnRef idx="2">
-            <a:schemeClr val="accent1">
-              <a:shade val="50000"/>
-            </a:schemeClr>
-          </a:lnRef>
-          <a:fillRef idx="1">
-            <a:schemeClr val="accent1"/>
-          </a:fillRef>
-          <a:effectRef idx="0">
-            <a:schemeClr val="accent1"/>
-          </a:effectRef>
-          <a:fontRef idx="minor">
-            <a:schemeClr val="lt1"/>
-          </a:fontRef>
-        </p:style>
-        <p:txBody>
-          <a:bodyPr anchor="ctr"/>
-          <a:lstStyle/>
-          <a:p>
-            <a:pPr algn="ctr">
-              <a:defRPr/>
-            </a:pPr>
-            <a:r>
-              <a:rPr lang="en-US" sz="2400" dirty="0"/>
-              <a:t>Update</a:t>
-            </a:r>
-          </a:p>
-        </p:txBody>
-      </p:sp>
-      <p:cxnSp>
-        <p:nvCxnSpPr>
-          <p:cNvPr id="8" name="Straight Arrow Connector 7"/>
-          <p:cNvCxnSpPr>
-            <a:stCxn id="3" idx="2"/>
-            <a:endCxn id="5" idx="0"/>
-          </p:cNvCxnSpPr>
-          <p:nvPr/>
-        </p:nvCxnSpPr>
-        <p:spPr>
-          <a:xfrm rot="16200000" flipH="1">
-            <a:off x="1828800" y="2362200"/>
-            <a:ext cx="609600" cy="1371600"/>
-          </a:xfrm>
-          <a:prstGeom prst="straightConnector1">
-            <a:avLst/>
-          </a:prstGeom>
-          <a:ln>
-            <a:tailEnd type="arrow"/>
-          </a:ln>
-        </p:spPr>
-        <p:style>
-          <a:lnRef idx="3">
-            <a:schemeClr val="accent2"/>
-          </a:lnRef>
-          <a:fillRef idx="0">
-            <a:schemeClr val="accent2"/>
-          </a:fillRef>
-          <a:effectRef idx="2">
-            <a:schemeClr val="accent2"/>
-          </a:effectRef>
-          <a:fontRef idx="minor">
-            <a:schemeClr val="tx1"/>
-          </a:fontRef>
-        </p:style>
-      </p:cxnSp>
-      <p:cxnSp>
-        <p:nvCxnSpPr>
-          <p:cNvPr id="11" name="Straight Arrow Connector 10"/>
-          <p:cNvCxnSpPr>
-            <a:stCxn id="5" idx="3"/>
-            <a:endCxn id="4" idx="1"/>
-          </p:cNvCxnSpPr>
-          <p:nvPr/>
-        </p:nvCxnSpPr>
-        <p:spPr>
-          <a:xfrm>
-            <a:off x="3733800" y="3810001"/>
-            <a:ext cx="1600200" cy="1588"/>
-          </a:xfrm>
-          <a:prstGeom prst="straightConnector1">
-            <a:avLst/>
-          </a:prstGeom>
-          <a:ln>
-            <a:tailEnd type="arrow"/>
-          </a:ln>
-        </p:spPr>
-        <p:style>
-          <a:lnRef idx="3">
-            <a:schemeClr val="accent2"/>
-          </a:lnRef>
-          <a:fillRef idx="0">
-            <a:schemeClr val="accent2"/>
-          </a:fillRef>
-          <a:effectRef idx="2">
-            <a:schemeClr val="accent2"/>
-          </a:effectRef>
-          <a:fontRef idx="minor">
-            <a:schemeClr val="tx1"/>
-          </a:fontRef>
-        </p:style>
-      </p:cxnSp>
-      <p:cxnSp>
-        <p:nvCxnSpPr>
-          <p:cNvPr id="15" name="Straight Arrow Connector 14"/>
-          <p:cNvCxnSpPr>
-            <a:stCxn id="4" idx="2"/>
-            <a:endCxn id="7" idx="0"/>
-          </p:cNvCxnSpPr>
-          <p:nvPr/>
-        </p:nvCxnSpPr>
-        <p:spPr>
-          <a:xfrm rot="5400000">
-            <a:off x="5753101" y="4762502"/>
-            <a:ext cx="990600" cy="3175"/>
-          </a:xfrm>
-          <a:prstGeom prst="straightConnector1">
-            <a:avLst/>
-          </a:prstGeom>
-          <a:ln>
-            <a:tailEnd type="arrow"/>
-          </a:ln>
-        </p:spPr>
-        <p:style>
-          <a:lnRef idx="3">
-            <a:schemeClr val="accent2"/>
-          </a:lnRef>
-          <a:fillRef idx="0">
-            <a:schemeClr val="accent2"/>
-          </a:fillRef>
-          <a:effectRef idx="2">
-            <a:schemeClr val="accent2"/>
-          </a:effectRef>
-          <a:fontRef idx="minor">
-            <a:schemeClr val="tx1"/>
-          </a:fontRef>
-        </p:style>
-      </p:cxnSp>
-      <p:cxnSp>
-        <p:nvCxnSpPr>
-          <p:cNvPr id="18" name="Straight Arrow Connector 17"/>
-          <p:cNvCxnSpPr>
-            <a:stCxn id="7" idx="1"/>
-            <a:endCxn id="6" idx="3"/>
-          </p:cNvCxnSpPr>
-          <p:nvPr/>
-        </p:nvCxnSpPr>
-        <p:spPr>
-          <a:xfrm rot="10800000">
-            <a:off x="3733800" y="5715001"/>
-            <a:ext cx="1600200" cy="1588"/>
-          </a:xfrm>
-          <a:prstGeom prst="straightConnector1">
-            <a:avLst/>
-          </a:prstGeom>
-          <a:ln>
-            <a:tailEnd type="arrow"/>
-          </a:ln>
-        </p:spPr>
-        <p:style>
-          <a:lnRef idx="3">
-            <a:schemeClr val="accent2"/>
-          </a:lnRef>
-          <a:fillRef idx="0">
-            <a:schemeClr val="accent2"/>
-          </a:fillRef>
-          <a:effectRef idx="2">
-            <a:schemeClr val="accent2"/>
-          </a:effectRef>
-          <a:fontRef idx="minor">
-            <a:schemeClr val="tx1"/>
-          </a:fontRef>
-        </p:style>
-      </p:cxnSp>
-      <p:cxnSp>
-        <p:nvCxnSpPr>
-          <p:cNvPr id="22" name="Straight Arrow Connector 21"/>
-          <p:cNvCxnSpPr>
-            <a:stCxn id="6" idx="0"/>
-            <a:endCxn id="5" idx="2"/>
-          </p:cNvCxnSpPr>
-          <p:nvPr/>
-        </p:nvCxnSpPr>
-        <p:spPr>
-          <a:xfrm rot="5400000" flipH="1" flipV="1">
-            <a:off x="2324101" y="4762502"/>
-            <a:ext cx="990600" cy="3175"/>
-          </a:xfrm>
-          <a:prstGeom prst="straightConnector1">
-            <a:avLst/>
-          </a:prstGeom>
-          <a:ln>
-            <a:tailEnd type="arrow"/>
-          </a:ln>
-        </p:spPr>
-        <p:style>
-          <a:lnRef idx="3">
-            <a:schemeClr val="accent2"/>
-          </a:lnRef>
-          <a:fillRef idx="0">
-            <a:schemeClr val="accent2"/>
-          </a:fillRef>
-          <a:effectRef idx="2">
-            <a:schemeClr val="accent2"/>
-          </a:effectRef>
-          <a:fontRef idx="minor">
-            <a:schemeClr val="tx1"/>
-          </a:fontRef>
-        </p:style>
-      </p:cxnSp>
-      <p:sp>
-        <p:nvSpPr>
-          <p:cNvPr id="25" name="TextBox 24"/>
-          <p:cNvSpPr txBox="1"/>
-          <p:nvPr/>
-        </p:nvSpPr>
-        <p:spPr>
-          <a:xfrm>
-            <a:off x="5562600" y="1752601"/>
-            <a:ext cx="2971800" cy="954107"/>
-          </a:xfrm>
-          <a:prstGeom prst="rect">
-            <a:avLst/>
-          </a:prstGeom>
-          <a:noFill/>
-        </p:spPr>
-        <p:txBody>
-          <a:bodyPr>
-            <a:spAutoFit/>
-          </a:bodyPr>
-          <a:lstStyle/>
-          <a:p>
-            <a:pPr algn="ctr">
-              <a:defRPr/>
-            </a:pPr>
-            <a:r>
-              <a:rPr lang="en-US" sz="2800" dirty="0">
-                <a:latin typeface="+mn-lt"/>
-              </a:rPr>
-              <a:t>Update and Commit often!</a:t>
-            </a:r>
-          </a:p>
-        </p:txBody>
-      </p:sp>
-    </p:spTree>
-    <p:extLst>
-      <p:ext uri="{BB962C8B-B14F-4D97-AF65-F5344CB8AC3E}">
-        <p14:creationId xmlns:p14="http://schemas.microsoft.com/office/powerpoint/2010/main" val="1807808028"/>
-      </p:ext>
-    </p:extLst>
-  </p:cSld>
-  <p:clrMapOvr>
-    <a:masterClrMapping/>
-  </p:clrMapOvr>
-  <mc:AlternateContent xmlns:mc="http://schemas.openxmlformats.org/markup-compatibility/2006" xmlns:p14="http://schemas.microsoft.com/office/powerpoint/2010/main">
-    <mc:Choice Requires="p14">
-      <p:transition p14:dur="0"/>
-    </mc:Choice>
-    <mc:Fallback xmlns="">
-      <p:transition/>
-    </mc:Fallback>
-  </mc:AlternateContent>
-  <p:timing>
-    <p:tnLst>
-      <p:par>
-        <p:cTn id="1" dur="indefinite" restart="never" nodeType="tmRoot"/>
-      </p:par>
-    </p:tnLst>
-  </p:timing>
-</p:sld>
-</file>
-
-<file path=ppt/slides/slide21.xml><?xml version="1.0" encoding="utf-8"?>
-<p:sld xmlns:a="http://schemas.openxmlformats.org/drawingml/2006/main" xmlns:r="http://schemas.openxmlformats.org/officeDocument/2006/relationships" xmlns:p="http://schemas.openxmlformats.org/presentationml/2006/main">
-  <p:cSld>
-    <p:spTree>
-      <p:nvGrpSpPr>
-        <p:cNvPr id="1" name=""/>
-        <p:cNvGrpSpPr/>
-        <p:nvPr/>
-      </p:nvGrpSpPr>
-      <p:grpSpPr>
-        <a:xfrm>
-          <a:off x="0" y="0"/>
-          <a:ext cx="0" cy="0"/>
-          <a:chOff x="0" y="0"/>
-          <a:chExt cx="0" cy="0"/>
-        </a:xfrm>
-      </p:grpSpPr>
-      <p:sp>
-        <p:nvSpPr>
-          <p:cNvPr id="2" name="Title 1"/>
-          <p:cNvSpPr>
-            <a:spLocks noGrp="1"/>
-          </p:cNvSpPr>
-          <p:nvPr>
-            <p:ph type="title"/>
-          </p:nvPr>
-        </p:nvSpPr>
-        <p:spPr/>
-        <p:txBody>
-          <a:bodyPr/>
-          <a:lstStyle/>
-          <a:p>
-            <a:r>
-              <a:rPr lang="en-US" dirty="0" smtClean="0"/>
-              <a:t>What if I get a conflict on update?</a:t>
-            </a:r>
-            <a:endParaRPr lang="en-US" dirty="0"/>
-          </a:p>
-        </p:txBody>
-      </p:sp>
-      <p:sp>
-        <p:nvSpPr>
-          <p:cNvPr id="3" name="Content Placeholder 2"/>
-          <p:cNvSpPr>
-            <a:spLocks noGrp="1"/>
-          </p:cNvSpPr>
-          <p:nvPr>
-            <p:ph idx="1"/>
-          </p:nvPr>
-        </p:nvSpPr>
-        <p:spPr/>
-        <p:txBody>
-          <a:bodyPr>
-            <a:normAutofit fontScale="92500"/>
-          </a:bodyPr>
-          <a:lstStyle/>
-          <a:p>
-            <a:r>
-              <a:rPr lang="en-US" dirty="0" smtClean="0"/>
-              <a:t>If you did an update and now have File.java, </a:t>
-            </a:r>
-            <a:r>
-              <a:rPr lang="en-US" dirty="0" err="1" smtClean="0"/>
-              <a:t>File.java.mine</a:t>
-            </a:r>
-            <a:r>
-              <a:rPr lang="en-US" dirty="0" smtClean="0"/>
-              <a:t>, </a:t>
-            </a:r>
-            <a:r>
-              <a:rPr lang="en-US" dirty="0" err="1" smtClean="0"/>
-              <a:t>File.java.rN</a:t>
-            </a:r>
-            <a:r>
-              <a:rPr lang="en-US" dirty="0" smtClean="0"/>
-              <a:t>, and </a:t>
-            </a:r>
-            <a:r>
-              <a:rPr lang="en-US" dirty="0" err="1" smtClean="0"/>
-              <a:t>File.java.rM</a:t>
-            </a:r>
-            <a:r>
-              <a:rPr lang="en-US" dirty="0" smtClean="0"/>
-              <a:t> (where N and M are integers):</a:t>
-            </a:r>
-          </a:p>
-          <a:p>
-            <a:pPr lvl="1"/>
-            <a:r>
-              <a:rPr lang="en-US" dirty="0" smtClean="0"/>
-              <a:t>YOU HAVE A CONFLICT!</a:t>
-            </a:r>
-          </a:p>
-          <a:p>
-            <a:r>
-              <a:rPr lang="en-US" dirty="0" smtClean="0"/>
-              <a:t>Eclipse provides tools for resolving conflicts</a:t>
-            </a:r>
-          </a:p>
-          <a:p>
-            <a:r>
-              <a:rPr lang="en-US" dirty="0" smtClean="0"/>
-              <a:t>Follow the steps in this link to resolve a conflict:</a:t>
-            </a:r>
-          </a:p>
-          <a:p>
-            <a:pPr lvl="1"/>
-            <a:r>
-              <a:rPr lang="en-US" dirty="0">
-                <a:hlinkClick r:id="rId3"/>
-              </a:rPr>
-              <a:t>http://</a:t>
-            </a:r>
-            <a:r>
-              <a:rPr lang="en-US" dirty="0" smtClean="0">
-                <a:hlinkClick r:id="rId3"/>
-              </a:rPr>
-              <a:t>www.rose-hulman.edu/class/csse/csse221/current/Resources/ResolvingSubversionConflicts.htm</a:t>
-            </a:r>
-            <a:endParaRPr lang="en-US" dirty="0" smtClean="0"/>
-          </a:p>
-          <a:p>
-            <a:pPr lvl="1"/>
-            <a:endParaRPr lang="en-US" dirty="0"/>
-          </a:p>
-        </p:txBody>
-      </p:sp>
-    </p:spTree>
-    <p:extLst>
-      <p:ext uri="{BB962C8B-B14F-4D97-AF65-F5344CB8AC3E}">
-        <p14:creationId xmlns:p14="http://schemas.microsoft.com/office/powerpoint/2010/main" val="838762329"/>
-      </p:ext>
-    </p:extLst>
-  </p:cSld>
-  <p:clrMapOvr>
-    <a:masterClrMapping/>
-  </p:clrMapOvr>
-  <mc:AlternateContent xmlns:mc="http://schemas.openxmlformats.org/markup-compatibility/2006" xmlns:p14="http://schemas.microsoft.com/office/powerpoint/2010/main">
-    <mc:Choice Requires="p14">
-      <p:transition p14:dur="0"/>
-    </mc:Choice>
-    <mc:Fallback xmlns="">
-      <p:transition/>
-    </mc:Fallback>
-  </mc:AlternateContent>
-  <p:timing>
-    <p:tnLst>
-      <p:par>
-        <p:cTn id="1" dur="indefinite" restart="never" nodeType="tmRoot"/>
-      </p:par>
-    </p:tnLst>
-  </p:timing>
-</p:sld>
-</file>
-
-<file path=ppt/slides/slide22.xml><?xml version="1.0" encoding="utf-8"?>
-<p:sld xmlns:a="http://schemas.openxmlformats.org/drawingml/2006/main" xmlns:r="http://schemas.openxmlformats.org/officeDocument/2006/relationships" xmlns:p="http://schemas.openxmlformats.org/presentationml/2006/main">
-  <p:cSld>
-    <p:spTree>
-      <p:nvGrpSpPr>
-        <p:cNvPr id="1" name=""/>
-        <p:cNvGrpSpPr/>
-        <p:nvPr/>
-      </p:nvGrpSpPr>
-      <p:grpSpPr>
-        <a:xfrm>
-          <a:off x="0" y="0"/>
-          <a:ext cx="0" cy="0"/>
-          <a:chOff x="0" y="0"/>
-          <a:chExt cx="0" cy="0"/>
-        </a:xfrm>
-      </p:grpSpPr>
-      <p:sp>
-        <p:nvSpPr>
-          <p:cNvPr id="4" name="Title 3"/>
-          <p:cNvSpPr>
-            <a:spLocks noGrp="1"/>
-          </p:cNvSpPr>
-          <p:nvPr>
-            <p:ph type="title"/>
-          </p:nvPr>
-        </p:nvSpPr>
-        <p:spPr>
-          <a:xfrm>
-            <a:off x="757482" y="1519237"/>
-            <a:ext cx="7772400" cy="1362075"/>
-          </a:xfrm>
-        </p:spPr>
-        <p:txBody>
-          <a:bodyPr/>
-          <a:lstStyle/>
-          <a:p>
-            <a:r>
-              <a:rPr lang="en-US" dirty="0" smtClean="0"/>
-              <a:t>Team Project Work </a:t>
-            </a:r>
-            <a:r>
-              <a:rPr lang="en-US" dirty="0" err="1" smtClean="0"/>
-              <a:t>TiMe</a:t>
-            </a:r>
-            <a:endParaRPr lang="en-US" dirty="0"/>
-          </a:p>
-        </p:txBody>
-      </p:sp>
-      <p:sp>
-        <p:nvSpPr>
-          <p:cNvPr id="2" name="Text Placeholder 1"/>
-          <p:cNvSpPr>
-            <a:spLocks noGrp="1"/>
-          </p:cNvSpPr>
-          <p:nvPr>
-            <p:ph type="body" idx="1"/>
-          </p:nvPr>
-        </p:nvSpPr>
-        <p:spPr>
-          <a:xfrm>
-            <a:off x="0" y="2514600"/>
-            <a:ext cx="9144000" cy="2642393"/>
-          </a:xfrm>
-        </p:spPr>
-        <p:txBody>
-          <a:bodyPr>
-            <a:noAutofit/>
-          </a:bodyPr>
-          <a:lstStyle/>
-          <a:p>
-            <a:pPr marL="457200" indent="-457200">
-              <a:buFont typeface="Arial" panose="020B0604020202020204" pitchFamily="34" charset="0"/>
-              <a:buChar char="•"/>
-            </a:pPr>
-            <a:r>
-              <a:rPr lang="en-US" sz="3200" dirty="0" smtClean="0">
-                <a:solidFill>
-                  <a:schemeClr val="tx1"/>
-                </a:solidFill>
-              </a:rPr>
-              <a:t>Move into your groups if not already </a:t>
-            </a:r>
-          </a:p>
-          <a:p>
-            <a:pPr marL="457200" indent="-457200">
-              <a:buFont typeface="Arial" panose="020B0604020202020204" pitchFamily="34" charset="0"/>
-              <a:buChar char="•"/>
-            </a:pPr>
-            <a:r>
-              <a:rPr lang="en-US" sz="3200" dirty="0" smtClean="0">
-                <a:solidFill>
-                  <a:schemeClr val="tx1"/>
-                </a:solidFill>
-              </a:rPr>
-              <a:t>Review comments from Milestone 0 feedback </a:t>
-            </a:r>
-          </a:p>
-          <a:p>
-            <a:pPr marL="457200" indent="-457200">
-              <a:buFont typeface="Arial" panose="020B0604020202020204" pitchFamily="34" charset="0"/>
-              <a:buChar char="•"/>
-            </a:pPr>
-            <a:r>
-              <a:rPr lang="en-US" sz="3200" dirty="0">
-                <a:solidFill>
-                  <a:schemeClr val="tx1"/>
-                </a:solidFill>
-              </a:rPr>
-              <a:t>B</a:t>
-            </a:r>
-            <a:r>
-              <a:rPr lang="en-US" sz="3200" dirty="0" smtClean="0">
-                <a:solidFill>
-                  <a:schemeClr val="tx1"/>
-                </a:solidFill>
-              </a:rPr>
-              <a:t>e prepared to ask question of the grader </a:t>
-            </a:r>
-          </a:p>
-          <a:p>
-            <a:pPr marL="457200" indent="-457200">
-              <a:buFont typeface="Arial" panose="020B0604020202020204" pitchFamily="34" charset="0"/>
-              <a:buChar char="•"/>
-            </a:pPr>
-            <a:r>
-              <a:rPr lang="en-US" sz="3200" dirty="0" smtClean="0">
-                <a:solidFill>
-                  <a:schemeClr val="tx1"/>
-                </a:solidFill>
-              </a:rPr>
-              <a:t>You will have ~5 minutes, so use it well</a:t>
-            </a:r>
-            <a:endParaRPr lang="en-US" sz="3200" dirty="0">
-              <a:solidFill>
-                <a:schemeClr val="tx1"/>
-              </a:solidFill>
-            </a:endParaRPr>
-          </a:p>
-        </p:txBody>
-      </p:sp>
-    </p:spTree>
-    <p:extLst>
-      <p:ext uri="{BB962C8B-B14F-4D97-AF65-F5344CB8AC3E}">
-        <p14:creationId xmlns:p14="http://schemas.microsoft.com/office/powerpoint/2010/main" val="3780774253"/>
-      </p:ext>
-    </p:extLst>
-  </p:cSld>
-  <p:clrMapOvr>
-    <a:masterClrMapping/>
-  </p:clrMapOvr>
-  <p:timing>
-    <p:tnLst>
-      <p:par>
-        <p:cTn id="1" dur="indefinite" restart="never" nodeType="tmRoot"/>
-      </p:par>
-    </p:tnLst>
-  </p:timing>
-</p:sld>
-</file>
-
-<file path=ppt/slides/slide23.xml><?xml version="1.0" encoding="utf-8"?>
-<p:sld xmlns:a="http://schemas.openxmlformats.org/drawingml/2006/main" xmlns:r="http://schemas.openxmlformats.org/officeDocument/2006/relationships" xmlns:p="http://schemas.openxmlformats.org/presentationml/2006/main">
-  <p:cSld>
-    <p:spTree>
-      <p:nvGrpSpPr>
-        <p:cNvPr id="1" name=""/>
-        <p:cNvGrpSpPr/>
-        <p:nvPr/>
-      </p:nvGrpSpPr>
-      <p:grpSpPr>
-        <a:xfrm>
-          <a:off x="0" y="0"/>
-          <a:ext cx="0" cy="0"/>
-          <a:chOff x="0" y="0"/>
-          <a:chExt cx="0" cy="0"/>
-        </a:xfrm>
-      </p:grpSpPr>
-      <p:sp>
-        <p:nvSpPr>
-          <p:cNvPr id="2" name="Title 1"/>
-          <p:cNvSpPr>
-            <a:spLocks noGrp="1"/>
-          </p:cNvSpPr>
-          <p:nvPr>
-            <p:ph type="title"/>
-          </p:nvPr>
-        </p:nvSpPr>
-        <p:spPr>
-          <a:xfrm>
-            <a:off x="739898" y="1524000"/>
-            <a:ext cx="7772400" cy="1362075"/>
-          </a:xfrm>
-        </p:spPr>
-        <p:txBody>
-          <a:bodyPr/>
-          <a:lstStyle/>
-          <a:p>
-            <a:r>
-              <a:rPr lang="en-US" dirty="0" smtClean="0"/>
-              <a:t>Wednesdays material</a:t>
-            </a:r>
-            <a:endParaRPr lang="en-US" dirty="0"/>
-          </a:p>
-        </p:txBody>
-      </p:sp>
-    </p:spTree>
-    <p:extLst>
-      <p:ext uri="{BB962C8B-B14F-4D97-AF65-F5344CB8AC3E}">
-        <p14:creationId xmlns:p14="http://schemas.microsoft.com/office/powerpoint/2010/main" val="3876279726"/>
-      </p:ext>
-    </p:extLst>
-  </p:cSld>
-  <p:clrMapOvr>
-    <a:masterClrMapping/>
-  </p:clrMapOvr>
-</p:sld>
-</file>
-
-<file path=ppt/slides/slide24.xml><?xml version="1.0" encoding="utf-8"?>
-<p:sld xmlns:a="http://schemas.openxmlformats.org/drawingml/2006/main" xmlns:r="http://schemas.openxmlformats.org/officeDocument/2006/relationships" xmlns:p="http://schemas.openxmlformats.org/presentationml/2006/main">
-  <p:cSld>
-    <p:spTree>
-      <p:nvGrpSpPr>
-        <p:cNvPr id="1" name=""/>
-        <p:cNvGrpSpPr/>
-        <p:nvPr/>
-      </p:nvGrpSpPr>
-      <p:grpSpPr>
-        <a:xfrm>
-          <a:off x="0" y="0"/>
-          <a:ext cx="0" cy="0"/>
-          <a:chOff x="0" y="0"/>
-          <a:chExt cx="0" cy="0"/>
-        </a:xfrm>
-      </p:grpSpPr>
-      <p:sp>
-        <p:nvSpPr>
-          <p:cNvPr id="4" name="Title 3"/>
-          <p:cNvSpPr>
-            <a:spLocks noGrp="1"/>
-          </p:cNvSpPr>
-          <p:nvPr>
-            <p:ph type="title"/>
-          </p:nvPr>
-        </p:nvSpPr>
-        <p:spPr>
-          <a:xfrm>
-            <a:off x="638908" y="2667000"/>
-            <a:ext cx="7772400" cy="1362075"/>
-          </a:xfrm>
-        </p:spPr>
-        <p:txBody>
-          <a:bodyPr/>
-          <a:lstStyle/>
-          <a:p>
-            <a:pPr>
-              <a:defRPr/>
-            </a:pPr>
-            <a:r>
-              <a:rPr lang="en-US" dirty="0" smtClean="0"/>
-              <a:t>Data Structures +</a:t>
-            </a:r>
-            <a:br>
-              <a:rPr lang="en-US" dirty="0" smtClean="0"/>
-            </a:br>
-            <a:r>
-              <a:rPr lang="en-US" dirty="0" err="1" smtClean="0"/>
-              <a:t>BiG</a:t>
-            </a:r>
-            <a:r>
-              <a:rPr lang="en-US" dirty="0" smtClean="0"/>
-              <a:t>-O Notation</a:t>
-            </a:r>
-            <a:endParaRPr lang="en-US" dirty="0"/>
-          </a:p>
-        </p:txBody>
-      </p:sp>
-      <p:sp>
-        <p:nvSpPr>
-          <p:cNvPr id="11267" name="Text Placeholder 4"/>
-          <p:cNvSpPr>
-            <a:spLocks noGrp="1"/>
-          </p:cNvSpPr>
-          <p:nvPr>
-            <p:ph type="body" idx="1"/>
-          </p:nvPr>
-        </p:nvSpPr>
-        <p:spPr/>
-        <p:txBody>
-          <a:bodyPr/>
-          <a:lstStyle/>
-          <a:p>
-            <a:r>
-              <a:rPr lang="en-US" dirty="0" smtClean="0"/>
-              <a:t>Understanding the engineering trade-offs when storing data</a:t>
-            </a:r>
-          </a:p>
-        </p:txBody>
-      </p:sp>
-      <p:sp>
-        <p:nvSpPr>
-          <p:cNvPr id="5" name="Rectangle 1"/>
-          <p:cNvSpPr txBox="1">
-            <a:spLocks/>
-          </p:cNvSpPr>
-          <p:nvPr/>
-        </p:nvSpPr>
-        <p:spPr>
-          <a:xfrm>
-            <a:off x="2819400" y="1244600"/>
-            <a:ext cx="7772400" cy="1470025"/>
-          </a:xfrm>
-          <a:prstGeom prst="rect">
-            <a:avLst/>
-          </a:prstGeom>
-        </p:spPr>
-        <p:txBody>
-          <a:bodyPr vert="horz" lIns="91440" tIns="45720" rIns="91440" bIns="45720" rtlCol="0" anchor="t">
-            <a:normAutofit/>
-          </a:bodyPr>
-          <a:lstStyle>
-            <a:lvl1pPr algn="l" defTabSz="914400" rtl="0" eaLnBrk="1" latinLnBrk="0" hangingPunct="1">
-              <a:spcBef>
-                <a:spcPct val="0"/>
-              </a:spcBef>
-              <a:buNone/>
-              <a:defRPr sz="4000" b="1" kern="1200" cap="all">
-                <a:solidFill>
-                  <a:schemeClr val="tx1"/>
-                </a:solidFill>
-                <a:latin typeface="+mj-lt"/>
-                <a:ea typeface="+mj-ea"/>
-                <a:cs typeface="+mj-cs"/>
-              </a:defRPr>
-            </a:lvl1pPr>
-          </a:lstStyle>
-          <a:p>
-            <a:pPr fontAlgn="auto">
-              <a:spcAft>
-                <a:spcPts val="0"/>
-              </a:spcAft>
-              <a:defRPr/>
-            </a:pPr>
-            <a:r>
-              <a:rPr lang="en-US" dirty="0" smtClean="0"/>
-              <a:t>CSSE 220</a:t>
-            </a:r>
-            <a:endParaRPr lang="en-US" dirty="0"/>
-          </a:p>
-        </p:txBody>
-      </p:sp>
-      <p:sp>
-        <p:nvSpPr>
-          <p:cNvPr id="6" name="TextBox 5"/>
-          <p:cNvSpPr txBox="1"/>
-          <p:nvPr/>
-        </p:nvSpPr>
-        <p:spPr>
-          <a:xfrm>
-            <a:off x="262304" y="5633392"/>
-            <a:ext cx="6800850" cy="461665"/>
-          </a:xfrm>
-          <a:prstGeom prst="rect">
-            <a:avLst/>
-          </a:prstGeom>
-        </p:spPr>
-        <p:style>
-          <a:lnRef idx="2">
-            <a:schemeClr val="accent4">
-              <a:shade val="50000"/>
-            </a:schemeClr>
-          </a:lnRef>
-          <a:fillRef idx="1">
-            <a:schemeClr val="accent4"/>
-          </a:fillRef>
-          <a:effectRef idx="0">
-            <a:schemeClr val="accent4"/>
-          </a:effectRef>
-          <a:fontRef idx="minor">
-            <a:schemeClr val="lt1"/>
-          </a:fontRef>
-        </p:style>
-        <p:txBody>
-          <a:bodyPr wrap="square">
-            <a:spAutoFit/>
-          </a:bodyPr>
-          <a:lstStyle/>
-          <a:p>
-            <a:pPr>
-              <a:defRPr/>
-            </a:pPr>
-            <a:r>
-              <a:rPr lang="en-US" sz="2400" b="1" dirty="0"/>
-              <a:t>Checkout </a:t>
-            </a:r>
-            <a:r>
-              <a:rPr lang="en-US" sz="2400" b="1" i="1" dirty="0" err="1" smtClean="0"/>
-              <a:t>LinkedListSimple</a:t>
-            </a:r>
-            <a:r>
-              <a:rPr lang="en-US" sz="2400" b="1" i="1" dirty="0" smtClean="0"/>
-              <a:t> </a:t>
-            </a:r>
-            <a:r>
-              <a:rPr lang="en-US" sz="2400" b="1" dirty="0"/>
-              <a:t>project from SVN</a:t>
-            </a:r>
-          </a:p>
-        </p:txBody>
-      </p:sp>
-      <p:sp>
-        <p:nvSpPr>
-          <p:cNvPr id="7" name="TextBox 6"/>
-          <p:cNvSpPr txBox="1"/>
-          <p:nvPr/>
-        </p:nvSpPr>
-        <p:spPr>
-          <a:xfrm>
-            <a:off x="285750" y="6242050"/>
-            <a:ext cx="6800850" cy="461665"/>
-          </a:xfrm>
-          <a:prstGeom prst="rect">
-            <a:avLst/>
-          </a:prstGeom>
-        </p:spPr>
-        <p:style>
-          <a:lnRef idx="2">
-            <a:schemeClr val="accent4">
-              <a:shade val="50000"/>
-            </a:schemeClr>
-          </a:lnRef>
-          <a:fillRef idx="1">
-            <a:schemeClr val="accent4"/>
-          </a:fillRef>
-          <a:effectRef idx="0">
-            <a:schemeClr val="accent4"/>
-          </a:effectRef>
-          <a:fontRef idx="minor">
-            <a:schemeClr val="lt1"/>
-          </a:fontRef>
-        </p:style>
-        <p:txBody>
-          <a:bodyPr wrap="square">
-            <a:spAutoFit/>
-          </a:bodyPr>
-          <a:lstStyle/>
-          <a:p>
-            <a:pPr>
-              <a:defRPr/>
-            </a:pPr>
-            <a:r>
-              <a:rPr lang="en-US" sz="2400" b="1" dirty="0"/>
-              <a:t>Checkout </a:t>
-            </a:r>
-            <a:r>
-              <a:rPr lang="en-US" sz="2400" b="1" i="1" dirty="0" err="1" smtClean="0"/>
-              <a:t>SinglyLinkedList</a:t>
-            </a:r>
-            <a:r>
-              <a:rPr lang="en-US" sz="2400" b="1" i="1" dirty="0" smtClean="0"/>
-              <a:t> </a:t>
-            </a:r>
-            <a:r>
-              <a:rPr lang="en-US" sz="2400" b="1" dirty="0" smtClean="0"/>
-              <a:t>homework </a:t>
-            </a:r>
-            <a:r>
-              <a:rPr lang="en-US" sz="2400" b="1" dirty="0"/>
-              <a:t>from SVN</a:t>
-            </a:r>
-          </a:p>
-        </p:txBody>
-      </p:sp>
-    </p:spTree>
-  </p:cSld>
-  <p:clrMapOvr>
-    <a:masterClrMapping/>
-  </p:clrMapOvr>
-  <p:timing>
-    <p:tnLst>
-      <p:par>
-        <p:cTn id="1" dur="indefinite" restart="never" nodeType="tmRoot"/>
-      </p:par>
-    </p:tnLst>
-  </p:timing>
-</p:sld>
-</file>
-
-<file path=ppt/slides/slide25.xml><?xml version="1.0" encoding="utf-8"?>
-<p:sld xmlns:a="http://schemas.openxmlformats.org/drawingml/2006/main" xmlns:r="http://schemas.openxmlformats.org/officeDocument/2006/relationships" xmlns:p="http://schemas.openxmlformats.org/presentationml/2006/main">
-  <p:cSld>
-    <p:spTree>
-      <p:nvGrpSpPr>
-        <p:cNvPr id="1" name=""/>
-        <p:cNvGrpSpPr/>
-        <p:nvPr/>
-      </p:nvGrpSpPr>
-      <p:grpSpPr>
-        <a:xfrm>
-          <a:off x="0" y="0"/>
-          <a:ext cx="0" cy="0"/>
-          <a:chOff x="0" y="0"/>
-          <a:chExt cx="0" cy="0"/>
-        </a:xfrm>
-      </p:grpSpPr>
-      <p:sp>
-        <p:nvSpPr>
-          <p:cNvPr id="4" name="Title 3"/>
-          <p:cNvSpPr>
-            <a:spLocks noGrp="1"/>
-          </p:cNvSpPr>
-          <p:nvPr>
-            <p:ph type="title"/>
-          </p:nvPr>
-        </p:nvSpPr>
-        <p:spPr/>
-        <p:txBody>
-          <a:bodyPr/>
-          <a:lstStyle/>
-          <a:p>
-            <a:pPr>
-              <a:defRPr/>
-            </a:pPr>
-            <a:r>
-              <a:rPr lang="en-US" dirty="0" smtClean="0"/>
-              <a:t>Data Structures</a:t>
-            </a:r>
-            <a:endParaRPr lang="en-US" dirty="0"/>
-          </a:p>
-        </p:txBody>
-      </p:sp>
-      <p:sp>
-        <p:nvSpPr>
-          <p:cNvPr id="12290" name="Content Placeholder 4"/>
-          <p:cNvSpPr>
-            <a:spLocks noGrp="1"/>
-          </p:cNvSpPr>
-          <p:nvPr>
-            <p:ph idx="1"/>
-          </p:nvPr>
-        </p:nvSpPr>
-        <p:spPr/>
-        <p:txBody>
-          <a:bodyPr>
-            <a:normAutofit lnSpcReduction="10000"/>
-          </a:bodyPr>
-          <a:lstStyle/>
-          <a:p>
-            <a:r>
-              <a:rPr lang="en-US" dirty="0" smtClean="0"/>
-              <a:t>Efficient ways to store data </a:t>
-            </a:r>
-            <a:r>
-              <a:rPr lang="en-US" b="1" dirty="0" smtClean="0"/>
-              <a:t>based on how we’ll use it</a:t>
-            </a:r>
-          </a:p>
-          <a:p>
-            <a:endParaRPr lang="en-US" dirty="0" smtClean="0"/>
-          </a:p>
-          <a:p>
-            <a:r>
-              <a:rPr lang="en-US" dirty="0" smtClean="0"/>
-              <a:t>The main theme for the rest of the course</a:t>
-            </a:r>
-          </a:p>
-          <a:p>
-            <a:endParaRPr lang="en-US" dirty="0" smtClean="0"/>
-          </a:p>
-          <a:p>
-            <a:r>
-              <a:rPr lang="en-US" dirty="0" smtClean="0"/>
-              <a:t>So far we’ve seen </a:t>
-            </a:r>
-            <a:r>
-              <a:rPr lang="en-US" dirty="0" err="1" smtClean="0">
-                <a:latin typeface="Lucida Sans Typewriter" charset="0"/>
-              </a:rPr>
-              <a:t>ArrayList</a:t>
-            </a:r>
-            <a:r>
-              <a:rPr lang="en-US" dirty="0" err="1" smtClean="0"/>
-              <a:t>s</a:t>
-            </a:r>
-            <a:endParaRPr lang="en-US" dirty="0" smtClean="0"/>
-          </a:p>
-          <a:p>
-            <a:pPr lvl="1"/>
-            <a:r>
-              <a:rPr lang="en-US" dirty="0" smtClean="0"/>
-              <a:t>Fast addition </a:t>
-            </a:r>
-            <a:r>
-              <a:rPr lang="en-US" b="1" dirty="0" smtClean="0"/>
-              <a:t>to end of list</a:t>
-            </a:r>
-          </a:p>
-          <a:p>
-            <a:pPr lvl="1"/>
-            <a:r>
-              <a:rPr lang="en-US" dirty="0" smtClean="0"/>
-              <a:t>Fast access to any existing position</a:t>
-            </a:r>
-          </a:p>
-          <a:p>
-            <a:pPr lvl="1"/>
-            <a:r>
-              <a:rPr lang="en-US" dirty="0" smtClean="0"/>
-              <a:t>Slow inserts to and deletes from middle of list</a:t>
-            </a:r>
-          </a:p>
-        </p:txBody>
-      </p:sp>
-    </p:spTree>
-  </p:cSld>
-  <p:clrMapOvr>
-    <a:masterClrMapping/>
-  </p:clrMapOvr>
-  <p:timing>
-    <p:tnLst>
-      <p:par>
-        <p:cTn id="1" dur="indefinite" restart="never" nodeType="tmRoot"/>
-      </p:par>
-    </p:tnLst>
-  </p:timing>
-</p:sld>
-</file>
-
-<file path=ppt/slides/slide26.xml><?xml version="1.0" encoding="utf-8"?>
-<p:sld xmlns:a="http://schemas.openxmlformats.org/drawingml/2006/main" xmlns:r="http://schemas.openxmlformats.org/officeDocument/2006/relationships" xmlns:p="http://schemas.openxmlformats.org/presentationml/2006/main">
-  <p:cSld>
-    <p:spTree>
-      <p:nvGrpSpPr>
-        <p:cNvPr id="1" name=""/>
-        <p:cNvGrpSpPr/>
-        <p:nvPr/>
-      </p:nvGrpSpPr>
-      <p:grpSpPr>
-        <a:xfrm>
-          <a:off x="0" y="0"/>
-          <a:ext cx="0" cy="0"/>
-          <a:chOff x="0" y="0"/>
-          <a:chExt cx="0" cy="0"/>
-        </a:xfrm>
-      </p:grpSpPr>
-      <p:sp>
-        <p:nvSpPr>
-          <p:cNvPr id="2" name="Title 1"/>
-          <p:cNvSpPr>
-            <a:spLocks noGrp="1"/>
-          </p:cNvSpPr>
-          <p:nvPr>
-            <p:ph type="title"/>
-          </p:nvPr>
-        </p:nvSpPr>
-        <p:spPr/>
-        <p:txBody>
-          <a:bodyPr/>
-          <a:lstStyle/>
-          <a:p>
-            <a:r>
-              <a:rPr lang="en-US" dirty="0" smtClean="0"/>
-              <a:t>Big-O Notation</a:t>
-            </a:r>
-            <a:endParaRPr lang="en-US" dirty="0"/>
-          </a:p>
-        </p:txBody>
-      </p:sp>
-      <p:sp>
-        <p:nvSpPr>
-          <p:cNvPr id="3" name="Content Placeholder 2"/>
-          <p:cNvSpPr>
-            <a:spLocks noGrp="1"/>
-          </p:cNvSpPr>
-          <p:nvPr>
-            <p:ph idx="1"/>
-          </p:nvPr>
-        </p:nvSpPr>
-        <p:spPr/>
-        <p:txBody>
-          <a:bodyPr/>
-          <a:lstStyle/>
-          <a:p>
-            <a:r>
-              <a:rPr lang="en-US" dirty="0" smtClean="0"/>
-              <a:t>Describes the limiting behavior </a:t>
-            </a:r>
-          </a:p>
-          <a:p>
-            <a:pPr lvl="1"/>
-            <a:r>
-              <a:rPr lang="en-US" dirty="0" smtClean="0"/>
-              <a:t>How slow it can possibly run?</a:t>
-            </a:r>
-          </a:p>
-          <a:p>
-            <a:pPr lvl="1"/>
-            <a:r>
-              <a:rPr lang="en-US" dirty="0" smtClean="0"/>
-              <a:t>Describes the </a:t>
-            </a:r>
-            <a:r>
-              <a:rPr lang="en-US" u="sng" dirty="0" smtClean="0"/>
-              <a:t>worst case</a:t>
-            </a:r>
-          </a:p>
-          <a:p>
-            <a:r>
-              <a:rPr lang="en-US" dirty="0" smtClean="0"/>
-              <a:t>Used for Classifying Algorithm Efficiency</a:t>
-            </a:r>
-          </a:p>
-          <a:p>
-            <a:r>
-              <a:rPr lang="en-US" dirty="0" smtClean="0"/>
-              <a:t>“O” for “Order”</a:t>
-            </a:r>
-          </a:p>
-          <a:p>
-            <a:pPr lvl="1"/>
-            <a:r>
-              <a:rPr lang="en-US" dirty="0" smtClean="0"/>
-              <a:t>O(n) </a:t>
-            </a:r>
-            <a:r>
-              <a:rPr lang="en-US" dirty="0" smtClean="0">
-                <a:sym typeface="Wingdings" panose="05000000000000000000" pitchFamily="2" charset="2"/>
-              </a:rPr>
-              <a:t> said as “Order n”</a:t>
-            </a:r>
-          </a:p>
-          <a:p>
-            <a:pPr lvl="1"/>
-            <a:r>
-              <a:rPr lang="en-US" dirty="0" smtClean="0">
-                <a:sym typeface="Wingdings" panose="05000000000000000000" pitchFamily="2" charset="2"/>
-              </a:rPr>
-              <a:t>O(n^2)  said as “Order n-squared”</a:t>
-            </a:r>
-          </a:p>
-        </p:txBody>
-      </p:sp>
-    </p:spTree>
-    <p:extLst>
-      <p:ext uri="{BB962C8B-B14F-4D97-AF65-F5344CB8AC3E}">
-        <p14:creationId xmlns:p14="http://schemas.microsoft.com/office/powerpoint/2010/main" val="3916409691"/>
-      </p:ext>
-    </p:extLst>
-  </p:cSld>
-  <p:clrMapOvr>
-    <a:masterClrMapping/>
-  </p:clrMapOvr>
-  <p:timing>
-    <p:tnLst>
-      <p:par>
-        <p:cTn id="1" dur="indefinite" restart="never" nodeType="tmRoot"/>
-      </p:par>
-    </p:tnLst>
-  </p:timing>
-</p:sld>
-</file>
-
-<file path=ppt/slides/slide27.xml><?xml version="1.0" encoding="utf-8"?>
-<p:sld xmlns:a="http://schemas.openxmlformats.org/drawingml/2006/main" xmlns:r="http://schemas.openxmlformats.org/officeDocument/2006/relationships" xmlns:p="http://schemas.openxmlformats.org/presentationml/2006/main">
-  <p:cSld>
-    <p:spTree>
-      <p:nvGrpSpPr>
-        <p:cNvPr id="1" name=""/>
-        <p:cNvGrpSpPr/>
-        <p:nvPr/>
-      </p:nvGrpSpPr>
-      <p:grpSpPr>
-        <a:xfrm>
-          <a:off x="0" y="0"/>
-          <a:ext cx="0" cy="0"/>
-          <a:chOff x="0" y="0"/>
-          <a:chExt cx="0" cy="0"/>
-        </a:xfrm>
-      </p:grpSpPr>
-      <p:sp>
-        <p:nvSpPr>
           <p:cNvPr id="2" name="Title 1"/>
           <p:cNvSpPr>
             <a:spLocks noGrp="1"/>
@@ -10514,7 +7570,7 @@
 </p:sld>
 </file>
 
-<file path=ppt/slides/slide28.xml><?xml version="1.0" encoding="utf-8"?>
+<file path=ppt/slides/slide21.xml><?xml version="1.0" encoding="utf-8"?>
 <p:sld xmlns:a="http://schemas.openxmlformats.org/drawingml/2006/main" xmlns:r="http://schemas.openxmlformats.org/officeDocument/2006/relationships" xmlns:p="http://schemas.openxmlformats.org/presentationml/2006/main">
   <p:cSld>
     <p:spTree>
@@ -10741,10 +7797,17 @@
   <p:clrMapOvr>
     <a:masterClrMapping/>
   </p:clrMapOvr>
+  <p:timing>
+    <p:tnLst>
+      <p:par>
+        <p:cTn id="1" dur="indefinite" restart="never" nodeType="tmRoot"/>
+      </p:par>
+    </p:tnLst>
+  </p:timing>
 </p:sld>
 </file>
 
-<file path=ppt/slides/slide29.xml><?xml version="1.0" encoding="utf-8"?>
+<file path=ppt/slides/slide22.xml><?xml version="1.0" encoding="utf-8"?>
 <p:sld xmlns:a="http://schemas.openxmlformats.org/drawingml/2006/main" xmlns:r="http://schemas.openxmlformats.org/officeDocument/2006/relationships" xmlns:p="http://schemas.openxmlformats.org/presentationml/2006/main">
   <p:cSld>
     <p:spTree>
@@ -11721,6 +8784,593 @@
 </p:sld>
 </file>
 
+<file path=ppt/slides/slide23.xml><?xml version="1.0" encoding="utf-8"?>
+<p:sld xmlns:a="http://schemas.openxmlformats.org/drawingml/2006/main" xmlns:r="http://schemas.openxmlformats.org/officeDocument/2006/relationships" xmlns:p="http://schemas.openxmlformats.org/presentationml/2006/main">
+  <p:cSld>
+    <p:spTree>
+      <p:nvGrpSpPr>
+        <p:cNvPr id="1" name=""/>
+        <p:cNvGrpSpPr/>
+        <p:nvPr/>
+      </p:nvGrpSpPr>
+      <p:grpSpPr>
+        <a:xfrm>
+          <a:off x="0" y="0"/>
+          <a:ext cx="0" cy="0"/>
+          <a:chOff x="0" y="0"/>
+          <a:chExt cx="0" cy="0"/>
+        </a:xfrm>
+      </p:grpSpPr>
+      <p:sp>
+        <p:nvSpPr>
+          <p:cNvPr id="3" name="Title 2"/>
+          <p:cNvSpPr>
+            <a:spLocks noGrp="1"/>
+          </p:cNvSpPr>
+          <p:nvPr>
+            <p:ph type="title"/>
+          </p:nvPr>
+        </p:nvSpPr>
+        <p:spPr/>
+        <p:txBody>
+          <a:bodyPr/>
+          <a:lstStyle/>
+          <a:p>
+            <a:pPr>
+              <a:defRPr/>
+            </a:pPr>
+            <a:r>
+              <a:rPr lang="en-US" dirty="0" err="1" smtClean="0">
+                <a:latin typeface="Lucida Sans Typewriter" pitchFamily="49" charset="0"/>
+              </a:rPr>
+              <a:t>LinkedList</a:t>
+            </a:r>
+            <a:r>
+              <a:rPr lang="en-US" dirty="0" smtClean="0">
+                <a:latin typeface="Lucida Sans Typewriter" pitchFamily="49" charset="0"/>
+              </a:rPr>
+              <a:t>&lt;E&gt;</a:t>
+            </a:r>
+            <a:r>
+              <a:rPr lang="en-US" dirty="0" smtClean="0"/>
+              <a:t> Methods</a:t>
+            </a:r>
+            <a:endParaRPr lang="en-US" dirty="0"/>
+          </a:p>
+        </p:txBody>
+      </p:sp>
+      <p:sp>
+        <p:nvSpPr>
+          <p:cNvPr id="2" name="Content Placeholder 1"/>
+          <p:cNvSpPr>
+            <a:spLocks noGrp="1"/>
+          </p:cNvSpPr>
+          <p:nvPr>
+            <p:ph idx="1"/>
+          </p:nvPr>
+        </p:nvSpPr>
+        <p:spPr/>
+        <p:txBody>
+          <a:bodyPr>
+            <a:normAutofit/>
+          </a:bodyPr>
+          <a:lstStyle/>
+          <a:p>
+            <a:pPr>
+              <a:defRPr/>
+            </a:pPr>
+            <a:r>
+              <a:rPr lang="en-US" b="1" dirty="0" smtClean="0">
+                <a:latin typeface="Lucida Sans Typewriter" pitchFamily="49" charset="0"/>
+              </a:rPr>
+              <a:t>void </a:t>
+            </a:r>
+            <a:r>
+              <a:rPr lang="en-US" b="1" dirty="0" err="1" smtClean="0">
+                <a:latin typeface="Lucida Sans Typewriter" pitchFamily="49" charset="0"/>
+              </a:rPr>
+              <a:t>addFirst</a:t>
+            </a:r>
+            <a:r>
+              <a:rPr lang="en-US" b="1" dirty="0" smtClean="0">
+                <a:latin typeface="Lucida Sans Typewriter" pitchFamily="49" charset="0"/>
+              </a:rPr>
+              <a:t>(E element)</a:t>
+            </a:r>
+          </a:p>
+          <a:p>
+            <a:pPr>
+              <a:defRPr/>
+            </a:pPr>
+            <a:r>
+              <a:rPr lang="en-US" b="1" dirty="0" smtClean="0">
+                <a:latin typeface="Lucida Sans Typewriter" pitchFamily="49" charset="0"/>
+              </a:rPr>
+              <a:t>void </a:t>
+            </a:r>
+            <a:r>
+              <a:rPr lang="en-US" b="1" dirty="0" err="1" smtClean="0">
+                <a:latin typeface="Lucida Sans Typewriter" pitchFamily="49" charset="0"/>
+              </a:rPr>
+              <a:t>addLast</a:t>
+            </a:r>
+            <a:r>
+              <a:rPr lang="en-US" b="1" dirty="0" smtClean="0">
+                <a:latin typeface="Lucida Sans Typewriter" pitchFamily="49" charset="0"/>
+              </a:rPr>
+              <a:t>(E element)</a:t>
+            </a:r>
+          </a:p>
+          <a:p>
+            <a:pPr>
+              <a:defRPr/>
+            </a:pPr>
+            <a:r>
+              <a:rPr lang="en-US" b="1" dirty="0" smtClean="0">
+                <a:latin typeface="Lucida Sans Typewriter" pitchFamily="49" charset="0"/>
+              </a:rPr>
+              <a:t>E </a:t>
+            </a:r>
+            <a:r>
+              <a:rPr lang="en-US" b="1" dirty="0" err="1" smtClean="0">
+                <a:latin typeface="Lucida Sans Typewriter" pitchFamily="49" charset="0"/>
+              </a:rPr>
+              <a:t>getFirst</a:t>
+            </a:r>
+            <a:r>
+              <a:rPr lang="en-US" b="1" dirty="0" smtClean="0">
+                <a:latin typeface="Lucida Sans Typewriter" pitchFamily="49" charset="0"/>
+              </a:rPr>
+              <a:t>()</a:t>
+            </a:r>
+          </a:p>
+          <a:p>
+            <a:pPr>
+              <a:defRPr/>
+            </a:pPr>
+            <a:r>
+              <a:rPr lang="en-US" b="1" dirty="0" smtClean="0">
+                <a:latin typeface="Lucida Sans Typewriter" pitchFamily="49" charset="0"/>
+              </a:rPr>
+              <a:t>E </a:t>
+            </a:r>
+            <a:r>
+              <a:rPr lang="en-US" b="1" dirty="0" err="1" smtClean="0">
+                <a:latin typeface="Lucida Sans Typewriter" pitchFamily="49" charset="0"/>
+              </a:rPr>
+              <a:t>getLast</a:t>
+            </a:r>
+            <a:r>
+              <a:rPr lang="en-US" b="1" dirty="0" smtClean="0">
+                <a:latin typeface="Lucida Sans Typewriter" pitchFamily="49" charset="0"/>
+              </a:rPr>
+              <a:t>()</a:t>
+            </a:r>
+          </a:p>
+          <a:p>
+            <a:pPr>
+              <a:defRPr/>
+            </a:pPr>
+            <a:r>
+              <a:rPr lang="en-US" b="1" dirty="0" smtClean="0">
+                <a:latin typeface="Lucida Sans Typewriter" pitchFamily="49" charset="0"/>
+              </a:rPr>
+              <a:t>E </a:t>
+            </a:r>
+            <a:r>
+              <a:rPr lang="en-US" b="1" dirty="0" err="1" smtClean="0">
+                <a:latin typeface="Lucida Sans Typewriter" pitchFamily="49" charset="0"/>
+              </a:rPr>
+              <a:t>removeFirst</a:t>
+            </a:r>
+            <a:r>
+              <a:rPr lang="en-US" b="1" dirty="0" smtClean="0">
+                <a:latin typeface="Lucida Sans Typewriter" pitchFamily="49" charset="0"/>
+              </a:rPr>
+              <a:t>()</a:t>
+            </a:r>
+          </a:p>
+          <a:p>
+            <a:pPr>
+              <a:defRPr/>
+            </a:pPr>
+            <a:r>
+              <a:rPr lang="en-US" b="1" dirty="0" smtClean="0">
+                <a:latin typeface="Lucida Sans Typewriter" pitchFamily="49" charset="0"/>
+              </a:rPr>
+              <a:t>E </a:t>
+            </a:r>
+            <a:r>
+              <a:rPr lang="en-US" b="1" dirty="0" err="1" smtClean="0">
+                <a:latin typeface="Lucida Sans Typewriter" pitchFamily="49" charset="0"/>
+              </a:rPr>
+              <a:t>removeLast</a:t>
+            </a:r>
+            <a:r>
+              <a:rPr lang="en-US" b="1" dirty="0" smtClean="0">
+                <a:latin typeface="Lucida Sans Typewriter" pitchFamily="49" charset="0"/>
+              </a:rPr>
+              <a:t>()</a:t>
+            </a:r>
+          </a:p>
+        </p:txBody>
+      </p:sp>
+    </p:spTree>
+  </p:cSld>
+  <p:clrMapOvr>
+    <a:masterClrMapping/>
+  </p:clrMapOvr>
+  <p:timing>
+    <p:tnLst>
+      <p:par>
+        <p:cTn id="1" dur="indefinite" restart="never" nodeType="tmRoot"/>
+      </p:par>
+    </p:tnLst>
+  </p:timing>
+</p:sld>
+</file>
+
+<file path=ppt/slides/slide24.xml><?xml version="1.0" encoding="utf-8"?>
+<p:sld xmlns:a="http://schemas.openxmlformats.org/drawingml/2006/main" xmlns:r="http://schemas.openxmlformats.org/officeDocument/2006/relationships" xmlns:p="http://schemas.openxmlformats.org/presentationml/2006/main">
+  <p:cSld>
+    <p:spTree>
+      <p:nvGrpSpPr>
+        <p:cNvPr id="1" name=""/>
+        <p:cNvGrpSpPr/>
+        <p:nvPr/>
+      </p:nvGrpSpPr>
+      <p:grpSpPr>
+        <a:xfrm>
+          <a:off x="0" y="0"/>
+          <a:ext cx="0" cy="0"/>
+          <a:chOff x="0" y="0"/>
+          <a:chExt cx="0" cy="0"/>
+        </a:xfrm>
+      </p:grpSpPr>
+      <p:sp>
+        <p:nvSpPr>
+          <p:cNvPr id="2" name="Title 1"/>
+          <p:cNvSpPr>
+            <a:spLocks noGrp="1"/>
+          </p:cNvSpPr>
+          <p:nvPr>
+            <p:ph type="title"/>
+          </p:nvPr>
+        </p:nvSpPr>
+        <p:spPr/>
+        <p:txBody>
+          <a:bodyPr/>
+          <a:lstStyle/>
+          <a:p>
+            <a:r>
+              <a:rPr lang="en-US" dirty="0" smtClean="0"/>
+              <a:t>Complete Quiz</a:t>
+            </a:r>
+            <a:endParaRPr lang="en-US" dirty="0"/>
+          </a:p>
+        </p:txBody>
+      </p:sp>
+      <p:sp>
+        <p:nvSpPr>
+          <p:cNvPr id="3" name="Content Placeholder 2"/>
+          <p:cNvSpPr>
+            <a:spLocks noGrp="1"/>
+          </p:cNvSpPr>
+          <p:nvPr>
+            <p:ph idx="1"/>
+          </p:nvPr>
+        </p:nvSpPr>
+        <p:spPr/>
+        <p:txBody>
+          <a:bodyPr/>
+          <a:lstStyle/>
+          <a:p>
+            <a:r>
+              <a:rPr lang="en-US" dirty="0" smtClean="0"/>
+              <a:t>Turn in quiz today</a:t>
+            </a:r>
+            <a:endParaRPr lang="en-US" dirty="0"/>
+          </a:p>
+        </p:txBody>
+      </p:sp>
+    </p:spTree>
+    <p:extLst>
+      <p:ext uri="{BB962C8B-B14F-4D97-AF65-F5344CB8AC3E}">
+        <p14:creationId xmlns:p14="http://schemas.microsoft.com/office/powerpoint/2010/main" val="3060722830"/>
+      </p:ext>
+    </p:extLst>
+  </p:cSld>
+  <p:clrMapOvr>
+    <a:masterClrMapping/>
+  </p:clrMapOvr>
+  <p:timing>
+    <p:tnLst>
+      <p:par>
+        <p:cTn id="1" dur="indefinite" restart="never" nodeType="tmRoot"/>
+      </p:par>
+    </p:tnLst>
+  </p:timing>
+</p:sld>
+</file>
+
+<file path=ppt/slides/slide25.xml><?xml version="1.0" encoding="utf-8"?>
+<p:sld xmlns:a="http://schemas.openxmlformats.org/drawingml/2006/main" xmlns:r="http://schemas.openxmlformats.org/officeDocument/2006/relationships" xmlns:p="http://schemas.openxmlformats.org/presentationml/2006/main">
+  <p:cSld>
+    <p:spTree>
+      <p:nvGrpSpPr>
+        <p:cNvPr id="1" name=""/>
+        <p:cNvGrpSpPr/>
+        <p:nvPr/>
+      </p:nvGrpSpPr>
+      <p:grpSpPr>
+        <a:xfrm>
+          <a:off x="0" y="0"/>
+          <a:ext cx="0" cy="0"/>
+          <a:chOff x="0" y="0"/>
+          <a:chExt cx="0" cy="0"/>
+        </a:xfrm>
+      </p:grpSpPr>
+      <p:sp>
+        <p:nvSpPr>
+          <p:cNvPr id="2" name="Title 1"/>
+          <p:cNvSpPr>
+            <a:spLocks noGrp="1"/>
+          </p:cNvSpPr>
+          <p:nvPr>
+            <p:ph type="title"/>
+          </p:nvPr>
+        </p:nvSpPr>
+        <p:spPr/>
+        <p:txBody>
+          <a:bodyPr/>
+          <a:lstStyle/>
+          <a:p>
+            <a:r>
+              <a:rPr lang="en-US" dirty="0" smtClean="0"/>
+              <a:t>Homework</a:t>
+            </a:r>
+            <a:endParaRPr lang="en-US" dirty="0"/>
+          </a:p>
+        </p:txBody>
+      </p:sp>
+      <p:sp>
+        <p:nvSpPr>
+          <p:cNvPr id="3" name="Content Placeholder 2"/>
+          <p:cNvSpPr>
+            <a:spLocks noGrp="1"/>
+          </p:cNvSpPr>
+          <p:nvPr>
+            <p:ph idx="1"/>
+          </p:nvPr>
+        </p:nvSpPr>
+        <p:spPr/>
+        <p:txBody>
+          <a:bodyPr/>
+          <a:lstStyle/>
+          <a:p>
+            <a:r>
+              <a:rPr lang="en-US" dirty="0" err="1" smtClean="0"/>
+              <a:t>SinglyLinkedList</a:t>
+            </a:r>
+            <a:endParaRPr lang="en-US" dirty="0" smtClean="0"/>
+          </a:p>
+          <a:p>
+            <a:pPr lvl="1"/>
+            <a:r>
+              <a:rPr lang="en-US" dirty="0" smtClean="0"/>
+              <a:t>Requires you to implement a </a:t>
+            </a:r>
+            <a:r>
+              <a:rPr lang="en-US" dirty="0" err="1" smtClean="0"/>
+              <a:t>SinglyLinkedList</a:t>
+            </a:r>
+            <a:endParaRPr lang="en-US" dirty="0" smtClean="0"/>
+          </a:p>
+          <a:p>
+            <a:pPr lvl="1"/>
+            <a:r>
+              <a:rPr lang="en-US" dirty="0" smtClean="0"/>
+              <a:t>Additional algorithm questions which make use of the </a:t>
+            </a:r>
+            <a:r>
+              <a:rPr lang="en-US" dirty="0" err="1" smtClean="0"/>
+              <a:t>SinglyLinkedList</a:t>
+            </a:r>
+            <a:endParaRPr lang="en-US" dirty="0" smtClean="0"/>
+          </a:p>
+          <a:p>
+            <a:pPr lvl="1"/>
+            <a:r>
+              <a:rPr lang="en-US" dirty="0" smtClean="0"/>
+              <a:t>Will give you remaining class time to work on it</a:t>
+            </a:r>
+          </a:p>
+          <a:p>
+            <a:pPr lvl="1"/>
+            <a:r>
+              <a:rPr lang="en-US" dirty="0" smtClean="0"/>
+              <a:t>If you complete it, work on the project!</a:t>
+            </a:r>
+            <a:endParaRPr lang="en-US" dirty="0"/>
+          </a:p>
+        </p:txBody>
+      </p:sp>
+    </p:spTree>
+    <p:extLst>
+      <p:ext uri="{BB962C8B-B14F-4D97-AF65-F5344CB8AC3E}">
+        <p14:creationId xmlns:p14="http://schemas.microsoft.com/office/powerpoint/2010/main" val="1503594254"/>
+      </p:ext>
+    </p:extLst>
+  </p:cSld>
+  <p:clrMapOvr>
+    <a:masterClrMapping/>
+  </p:clrMapOvr>
+  <p:timing>
+    <p:tnLst>
+      <p:par>
+        <p:cTn id="1" dur="indefinite" restart="never" nodeType="tmRoot"/>
+      </p:par>
+    </p:tnLst>
+  </p:timing>
+</p:sld>
+</file>
+
+<file path=ppt/slides/slide26.xml><?xml version="1.0" encoding="utf-8"?>
+<p:sld xmlns:a="http://schemas.openxmlformats.org/drawingml/2006/main" xmlns:r="http://schemas.openxmlformats.org/officeDocument/2006/relationships" xmlns:p="http://schemas.openxmlformats.org/presentationml/2006/main" show="0">
+  <p:cSld>
+    <p:spTree>
+      <p:nvGrpSpPr>
+        <p:cNvPr id="1" name=""/>
+        <p:cNvGrpSpPr/>
+        <p:nvPr/>
+      </p:nvGrpSpPr>
+      <p:grpSpPr>
+        <a:xfrm>
+          <a:off x="0" y="0"/>
+          <a:ext cx="0" cy="0"/>
+          <a:chOff x="0" y="0"/>
+          <a:chExt cx="0" cy="0"/>
+        </a:xfrm>
+      </p:grpSpPr>
+      <p:sp>
+        <p:nvSpPr>
+          <p:cNvPr id="4" name="TextBox 3"/>
+          <p:cNvSpPr txBox="1"/>
+          <p:nvPr/>
+        </p:nvSpPr>
+        <p:spPr>
+          <a:xfrm>
+            <a:off x="228600" y="457200"/>
+            <a:ext cx="8342314" cy="6124754"/>
+          </a:xfrm>
+          <a:prstGeom prst="rect">
+            <a:avLst/>
+          </a:prstGeom>
+          <a:noFill/>
+        </p:spPr>
+        <p:txBody>
+          <a:bodyPr wrap="square" rtlCol="0">
+            <a:spAutoFit/>
+          </a:bodyPr>
+          <a:lstStyle/>
+          <a:p>
+            <a:r>
+              <a:rPr lang="en-US" sz="2800" dirty="0" smtClean="0"/>
+              <a:t>Optional Homework: Genetic Algorithm</a:t>
+            </a:r>
+          </a:p>
+          <a:p>
+            <a:r>
+              <a:rPr lang="en-US" sz="2800" dirty="0">
+                <a:hlinkClick r:id="rId3"/>
+              </a:rPr>
+              <a:t>https://moodle.rose-hulman.edu/mod/assign/view.php?id=1711587</a:t>
+            </a:r>
+            <a:endParaRPr lang="en-US" sz="2800" dirty="0"/>
+          </a:p>
+          <a:p>
+            <a:endParaRPr lang="en-US" sz="2800" dirty="0" smtClean="0"/>
+          </a:p>
+          <a:p>
+            <a:r>
+              <a:rPr lang="en-US" sz="2800" dirty="0" smtClean="0">
+                <a:hlinkClick r:id="rId4"/>
+              </a:rPr>
+              <a:t>https</a:t>
+            </a:r>
+            <a:r>
+              <a:rPr lang="en-US" sz="2800" dirty="0">
+                <a:hlinkClick r:id="rId4"/>
+              </a:rPr>
+              <a:t>://rednuht.org/genetic_cars_2</a:t>
+            </a:r>
+            <a:r>
+              <a:rPr lang="en-US" sz="2800" dirty="0" smtClean="0">
+                <a:hlinkClick r:id="rId4"/>
+              </a:rPr>
+              <a:t>/</a:t>
+            </a:r>
+            <a:endParaRPr lang="en-US" sz="2800" dirty="0" smtClean="0"/>
+          </a:p>
+          <a:p>
+            <a:endParaRPr lang="en-US" sz="2800" dirty="0"/>
+          </a:p>
+          <a:p>
+            <a:r>
+              <a:rPr lang="en-US" sz="2800" dirty="0">
+                <a:hlinkClick r:id="rId5"/>
+              </a:rPr>
+              <a:t>https://</a:t>
+            </a:r>
+            <a:r>
+              <a:rPr lang="en-US" sz="2800" dirty="0" smtClean="0">
+                <a:hlinkClick r:id="rId5"/>
+              </a:rPr>
+              <a:t>www.tutorialspoint.com/genetic_algorithms/genetic_algorithms_introduction.htm</a:t>
+            </a:r>
+            <a:endParaRPr lang="en-US" sz="2800" dirty="0" smtClean="0"/>
+          </a:p>
+          <a:p>
+            <a:endParaRPr lang="en-US" sz="2800" dirty="0"/>
+          </a:p>
+          <a:p>
+            <a:r>
+              <a:rPr lang="en-US" sz="2800" dirty="0" smtClean="0"/>
+              <a:t>Can replace a homework assignment grade</a:t>
+            </a:r>
+          </a:p>
+          <a:p>
+            <a:r>
+              <a:rPr lang="en-US" sz="2800" dirty="0" smtClean="0"/>
+              <a:t>A more open-ended assignment</a:t>
+            </a:r>
+          </a:p>
+          <a:p>
+            <a:r>
+              <a:rPr lang="en-US" sz="2800" dirty="0" smtClean="0"/>
+              <a:t>Room to explore ideas</a:t>
+            </a:r>
+          </a:p>
+          <a:p>
+            <a:r>
+              <a:rPr lang="en-US" sz="2800" dirty="0" smtClean="0"/>
+              <a:t>Grade based on completion, design and creativity</a:t>
+            </a:r>
+            <a:endParaRPr lang="en-US" sz="2800" dirty="0"/>
+          </a:p>
+          <a:p>
+            <a:endParaRPr lang="en-US" sz="2800" dirty="0"/>
+          </a:p>
+        </p:txBody>
+      </p:sp>
+    </p:spTree>
+    <p:extLst>
+      <p:ext uri="{BB962C8B-B14F-4D97-AF65-F5344CB8AC3E}">
+        <p14:creationId xmlns:p14="http://schemas.microsoft.com/office/powerpoint/2010/main" val="1421930894"/>
+      </p:ext>
+    </p:extLst>
+  </p:cSld>
+  <p:clrMapOvr>
+    <a:masterClrMapping/>
+  </p:clrMapOvr>
+  <mc:AlternateContent xmlns:mc="http://schemas.openxmlformats.org/markup-compatibility/2006">
+    <mc:Choice xmlns:p14="http://schemas.microsoft.com/office/powerpoint/2010/main" Requires="p14">
+      <p:transition spd="slow" p14:dur="2000"/>
+    </mc:Choice>
+    <mc:Fallback>
+      <p:transition spd="slow"/>
+    </mc:Fallback>
+  </mc:AlternateContent>
+  <p:timing>
+    <p:tnLst>
+      <p:par>
+        <p:cTn id="1" dur="indefinite" restart="never" nodeType="tmRoot"/>
+      </p:par>
+    </p:tnLst>
+  </p:timing>
+</p:sld>
+</file>
+
 <file path=ppt/slides/slide3.xml><?xml version="1.0" encoding="utf-8"?>
 <p:sld xmlns:a="http://schemas.openxmlformats.org/drawingml/2006/main" xmlns:r="http://schemas.openxmlformats.org/officeDocument/2006/relationships" xmlns:p="http://schemas.openxmlformats.org/presentationml/2006/main">
   <p:cSld>
@@ -11779,423 +9429,6 @@
       </p:par>
     </p:tnLst>
   </p:timing>
-</p:sld>
-</file>
-
-<file path=ppt/slides/slide30.xml><?xml version="1.0" encoding="utf-8"?>
-<p:sld xmlns:a="http://schemas.openxmlformats.org/drawingml/2006/main" xmlns:r="http://schemas.openxmlformats.org/officeDocument/2006/relationships" xmlns:p="http://schemas.openxmlformats.org/presentationml/2006/main">
-  <p:cSld>
-    <p:spTree>
-      <p:nvGrpSpPr>
-        <p:cNvPr id="1" name=""/>
-        <p:cNvGrpSpPr/>
-        <p:nvPr/>
-      </p:nvGrpSpPr>
-      <p:grpSpPr>
-        <a:xfrm>
-          <a:off x="0" y="0"/>
-          <a:ext cx="0" cy="0"/>
-          <a:chOff x="0" y="0"/>
-          <a:chExt cx="0" cy="0"/>
-        </a:xfrm>
-      </p:grpSpPr>
-      <p:sp>
-        <p:nvSpPr>
-          <p:cNvPr id="3" name="Title 2"/>
-          <p:cNvSpPr>
-            <a:spLocks noGrp="1"/>
-          </p:cNvSpPr>
-          <p:nvPr>
-            <p:ph type="title"/>
-          </p:nvPr>
-        </p:nvSpPr>
-        <p:spPr/>
-        <p:txBody>
-          <a:bodyPr/>
-          <a:lstStyle/>
-          <a:p>
-            <a:pPr>
-              <a:defRPr/>
-            </a:pPr>
-            <a:r>
-              <a:rPr lang="en-US" dirty="0" err="1" smtClean="0">
-                <a:latin typeface="Lucida Sans Typewriter" pitchFamily="49" charset="0"/>
-              </a:rPr>
-              <a:t>LinkedList</a:t>
-            </a:r>
-            <a:r>
-              <a:rPr lang="en-US" dirty="0" smtClean="0">
-                <a:latin typeface="Lucida Sans Typewriter" pitchFamily="49" charset="0"/>
-              </a:rPr>
-              <a:t>&lt;E&gt;</a:t>
-            </a:r>
-            <a:r>
-              <a:rPr lang="en-US" dirty="0" smtClean="0"/>
-              <a:t> Methods</a:t>
-            </a:r>
-            <a:endParaRPr lang="en-US" dirty="0"/>
-          </a:p>
-        </p:txBody>
-      </p:sp>
-      <p:sp>
-        <p:nvSpPr>
-          <p:cNvPr id="2" name="Content Placeholder 1"/>
-          <p:cNvSpPr>
-            <a:spLocks noGrp="1"/>
-          </p:cNvSpPr>
-          <p:nvPr>
-            <p:ph idx="1"/>
-          </p:nvPr>
-        </p:nvSpPr>
-        <p:spPr/>
-        <p:txBody>
-          <a:bodyPr>
-            <a:normAutofit/>
-          </a:bodyPr>
-          <a:lstStyle/>
-          <a:p>
-            <a:pPr>
-              <a:defRPr/>
-            </a:pPr>
-            <a:r>
-              <a:rPr lang="en-US" b="1" dirty="0" smtClean="0">
-                <a:latin typeface="Lucida Sans Typewriter" pitchFamily="49" charset="0"/>
-              </a:rPr>
-              <a:t>void </a:t>
-            </a:r>
-            <a:r>
-              <a:rPr lang="en-US" b="1" dirty="0" err="1" smtClean="0">
-                <a:latin typeface="Lucida Sans Typewriter" pitchFamily="49" charset="0"/>
-              </a:rPr>
-              <a:t>addFirst</a:t>
-            </a:r>
-            <a:r>
-              <a:rPr lang="en-US" b="1" dirty="0" smtClean="0">
-                <a:latin typeface="Lucida Sans Typewriter" pitchFamily="49" charset="0"/>
-              </a:rPr>
-              <a:t>(E element)</a:t>
-            </a:r>
-          </a:p>
-          <a:p>
-            <a:pPr>
-              <a:defRPr/>
-            </a:pPr>
-            <a:r>
-              <a:rPr lang="en-US" b="1" dirty="0" smtClean="0">
-                <a:latin typeface="Lucida Sans Typewriter" pitchFamily="49" charset="0"/>
-              </a:rPr>
-              <a:t>void </a:t>
-            </a:r>
-            <a:r>
-              <a:rPr lang="en-US" b="1" dirty="0" err="1" smtClean="0">
-                <a:latin typeface="Lucida Sans Typewriter" pitchFamily="49" charset="0"/>
-              </a:rPr>
-              <a:t>addLast</a:t>
-            </a:r>
-            <a:r>
-              <a:rPr lang="en-US" b="1" dirty="0" smtClean="0">
-                <a:latin typeface="Lucida Sans Typewriter" pitchFamily="49" charset="0"/>
-              </a:rPr>
-              <a:t>(E element)</a:t>
-            </a:r>
-          </a:p>
-          <a:p>
-            <a:pPr>
-              <a:defRPr/>
-            </a:pPr>
-            <a:r>
-              <a:rPr lang="en-US" b="1" dirty="0" smtClean="0">
-                <a:latin typeface="Lucida Sans Typewriter" pitchFamily="49" charset="0"/>
-              </a:rPr>
-              <a:t>E </a:t>
-            </a:r>
-            <a:r>
-              <a:rPr lang="en-US" b="1" dirty="0" err="1" smtClean="0">
-                <a:latin typeface="Lucida Sans Typewriter" pitchFamily="49" charset="0"/>
-              </a:rPr>
-              <a:t>getFirst</a:t>
-            </a:r>
-            <a:r>
-              <a:rPr lang="en-US" b="1" dirty="0" smtClean="0">
-                <a:latin typeface="Lucida Sans Typewriter" pitchFamily="49" charset="0"/>
-              </a:rPr>
-              <a:t>()</a:t>
-            </a:r>
-          </a:p>
-          <a:p>
-            <a:pPr>
-              <a:defRPr/>
-            </a:pPr>
-            <a:r>
-              <a:rPr lang="en-US" b="1" dirty="0" smtClean="0">
-                <a:latin typeface="Lucida Sans Typewriter" pitchFamily="49" charset="0"/>
-              </a:rPr>
-              <a:t>E </a:t>
-            </a:r>
-            <a:r>
-              <a:rPr lang="en-US" b="1" dirty="0" err="1" smtClean="0">
-                <a:latin typeface="Lucida Sans Typewriter" pitchFamily="49" charset="0"/>
-              </a:rPr>
-              <a:t>getLast</a:t>
-            </a:r>
-            <a:r>
-              <a:rPr lang="en-US" b="1" dirty="0" smtClean="0">
-                <a:latin typeface="Lucida Sans Typewriter" pitchFamily="49" charset="0"/>
-              </a:rPr>
-              <a:t>()</a:t>
-            </a:r>
-          </a:p>
-          <a:p>
-            <a:pPr>
-              <a:defRPr/>
-            </a:pPr>
-            <a:r>
-              <a:rPr lang="en-US" b="1" dirty="0" smtClean="0">
-                <a:latin typeface="Lucida Sans Typewriter" pitchFamily="49" charset="0"/>
-              </a:rPr>
-              <a:t>E </a:t>
-            </a:r>
-            <a:r>
-              <a:rPr lang="en-US" b="1" dirty="0" err="1" smtClean="0">
-                <a:latin typeface="Lucida Sans Typewriter" pitchFamily="49" charset="0"/>
-              </a:rPr>
-              <a:t>removeFirst</a:t>
-            </a:r>
-            <a:r>
-              <a:rPr lang="en-US" b="1" dirty="0" smtClean="0">
-                <a:latin typeface="Lucida Sans Typewriter" pitchFamily="49" charset="0"/>
-              </a:rPr>
-              <a:t>()</a:t>
-            </a:r>
-          </a:p>
-          <a:p>
-            <a:pPr>
-              <a:defRPr/>
-            </a:pPr>
-            <a:r>
-              <a:rPr lang="en-US" b="1" dirty="0" smtClean="0">
-                <a:latin typeface="Lucida Sans Typewriter" pitchFamily="49" charset="0"/>
-              </a:rPr>
-              <a:t>E </a:t>
-            </a:r>
-            <a:r>
-              <a:rPr lang="en-US" b="1" dirty="0" err="1" smtClean="0">
-                <a:latin typeface="Lucida Sans Typewriter" pitchFamily="49" charset="0"/>
-              </a:rPr>
-              <a:t>removeLast</a:t>
-            </a:r>
-            <a:r>
-              <a:rPr lang="en-US" b="1" dirty="0" smtClean="0">
-                <a:latin typeface="Lucida Sans Typewriter" pitchFamily="49" charset="0"/>
-              </a:rPr>
-              <a:t>()</a:t>
-            </a:r>
-          </a:p>
-        </p:txBody>
-      </p:sp>
-    </p:spTree>
-  </p:cSld>
-  <p:clrMapOvr>
-    <a:masterClrMapping/>
-  </p:clrMapOvr>
-  <p:timing>
-    <p:tnLst>
-      <p:par>
-        <p:cTn id="1" dur="indefinite" restart="never" nodeType="tmRoot"/>
-      </p:par>
-    </p:tnLst>
-  </p:timing>
-</p:sld>
-</file>
-
-<file path=ppt/slides/slide31.xml><?xml version="1.0" encoding="utf-8"?>
-<p:sld xmlns:a="http://schemas.openxmlformats.org/drawingml/2006/main" xmlns:r="http://schemas.openxmlformats.org/officeDocument/2006/relationships" xmlns:p="http://schemas.openxmlformats.org/presentationml/2006/main">
-  <p:cSld>
-    <p:spTree>
-      <p:nvGrpSpPr>
-        <p:cNvPr id="1" name=""/>
-        <p:cNvGrpSpPr/>
-        <p:nvPr/>
-      </p:nvGrpSpPr>
-      <p:grpSpPr>
-        <a:xfrm>
-          <a:off x="0" y="0"/>
-          <a:ext cx="0" cy="0"/>
-          <a:chOff x="0" y="0"/>
-          <a:chExt cx="0" cy="0"/>
-        </a:xfrm>
-      </p:grpSpPr>
-      <p:sp>
-        <p:nvSpPr>
-          <p:cNvPr id="2" name="Title 1"/>
-          <p:cNvSpPr>
-            <a:spLocks noGrp="1"/>
-          </p:cNvSpPr>
-          <p:nvPr>
-            <p:ph type="title"/>
-          </p:nvPr>
-        </p:nvSpPr>
-        <p:spPr/>
-        <p:txBody>
-          <a:bodyPr/>
-          <a:lstStyle/>
-          <a:p>
-            <a:r>
-              <a:rPr lang="en-US" dirty="0" smtClean="0"/>
-              <a:t>Complete Quiz</a:t>
-            </a:r>
-            <a:endParaRPr lang="en-US" dirty="0"/>
-          </a:p>
-        </p:txBody>
-      </p:sp>
-      <p:sp>
-        <p:nvSpPr>
-          <p:cNvPr id="3" name="Content Placeholder 2"/>
-          <p:cNvSpPr>
-            <a:spLocks noGrp="1"/>
-          </p:cNvSpPr>
-          <p:nvPr>
-            <p:ph idx="1"/>
-          </p:nvPr>
-        </p:nvSpPr>
-        <p:spPr/>
-        <p:txBody>
-          <a:bodyPr/>
-          <a:lstStyle/>
-          <a:p>
-            <a:r>
-              <a:rPr lang="en-US" dirty="0" smtClean="0"/>
-              <a:t>Turn in quiz today</a:t>
-            </a:r>
-            <a:endParaRPr lang="en-US" dirty="0"/>
-          </a:p>
-        </p:txBody>
-      </p:sp>
-    </p:spTree>
-    <p:extLst>
-      <p:ext uri="{BB962C8B-B14F-4D97-AF65-F5344CB8AC3E}">
-        <p14:creationId xmlns:p14="http://schemas.microsoft.com/office/powerpoint/2010/main" val="3060722830"/>
-      </p:ext>
-    </p:extLst>
-  </p:cSld>
-  <p:clrMapOvr>
-    <a:masterClrMapping/>
-  </p:clrMapOvr>
-</p:sld>
-</file>
-
-<file path=ppt/slides/slide32.xml><?xml version="1.0" encoding="utf-8"?>
-<p:sld xmlns:a="http://schemas.openxmlformats.org/drawingml/2006/main" xmlns:r="http://schemas.openxmlformats.org/officeDocument/2006/relationships" xmlns:p="http://schemas.openxmlformats.org/presentationml/2006/main">
-  <p:cSld>
-    <p:spTree>
-      <p:nvGrpSpPr>
-        <p:cNvPr id="1" name=""/>
-        <p:cNvGrpSpPr/>
-        <p:nvPr/>
-      </p:nvGrpSpPr>
-      <p:grpSpPr>
-        <a:xfrm>
-          <a:off x="0" y="0"/>
-          <a:ext cx="0" cy="0"/>
-          <a:chOff x="0" y="0"/>
-          <a:chExt cx="0" cy="0"/>
-        </a:xfrm>
-      </p:grpSpPr>
-      <p:sp>
-        <p:nvSpPr>
-          <p:cNvPr id="2" name="Title 1"/>
-          <p:cNvSpPr>
-            <a:spLocks noGrp="1"/>
-          </p:cNvSpPr>
-          <p:nvPr>
-            <p:ph type="title"/>
-          </p:nvPr>
-        </p:nvSpPr>
-        <p:spPr/>
-        <p:txBody>
-          <a:bodyPr/>
-          <a:lstStyle/>
-          <a:p>
-            <a:r>
-              <a:rPr lang="en-US" dirty="0" smtClean="0"/>
-              <a:t>Homework</a:t>
-            </a:r>
-            <a:endParaRPr lang="en-US" dirty="0"/>
-          </a:p>
-        </p:txBody>
-      </p:sp>
-      <p:sp>
-        <p:nvSpPr>
-          <p:cNvPr id="3" name="Content Placeholder 2"/>
-          <p:cNvSpPr>
-            <a:spLocks noGrp="1"/>
-          </p:cNvSpPr>
-          <p:nvPr>
-            <p:ph idx="1"/>
-          </p:nvPr>
-        </p:nvSpPr>
-        <p:spPr/>
-        <p:txBody>
-          <a:bodyPr/>
-          <a:lstStyle/>
-          <a:p>
-            <a:r>
-              <a:rPr lang="en-US" dirty="0" err="1" smtClean="0"/>
-              <a:t>SinglyLinkedList</a:t>
-            </a:r>
-            <a:endParaRPr lang="en-US" dirty="0" smtClean="0"/>
-          </a:p>
-          <a:p>
-            <a:pPr lvl="1"/>
-            <a:r>
-              <a:rPr lang="en-US" dirty="0" smtClean="0"/>
-              <a:t>Requires you to implement a </a:t>
-            </a:r>
-            <a:r>
-              <a:rPr lang="en-US" dirty="0" err="1" smtClean="0"/>
-              <a:t>SinglyLinkedList</a:t>
-            </a:r>
-            <a:endParaRPr lang="en-US" dirty="0" smtClean="0"/>
-          </a:p>
-          <a:p>
-            <a:pPr lvl="1"/>
-            <a:r>
-              <a:rPr lang="en-US" dirty="0" smtClean="0"/>
-              <a:t>Additional algorithm questions which make use of the </a:t>
-            </a:r>
-            <a:r>
-              <a:rPr lang="en-US" dirty="0" err="1" smtClean="0"/>
-              <a:t>SinglyLinkedList</a:t>
-            </a:r>
-            <a:endParaRPr lang="en-US" dirty="0" smtClean="0"/>
-          </a:p>
-          <a:p>
-            <a:pPr lvl="1"/>
-            <a:r>
-              <a:rPr lang="en-US" dirty="0" smtClean="0"/>
-              <a:t>Will give you remaining class time to work on it</a:t>
-            </a:r>
-          </a:p>
-          <a:p>
-            <a:pPr lvl="1"/>
-            <a:r>
-              <a:rPr lang="en-US" dirty="0" smtClean="0"/>
-              <a:t>If you complete it, work on the project!</a:t>
-            </a:r>
-            <a:endParaRPr lang="en-US" dirty="0"/>
-          </a:p>
-        </p:txBody>
-      </p:sp>
-    </p:spTree>
-    <p:extLst>
-      <p:ext uri="{BB962C8B-B14F-4D97-AF65-F5344CB8AC3E}">
-        <p14:creationId xmlns:p14="http://schemas.microsoft.com/office/powerpoint/2010/main" val="1503594254"/>
-      </p:ext>
-    </p:extLst>
-  </p:cSld>
-  <p:clrMapOvr>
-    <a:masterClrMapping/>
-  </p:clrMapOvr>
 </p:sld>
 </file>
 

--- a/ClassMaterials/LinkedLists/Slides/LinkedLists.pptx
+++ b/ClassMaterials/LinkedLists/Slides/LinkedLists.pptx
@@ -301,7 +301,7 @@
               <a:pPr>
                 <a:defRPr/>
               </a:pPr>
-              <a:t>5/4/2020</a:t>
+              <a:t>2/24/22</a:t>
             </a:fld>
             <a:endParaRPr lang="en-US"/>
           </a:p>
@@ -536,7 +536,7 @@
               <a:pPr>
                 <a:defRPr/>
               </a:pPr>
-              <a:t>5/4/2020</a:t>
+              <a:t>2/24/22</a:t>
             </a:fld>
             <a:endParaRPr lang="en-US"/>
           </a:p>
@@ -612,39 +612,37 @@
           <a:p>
             <a:pPr lvl="0"/>
             <a:r>
-              <a:rPr lang="en-US" noProof="0" smtClean="0"/>
+              <a:rPr lang="en-US" noProof="0"/>
               <a:t>Click to edit Master text styles</a:t>
             </a:r>
-            <a:endParaRPr lang="en-US" noProof="0"/>
           </a:p>
           <a:p>
             <a:pPr lvl="1"/>
             <a:r>
-              <a:rPr lang="en-US" noProof="0" smtClean="0"/>
+              <a:rPr lang="en-US" noProof="0"/>
               <a:t>Second level</a:t>
             </a:r>
           </a:p>
           <a:p>
             <a:pPr lvl="2"/>
             <a:r>
-              <a:rPr lang="en-US" noProof="0" smtClean="0"/>
+              <a:rPr lang="en-US" noProof="0"/>
               <a:t>Third level</a:t>
             </a:r>
           </a:p>
           <a:p>
             <a:pPr lvl="3"/>
             <a:r>
-              <a:rPr lang="en-US" noProof="0" smtClean="0"/>
+              <a:rPr lang="en-US" noProof="0"/>
               <a:t>Fourth level</a:t>
             </a:r>
           </a:p>
           <a:p>
             <a:pPr lvl="4"/>
             <a:r>
-              <a:rPr lang="en-US" noProof="0" smtClean="0"/>
+              <a:rPr lang="en-US" noProof="0"/>
               <a:t>Fifth level</a:t>
             </a:r>
-            <a:endParaRPr lang="en-US" noProof="0"/>
           </a:p>
         </p:txBody>
       </p:sp>
@@ -945,15 +943,15 @@
               </a:spcBef>
             </a:pPr>
             <a:r>
-              <a:rPr lang="en-US" dirty="0" smtClean="0"/>
+              <a:rPr lang="en-US" dirty="0"/>
               <a:t>Doing everything in </a:t>
             </a:r>
             <a:r>
-              <a:rPr lang="en-US" dirty="0" err="1" smtClean="0"/>
+              <a:rPr lang="en-US" dirty="0" err="1"/>
               <a:t>LinkedListSimple</a:t>
             </a:r>
             <a:r>
-              <a:rPr lang="en-US" dirty="0" smtClean="0"/>
+              <a:rPr lang="en-US" dirty="0"/>
               <a:t> today</a:t>
             </a:r>
           </a:p>
@@ -963,7 +961,7 @@
                 <a:spcPct val="0"/>
               </a:spcBef>
             </a:pPr>
-            <a:endParaRPr lang="en-US" dirty="0" smtClean="0"/>
+            <a:endParaRPr lang="en-US" dirty="0"/>
           </a:p>
           <a:p>
             <a:pPr eaLnBrk="1" hangingPunct="1">
@@ -972,7 +970,7 @@
               </a:spcBef>
             </a:pPr>
             <a:r>
-              <a:rPr lang="en-US" dirty="0" smtClean="0"/>
+              <a:rPr lang="en-US" dirty="0"/>
               <a:t>Quiz given in next slide</a:t>
             </a:r>
           </a:p>
@@ -1000,7 +998,7 @@
               <a:pPr/>
               <a:t>1</a:t>
             </a:fld>
-            <a:endParaRPr lang="en-US" smtClean="0"/>
+            <a:endParaRPr lang="en-US"/>
           </a:p>
         </p:txBody>
       </p:sp>
@@ -1152,11 +1150,11 @@
           <a:lstStyle/>
           <a:p>
             <a:r>
-              <a:rPr lang="en-US" dirty="0" smtClean="0"/>
+              <a:rPr lang="en-US" dirty="0"/>
               <a:t>We care about which part of the expression grows the fastest as n,</a:t>
             </a:r>
             <a:r>
-              <a:rPr lang="en-US" baseline="0" dirty="0" smtClean="0"/>
+              <a:rPr lang="en-US" baseline="0" dirty="0"/>
               <a:t> the input size, grows.</a:t>
             </a:r>
             <a:endParaRPr lang="en-US" dirty="0"/>
@@ -1353,27 +1351,27 @@
           <a:lstStyle/>
           <a:p>
             <a:r>
-              <a:rPr lang="en-US" dirty="0" smtClean="0"/>
+              <a:rPr lang="en-US" dirty="0"/>
               <a:t>- Examples: employee list, music play list</a:t>
             </a:r>
           </a:p>
           <a:p>
             <a:r>
-              <a:rPr lang="en-US" dirty="0" smtClean="0"/>
+              <a:rPr lang="en-US" dirty="0"/>
               <a:t>Sketch a linked list on the board</a:t>
             </a:r>
             <a:r>
-              <a:rPr lang="en-US" baseline="0" dirty="0" smtClean="0"/>
+              <a:rPr lang="en-US" baseline="0" dirty="0"/>
               <a:t> for “two more weeks” (quiz #3)</a:t>
             </a:r>
-            <a:endParaRPr lang="en-US" dirty="0" smtClean="0"/>
-          </a:p>
-          <a:p>
-            <a:endParaRPr lang="en-US" dirty="0" smtClean="0"/>
-          </a:p>
-          <a:p>
-            <a:r>
-              <a:rPr lang="en-US" dirty="0" smtClean="0"/>
+            <a:endParaRPr lang="en-US" dirty="0"/>
+          </a:p>
+          <a:p>
+            <a:endParaRPr lang="en-US" dirty="0"/>
+          </a:p>
+          <a:p>
+            <a:r>
+              <a:rPr lang="en-US" dirty="0"/>
               <a:t>Then show insertion and deletion.  </a:t>
             </a:r>
           </a:p>
@@ -1401,7 +1399,7 @@
               <a:pPr/>
               <a:t>22</a:t>
             </a:fld>
-            <a:endParaRPr lang="en-US" smtClean="0"/>
+            <a:endParaRPr lang="en-US"/>
           </a:p>
         </p:txBody>
       </p:sp>
@@ -1476,16 +1474,16 @@
           <a:lstStyle/>
           <a:p>
             <a:r>
-              <a:rPr lang="en-US" dirty="0" smtClean="0"/>
+              <a:rPr lang="en-US" dirty="0"/>
               <a:t>Big-Oh of each?</a:t>
             </a:r>
           </a:p>
           <a:p>
-            <a:endParaRPr lang="en-US" dirty="0" smtClean="0"/>
-          </a:p>
-          <a:p>
-            <a:r>
-              <a:rPr lang="en-US" sz="1200" kern="1200" dirty="0" smtClean="0">
+            <a:endParaRPr lang="en-US" dirty="0"/>
+          </a:p>
+          <a:p>
+            <a:r>
+              <a:rPr lang="en-US" sz="1200" kern="1200" dirty="0">
                 <a:solidFill>
                   <a:schemeClr val="tx1"/>
                 </a:solidFill>
@@ -1497,7 +1495,7 @@
             </a:r>
           </a:p>
           <a:p>
-            <a:endParaRPr lang="en-US" sz="1200" kern="1200" dirty="0" smtClean="0">
+            <a:endParaRPr lang="en-US" sz="1200" kern="1200" dirty="0">
               <a:solidFill>
                 <a:schemeClr val="tx1"/>
               </a:solidFill>
@@ -1508,7 +1506,7 @@
           </a:p>
           <a:p>
             <a:r>
-              <a:rPr lang="en-US" sz="1200" kern="1200" dirty="0" smtClean="0">
+              <a:rPr lang="en-US" sz="1200" kern="1200" dirty="0">
                 <a:solidFill>
                   <a:schemeClr val="tx1"/>
                 </a:solidFill>
@@ -1518,7 +1516,7 @@
               </a:rPr>
               <a:t>Thus, these operations all take O(1) time.</a:t>
             </a:r>
-            <a:endParaRPr lang="en-US" dirty="0" smtClean="0"/>
+            <a:endParaRPr lang="en-US" dirty="0"/>
           </a:p>
         </p:txBody>
       </p:sp>
@@ -1760,10 +1758,9 @@
           <a:lstStyle/>
           <a:p>
             <a:r>
-              <a:rPr lang="en-US" dirty="0" smtClean="0"/>
+              <a:rPr lang="en-US" dirty="0"/>
               <a:t>This diagram is their quiz for the day</a:t>
             </a:r>
-            <a:endParaRPr lang="en-US" dirty="0"/>
           </a:p>
         </p:txBody>
       </p:sp>
@@ -1943,7 +1940,7 @@
           <a:bodyPr/>
           <a:lstStyle/>
           <a:p>
-            <a:endParaRPr lang="en-US" baseline="0" dirty="0" smtClean="0">
+            <a:endParaRPr lang="en-US" baseline="0" dirty="0">
               <a:sym typeface="Wingdings" panose="05000000000000000000" pitchFamily="2" charset="2"/>
             </a:endParaRPr>
           </a:p>
@@ -2129,11 +2126,11 @@
           <a:lstStyle/>
           <a:p>
             <a:r>
-              <a:rPr lang="en-US" dirty="0" smtClean="0"/>
+              <a:rPr lang="en-US" dirty="0"/>
               <a:t>This is</a:t>
             </a:r>
             <a:r>
-              <a:rPr lang="en-US" baseline="0" dirty="0" smtClean="0"/>
+              <a:rPr lang="en-US" baseline="0" dirty="0"/>
               <a:t> the end of Monday’s class, pick up from here on Wednesday to complete quiz</a:t>
             </a:r>
             <a:endParaRPr lang="en-US" dirty="0"/>
@@ -2227,11 +2224,11 @@
           <a:lstStyle/>
           <a:p>
             <a:r>
-              <a:rPr lang="en-US" dirty="0" smtClean="0"/>
+              <a:rPr lang="en-US" dirty="0"/>
               <a:t>This is</a:t>
             </a:r>
             <a:r>
-              <a:rPr lang="en-US" baseline="0" dirty="0" smtClean="0"/>
+              <a:rPr lang="en-US" baseline="0" dirty="0"/>
               <a:t> the end of Monday’s class, pick up from here on Wednesday to complete quiz</a:t>
             </a:r>
             <a:endParaRPr lang="en-US" dirty="0"/>
@@ -2338,14 +2335,14 @@
           <a:lstStyle/>
           <a:p>
             <a:r>
-              <a:rPr lang="en-US" dirty="0" smtClean="0"/>
+              <a:rPr lang="en-US" dirty="0"/>
               <a:t>If students get through things quickly</a:t>
             </a:r>
             <a:r>
-              <a:rPr lang="en-US" baseline="0" dirty="0" smtClean="0"/>
+              <a:rPr lang="en-US" baseline="0" dirty="0"/>
               <a:t> we can move into this material in the first hour, but if not- that is OK, we have the next class period to go through it and give them time to work on the rest of the quiz and the homework problems.</a:t>
             </a:r>
-            <a:endParaRPr lang="en-US" dirty="0" smtClean="0"/>
+            <a:endParaRPr lang="en-US" dirty="0"/>
           </a:p>
         </p:txBody>
       </p:sp>
@@ -2371,7 +2368,7 @@
               <a:pPr/>
               <a:t>17</a:t>
             </a:fld>
-            <a:endParaRPr lang="en-US" smtClean="0"/>
+            <a:endParaRPr lang="en-US"/>
           </a:p>
         </p:txBody>
       </p:sp>
@@ -2446,7 +2443,7 @@
           <a:lstStyle/>
           <a:p>
             <a:r>
-              <a:rPr lang="en-US" dirty="0" smtClean="0"/>
+              <a:rPr lang="en-US" dirty="0"/>
               <a:t>Q: Have to move all the other elements up or down to make/use room.  O(n)</a:t>
             </a:r>
           </a:p>
@@ -2474,7 +2471,7 @@
               <a:pPr/>
               <a:t>18</a:t>
             </a:fld>
-            <a:endParaRPr lang="en-US" smtClean="0"/>
+            <a:endParaRPr lang="en-US"/>
           </a:p>
         </p:txBody>
       </p:sp>
@@ -2529,10 +2526,9 @@
           <a:lstStyle/>
           <a:p>
             <a:r>
-              <a:rPr lang="en-US" smtClean="0"/>
+              <a:rPr lang="en-US"/>
               <a:t>Click to edit Master title style</a:t>
             </a:r>
-            <a:endParaRPr lang="en-US"/>
           </a:p>
         </p:txBody>
       </p:sp>
@@ -2648,10 +2644,9 @@
           </a:lstStyle>
           <a:p>
             <a:r>
-              <a:rPr lang="en-US" smtClean="0"/>
+              <a:rPr lang="en-US"/>
               <a:t>Click to edit Master subtitle style</a:t>
             </a:r>
-            <a:endParaRPr lang="en-US"/>
           </a:p>
         </p:txBody>
       </p:sp>
@@ -2678,7 +2673,7 @@
               <a:pPr>
                 <a:defRPr/>
               </a:pPr>
-              <a:t>Monday, May 4, 2020</a:t>
+              <a:t>Thursday, February 24, 2022</a:t>
             </a:fld>
             <a:endParaRPr lang="en-US" dirty="0"/>
           </a:p>
@@ -2781,10 +2776,9 @@
           <a:lstStyle/>
           <a:p>
             <a:r>
-              <a:rPr lang="en-US" smtClean="0"/>
+              <a:rPr lang="en-US"/>
               <a:t>Click to edit Master title style</a:t>
             </a:r>
-            <a:endParaRPr lang="en-US"/>
           </a:p>
         </p:txBody>
       </p:sp>
@@ -2805,38 +2799,37 @@
           <a:p>
             <a:pPr lvl="0"/>
             <a:r>
-              <a:rPr lang="en-US" smtClean="0"/>
+              <a:rPr lang="en-US"/>
               <a:t>Click to edit Master text styles</a:t>
             </a:r>
           </a:p>
           <a:p>
             <a:pPr lvl="1"/>
             <a:r>
-              <a:rPr lang="en-US" smtClean="0"/>
+              <a:rPr lang="en-US"/>
               <a:t>Second level</a:t>
             </a:r>
           </a:p>
           <a:p>
             <a:pPr lvl="2"/>
             <a:r>
-              <a:rPr lang="en-US" smtClean="0"/>
+              <a:rPr lang="en-US"/>
               <a:t>Third level</a:t>
             </a:r>
           </a:p>
           <a:p>
             <a:pPr lvl="3"/>
             <a:r>
-              <a:rPr lang="en-US" smtClean="0"/>
+              <a:rPr lang="en-US"/>
               <a:t>Fourth level</a:t>
             </a:r>
           </a:p>
           <a:p>
             <a:pPr lvl="4"/>
             <a:r>
-              <a:rPr lang="en-US" smtClean="0"/>
+              <a:rPr lang="en-US"/>
               <a:t>Fifth level</a:t>
             </a:r>
-            <a:endParaRPr lang="en-US"/>
           </a:p>
         </p:txBody>
       </p:sp>
@@ -2863,7 +2856,7 @@
               <a:pPr>
                 <a:defRPr/>
               </a:pPr>
-              <a:t>Monday, May 4, 2020</a:t>
+              <a:t>Thursday, February 24, 2022</a:t>
             </a:fld>
             <a:endParaRPr lang="en-US" dirty="0"/>
           </a:p>
@@ -2971,10 +2964,9 @@
           <a:lstStyle/>
           <a:p>
             <a:r>
-              <a:rPr lang="en-US" smtClean="0"/>
+              <a:rPr lang="en-US"/>
               <a:t>Click to edit Master title style</a:t>
             </a:r>
-            <a:endParaRPr lang="en-US"/>
           </a:p>
         </p:txBody>
       </p:sp>
@@ -3000,38 +2992,37 @@
           <a:p>
             <a:pPr lvl="0"/>
             <a:r>
-              <a:rPr lang="en-US" smtClean="0"/>
+              <a:rPr lang="en-US"/>
               <a:t>Click to edit Master text styles</a:t>
             </a:r>
           </a:p>
           <a:p>
             <a:pPr lvl="1"/>
             <a:r>
-              <a:rPr lang="en-US" smtClean="0"/>
+              <a:rPr lang="en-US"/>
               <a:t>Second level</a:t>
             </a:r>
           </a:p>
           <a:p>
             <a:pPr lvl="2"/>
             <a:r>
-              <a:rPr lang="en-US" smtClean="0"/>
+              <a:rPr lang="en-US"/>
               <a:t>Third level</a:t>
             </a:r>
           </a:p>
           <a:p>
             <a:pPr lvl="3"/>
             <a:r>
-              <a:rPr lang="en-US" smtClean="0"/>
+              <a:rPr lang="en-US"/>
               <a:t>Fourth level</a:t>
             </a:r>
           </a:p>
           <a:p>
             <a:pPr lvl="4"/>
             <a:r>
-              <a:rPr lang="en-US" smtClean="0"/>
+              <a:rPr lang="en-US"/>
               <a:t>Fifth level</a:t>
             </a:r>
-            <a:endParaRPr lang="en-US"/>
           </a:p>
         </p:txBody>
       </p:sp>
@@ -3058,7 +3049,7 @@
               <a:pPr>
                 <a:defRPr/>
               </a:pPr>
-              <a:t>Monday, May 4, 2020</a:t>
+              <a:t>Thursday, February 24, 2022</a:t>
             </a:fld>
             <a:endParaRPr lang="en-US" dirty="0"/>
           </a:p>
@@ -3161,10 +3152,9 @@
           <a:lstStyle/>
           <a:p>
             <a:r>
-              <a:rPr lang="en-US" smtClean="0"/>
+              <a:rPr lang="en-US"/>
               <a:t>Click to edit Master title style</a:t>
             </a:r>
-            <a:endParaRPr lang="en-US"/>
           </a:p>
         </p:txBody>
       </p:sp>
@@ -3185,38 +3175,37 @@
           <a:p>
             <a:pPr lvl="0"/>
             <a:r>
-              <a:rPr lang="en-US" smtClean="0"/>
+              <a:rPr lang="en-US"/>
               <a:t>Click to edit Master text styles</a:t>
             </a:r>
           </a:p>
           <a:p>
             <a:pPr lvl="1"/>
             <a:r>
-              <a:rPr lang="en-US" smtClean="0"/>
+              <a:rPr lang="en-US"/>
               <a:t>Second level</a:t>
             </a:r>
           </a:p>
           <a:p>
             <a:pPr lvl="2"/>
             <a:r>
-              <a:rPr lang="en-US" smtClean="0"/>
+              <a:rPr lang="en-US"/>
               <a:t>Third level</a:t>
             </a:r>
           </a:p>
           <a:p>
             <a:pPr lvl="3"/>
             <a:r>
-              <a:rPr lang="en-US" smtClean="0"/>
+              <a:rPr lang="en-US"/>
               <a:t>Fourth level</a:t>
             </a:r>
           </a:p>
           <a:p>
             <a:pPr lvl="4"/>
             <a:r>
-              <a:rPr lang="en-US" smtClean="0"/>
+              <a:rPr lang="en-US"/>
               <a:t>Fifth level</a:t>
             </a:r>
-            <a:endParaRPr lang="en-US"/>
           </a:p>
         </p:txBody>
       </p:sp>
@@ -3243,7 +3232,7 @@
               <a:pPr>
                 <a:defRPr/>
               </a:pPr>
-              <a:t>Monday, May 4, 2020</a:t>
+              <a:t>Thursday, February 24, 2022</a:t>
             </a:fld>
             <a:endParaRPr lang="en-US" dirty="0"/>
           </a:p>
@@ -3355,10 +3344,9 @@
           </a:lstStyle>
           <a:p>
             <a:r>
-              <a:rPr lang="en-US" smtClean="0"/>
+              <a:rPr lang="en-US"/>
               <a:t>Click to edit Master title style</a:t>
             </a:r>
-            <a:endParaRPr lang="en-US"/>
           </a:p>
         </p:txBody>
       </p:sp>
@@ -3475,7 +3463,7 @@
           <a:p>
             <a:pPr lvl="0"/>
             <a:r>
-              <a:rPr lang="en-US" smtClean="0"/>
+              <a:rPr lang="en-US"/>
               <a:t>Click to edit Master text styles</a:t>
             </a:r>
           </a:p>
@@ -3504,7 +3492,7 @@
               <a:pPr>
                 <a:defRPr/>
               </a:pPr>
-              <a:t>Monday, May 4, 2020</a:t>
+              <a:t>Thursday, February 24, 2022</a:t>
             </a:fld>
             <a:endParaRPr lang="en-US"/>
           </a:p>
@@ -3607,10 +3595,9 @@
           <a:lstStyle/>
           <a:p>
             <a:r>
-              <a:rPr lang="en-US" smtClean="0"/>
+              <a:rPr lang="en-US"/>
               <a:t>Click to edit Master title style</a:t>
             </a:r>
-            <a:endParaRPr lang="en-US"/>
           </a:p>
         </p:txBody>
       </p:sp>
@@ -3664,38 +3651,37 @@
           <a:p>
             <a:pPr lvl="0"/>
             <a:r>
-              <a:rPr lang="en-US" smtClean="0"/>
+              <a:rPr lang="en-US"/>
               <a:t>Click to edit Master text styles</a:t>
             </a:r>
           </a:p>
           <a:p>
             <a:pPr lvl="1"/>
             <a:r>
-              <a:rPr lang="en-US" smtClean="0"/>
+              <a:rPr lang="en-US"/>
               <a:t>Second level</a:t>
             </a:r>
           </a:p>
           <a:p>
             <a:pPr lvl="2"/>
             <a:r>
-              <a:rPr lang="en-US" smtClean="0"/>
+              <a:rPr lang="en-US"/>
               <a:t>Third level</a:t>
             </a:r>
           </a:p>
           <a:p>
             <a:pPr lvl="3"/>
             <a:r>
-              <a:rPr lang="en-US" smtClean="0"/>
+              <a:rPr lang="en-US"/>
               <a:t>Fourth level</a:t>
             </a:r>
           </a:p>
           <a:p>
             <a:pPr lvl="4"/>
             <a:r>
-              <a:rPr lang="en-US" smtClean="0"/>
+              <a:rPr lang="en-US"/>
               <a:t>Fifth level</a:t>
             </a:r>
-            <a:endParaRPr lang="en-US"/>
           </a:p>
         </p:txBody>
       </p:sp>
@@ -3749,38 +3735,37 @@
           <a:p>
             <a:pPr lvl="0"/>
             <a:r>
-              <a:rPr lang="en-US" smtClean="0"/>
+              <a:rPr lang="en-US"/>
               <a:t>Click to edit Master text styles</a:t>
             </a:r>
           </a:p>
           <a:p>
             <a:pPr lvl="1"/>
             <a:r>
-              <a:rPr lang="en-US" smtClean="0"/>
+              <a:rPr lang="en-US"/>
               <a:t>Second level</a:t>
             </a:r>
           </a:p>
           <a:p>
             <a:pPr lvl="2"/>
             <a:r>
-              <a:rPr lang="en-US" smtClean="0"/>
+              <a:rPr lang="en-US"/>
               <a:t>Third level</a:t>
             </a:r>
           </a:p>
           <a:p>
             <a:pPr lvl="3"/>
             <a:r>
-              <a:rPr lang="en-US" smtClean="0"/>
+              <a:rPr lang="en-US"/>
               <a:t>Fourth level</a:t>
             </a:r>
           </a:p>
           <a:p>
             <a:pPr lvl="4"/>
             <a:r>
-              <a:rPr lang="en-US" smtClean="0"/>
+              <a:rPr lang="en-US"/>
               <a:t>Fifth level</a:t>
             </a:r>
-            <a:endParaRPr lang="en-US"/>
           </a:p>
         </p:txBody>
       </p:sp>
@@ -3807,7 +3792,7 @@
               <a:pPr>
                 <a:defRPr/>
               </a:pPr>
-              <a:t>Monday, May 4, 2020</a:t>
+              <a:t>Thursday, February 24, 2022</a:t>
             </a:fld>
             <a:endParaRPr lang="en-US"/>
           </a:p>
@@ -3914,10 +3899,9 @@
           </a:lstStyle>
           <a:p>
             <a:r>
-              <a:rPr lang="en-US" smtClean="0"/>
+              <a:rPr lang="en-US"/>
               <a:t>Click to edit Master title style</a:t>
             </a:r>
-            <a:endParaRPr lang="en-US"/>
           </a:p>
         </p:txBody>
       </p:sp>
@@ -3980,7 +3964,7 @@
           <a:p>
             <a:pPr lvl="0"/>
             <a:r>
-              <a:rPr lang="en-US" smtClean="0"/>
+              <a:rPr lang="en-US"/>
               <a:t>Click to edit Master text styles</a:t>
             </a:r>
           </a:p>
@@ -4036,38 +4020,37 @@
           <a:p>
             <a:pPr lvl="0"/>
             <a:r>
-              <a:rPr lang="en-US" smtClean="0"/>
+              <a:rPr lang="en-US"/>
               <a:t>Click to edit Master text styles</a:t>
             </a:r>
           </a:p>
           <a:p>
             <a:pPr lvl="1"/>
             <a:r>
-              <a:rPr lang="en-US" smtClean="0"/>
+              <a:rPr lang="en-US"/>
               <a:t>Second level</a:t>
             </a:r>
           </a:p>
           <a:p>
             <a:pPr lvl="2"/>
             <a:r>
-              <a:rPr lang="en-US" smtClean="0"/>
+              <a:rPr lang="en-US"/>
               <a:t>Third level</a:t>
             </a:r>
           </a:p>
           <a:p>
             <a:pPr lvl="3"/>
             <a:r>
-              <a:rPr lang="en-US" smtClean="0"/>
+              <a:rPr lang="en-US"/>
               <a:t>Fourth level</a:t>
             </a:r>
           </a:p>
           <a:p>
             <a:pPr lvl="4"/>
             <a:r>
-              <a:rPr lang="en-US" smtClean="0"/>
+              <a:rPr lang="en-US"/>
               <a:t>Fifth level</a:t>
             </a:r>
-            <a:endParaRPr lang="en-US"/>
           </a:p>
         </p:txBody>
       </p:sp>
@@ -4130,7 +4113,7 @@
           <a:p>
             <a:pPr lvl="0"/>
             <a:r>
-              <a:rPr lang="en-US" smtClean="0"/>
+              <a:rPr lang="en-US"/>
               <a:t>Click to edit Master text styles</a:t>
             </a:r>
           </a:p>
@@ -4186,38 +4169,37 @@
           <a:p>
             <a:pPr lvl="0"/>
             <a:r>
-              <a:rPr lang="en-US" smtClean="0"/>
+              <a:rPr lang="en-US"/>
               <a:t>Click to edit Master text styles</a:t>
             </a:r>
           </a:p>
           <a:p>
             <a:pPr lvl="1"/>
             <a:r>
-              <a:rPr lang="en-US" smtClean="0"/>
+              <a:rPr lang="en-US"/>
               <a:t>Second level</a:t>
             </a:r>
           </a:p>
           <a:p>
             <a:pPr lvl="2"/>
             <a:r>
-              <a:rPr lang="en-US" smtClean="0"/>
+              <a:rPr lang="en-US"/>
               <a:t>Third level</a:t>
             </a:r>
           </a:p>
           <a:p>
             <a:pPr lvl="3"/>
             <a:r>
-              <a:rPr lang="en-US" smtClean="0"/>
+              <a:rPr lang="en-US"/>
               <a:t>Fourth level</a:t>
             </a:r>
           </a:p>
           <a:p>
             <a:pPr lvl="4"/>
             <a:r>
-              <a:rPr lang="en-US" smtClean="0"/>
+              <a:rPr lang="en-US"/>
               <a:t>Fifth level</a:t>
             </a:r>
-            <a:endParaRPr lang="en-US"/>
           </a:p>
         </p:txBody>
       </p:sp>
@@ -4244,7 +4226,7 @@
               <a:pPr>
                 <a:defRPr/>
               </a:pPr>
-              <a:t>Monday, May 4, 2020</a:t>
+              <a:t>Thursday, February 24, 2022</a:t>
             </a:fld>
             <a:endParaRPr lang="en-US"/>
           </a:p>
@@ -4347,10 +4329,9 @@
           <a:lstStyle/>
           <a:p>
             <a:r>
-              <a:rPr lang="en-US" smtClean="0"/>
+              <a:rPr lang="en-US"/>
               <a:t>Click to edit Master title style</a:t>
             </a:r>
-            <a:endParaRPr lang="en-US"/>
           </a:p>
         </p:txBody>
       </p:sp>
@@ -4377,7 +4358,7 @@
               <a:pPr>
                 <a:defRPr/>
               </a:pPr>
-              <a:t>Monday, May 4, 2020</a:t>
+              <a:t>Thursday, February 24, 2022</a:t>
             </a:fld>
             <a:endParaRPr lang="en-US"/>
           </a:p>
@@ -4487,7 +4468,7 @@
               <a:pPr>
                 <a:defRPr/>
               </a:pPr>
-              <a:t>Monday, May 4, 2020</a:t>
+              <a:t>Thursday, February 24, 2022</a:t>
             </a:fld>
             <a:endParaRPr lang="en-US" dirty="0"/>
           </a:p>
@@ -4599,10 +4580,9 @@
           </a:lstStyle>
           <a:p>
             <a:r>
-              <a:rPr lang="en-US" smtClean="0"/>
+              <a:rPr lang="en-US"/>
               <a:t>Click to edit Master title style</a:t>
             </a:r>
-            <a:endParaRPr lang="en-US"/>
           </a:p>
         </p:txBody>
       </p:sp>
@@ -4656,38 +4636,37 @@
           <a:p>
             <a:pPr lvl="0"/>
             <a:r>
-              <a:rPr lang="en-US" smtClean="0"/>
+              <a:rPr lang="en-US"/>
               <a:t>Click to edit Master text styles</a:t>
             </a:r>
           </a:p>
           <a:p>
             <a:pPr lvl="1"/>
             <a:r>
-              <a:rPr lang="en-US" smtClean="0"/>
+              <a:rPr lang="en-US"/>
               <a:t>Second level</a:t>
             </a:r>
           </a:p>
           <a:p>
             <a:pPr lvl="2"/>
             <a:r>
-              <a:rPr lang="en-US" smtClean="0"/>
+              <a:rPr lang="en-US"/>
               <a:t>Third level</a:t>
             </a:r>
           </a:p>
           <a:p>
             <a:pPr lvl="3"/>
             <a:r>
-              <a:rPr lang="en-US" smtClean="0"/>
+              <a:rPr lang="en-US"/>
               <a:t>Fourth level</a:t>
             </a:r>
           </a:p>
           <a:p>
             <a:pPr lvl="4"/>
             <a:r>
-              <a:rPr lang="en-US" smtClean="0"/>
+              <a:rPr lang="en-US"/>
               <a:t>Fifth level</a:t>
             </a:r>
-            <a:endParaRPr lang="en-US"/>
           </a:p>
         </p:txBody>
       </p:sp>
@@ -4750,7 +4729,7 @@
           <a:p>
             <a:pPr lvl="0"/>
             <a:r>
-              <a:rPr lang="en-US" smtClean="0"/>
+              <a:rPr lang="en-US"/>
               <a:t>Click to edit Master text styles</a:t>
             </a:r>
           </a:p>
@@ -4779,7 +4758,7 @@
               <a:pPr>
                 <a:defRPr/>
               </a:pPr>
-              <a:t>Monday, May 4, 2020</a:t>
+              <a:t>Thursday, February 24, 2022</a:t>
             </a:fld>
             <a:endParaRPr lang="en-US"/>
           </a:p>
@@ -4891,10 +4870,9 @@
           </a:lstStyle>
           <a:p>
             <a:r>
-              <a:rPr lang="en-US" smtClean="0"/>
+              <a:rPr lang="en-US"/>
               <a:t>Click to edit Master title style</a:t>
             </a:r>
-            <a:endParaRPr lang="en-US"/>
           </a:p>
         </p:txBody>
       </p:sp>
@@ -5018,7 +4996,7 @@
           <a:p>
             <a:pPr lvl="0"/>
             <a:r>
-              <a:rPr lang="en-US" smtClean="0"/>
+              <a:rPr lang="en-US"/>
               <a:t>Click to edit Master text styles</a:t>
             </a:r>
           </a:p>
@@ -5047,7 +5025,7 @@
               <a:pPr>
                 <a:defRPr/>
               </a:pPr>
-              <a:t>Monday, May 4, 2020</a:t>
+              <a:t>Thursday, February 24, 2022</a:t>
             </a:fld>
             <a:endParaRPr lang="en-US"/>
           </a:p>
@@ -5165,10 +5143,9 @@
           <a:lstStyle/>
           <a:p>
             <a:r>
-              <a:rPr lang="en-US" smtClean="0"/>
+              <a:rPr lang="en-US"/>
               <a:t>Click to edit Master title style</a:t>
             </a:r>
-            <a:endParaRPr lang="en-US"/>
           </a:p>
         </p:txBody>
       </p:sp>
@@ -5199,38 +5176,37 @@
           <a:p>
             <a:pPr lvl="0"/>
             <a:r>
-              <a:rPr lang="en-US" smtClean="0"/>
+              <a:rPr lang="en-US"/>
               <a:t>Click to edit Master text styles</a:t>
             </a:r>
           </a:p>
           <a:p>
             <a:pPr lvl="1"/>
             <a:r>
-              <a:rPr lang="en-US" smtClean="0"/>
+              <a:rPr lang="en-US"/>
               <a:t>Second level</a:t>
             </a:r>
           </a:p>
           <a:p>
             <a:pPr lvl="2"/>
             <a:r>
-              <a:rPr lang="en-US" smtClean="0"/>
+              <a:rPr lang="en-US"/>
               <a:t>Third level</a:t>
             </a:r>
           </a:p>
           <a:p>
             <a:pPr lvl="3"/>
             <a:r>
-              <a:rPr lang="en-US" smtClean="0"/>
+              <a:rPr lang="en-US"/>
               <a:t>Fourth level</a:t>
             </a:r>
           </a:p>
           <a:p>
             <a:pPr lvl="4"/>
             <a:r>
-              <a:rPr lang="en-US" smtClean="0"/>
+              <a:rPr lang="en-US"/>
               <a:t>Fifth level</a:t>
             </a:r>
-            <a:endParaRPr lang="en-US"/>
           </a:p>
         </p:txBody>
       </p:sp>
@@ -5275,7 +5251,7 @@
               <a:pPr>
                 <a:defRPr/>
               </a:pPr>
-              <a:t>Monday, May 4, 2020</a:t>
+              <a:t>Thursday, February 24, 2022</a:t>
             </a:fld>
             <a:endParaRPr lang="en-US" dirty="0"/>
           </a:p>
@@ -5686,10 +5662,9 @@
               <a:defRPr/>
             </a:pPr>
             <a:r>
-              <a:rPr lang="en-US" dirty="0" smtClean="0"/>
+              <a:rPr lang="en-US" dirty="0"/>
               <a:t>CSSE 220</a:t>
             </a:r>
-            <a:endParaRPr lang="en-US" dirty="0"/>
           </a:p>
         </p:txBody>
       </p:sp>
@@ -5714,78 +5689,102 @@
               </a:lnSpc>
             </a:pPr>
             <a:r>
-              <a:rPr lang="en-US" sz="2500" dirty="0" smtClean="0"/>
-              <a:t>Linked List </a:t>
-            </a:r>
-            <a:r>
-              <a:rPr lang="en-US" sz="2500" dirty="0" smtClean="0"/>
-              <a:t>Implementation</a:t>
-            </a:r>
-            <a:endParaRPr lang="en-US" sz="2500" dirty="0" smtClean="0"/>
-          </a:p>
-        </p:txBody>
-      </p:sp>
-      <p:sp>
-        <p:nvSpPr>
-          <p:cNvPr id="4" name="TextBox 3"/>
-          <p:cNvSpPr txBox="1"/>
+              <a:rPr lang="en-US" sz="2500" dirty="0"/>
+              <a:t>Linked List Implementation</a:t>
+            </a:r>
+          </a:p>
+        </p:txBody>
+      </p:sp>
+      <p:sp>
+        <p:nvSpPr>
+          <p:cNvPr id="5" name="Rectangle 4">
+            <a:extLst>
+              <a:ext uri="{FF2B5EF4-FFF2-40B4-BE49-F238E27FC236}">
+                <a16:creationId xmlns:a16="http://schemas.microsoft.com/office/drawing/2014/main" id="{46AB1E33-7C29-D14F-9496-D7BEBB09E65F}"/>
+              </a:ext>
+            </a:extLst>
+          </p:cNvPr>
+          <p:cNvSpPr/>
           <p:nvPr/>
         </p:nvSpPr>
         <p:spPr>
           <a:xfrm>
-            <a:off x="285750" y="6242050"/>
-            <a:ext cx="6800850" cy="461665"/>
+            <a:off x="304800" y="5276850"/>
+            <a:ext cx="8534400" cy="1295400"/>
           </a:xfrm>
           <a:prstGeom prst="rect">
             <a:avLst/>
           </a:prstGeom>
+          <a:solidFill>
+            <a:schemeClr val="accent3"/>
+          </a:solidFill>
         </p:spPr>
         <p:style>
           <a:lnRef idx="2">
-            <a:schemeClr val="accent4">
+            <a:schemeClr val="accent3">
               <a:shade val="50000"/>
             </a:schemeClr>
           </a:lnRef>
           <a:fillRef idx="1">
-            <a:schemeClr val="accent4"/>
+            <a:schemeClr val="accent3"/>
           </a:fillRef>
           <a:effectRef idx="0">
-            <a:schemeClr val="accent4"/>
+            <a:schemeClr val="accent3"/>
           </a:effectRef>
           <a:fontRef idx="minor">
             <a:schemeClr val="lt1"/>
           </a:fontRef>
         </p:style>
         <p:txBody>
-          <a:bodyPr wrap="square">
-            <a:spAutoFit/>
-          </a:bodyPr>
-          <a:lstStyle/>
-          <a:p>
-            <a:pPr>
-              <a:defRPr/>
+          <a:bodyPr rtlCol="0" anchor="ctr"/>
+          <a:lstStyle/>
+          <a:p>
+            <a:r>
+              <a:rPr lang="en-US" sz="2400" dirty="0">
+                <a:solidFill>
+                  <a:srgbClr val="FFFFFF"/>
+                </a:solidFill>
+              </a:rPr>
+              <a:t>The </a:t>
+            </a:r>
+            <a:r>
+              <a:rPr lang="en-US" sz="2400" i="1" dirty="0">
+                <a:solidFill>
+                  <a:srgbClr val="FFFFFF"/>
+                </a:solidFill>
+              </a:rPr>
+              <a:t>git</a:t>
+            </a:r>
+            <a:r>
+              <a:rPr lang="en-US" sz="2400" dirty="0">
+                <a:solidFill>
+                  <a:srgbClr val="FFFFFF"/>
+                </a:solidFill>
+              </a:rPr>
+              <a:t> projects for today are:</a:t>
+            </a:r>
+          </a:p>
+          <a:p>
+            <a:pPr marL="342900" indent="-342900">
+              <a:buFont typeface="Arial" panose="020B0604020202020204" pitchFamily="34" charset="0"/>
+              <a:buChar char="•"/>
             </a:pPr>
             <a:r>
-              <a:rPr lang="en-US" sz="2400" b="1" dirty="0"/>
-              <a:t>Checkout </a:t>
-            </a:r>
-            <a:r>
-              <a:rPr lang="en-US" sz="2400" b="1" i="1" dirty="0" err="1" smtClean="0"/>
-              <a:t>LinkedListSimple</a:t>
-            </a:r>
-            <a:r>
-              <a:rPr lang="en-US" sz="2400" b="1" i="1" dirty="0" smtClean="0"/>
-              <a:t> </a:t>
-            </a:r>
-            <a:r>
-              <a:rPr lang="en-US" sz="2400" b="1" dirty="0"/>
-              <a:t>project from </a:t>
-            </a:r>
-            <a:r>
-              <a:rPr lang="en-US" sz="2400" b="1" dirty="0" err="1" smtClean="0"/>
-              <a:t>git</a:t>
-            </a:r>
-            <a:endParaRPr lang="en-US" sz="2400" b="1" dirty="0"/>
+              <a:rPr lang="en-US" sz="2400" i="1" dirty="0" err="1"/>
+              <a:t>PracticeLinkedListSimple</a:t>
+            </a:r>
+            <a:endParaRPr lang="en-US" sz="2400" i="1" dirty="0"/>
+          </a:p>
+          <a:p>
+            <a:pPr marL="342900" indent="-342900">
+              <a:buFont typeface="Arial" panose="020B0604020202020204" pitchFamily="34" charset="0"/>
+              <a:buChar char="•"/>
+            </a:pPr>
+            <a:r>
+              <a:rPr lang="en-US" sz="2400" i="1" dirty="0" err="1"/>
+              <a:t>PracticeLinkedListSimpleSolution</a:t>
+            </a:r>
+            <a:endParaRPr lang="en-US" sz="2400" i="1" dirty="0"/>
           </a:p>
         </p:txBody>
       </p:sp>
@@ -5794,13 +5793,6 @@
   <p:clrMapOvr>
     <a:masterClrMapping/>
   </p:clrMapOvr>
-  <p:timing>
-    <p:tnLst>
-      <p:par>
-        <p:cTn id="1" dur="indefinite" restart="never" nodeType="tmRoot"/>
-      </p:par>
-    </p:tnLst>
-  </p:timing>
 </p:sld>
 </file>
 
@@ -5839,11 +5831,11 @@
           <a:lstStyle/>
           <a:p>
             <a:r>
-              <a:rPr lang="en-US" dirty="0" smtClean="0"/>
+              <a:rPr lang="en-US" dirty="0"/>
               <a:t>Solve the Other Problems in </a:t>
             </a:r>
             <a:r>
-              <a:rPr lang="en-US" dirty="0" err="1" smtClean="0"/>
+              <a:rPr lang="en-US" dirty="0" err="1"/>
               <a:t>LinkedListSimple</a:t>
             </a:r>
             <a:endParaRPr lang="en-US" dirty="0"/>
@@ -5866,51 +5858,50 @@
           <a:lstStyle/>
           <a:p>
             <a:r>
-              <a:rPr lang="en-US" dirty="0" smtClean="0"/>
+              <a:rPr lang="en-US" dirty="0"/>
               <a:t>Look at </a:t>
             </a:r>
             <a:r>
-              <a:rPr lang="en-US" dirty="0" err="1" smtClean="0"/>
+              <a:rPr lang="en-US" dirty="0" err="1"/>
               <a:t>toString</a:t>
             </a:r>
             <a:r>
-              <a:rPr lang="en-US" dirty="0" smtClean="0"/>
+              <a:rPr lang="en-US" dirty="0"/>
               <a:t> to get an idea of how to do size, then go from there</a:t>
             </a:r>
           </a:p>
           <a:p>
             <a:r>
-              <a:rPr lang="en-US" dirty="0" smtClean="0"/>
+              <a:rPr lang="en-US" dirty="0"/>
               <a:t>They are in approximate difficulty order</a:t>
             </a:r>
           </a:p>
           <a:p>
             <a:r>
-              <a:rPr lang="en-US" dirty="0" smtClean="0"/>
+              <a:rPr lang="en-US" dirty="0"/>
               <a:t>Get help if you get stuck!</a:t>
             </a:r>
           </a:p>
           <a:p>
             <a:pPr lvl="1"/>
             <a:r>
-              <a:rPr lang="en-US" dirty="0" smtClean="0"/>
+              <a:rPr lang="en-US" dirty="0"/>
               <a:t>size()</a:t>
             </a:r>
           </a:p>
           <a:p>
             <a:pPr lvl="1"/>
             <a:r>
-              <a:rPr lang="en-US" dirty="0" smtClean="0"/>
+              <a:rPr lang="en-US" dirty="0"/>
               <a:t>add…</a:t>
             </a:r>
           </a:p>
           <a:p>
             <a:pPr lvl="1"/>
             <a:r>
-              <a:rPr lang="en-US" dirty="0" smtClean="0"/>
+              <a:rPr lang="en-US" dirty="0"/>
               <a:t>remove…</a:t>
             </a:r>
-            <a:endParaRPr lang="en-US" dirty="0"/>
           </a:p>
         </p:txBody>
       </p:sp>
@@ -5924,13 +5915,6 @@
   <p:clrMapOvr>
     <a:masterClrMapping/>
   </p:clrMapOvr>
-  <p:timing>
-    <p:tnLst>
-      <p:par>
-        <p:cTn id="1" dur="indefinite" restart="never" nodeType="tmRoot"/>
-      </p:par>
-    </p:tnLst>
-  </p:timing>
 </p:sld>
 </file>
 
@@ -5967,10 +5951,9 @@
           <a:lstStyle/>
           <a:p>
             <a:r>
-              <a:rPr lang="en-US" dirty="0" smtClean="0"/>
+              <a:rPr lang="en-US" dirty="0"/>
               <a:t>Shorthand Notation</a:t>
             </a:r>
-            <a:endParaRPr lang="en-US" dirty="0"/>
           </a:p>
         </p:txBody>
       </p:sp>
@@ -6008,13 +5991,6 @@
   <p:clrMapOvr>
     <a:masterClrMapping/>
   </p:clrMapOvr>
-  <p:timing>
-    <p:tnLst>
-      <p:par>
-        <p:cTn id="1" dur="indefinite" restart="never" nodeType="tmRoot"/>
-      </p:par>
-    </p:tnLst>
-  </p:timing>
 </p:sld>
 </file>
 
@@ -6051,62 +6027,61 @@
           <a:lstStyle/>
           <a:p>
             <a:r>
-              <a:rPr lang="en-US" dirty="0" smtClean="0"/>
+              <a:rPr lang="en-US" dirty="0"/>
               <a:t>Homework</a:t>
             </a:r>
+          </a:p>
+        </p:txBody>
+      </p:sp>
+      <p:sp>
+        <p:nvSpPr>
+          <p:cNvPr id="3" name="Content Placeholder 2"/>
+          <p:cNvSpPr>
+            <a:spLocks noGrp="1"/>
+          </p:cNvSpPr>
+          <p:nvPr>
+            <p:ph idx="1"/>
+          </p:nvPr>
+        </p:nvSpPr>
+        <p:spPr/>
+        <p:txBody>
+          <a:bodyPr/>
+          <a:lstStyle/>
+          <a:p>
+            <a:r>
+              <a:rPr lang="en-US" dirty="0" err="1"/>
+              <a:t>SinglyLinkedList</a:t>
+            </a:r>
             <a:endParaRPr lang="en-US" dirty="0"/>
           </a:p>
-        </p:txBody>
-      </p:sp>
-      <p:sp>
-        <p:nvSpPr>
-          <p:cNvPr id="3" name="Content Placeholder 2"/>
-          <p:cNvSpPr>
-            <a:spLocks noGrp="1"/>
-          </p:cNvSpPr>
-          <p:nvPr>
-            <p:ph idx="1"/>
-          </p:nvPr>
-        </p:nvSpPr>
-        <p:spPr/>
-        <p:txBody>
-          <a:bodyPr/>
-          <a:lstStyle/>
-          <a:p>
-            <a:r>
-              <a:rPr lang="en-US" dirty="0" err="1" smtClean="0"/>
+          <a:p>
+            <a:pPr lvl="1"/>
+            <a:r>
+              <a:rPr lang="en-US" dirty="0"/>
+              <a:t>Requires you to implement a </a:t>
+            </a:r>
+            <a:r>
+              <a:rPr lang="en-US" dirty="0" err="1"/>
               <a:t>SinglyLinkedList</a:t>
             </a:r>
-            <a:endParaRPr lang="en-US" dirty="0" smtClean="0"/>
+            <a:endParaRPr lang="en-US" dirty="0"/>
           </a:p>
           <a:p>
             <a:pPr lvl="1"/>
             <a:r>
-              <a:rPr lang="en-US" dirty="0" smtClean="0"/>
-              <a:t>Requires you to implement a </a:t>
-            </a:r>
-            <a:r>
-              <a:rPr lang="en-US" dirty="0" err="1" smtClean="0"/>
+              <a:rPr lang="en-US" dirty="0"/>
+              <a:t>Additional algorithm questions which make use of the </a:t>
+            </a:r>
+            <a:r>
+              <a:rPr lang="en-US" dirty="0" err="1"/>
               <a:t>SinglyLinkedList</a:t>
             </a:r>
-            <a:endParaRPr lang="en-US" dirty="0" smtClean="0"/>
+            <a:endParaRPr lang="en-US" dirty="0"/>
           </a:p>
           <a:p>
             <a:pPr lvl="1"/>
             <a:r>
-              <a:rPr lang="en-US" dirty="0" smtClean="0"/>
-              <a:t>Additional algorithm questions which make use of the </a:t>
-            </a:r>
-            <a:r>
-              <a:rPr lang="en-US" dirty="0" err="1" smtClean="0"/>
-              <a:t>SinglyLinkedList</a:t>
-            </a:r>
-            <a:endParaRPr lang="en-US" dirty="0" smtClean="0"/>
-          </a:p>
-          <a:p>
-            <a:pPr lvl="1"/>
-            <a:r>
-              <a:rPr lang="en-US" dirty="0" smtClean="0"/>
+              <a:rPr lang="en-US" dirty="0"/>
               <a:t>Will give time in next class to work on it</a:t>
             </a:r>
           </a:p>
@@ -6122,13 +6097,6 @@
   <p:clrMapOvr>
     <a:masterClrMapping/>
   </p:clrMapOvr>
-  <p:timing>
-    <p:tnLst>
-      <p:par>
-        <p:cTn id="1" dur="indefinite" restart="never" nodeType="tmRoot"/>
-      </p:par>
-    </p:tnLst>
-  </p:timing>
 </p:sld>
 </file>
 
@@ -6170,11 +6138,11 @@
           <a:lstStyle/>
           <a:p>
             <a:r>
-              <a:rPr lang="en-US" dirty="0" smtClean="0"/>
+              <a:rPr lang="en-US" dirty="0"/>
               <a:t>Team Project Work </a:t>
             </a:r>
             <a:r>
-              <a:rPr lang="en-US" dirty="0" err="1" smtClean="0"/>
+              <a:rPr lang="en-US" dirty="0" err="1"/>
               <a:t>TiMe</a:t>
             </a:r>
             <a:endParaRPr lang="en-US" dirty="0"/>
@@ -6208,7 +6176,7 @@
               <a:buChar char="•"/>
             </a:pPr>
             <a:r>
-              <a:rPr lang="en-US" sz="3200" dirty="0" smtClean="0">
+              <a:rPr lang="en-US" sz="3200" dirty="0">
                 <a:solidFill>
                   <a:schemeClr val="tx1"/>
                 </a:solidFill>
@@ -6222,7 +6190,7 @@
               <a:buChar char="•"/>
             </a:pPr>
             <a:r>
-              <a:rPr lang="en-US" sz="3200" dirty="0" smtClean="0">
+              <a:rPr lang="en-US" sz="3200" dirty="0">
                 <a:solidFill>
                   <a:schemeClr val="tx1"/>
                 </a:solidFill>
@@ -6241,15 +6209,7 @@
                   <a:schemeClr val="tx1"/>
                 </a:solidFill>
               </a:rPr>
-              <a:t>B</a:t>
-            </a:r>
-            <a:r>
-              <a:rPr lang="en-US" sz="3200" dirty="0" smtClean="0">
-                <a:solidFill>
-                  <a:schemeClr val="tx1"/>
-                </a:solidFill>
-              </a:rPr>
-              <a:t>e prepared to ask question of the grader </a:t>
+              <a:t>Be prepared to ask question of the grader </a:t>
             </a:r>
           </a:p>
           <a:p>
@@ -6258,18 +6218,13 @@
               <a:buChar char="•"/>
             </a:pPr>
             <a:r>
-              <a:rPr lang="en-US" sz="3200" dirty="0" smtClean="0">
+              <a:rPr lang="en-US" sz="3200" dirty="0">
                 <a:solidFill>
                   <a:schemeClr val="tx1"/>
                 </a:solidFill>
               </a:rPr>
               <a:t>You will have ~5 minutes, so use it well</a:t>
             </a:r>
-            <a:endParaRPr lang="en-US" sz="3200" dirty="0">
-              <a:solidFill>
-                <a:schemeClr val="tx1"/>
-              </a:solidFill>
-            </a:endParaRPr>
           </a:p>
         </p:txBody>
       </p:sp>
@@ -6283,21 +6238,6 @@
   <p:clrMapOvr>
     <a:masterClrMapping/>
   </p:clrMapOvr>
-  <mc:AlternateContent xmlns:mc="http://schemas.openxmlformats.org/markup-compatibility/2006">
-    <mc:Choice xmlns:p14="http://schemas.microsoft.com/office/powerpoint/2010/main" Requires="p14">
-      <p:transition spd="slow" p14:dur="2000"/>
-    </mc:Choice>
-    <mc:Fallback>
-      <p:transition spd="slow"/>
-    </mc:Fallback>
-  </mc:AlternateContent>
-  <p:timing>
-    <p:tnLst>
-      <p:par>
-        <p:cTn id="1" dur="indefinite" restart="never" nodeType="tmRoot"/>
-      </p:par>
-    </p:tnLst>
-  </p:timing>
 </p:sld>
 </file>
 
@@ -6339,10 +6279,9 @@
           <a:lstStyle/>
           <a:p>
             <a:r>
-              <a:rPr lang="en-US" dirty="0" smtClean="0"/>
+              <a:rPr lang="en-US" dirty="0"/>
               <a:t>Project advice</a:t>
             </a:r>
-            <a:endParaRPr lang="en-US" dirty="0"/>
           </a:p>
         </p:txBody>
       </p:sp>
@@ -6373,7 +6312,7 @@
               <a:buChar char="•"/>
             </a:pPr>
             <a:r>
-              <a:rPr lang="en-US" sz="2800" dirty="0" smtClean="0"/>
+              <a:rPr lang="en-US" sz="2800" dirty="0"/>
               <a:t>When done with MIlestone1 (or beyond)</a:t>
             </a:r>
           </a:p>
@@ -6383,7 +6322,7 @@
               <a:buChar char="•"/>
             </a:pPr>
             <a:r>
-              <a:rPr lang="en-US" sz="2800" b="1" dirty="0" smtClean="0"/>
+              <a:rPr lang="en-US" sz="2800" b="1" dirty="0"/>
               <a:t>Add “final Milestone1 Commit”</a:t>
             </a:r>
           </a:p>
@@ -6393,7 +6332,7 @@
               <a:buChar char="•"/>
             </a:pPr>
             <a:r>
-              <a:rPr lang="en-US" sz="2800" dirty="0" smtClean="0"/>
+              <a:rPr lang="en-US" sz="2800" dirty="0"/>
               <a:t>To your commit message so graders will know to check out that version</a:t>
             </a:r>
           </a:p>
@@ -6403,7 +6342,7 @@
               <a:buChar char="•"/>
             </a:pPr>
             <a:r>
-              <a:rPr lang="en-US" sz="2800" dirty="0" smtClean="0"/>
+              <a:rPr lang="en-US" sz="2800" dirty="0"/>
               <a:t>Build an end-to-end solution</a:t>
             </a:r>
           </a:p>
@@ -6413,7 +6352,7 @@
               <a:buChar char="•"/>
             </a:pPr>
             <a:r>
-              <a:rPr lang="en-US" sz="2800" dirty="0" smtClean="0"/>
+              <a:rPr lang="en-US" sz="2800" dirty="0"/>
               <a:t>Build the next thing you can TEST</a:t>
             </a:r>
           </a:p>
@@ -6423,7 +6362,7 @@
               <a:buChar char="•"/>
             </a:pPr>
             <a:r>
-              <a:rPr lang="en-US" sz="2800" dirty="0" smtClean="0"/>
+              <a:rPr lang="en-US" sz="2800" dirty="0"/>
               <a:t>Don’t focus on cool graphics and other extra items early in the project, focus on basic functionality</a:t>
             </a:r>
           </a:p>
@@ -6433,10 +6372,9 @@
               <a:buChar char="•"/>
             </a:pPr>
             <a:r>
-              <a:rPr lang="en-US" sz="2800" dirty="0" smtClean="0"/>
+              <a:rPr lang="en-US" sz="2800" dirty="0"/>
               <a:t>Complete the milestone and keep moving forward!</a:t>
             </a:r>
-            <a:endParaRPr lang="en-US" sz="2800" dirty="0"/>
           </a:p>
         </p:txBody>
       </p:sp>
@@ -6450,13 +6388,6 @@
   <p:clrMapOvr>
     <a:masterClrMapping/>
   </p:clrMapOvr>
-  <p:timing>
-    <p:tnLst>
-      <p:par>
-        <p:cTn id="1" dur="indefinite" restart="never" nodeType="tmRoot"/>
-      </p:par>
-    </p:tnLst>
-  </p:timing>
 </p:sld>
 </file>
 
@@ -6498,10 +6429,9 @@
           <a:lstStyle/>
           <a:p>
             <a:r>
-              <a:rPr lang="en-US" dirty="0" smtClean="0"/>
+              <a:rPr lang="en-US" dirty="0"/>
               <a:t>FINAL SLIDE FOR TODAY</a:t>
             </a:r>
-            <a:endParaRPr lang="en-US" dirty="0"/>
           </a:p>
         </p:txBody>
       </p:sp>
@@ -6515,13 +6445,6 @@
   <p:clrMapOvr>
     <a:masterClrMapping/>
   </p:clrMapOvr>
-  <p:timing>
-    <p:tnLst>
-      <p:par>
-        <p:cTn id="1" dur="indefinite" restart="never" nodeType="tmRoot"/>
-      </p:par>
-    </p:tnLst>
-  </p:timing>
 </p:sld>
 </file>
 
@@ -6563,14 +6486,9 @@
           <a:lstStyle/>
           <a:p>
             <a:r>
-              <a:rPr lang="en-US" dirty="0" smtClean="0"/>
-              <a:t>FRIDAYs </a:t>
-            </a:r>
-            <a:r>
-              <a:rPr lang="en-US" dirty="0" smtClean="0"/>
-              <a:t>material</a:t>
-            </a:r>
-            <a:endParaRPr lang="en-US" dirty="0"/>
+              <a:rPr lang="en-US" dirty="0"/>
+              <a:t>FRIDAYs material</a:t>
+            </a:r>
           </a:p>
         </p:txBody>
       </p:sp>
@@ -6584,13 +6502,6 @@
   <p:clrMapOvr>
     <a:masterClrMapping/>
   </p:clrMapOvr>
-  <p:timing>
-    <p:tnLst>
-      <p:par>
-        <p:cTn id="1" dur="indefinite" restart="never" nodeType="tmRoot"/>
-      </p:par>
-    </p:tnLst>
-  </p:timing>
 </p:sld>
 </file>
 
@@ -6635,21 +6546,20 @@
               <a:defRPr/>
             </a:pPr>
             <a:r>
-              <a:rPr lang="en-US" dirty="0" smtClean="0"/>
+              <a:rPr lang="en-US" dirty="0"/>
               <a:t>Data Structures +</a:t>
             </a:r>
             <a:br>
-              <a:rPr lang="en-US" dirty="0" smtClean="0"/>
+              <a:rPr lang="en-US" dirty="0"/>
             </a:br>
             <a:r>
-              <a:rPr lang="en-US" dirty="0" err="1" smtClean="0"/>
+              <a:rPr lang="en-US" dirty="0" err="1"/>
               <a:t>BiG</a:t>
             </a:r>
             <a:r>
-              <a:rPr lang="en-US" dirty="0" smtClean="0"/>
+              <a:rPr lang="en-US" dirty="0"/>
               <a:t>-O Notation</a:t>
             </a:r>
-            <a:endParaRPr lang="en-US" dirty="0"/>
           </a:p>
         </p:txBody>
       </p:sp>
@@ -6669,7 +6579,7 @@
           <a:lstStyle/>
           <a:p>
             <a:r>
-              <a:rPr lang="en-US" dirty="0" smtClean="0"/>
+              <a:rPr lang="en-US" dirty="0"/>
               <a:t>Understanding the engineering trade-offs when storing data</a:t>
             </a:r>
           </a:p>
@@ -6720,10 +6630,9 @@
               <a:defRPr/>
             </a:pPr>
             <a:r>
-              <a:rPr lang="en-US" dirty="0" smtClean="0"/>
+              <a:rPr lang="en-US" dirty="0"/>
               <a:t>CSSE 220</a:t>
             </a:r>
-            <a:endParaRPr lang="en-US" dirty="0"/>
           </a:p>
         </p:txBody>
       </p:sp>
@@ -6772,11 +6681,11 @@
               <a:t>Checkout </a:t>
             </a:r>
             <a:r>
-              <a:rPr lang="en-US" sz="2400" b="1" i="1" dirty="0" err="1" smtClean="0"/>
+              <a:rPr lang="en-US" sz="2400" b="1" i="1" dirty="0" err="1"/>
               <a:t>LinkedListSimple</a:t>
             </a:r>
             <a:r>
-              <a:rPr lang="en-US" sz="2400" b="1" i="1" dirty="0" smtClean="0"/>
+              <a:rPr lang="en-US" sz="2400" b="1" i="1" dirty="0"/>
               <a:t> </a:t>
             </a:r>
             <a:r>
@@ -6784,7 +6693,7 @@
               <a:t>project from </a:t>
             </a:r>
             <a:r>
-              <a:rPr lang="en-US" sz="2400" b="1" dirty="0" err="1" smtClean="0"/>
+              <a:rPr lang="en-US" sz="2400" b="1" dirty="0" err="1"/>
               <a:t>git</a:t>
             </a:r>
             <a:endParaRPr lang="en-US" sz="2400" b="1" dirty="0"/>
@@ -6836,23 +6745,19 @@
               <a:t>Checkout </a:t>
             </a:r>
             <a:r>
-              <a:rPr lang="en-US" sz="2400" b="1" i="1" dirty="0" err="1" smtClean="0"/>
+              <a:rPr lang="en-US" sz="2400" b="1" i="1" dirty="0" err="1"/>
               <a:t>SinglyLinkedList</a:t>
             </a:r>
             <a:r>
-              <a:rPr lang="en-US" sz="2400" b="1" i="1" dirty="0" smtClean="0"/>
+              <a:rPr lang="en-US" sz="2400" b="1" i="1" dirty="0"/>
               <a:t> </a:t>
             </a:r>
             <a:r>
-              <a:rPr lang="en-US" sz="2400" b="1" dirty="0" smtClean="0"/>
-              <a:t>homework </a:t>
-            </a:r>
-            <a:r>
               <a:rPr lang="en-US" sz="2400" b="1" dirty="0"/>
-              <a:t>from </a:t>
-            </a:r>
-            <a:r>
-              <a:rPr lang="en-US" sz="2400" b="1" dirty="0" err="1" smtClean="0"/>
+              <a:t>homework from </a:t>
+            </a:r>
+            <a:r>
+              <a:rPr lang="en-US" sz="2400" b="1" dirty="0" err="1"/>
               <a:t>git</a:t>
             </a:r>
             <a:endParaRPr lang="en-US" sz="2400" b="1" dirty="0"/>
@@ -6864,13 +6769,6 @@
   <p:clrMapOvr>
     <a:masterClrMapping/>
   </p:clrMapOvr>
-  <p:timing>
-    <p:tnLst>
-      <p:par>
-        <p:cTn id="1" dur="indefinite" restart="never" nodeType="tmRoot"/>
-      </p:par>
-    </p:tnLst>
-  </p:timing>
 </p:sld>
 </file>
 
@@ -6910,10 +6808,9 @@
               <a:defRPr/>
             </a:pPr>
             <a:r>
-              <a:rPr lang="en-US" dirty="0" smtClean="0"/>
+              <a:rPr lang="en-US" dirty="0"/>
               <a:t>Data Structures</a:t>
             </a:r>
-            <a:endParaRPr lang="en-US" dirty="0"/>
           </a:p>
         </p:txBody>
       </p:sp>
@@ -6935,65 +6832,65 @@
           <a:lstStyle/>
           <a:p>
             <a:r>
-              <a:rPr lang="en-US" dirty="0" smtClean="0"/>
+              <a:rPr lang="en-US" dirty="0"/>
               <a:t>Efficient ways to store data </a:t>
             </a:r>
             <a:r>
-              <a:rPr lang="en-US" b="1" dirty="0" smtClean="0"/>
+              <a:rPr lang="en-US" b="1" dirty="0"/>
               <a:t>based on how we’ll use it</a:t>
             </a:r>
           </a:p>
           <a:p>
-            <a:endParaRPr lang="en-US" dirty="0" smtClean="0"/>
-          </a:p>
-          <a:p>
-            <a:r>
-              <a:rPr lang="en-US" dirty="0" smtClean="0"/>
+            <a:endParaRPr lang="en-US" dirty="0"/>
+          </a:p>
+          <a:p>
+            <a:r>
+              <a:rPr lang="en-US" dirty="0"/>
               <a:t>The main theme for the rest of the course</a:t>
             </a:r>
           </a:p>
           <a:p>
-            <a:endParaRPr lang="en-US" dirty="0" smtClean="0"/>
-          </a:p>
-          <a:p>
-            <a:r>
-              <a:rPr lang="en-US" dirty="0" smtClean="0"/>
+            <a:endParaRPr lang="en-US" dirty="0"/>
+          </a:p>
+          <a:p>
+            <a:r>
+              <a:rPr lang="en-US" dirty="0"/>
               <a:t>So far we’ve seen </a:t>
             </a:r>
             <a:r>
-              <a:rPr lang="en-US" dirty="0" err="1" smtClean="0">
+              <a:rPr lang="en-US" dirty="0" err="1">
                 <a:latin typeface="Lucida Sans Typewriter" charset="0"/>
               </a:rPr>
               <a:t>ArrayList</a:t>
             </a:r>
             <a:r>
-              <a:rPr lang="en-US" dirty="0" err="1" smtClean="0"/>
+              <a:rPr lang="en-US" dirty="0" err="1"/>
               <a:t>s</a:t>
             </a:r>
-            <a:endParaRPr lang="en-US" dirty="0" smtClean="0"/>
+            <a:endParaRPr lang="en-US" dirty="0"/>
           </a:p>
           <a:p>
             <a:pPr lvl="1"/>
             <a:r>
-              <a:rPr lang="en-US" dirty="0" smtClean="0"/>
+              <a:rPr lang="en-US" dirty="0"/>
               <a:t>Fast addition </a:t>
             </a:r>
             <a:r>
-              <a:rPr lang="en-US" b="1" dirty="0" smtClean="0"/>
+              <a:rPr lang="en-US" b="1" dirty="0"/>
               <a:t>to end of list</a:t>
             </a:r>
           </a:p>
           <a:p>
             <a:pPr lvl="1"/>
             <a:r>
-              <a:rPr lang="en-US" dirty="0" smtClean="0"/>
+              <a:rPr lang="en-US" dirty="0"/>
               <a:t>Fast access to any existing position</a:t>
             </a:r>
           </a:p>
           <a:p>
             <a:pPr lvl="1"/>
             <a:r>
-              <a:rPr lang="en-US" dirty="0" smtClean="0"/>
+              <a:rPr lang="en-US" dirty="0"/>
               <a:t>Slow inserts to and deletes from middle of list</a:t>
             </a:r>
           </a:p>
@@ -7004,13 +6901,6 @@
   <p:clrMapOvr>
     <a:masterClrMapping/>
   </p:clrMapOvr>
-  <p:timing>
-    <p:tnLst>
-      <p:par>
-        <p:cTn id="1" dur="indefinite" restart="never" nodeType="tmRoot"/>
-      </p:par>
-    </p:tnLst>
-  </p:timing>
 </p:sld>
 </file>
 
@@ -7047,10 +6937,9 @@
           <a:lstStyle/>
           <a:p>
             <a:r>
-              <a:rPr lang="en-US" dirty="0" smtClean="0"/>
+              <a:rPr lang="en-US" dirty="0"/>
               <a:t>Big-O Notation</a:t>
             </a:r>
-            <a:endParaRPr lang="en-US" dirty="0"/>
           </a:p>
         </p:txBody>
       </p:sp>
@@ -7070,48 +6959,48 @@
           <a:lstStyle/>
           <a:p>
             <a:r>
-              <a:rPr lang="en-US" dirty="0" smtClean="0"/>
+              <a:rPr lang="en-US" dirty="0"/>
               <a:t>Describes the limiting behavior </a:t>
             </a:r>
           </a:p>
           <a:p>
             <a:pPr lvl="1"/>
             <a:r>
-              <a:rPr lang="en-US" dirty="0" smtClean="0"/>
+              <a:rPr lang="en-US" dirty="0"/>
               <a:t>How slow it can possibly run?</a:t>
             </a:r>
           </a:p>
           <a:p>
             <a:pPr lvl="1"/>
             <a:r>
-              <a:rPr lang="en-US" dirty="0" smtClean="0"/>
+              <a:rPr lang="en-US" dirty="0"/>
               <a:t>Describes the </a:t>
             </a:r>
             <a:r>
-              <a:rPr lang="en-US" u="sng" dirty="0" smtClean="0"/>
+              <a:rPr lang="en-US" u="sng" dirty="0"/>
               <a:t>worst case</a:t>
             </a:r>
           </a:p>
           <a:p>
             <a:r>
-              <a:rPr lang="en-US" dirty="0" smtClean="0"/>
+              <a:rPr lang="en-US" dirty="0"/>
               <a:t>Used for Classifying Algorithm Efficiency</a:t>
             </a:r>
           </a:p>
           <a:p>
             <a:r>
-              <a:rPr lang="en-US" dirty="0" smtClean="0"/>
+              <a:rPr lang="en-US" dirty="0"/>
               <a:t>“O” for “Order”</a:t>
             </a:r>
           </a:p>
           <a:p>
             <a:pPr lvl="1"/>
             <a:r>
-              <a:rPr lang="en-US" dirty="0" smtClean="0"/>
+              <a:rPr lang="en-US" dirty="0"/>
               <a:t>O(n) </a:t>
             </a:r>
             <a:r>
-              <a:rPr lang="en-US" dirty="0" smtClean="0">
+              <a:rPr lang="en-US" dirty="0">
                 <a:sym typeface="Wingdings" panose="05000000000000000000" pitchFamily="2" charset="2"/>
               </a:rPr>
               <a:t> said as “Order n”</a:t>
@@ -7120,7 +7009,7 @@
           <a:p>
             <a:pPr lvl="1"/>
             <a:r>
-              <a:rPr lang="en-US" dirty="0" smtClean="0">
+              <a:rPr lang="en-US" dirty="0">
                 <a:sym typeface="Wingdings" panose="05000000000000000000" pitchFamily="2" charset="2"/>
               </a:rPr>
               <a:t>O(n^2)  said as “Order n-squared”</a:t>
@@ -7138,13 +7027,6 @@
   <p:clrMapOvr>
     <a:masterClrMapping/>
   </p:clrMapOvr>
-  <p:timing>
-    <p:tnLst>
-      <p:par>
-        <p:cTn id="1" dur="indefinite" restart="never" nodeType="tmRoot"/>
-      </p:par>
-    </p:tnLst>
-  </p:timing>
 </p:sld>
 </file>
 
@@ -7181,10 +7063,9 @@
           <a:lstStyle/>
           <a:p>
             <a:r>
-              <a:rPr lang="en-US" dirty="0" smtClean="0"/>
+              <a:rPr lang="en-US" dirty="0"/>
               <a:t>Quiz</a:t>
             </a:r>
-            <a:endParaRPr lang="en-US" dirty="0"/>
           </a:p>
         </p:txBody>
       </p:sp>
@@ -7206,29 +7087,29 @@
           <a:lstStyle/>
           <a:p>
             <a:r>
-              <a:rPr lang="en-US" dirty="0" smtClean="0"/>
+              <a:rPr lang="en-US" dirty="0"/>
               <a:t>Get into pairs</a:t>
             </a:r>
           </a:p>
           <a:p>
             <a:r>
-              <a:rPr lang="en-US" dirty="0" smtClean="0"/>
+              <a:rPr lang="en-US" dirty="0"/>
               <a:t>Look at/run the code in LinkedList.java main</a:t>
             </a:r>
           </a:p>
           <a:p>
             <a:r>
-              <a:rPr lang="en-US" dirty="0" smtClean="0"/>
+              <a:rPr lang="en-US" dirty="0"/>
               <a:t>Draw a box-and-pointer diagram of what’s happening in the main code.</a:t>
             </a:r>
           </a:p>
           <a:p>
             <a:r>
-              <a:rPr lang="en-US" dirty="0" smtClean="0"/>
+              <a:rPr lang="en-US" dirty="0"/>
               <a:t>To figure it out, you’ll have to look at the </a:t>
             </a:r>
             <a:r>
-              <a:rPr lang="en-US" dirty="0" err="1" smtClean="0">
+              <a:rPr lang="en-US" dirty="0" err="1">
                 <a:solidFill>
                   <a:schemeClr val="accent6"/>
                 </a:solidFill>
@@ -7236,7 +7117,7 @@
               <a:t>LinkedList</a:t>
             </a:r>
             <a:r>
-              <a:rPr lang="en-US" dirty="0" smtClean="0">
+              <a:rPr lang="en-US" dirty="0">
                 <a:solidFill>
                   <a:schemeClr val="accent6"/>
                 </a:solidFill>
@@ -7244,11 +7125,11 @@
               <a:t> constructor</a:t>
             </a:r>
             <a:r>
-              <a:rPr lang="en-US" dirty="0" smtClean="0"/>
+              <a:rPr lang="en-US" dirty="0"/>
               <a:t> and </a:t>
             </a:r>
             <a:r>
-              <a:rPr lang="en-US" dirty="0" err="1" smtClean="0">
+              <a:rPr lang="en-US" dirty="0" err="1">
                 <a:solidFill>
                   <a:schemeClr val="accent6"/>
                 </a:solidFill>
@@ -7256,16 +7137,15 @@
               <a:t>addAtBeginning</a:t>
             </a:r>
             <a:r>
-              <a:rPr lang="en-US" dirty="0" smtClean="0"/>
+              <a:rPr lang="en-US" dirty="0"/>
               <a:t>.</a:t>
             </a:r>
           </a:p>
           <a:p>
             <a:r>
-              <a:rPr lang="en-US" dirty="0" smtClean="0"/>
+              <a:rPr lang="en-US" dirty="0"/>
               <a:t>If you’ve forgotten how to do box-and-pointer diagrams, checkout the handout on Day 5 of the schedule</a:t>
             </a:r>
-            <a:endParaRPr lang="en-US" dirty="0"/>
           </a:p>
         </p:txBody>
       </p:sp>
@@ -7314,7 +7194,7 @@
               <a:defRPr/>
             </a:pPr>
             <a:r>
-              <a:rPr lang="en-US" sz="1800" dirty="0" smtClean="0">
+              <a:rPr lang="en-US" sz="1800" dirty="0">
                 <a:solidFill>
                   <a:schemeClr val="bg1"/>
                 </a:solidFill>
@@ -7323,13 +7203,6 @@
               </a:rPr>
               <a:t>Q1</a:t>
             </a:r>
-            <a:endParaRPr lang="en-US" sz="1800" dirty="0">
-              <a:solidFill>
-                <a:schemeClr val="bg1"/>
-              </a:solidFill>
-              <a:cs typeface="Arial" pitchFamily="34" charset="0"/>
-              <a:sym typeface="Arial" pitchFamily="34" charset="0"/>
-            </a:endParaRPr>
           </a:p>
         </p:txBody>
       </p:sp>
@@ -7343,13 +7216,6 @@
   <p:clrMapOvr>
     <a:masterClrMapping/>
   </p:clrMapOvr>
-  <p:timing>
-    <p:tnLst>
-      <p:par>
-        <p:cTn id="1" dur="indefinite" restart="never" nodeType="tmRoot"/>
-      </p:par>
-    </p:tnLst>
-  </p:timing>
 </p:sld>
 </file>
 
@@ -7386,103 +7252,102 @@
           <a:lstStyle/>
           <a:p>
             <a:r>
-              <a:rPr lang="en-US" dirty="0" smtClean="0"/>
+              <a:rPr lang="en-US" dirty="0"/>
               <a:t>Big-O Notation (continued)</a:t>
             </a:r>
+          </a:p>
+        </p:txBody>
+      </p:sp>
+      <p:sp>
+        <p:nvSpPr>
+          <p:cNvPr id="3" name="Content Placeholder 2"/>
+          <p:cNvSpPr>
+            <a:spLocks noGrp="1"/>
+          </p:cNvSpPr>
+          <p:nvPr>
+            <p:ph idx="1"/>
+          </p:nvPr>
+        </p:nvSpPr>
+        <p:spPr/>
+        <p:txBody>
+          <a:bodyPr/>
+          <a:lstStyle/>
+          <a:p>
+            <a:r>
+              <a:rPr lang="en-US" dirty="0"/>
+              <a:t>Don’t Care About Constants</a:t>
+            </a:r>
+          </a:p>
+          <a:p>
+            <a:pPr lvl="1"/>
+            <a:r>
+              <a:rPr lang="en-US" dirty="0"/>
+              <a:t>O(2n + 7) </a:t>
+            </a:r>
+            <a:r>
+              <a:rPr lang="en-US" dirty="0">
+                <a:sym typeface="Wingdings" panose="05000000000000000000" pitchFamily="2" charset="2"/>
+              </a:rPr>
+              <a:t> O(n)</a:t>
+            </a:r>
+          </a:p>
+          <a:p>
+            <a:r>
+              <a:rPr lang="en-US" dirty="0">
+                <a:sym typeface="Wingdings" panose="05000000000000000000" pitchFamily="2" charset="2"/>
+              </a:rPr>
+              <a:t>Don’t Care About Smaller Powers</a:t>
+            </a:r>
+          </a:p>
+          <a:p>
+            <a:pPr lvl="1"/>
+            <a:r>
+              <a:rPr lang="en-US" dirty="0">
+                <a:sym typeface="Wingdings" panose="05000000000000000000" pitchFamily="2" charset="2"/>
+              </a:rPr>
+              <a:t>O(6n^2 + 7n) O(n^2)</a:t>
+            </a:r>
+          </a:p>
+          <a:p>
+            <a:pPr lvl="1"/>
+            <a:r>
+              <a:rPr lang="en-US" dirty="0">
+                <a:sym typeface="Wingdings" panose="05000000000000000000" pitchFamily="2" charset="2"/>
+              </a:rPr>
+              <a:t>Algorithm grows asymptotically no faster than n^2</a:t>
+            </a:r>
+          </a:p>
+          <a:p>
+            <a:r>
+              <a:rPr lang="en-US" dirty="0"/>
+              <a:t>If constant value, we say O(1) </a:t>
+            </a:r>
+            <a:r>
+              <a:rPr lang="en-US" dirty="0">
+                <a:sym typeface="Wingdings" panose="05000000000000000000" pitchFamily="2" charset="2"/>
+              </a:rPr>
+              <a:t> </a:t>
+            </a:r>
+            <a:r>
+              <a:rPr lang="en-US" dirty="0"/>
+              <a:t>“Order 1”</a:t>
+            </a:r>
+          </a:p>
+          <a:p>
+            <a:pPr lvl="1"/>
+            <a:r>
+              <a:rPr lang="en-US" dirty="0"/>
+              <a:t>O(48) </a:t>
+            </a:r>
+            <a:r>
+              <a:rPr lang="en-US" dirty="0">
+                <a:sym typeface="Wingdings" panose="05000000000000000000" pitchFamily="2" charset="2"/>
+              </a:rPr>
+              <a:t> O(1)</a:t>
+            </a:r>
+          </a:p>
+          <a:p>
             <a:endParaRPr lang="en-US" dirty="0"/>
-          </a:p>
-        </p:txBody>
-      </p:sp>
-      <p:sp>
-        <p:nvSpPr>
-          <p:cNvPr id="3" name="Content Placeholder 2"/>
-          <p:cNvSpPr>
-            <a:spLocks noGrp="1"/>
-          </p:cNvSpPr>
-          <p:nvPr>
-            <p:ph idx="1"/>
-          </p:nvPr>
-        </p:nvSpPr>
-        <p:spPr/>
-        <p:txBody>
-          <a:bodyPr/>
-          <a:lstStyle/>
-          <a:p>
-            <a:r>
-              <a:rPr lang="en-US" dirty="0" smtClean="0"/>
-              <a:t>Don’t Care About Constants</a:t>
-            </a:r>
-          </a:p>
-          <a:p>
-            <a:pPr lvl="1"/>
-            <a:r>
-              <a:rPr lang="en-US" dirty="0" smtClean="0"/>
-              <a:t>O(2n + 7) </a:t>
-            </a:r>
-            <a:r>
-              <a:rPr lang="en-US" dirty="0" smtClean="0">
-                <a:sym typeface="Wingdings" panose="05000000000000000000" pitchFamily="2" charset="2"/>
-              </a:rPr>
-              <a:t> O(n)</a:t>
-            </a:r>
-          </a:p>
-          <a:p>
-            <a:r>
-              <a:rPr lang="en-US" dirty="0" smtClean="0">
-                <a:sym typeface="Wingdings" panose="05000000000000000000" pitchFamily="2" charset="2"/>
-              </a:rPr>
-              <a:t>Don’t Care About Smaller Powers</a:t>
-            </a:r>
-          </a:p>
-          <a:p>
-            <a:pPr lvl="1"/>
-            <a:r>
-              <a:rPr lang="en-US" dirty="0" smtClean="0">
-                <a:sym typeface="Wingdings" panose="05000000000000000000" pitchFamily="2" charset="2"/>
-              </a:rPr>
-              <a:t>O(6n^2 + 7n) O(n^2)</a:t>
-            </a:r>
-          </a:p>
-          <a:p>
-            <a:pPr lvl="1"/>
-            <a:r>
-              <a:rPr lang="en-US" dirty="0" smtClean="0">
-                <a:sym typeface="Wingdings" panose="05000000000000000000" pitchFamily="2" charset="2"/>
-              </a:rPr>
-              <a:t>Algorithm grows asymptotically no faster than n^2</a:t>
-            </a:r>
-          </a:p>
-          <a:p>
-            <a:r>
-              <a:rPr lang="en-US" dirty="0" smtClean="0"/>
-              <a:t>If constant value, we say O(1) </a:t>
-            </a:r>
-            <a:r>
-              <a:rPr lang="en-US" dirty="0" smtClean="0">
-                <a:sym typeface="Wingdings" panose="05000000000000000000" pitchFamily="2" charset="2"/>
-              </a:rPr>
-              <a:t> </a:t>
-            </a:r>
-            <a:r>
-              <a:rPr lang="en-US" dirty="0" smtClean="0"/>
-              <a:t>“Order 1”</a:t>
-            </a:r>
-          </a:p>
-          <a:p>
-            <a:pPr lvl="1"/>
-            <a:r>
-              <a:rPr lang="en-US" dirty="0" smtClean="0"/>
-              <a:t>O(48) </a:t>
-            </a:r>
-            <a:r>
-              <a:rPr lang="en-US" dirty="0" smtClean="0">
-                <a:sym typeface="Wingdings" panose="05000000000000000000" pitchFamily="2" charset="2"/>
-              </a:rPr>
-              <a:t> O(1)</a:t>
-            </a:r>
-          </a:p>
-          <a:p>
-            <a:endParaRPr lang="en-US" dirty="0" smtClean="0"/>
           </a:p>
         </p:txBody>
       </p:sp>
@@ -7531,7 +7396,7 @@
               <a:defRPr/>
             </a:pPr>
             <a:r>
-              <a:rPr lang="en-US" sz="1800" dirty="0" smtClean="0">
+              <a:rPr lang="en-US" sz="1800" dirty="0">
                 <a:solidFill>
                   <a:schemeClr val="bg1"/>
                 </a:solidFill>
@@ -7540,13 +7405,6 @@
               </a:rPr>
               <a:t>Q2</a:t>
             </a:r>
-            <a:endParaRPr lang="en-US" sz="1800" dirty="0">
-              <a:solidFill>
-                <a:schemeClr val="bg1"/>
-              </a:solidFill>
-              <a:cs typeface="Arial" pitchFamily="34" charset="0"/>
-              <a:sym typeface="Arial" pitchFamily="34" charset="0"/>
-            </a:endParaRPr>
           </a:p>
         </p:txBody>
       </p:sp>
@@ -7560,13 +7418,6 @@
   <p:clrMapOvr>
     <a:masterClrMapping/>
   </p:clrMapOvr>
-  <p:timing>
-    <p:tnLst>
-      <p:par>
-        <p:cTn id="1" dur="indefinite" restart="never" nodeType="tmRoot"/>
-      </p:par>
-    </p:tnLst>
-  </p:timing>
 </p:sld>
 </file>
 
@@ -7603,14 +7454,13 @@
           <a:lstStyle/>
           <a:p>
             <a:r>
-              <a:rPr lang="en-US" dirty="0" err="1" smtClean="0"/>
+              <a:rPr lang="en-US" dirty="0" err="1"/>
               <a:t>ArrayList</a:t>
             </a:r>
             <a:r>
-              <a:rPr lang="en-US" dirty="0" smtClean="0"/>
+              <a:rPr lang="en-US" dirty="0"/>
               <a:t> Performance (Revisited)</a:t>
             </a:r>
-            <a:endParaRPr lang="en-US" dirty="0"/>
           </a:p>
         </p:txBody>
       </p:sp>
@@ -7637,34 +7487,30 @@
           <a:lstStyle/>
           <a:p>
             <a:r>
-              <a:rPr lang="en-US" dirty="0" smtClean="0"/>
+              <a:rPr lang="en-US" dirty="0"/>
               <a:t>Fast addition to </a:t>
             </a:r>
             <a:r>
-              <a:rPr lang="en-US" b="1" dirty="0" smtClean="0"/>
+              <a:rPr lang="en-US" b="1" dirty="0"/>
               <a:t>end of list</a:t>
             </a:r>
             <a:r>
-              <a:rPr lang="en-US" dirty="0" smtClean="0"/>
+              <a:rPr lang="en-US" dirty="0"/>
               <a:t>:</a:t>
             </a:r>
           </a:p>
           <a:p>
             <a:pPr lvl="1"/>
             <a:r>
-              <a:rPr lang="en-US" dirty="0" smtClean="0"/>
+              <a:rPr lang="en-US" dirty="0"/>
               <a:t>Fast access to any existing position – O(1) (like array) </a:t>
             </a:r>
           </a:p>
           <a:p>
             <a:pPr lvl="1"/>
             <a:r>
-              <a:rPr lang="en-US" dirty="0" smtClean="0"/>
-              <a:t>Keep </a:t>
-            </a:r>
-            <a:r>
               <a:rPr lang="en-US" dirty="0"/>
-              <a:t>extra </a:t>
+              <a:t>Keep extra </a:t>
             </a:r>
             <a:r>
               <a:rPr lang="en-US" i="1" dirty="0"/>
@@ -7674,46 +7520,45 @@
               <a:rPr lang="en-US" dirty="0"/>
               <a:t>for list growth </a:t>
             </a:r>
-            <a:endParaRPr lang="en-US" dirty="0" smtClean="0"/>
           </a:p>
           <a:p>
             <a:pPr lvl="2"/>
             <a:r>
-              <a:rPr lang="en-US" dirty="0" smtClean="0"/>
+              <a:rPr lang="en-US" dirty="0"/>
               <a:t>Fast access includes items in capacity not yet filled – O(1)</a:t>
             </a:r>
           </a:p>
           <a:p>
             <a:pPr lvl="1"/>
             <a:r>
-              <a:rPr lang="en-US" dirty="0" smtClean="0"/>
+              <a:rPr lang="en-US" dirty="0"/>
               <a:t>Capacity management is best left for CSSE230</a:t>
             </a:r>
           </a:p>
           <a:p>
             <a:r>
-              <a:rPr lang="en-US" dirty="0" smtClean="0"/>
+              <a:rPr lang="en-US" dirty="0"/>
               <a:t>Slow inserts to and deletes from middle of list</a:t>
             </a:r>
           </a:p>
           <a:p>
             <a:pPr lvl="1"/>
             <a:r>
-              <a:rPr lang="en-US" dirty="0" smtClean="0"/>
+              <a:rPr lang="en-US" dirty="0"/>
               <a:t>Can get to insert/delete location quickly</a:t>
             </a:r>
           </a:p>
           <a:p>
             <a:pPr lvl="1"/>
             <a:r>
-              <a:rPr lang="en-US" dirty="0" smtClean="0"/>
+              <a:rPr lang="en-US" dirty="0"/>
               <a:t>For insert, shift all items right to accommodate -O(n)</a:t>
             </a:r>
           </a:p>
           <a:p>
             <a:pPr lvl="1"/>
             <a:r>
-              <a:rPr lang="en-US" dirty="0" smtClean="0"/>
+              <a:rPr lang="en-US" dirty="0"/>
               <a:t>For delete, shift all items left to fill gap – O(n)</a:t>
             </a:r>
           </a:p>
@@ -7768,7 +7613,7 @@
               <a:defRPr/>
             </a:pPr>
             <a:r>
-              <a:rPr lang="en-US" sz="1800" dirty="0" smtClean="0">
+              <a:rPr lang="en-US" sz="1800" dirty="0">
                 <a:solidFill>
                   <a:schemeClr val="bg1"/>
                 </a:solidFill>
@@ -7777,13 +7622,6 @@
               </a:rPr>
               <a:t>Q3</a:t>
             </a:r>
-            <a:endParaRPr lang="en-US" sz="1800" dirty="0">
-              <a:solidFill>
-                <a:schemeClr val="bg1"/>
-              </a:solidFill>
-              <a:cs typeface="Arial" pitchFamily="34" charset="0"/>
-              <a:sym typeface="Arial" pitchFamily="34" charset="0"/>
-            </a:endParaRPr>
           </a:p>
         </p:txBody>
       </p:sp>
@@ -7797,13 +7635,6 @@
   <p:clrMapOvr>
     <a:masterClrMapping/>
   </p:clrMapOvr>
-  <p:timing>
-    <p:tnLst>
-      <p:par>
-        <p:cTn id="1" dur="indefinite" restart="never" nodeType="tmRoot"/>
-      </p:par>
-    </p:tnLst>
-  </p:timing>
 </p:sld>
 </file>
 
@@ -7843,80 +7674,79 @@
               <a:defRPr/>
             </a:pPr>
             <a:r>
-              <a:rPr lang="en-US" dirty="0" smtClean="0"/>
+              <a:rPr lang="en-US" dirty="0"/>
               <a:t>Another List Data Structure</a:t>
             </a:r>
+          </a:p>
+        </p:txBody>
+      </p:sp>
+      <p:sp>
+        <p:nvSpPr>
+          <p:cNvPr id="34818" name="Content Placeholder 1"/>
+          <p:cNvSpPr>
+            <a:spLocks noGrp="1"/>
+          </p:cNvSpPr>
+          <p:nvPr>
+            <p:ph idx="1"/>
+          </p:nvPr>
+        </p:nvSpPr>
+        <p:spPr/>
+        <p:txBody>
+          <a:bodyPr/>
+          <a:lstStyle/>
+          <a:p>
+            <a:r>
+              <a:rPr lang="en-US" dirty="0"/>
+              <a:t>What if we have to add/remove data from a list frequently?</a:t>
+            </a:r>
+          </a:p>
+          <a:p>
+            <a:r>
+              <a:rPr lang="en-US" dirty="0" err="1">
+                <a:latin typeface="Lucida Sans Typewriter" charset="0"/>
+              </a:rPr>
+              <a:t>LinkedLists</a:t>
+            </a:r>
+            <a:r>
+              <a:rPr lang="en-US" dirty="0"/>
+              <a:t> support this:</a:t>
+            </a:r>
+          </a:p>
+          <a:p>
+            <a:pPr lvl="1"/>
+            <a:r>
+              <a:rPr lang="en-US" dirty="0"/>
+              <a:t>Fast insertion and removal of elements </a:t>
+            </a:r>
+          </a:p>
+          <a:p>
+            <a:pPr lvl="2"/>
+            <a:r>
+              <a:rPr lang="en-US" dirty="0"/>
+              <a:t>Once we know where they go</a:t>
+            </a:r>
+          </a:p>
+          <a:p>
+            <a:pPr lvl="1"/>
+            <a:r>
+              <a:rPr lang="en-US" dirty="0"/>
+              <a:t>Slow access to arbitrary elements</a:t>
+            </a:r>
+          </a:p>
+          <a:p>
+            <a:pPr lvl="1"/>
             <a:endParaRPr lang="en-US" dirty="0"/>
           </a:p>
-        </p:txBody>
-      </p:sp>
-      <p:sp>
-        <p:nvSpPr>
-          <p:cNvPr id="34818" name="Content Placeholder 1"/>
-          <p:cNvSpPr>
-            <a:spLocks noGrp="1"/>
-          </p:cNvSpPr>
-          <p:nvPr>
-            <p:ph idx="1"/>
-          </p:nvPr>
-        </p:nvSpPr>
-        <p:spPr/>
-        <p:txBody>
-          <a:bodyPr/>
-          <a:lstStyle/>
-          <a:p>
-            <a:r>
-              <a:rPr lang="en-US" dirty="0" smtClean="0"/>
-              <a:t>What if we have to add/remove data from a list frequently?</a:t>
-            </a:r>
-          </a:p>
-          <a:p>
-            <a:r>
-              <a:rPr lang="en-US" dirty="0" err="1" smtClean="0">
-                <a:latin typeface="Lucida Sans Typewriter" charset="0"/>
-              </a:rPr>
-              <a:t>LinkedLists</a:t>
-            </a:r>
-            <a:r>
-              <a:rPr lang="en-US" dirty="0" smtClean="0"/>
-              <a:t> support this:</a:t>
-            </a:r>
-          </a:p>
           <a:p>
             <a:pPr lvl="1"/>
-            <a:r>
-              <a:rPr lang="en-US" dirty="0" smtClean="0"/>
-              <a:t>Fast insertion and removal of elements </a:t>
-            </a:r>
-          </a:p>
-          <a:p>
-            <a:pPr lvl="2"/>
-            <a:r>
-              <a:rPr lang="en-US" dirty="0" smtClean="0"/>
-              <a:t>Once we know where they go</a:t>
-            </a:r>
-          </a:p>
-          <a:p>
-            <a:pPr lvl="1"/>
-            <a:r>
-              <a:rPr lang="en-US" dirty="0" smtClean="0"/>
-              <a:t>Slow access to arbitrary elements</a:t>
-            </a:r>
-          </a:p>
-          <a:p>
-            <a:pPr lvl="1"/>
-            <a:endParaRPr lang="en-US" dirty="0" smtClean="0"/>
-          </a:p>
-          <a:p>
-            <a:pPr lvl="1"/>
-            <a:endParaRPr lang="en-US" dirty="0" smtClean="0"/>
+            <a:endParaRPr lang="en-US" dirty="0"/>
           </a:p>
           <a:p>
             <a:pPr lvl="1">
               <a:buFont typeface="Verdana" charset="0"/>
               <a:buNone/>
             </a:pPr>
-            <a:endParaRPr lang="en-US" dirty="0" smtClean="0"/>
+            <a:endParaRPr lang="en-US" dirty="0"/>
           </a:p>
         </p:txBody>
       </p:sp>
@@ -7973,18 +7803,13 @@
             <a:p>
               <a:pPr algn="ctr"/>
               <a:r>
-                <a:rPr lang="en-US" dirty="0" smtClean="0">
+                <a:rPr lang="en-US" dirty="0">
                   <a:solidFill>
                     <a:srgbClr val="0070C0"/>
                   </a:solidFill>
                 </a:rPr>
                 <a:t>data</a:t>
               </a:r>
-              <a:endParaRPr lang="en-US" dirty="0">
-                <a:solidFill>
-                  <a:srgbClr val="0070C0"/>
-                </a:solidFill>
-              </a:endParaRPr>
             </a:p>
           </p:txBody>
         </p:sp>
@@ -8027,18 +7852,13 @@
             <a:p>
               <a:pPr algn="ctr"/>
               <a:r>
-                <a:rPr lang="en-US" dirty="0" smtClean="0">
+                <a:rPr lang="en-US" dirty="0">
                   <a:solidFill>
                     <a:srgbClr val="0070C0"/>
                   </a:solidFill>
                 </a:rPr>
                 <a:t>data</a:t>
               </a:r>
-              <a:endParaRPr lang="en-US" dirty="0">
-                <a:solidFill>
-                  <a:srgbClr val="0070C0"/>
-                </a:solidFill>
-              </a:endParaRPr>
             </a:p>
           </p:txBody>
         </p:sp>
@@ -8173,18 +7993,13 @@
             <a:p>
               <a:pPr algn="ctr"/>
               <a:r>
-                <a:rPr lang="en-US" dirty="0" smtClean="0">
+                <a:rPr lang="en-US" dirty="0">
                   <a:solidFill>
                     <a:srgbClr val="0070C0"/>
                   </a:solidFill>
                 </a:rPr>
                 <a:t>data</a:t>
               </a:r>
-              <a:endParaRPr lang="en-US" dirty="0">
-                <a:solidFill>
-                  <a:srgbClr val="0070C0"/>
-                </a:solidFill>
-              </a:endParaRPr>
             </a:p>
           </p:txBody>
         </p:sp>
@@ -8273,18 +8088,13 @@
             <a:p>
               <a:pPr algn="ctr"/>
               <a:r>
-                <a:rPr lang="en-US" dirty="0" smtClean="0">
+                <a:rPr lang="en-US" dirty="0">
                   <a:solidFill>
                     <a:srgbClr val="0070C0"/>
                   </a:solidFill>
                 </a:rPr>
                 <a:t>data</a:t>
               </a:r>
-              <a:endParaRPr lang="en-US" dirty="0">
-                <a:solidFill>
-                  <a:srgbClr val="0070C0"/>
-                </a:solidFill>
-              </a:endParaRPr>
             </a:p>
           </p:txBody>
         </p:sp>
@@ -8373,18 +8183,13 @@
             <a:p>
               <a:pPr algn="ctr"/>
               <a:r>
-                <a:rPr lang="en-US" dirty="0" smtClean="0">
+                <a:rPr lang="en-US" dirty="0">
                   <a:solidFill>
                     <a:srgbClr val="0070C0"/>
                   </a:solidFill>
                 </a:rPr>
                 <a:t>data</a:t>
               </a:r>
-              <a:endParaRPr lang="en-US" dirty="0">
-                <a:solidFill>
-                  <a:srgbClr val="0070C0"/>
-                </a:solidFill>
-              </a:endParaRPr>
             </a:p>
           </p:txBody>
         </p:sp>
@@ -8427,7 +8232,7 @@
             <a:p>
               <a:pPr algn="ctr"/>
               <a:r>
-                <a:rPr lang="en-US" sz="1600" dirty="0" smtClean="0">
+                <a:rPr lang="en-US" sz="1600" dirty="0">
                   <a:solidFill>
                     <a:srgbClr val="FF0000"/>
                   </a:solidFill>
@@ -8630,10 +8435,9 @@
           <a:lstStyle/>
           <a:p>
             <a:r>
-              <a:rPr lang="en-US" dirty="0" smtClean="0"/>
+              <a:rPr lang="en-US" dirty="0"/>
               <a:t>Insertion, per Wikipedia</a:t>
             </a:r>
-            <a:endParaRPr lang="en-US" dirty="0"/>
           </a:p>
         </p:txBody>
       </p:sp>
@@ -8682,7 +8486,7 @@
               <a:defRPr/>
             </a:pPr>
             <a:r>
-              <a:rPr lang="en-US" sz="1800" dirty="0" smtClean="0">
+              <a:rPr lang="en-US" sz="1800" dirty="0">
                 <a:solidFill>
                   <a:schemeClr val="bg1"/>
                 </a:solidFill>
@@ -8691,13 +8495,6 @@
               </a:rPr>
               <a:t>Q4-5</a:t>
             </a:r>
-            <a:endParaRPr lang="en-US" sz="1800" dirty="0">
-              <a:solidFill>
-                <a:schemeClr val="bg1"/>
-              </a:solidFill>
-              <a:cs typeface="Arial" pitchFamily="34" charset="0"/>
-              <a:sym typeface="Arial" pitchFamily="34" charset="0"/>
-            </a:endParaRPr>
           </a:p>
         </p:txBody>
       </p:sp>
@@ -8820,22 +8617,21 @@
               <a:defRPr/>
             </a:pPr>
             <a:r>
-              <a:rPr lang="en-US" dirty="0" err="1" smtClean="0">
+              <a:rPr lang="en-US" dirty="0" err="1">
                 <a:latin typeface="Lucida Sans Typewriter" pitchFamily="49" charset="0"/>
               </a:rPr>
               <a:t>LinkedList</a:t>
             </a:r>
             <a:r>
-              <a:rPr lang="en-US" dirty="0" smtClean="0">
+              <a:rPr lang="en-US" dirty="0">
                 <a:latin typeface="Lucida Sans Typewriter" pitchFamily="49" charset="0"/>
               </a:rPr>
               <a:t>&lt;E&gt;</a:t>
             </a:r>
             <a:r>
-              <a:rPr lang="en-US" dirty="0" smtClean="0"/>
+              <a:rPr lang="en-US" dirty="0"/>
               <a:t> Methods</a:t>
             </a:r>
-            <a:endParaRPr lang="en-US" dirty="0"/>
           </a:p>
         </p:txBody>
       </p:sp>
@@ -8860,19 +8656,19 @@
               <a:defRPr/>
             </a:pPr>
             <a:r>
-              <a:rPr lang="en-US" b="1" dirty="0" smtClean="0">
+              <a:rPr lang="en-US" b="1" dirty="0">
                 <a:latin typeface="Lucida Sans Typewriter" pitchFamily="49" charset="0"/>
               </a:rPr>
               <a:t>void </a:t>
             </a:r>
             <a:r>
-              <a:rPr lang="en-US" b="1" dirty="0" err="1" smtClean="0">
+              <a:rPr lang="en-US" b="1" dirty="0" err="1">
                 <a:latin typeface="Lucida Sans Typewriter" pitchFamily="49" charset="0"/>
               </a:rPr>
               <a:t>addFirst</a:t>
             </a:r>
             <a:r>
-              <a:rPr lang="en-US" b="1" dirty="0" smtClean="0">
+              <a:rPr lang="en-US" b="1" dirty="0">
                 <a:latin typeface="Lucida Sans Typewriter" pitchFamily="49" charset="0"/>
               </a:rPr>
               <a:t>(E element)</a:t>
@@ -8883,19 +8679,19 @@
               <a:defRPr/>
             </a:pPr>
             <a:r>
-              <a:rPr lang="en-US" b="1" dirty="0" smtClean="0">
+              <a:rPr lang="en-US" b="1" dirty="0">
                 <a:latin typeface="Lucida Sans Typewriter" pitchFamily="49" charset="0"/>
               </a:rPr>
               <a:t>void </a:t>
             </a:r>
             <a:r>
-              <a:rPr lang="en-US" b="1" dirty="0" err="1" smtClean="0">
+              <a:rPr lang="en-US" b="1" dirty="0" err="1">
                 <a:latin typeface="Lucida Sans Typewriter" pitchFamily="49" charset="0"/>
               </a:rPr>
               <a:t>addLast</a:t>
             </a:r>
             <a:r>
-              <a:rPr lang="en-US" b="1" dirty="0" smtClean="0">
+              <a:rPr lang="en-US" b="1" dirty="0">
                 <a:latin typeface="Lucida Sans Typewriter" pitchFamily="49" charset="0"/>
               </a:rPr>
               <a:t>(E element)</a:t>
@@ -8906,19 +8702,19 @@
               <a:defRPr/>
             </a:pPr>
             <a:r>
-              <a:rPr lang="en-US" b="1" dirty="0" smtClean="0">
+              <a:rPr lang="en-US" b="1" dirty="0">
                 <a:latin typeface="Lucida Sans Typewriter" pitchFamily="49" charset="0"/>
               </a:rPr>
               <a:t>E </a:t>
             </a:r>
             <a:r>
-              <a:rPr lang="en-US" b="1" dirty="0" err="1" smtClean="0">
+              <a:rPr lang="en-US" b="1" dirty="0" err="1">
                 <a:latin typeface="Lucida Sans Typewriter" pitchFamily="49" charset="0"/>
               </a:rPr>
               <a:t>getFirst</a:t>
             </a:r>
             <a:r>
-              <a:rPr lang="en-US" b="1" dirty="0" smtClean="0">
+              <a:rPr lang="en-US" b="1" dirty="0">
                 <a:latin typeface="Lucida Sans Typewriter" pitchFamily="49" charset="0"/>
               </a:rPr>
               <a:t>()</a:t>
@@ -8929,19 +8725,19 @@
               <a:defRPr/>
             </a:pPr>
             <a:r>
-              <a:rPr lang="en-US" b="1" dirty="0" smtClean="0">
+              <a:rPr lang="en-US" b="1" dirty="0">
                 <a:latin typeface="Lucida Sans Typewriter" pitchFamily="49" charset="0"/>
               </a:rPr>
               <a:t>E </a:t>
             </a:r>
             <a:r>
-              <a:rPr lang="en-US" b="1" dirty="0" err="1" smtClean="0">
+              <a:rPr lang="en-US" b="1" dirty="0" err="1">
                 <a:latin typeface="Lucida Sans Typewriter" pitchFamily="49" charset="0"/>
               </a:rPr>
               <a:t>getLast</a:t>
             </a:r>
             <a:r>
-              <a:rPr lang="en-US" b="1" dirty="0" smtClean="0">
+              <a:rPr lang="en-US" b="1" dirty="0">
                 <a:latin typeface="Lucida Sans Typewriter" pitchFamily="49" charset="0"/>
               </a:rPr>
               <a:t>()</a:t>
@@ -8952,19 +8748,19 @@
               <a:defRPr/>
             </a:pPr>
             <a:r>
-              <a:rPr lang="en-US" b="1" dirty="0" smtClean="0">
+              <a:rPr lang="en-US" b="1" dirty="0">
                 <a:latin typeface="Lucida Sans Typewriter" pitchFamily="49" charset="0"/>
               </a:rPr>
               <a:t>E </a:t>
             </a:r>
             <a:r>
-              <a:rPr lang="en-US" b="1" dirty="0" err="1" smtClean="0">
+              <a:rPr lang="en-US" b="1" dirty="0" err="1">
                 <a:latin typeface="Lucida Sans Typewriter" pitchFamily="49" charset="0"/>
               </a:rPr>
               <a:t>removeFirst</a:t>
             </a:r>
             <a:r>
-              <a:rPr lang="en-US" b="1" dirty="0" smtClean="0">
+              <a:rPr lang="en-US" b="1" dirty="0">
                 <a:latin typeface="Lucida Sans Typewriter" pitchFamily="49" charset="0"/>
               </a:rPr>
               <a:t>()</a:t>
@@ -8975,19 +8771,19 @@
               <a:defRPr/>
             </a:pPr>
             <a:r>
-              <a:rPr lang="en-US" b="1" dirty="0" smtClean="0">
+              <a:rPr lang="en-US" b="1" dirty="0">
                 <a:latin typeface="Lucida Sans Typewriter" pitchFamily="49" charset="0"/>
               </a:rPr>
               <a:t>E </a:t>
             </a:r>
             <a:r>
-              <a:rPr lang="en-US" b="1" dirty="0" err="1" smtClean="0">
+              <a:rPr lang="en-US" b="1" dirty="0" err="1">
                 <a:latin typeface="Lucida Sans Typewriter" pitchFamily="49" charset="0"/>
               </a:rPr>
               <a:t>removeLast</a:t>
             </a:r>
             <a:r>
-              <a:rPr lang="en-US" b="1" dirty="0" smtClean="0">
+              <a:rPr lang="en-US" b="1" dirty="0">
                 <a:latin typeface="Lucida Sans Typewriter" pitchFamily="49" charset="0"/>
               </a:rPr>
               <a:t>()</a:t>
@@ -9000,13 +8796,6 @@
   <p:clrMapOvr>
     <a:masterClrMapping/>
   </p:clrMapOvr>
-  <p:timing>
-    <p:tnLst>
-      <p:par>
-        <p:cTn id="1" dur="indefinite" restart="never" nodeType="tmRoot"/>
-      </p:par>
-    </p:tnLst>
-  </p:timing>
 </p:sld>
 </file>
 
@@ -9043,10 +8832,9 @@
           <a:lstStyle/>
           <a:p>
             <a:r>
-              <a:rPr lang="en-US" dirty="0" smtClean="0"/>
+              <a:rPr lang="en-US" dirty="0"/>
               <a:t>Complete Quiz</a:t>
             </a:r>
-            <a:endParaRPr lang="en-US" dirty="0"/>
           </a:p>
         </p:txBody>
       </p:sp>
@@ -9066,10 +8854,9 @@
           <a:lstStyle/>
           <a:p>
             <a:r>
-              <a:rPr lang="en-US" dirty="0" smtClean="0"/>
+              <a:rPr lang="en-US" dirty="0"/>
               <a:t>Turn in quiz today</a:t>
             </a:r>
-            <a:endParaRPr lang="en-US" dirty="0"/>
           </a:p>
         </p:txBody>
       </p:sp>
@@ -9083,13 +8870,6 @@
   <p:clrMapOvr>
     <a:masterClrMapping/>
   </p:clrMapOvr>
-  <p:timing>
-    <p:tnLst>
-      <p:par>
-        <p:cTn id="1" dur="indefinite" restart="never" nodeType="tmRoot"/>
-      </p:par>
-    </p:tnLst>
-  </p:timing>
 </p:sld>
 </file>
 
@@ -9126,72 +8906,70 @@
           <a:lstStyle/>
           <a:p>
             <a:r>
-              <a:rPr lang="en-US" dirty="0" smtClean="0"/>
+              <a:rPr lang="en-US" dirty="0"/>
               <a:t>Homework</a:t>
             </a:r>
+          </a:p>
+        </p:txBody>
+      </p:sp>
+      <p:sp>
+        <p:nvSpPr>
+          <p:cNvPr id="3" name="Content Placeholder 2"/>
+          <p:cNvSpPr>
+            <a:spLocks noGrp="1"/>
+          </p:cNvSpPr>
+          <p:nvPr>
+            <p:ph idx="1"/>
+          </p:nvPr>
+        </p:nvSpPr>
+        <p:spPr/>
+        <p:txBody>
+          <a:bodyPr/>
+          <a:lstStyle/>
+          <a:p>
+            <a:r>
+              <a:rPr lang="en-US" dirty="0" err="1"/>
+              <a:t>SinglyLinkedList</a:t>
+            </a:r>
             <a:endParaRPr lang="en-US" dirty="0"/>
           </a:p>
-        </p:txBody>
-      </p:sp>
-      <p:sp>
-        <p:nvSpPr>
-          <p:cNvPr id="3" name="Content Placeholder 2"/>
-          <p:cNvSpPr>
-            <a:spLocks noGrp="1"/>
-          </p:cNvSpPr>
-          <p:nvPr>
-            <p:ph idx="1"/>
-          </p:nvPr>
-        </p:nvSpPr>
-        <p:spPr/>
-        <p:txBody>
-          <a:bodyPr/>
-          <a:lstStyle/>
-          <a:p>
-            <a:r>
-              <a:rPr lang="en-US" dirty="0" err="1" smtClean="0"/>
+          <a:p>
+            <a:pPr lvl="1"/>
+            <a:r>
+              <a:rPr lang="en-US" dirty="0"/>
+              <a:t>Requires you to implement a </a:t>
+            </a:r>
+            <a:r>
+              <a:rPr lang="en-US" dirty="0" err="1"/>
               <a:t>SinglyLinkedList</a:t>
             </a:r>
-            <a:endParaRPr lang="en-US" dirty="0" smtClean="0"/>
+            <a:endParaRPr lang="en-US" dirty="0"/>
           </a:p>
           <a:p>
             <a:pPr lvl="1"/>
             <a:r>
-              <a:rPr lang="en-US" dirty="0" smtClean="0"/>
-              <a:t>Requires you to implement a </a:t>
-            </a:r>
-            <a:r>
-              <a:rPr lang="en-US" dirty="0" err="1" smtClean="0"/>
+              <a:rPr lang="en-US" dirty="0"/>
+              <a:t>Additional algorithm questions which make use of the </a:t>
+            </a:r>
+            <a:r>
+              <a:rPr lang="en-US" dirty="0" err="1"/>
               <a:t>SinglyLinkedList</a:t>
             </a:r>
-            <a:endParaRPr lang="en-US" dirty="0" smtClean="0"/>
+            <a:endParaRPr lang="en-US" dirty="0"/>
           </a:p>
           <a:p>
             <a:pPr lvl="1"/>
             <a:r>
-              <a:rPr lang="en-US" dirty="0" smtClean="0"/>
-              <a:t>Additional algorithm questions which make use of the </a:t>
-            </a:r>
-            <a:r>
-              <a:rPr lang="en-US" dirty="0" err="1" smtClean="0"/>
-              <a:t>SinglyLinkedList</a:t>
-            </a:r>
-            <a:endParaRPr lang="en-US" dirty="0" smtClean="0"/>
+              <a:rPr lang="en-US" dirty="0"/>
+              <a:t>Will give you remaining class time to work on it</a:t>
+            </a:r>
           </a:p>
           <a:p>
             <a:pPr lvl="1"/>
             <a:r>
-              <a:rPr lang="en-US" dirty="0" smtClean="0"/>
-              <a:t>Will give you remaining class time to work on it</a:t>
-            </a:r>
-          </a:p>
-          <a:p>
-            <a:pPr lvl="1"/>
-            <a:r>
-              <a:rPr lang="en-US" dirty="0" smtClean="0"/>
+              <a:rPr lang="en-US" dirty="0"/>
               <a:t>If you complete it, work on the project!</a:t>
             </a:r>
-            <a:endParaRPr lang="en-US" dirty="0"/>
           </a:p>
         </p:txBody>
       </p:sp>
@@ -9205,13 +8983,6 @@
   <p:clrMapOvr>
     <a:masterClrMapping/>
   </p:clrMapOvr>
-  <p:timing>
-    <p:tnLst>
-      <p:par>
-        <p:cTn id="1" dur="indefinite" restart="never" nodeType="tmRoot"/>
-      </p:par>
-    </p:tnLst>
-  </p:timing>
 </p:sld>
 </file>
 
@@ -9255,7 +9026,7 @@
           <a:lstStyle/>
           <a:p>
             <a:r>
-              <a:rPr lang="en-US" sz="2800" dirty="0" smtClean="0"/>
+              <a:rPr lang="en-US" sz="2800" dirty="0"/>
               <a:t>Optional Homework: Genetic Algorithm</a:t>
             </a:r>
           </a:p>
@@ -9269,28 +9040,16 @@
             <a:endParaRPr lang="en-US" sz="2800" dirty="0"/>
           </a:p>
           <a:p>
-            <a:endParaRPr lang="en-US" sz="2800" dirty="0" smtClean="0"/>
-          </a:p>
-          <a:p>
-            <a:r>
-              <a:rPr lang="en-US" sz="2800" dirty="0" smtClean="0">
-                <a:hlinkClick r:id="rId4"/>
-              </a:rPr>
-              <a:t>https</a:t>
-            </a:r>
+            <a:endParaRPr lang="en-US" sz="2800" dirty="0"/>
+          </a:p>
+          <a:p>
             <a:r>
               <a:rPr lang="en-US" sz="2800" dirty="0">
                 <a:hlinkClick r:id="rId4"/>
               </a:rPr>
-              <a:t>://rednuht.org/genetic_cars_2</a:t>
-            </a:r>
-            <a:r>
-              <a:rPr lang="en-US" sz="2800" dirty="0" smtClean="0">
-                <a:hlinkClick r:id="rId4"/>
-              </a:rPr>
-              <a:t>/</a:t>
-            </a:r>
-            <a:endParaRPr lang="en-US" sz="2800" dirty="0" smtClean="0"/>
+              <a:t>https://rednuht.org/genetic_cars_2/</a:t>
+            </a:r>
+            <a:endParaRPr lang="en-US" sz="2800" dirty="0"/>
           </a:p>
           <a:p>
             <a:endParaRPr lang="en-US" sz="2800" dirty="0"/>
@@ -9300,43 +9059,36 @@
               <a:rPr lang="en-US" sz="2800" dirty="0">
                 <a:hlinkClick r:id="rId5"/>
               </a:rPr>
-              <a:t>https://</a:t>
-            </a:r>
-            <a:r>
-              <a:rPr lang="en-US" sz="2800" dirty="0" smtClean="0">
-                <a:hlinkClick r:id="rId5"/>
-              </a:rPr>
-              <a:t>www.tutorialspoint.com/genetic_algorithms/genetic_algorithms_introduction.htm</a:t>
-            </a:r>
-            <a:endParaRPr lang="en-US" sz="2800" dirty="0" smtClean="0"/>
-          </a:p>
-          <a:p>
+              <a:t>https://www.tutorialspoint.com/genetic_algorithms/genetic_algorithms_introduction.htm</a:t>
+            </a:r>
             <a:endParaRPr lang="en-US" sz="2800" dirty="0"/>
           </a:p>
           <a:p>
-            <a:r>
-              <a:rPr lang="en-US" sz="2800" dirty="0" smtClean="0"/>
+            <a:endParaRPr lang="en-US" sz="2800" dirty="0"/>
+          </a:p>
+          <a:p>
+            <a:r>
+              <a:rPr lang="en-US" sz="2800" dirty="0"/>
               <a:t>Can replace a homework assignment grade</a:t>
             </a:r>
           </a:p>
           <a:p>
             <a:r>
-              <a:rPr lang="en-US" sz="2800" dirty="0" smtClean="0"/>
+              <a:rPr lang="en-US" sz="2800" dirty="0"/>
               <a:t>A more open-ended assignment</a:t>
             </a:r>
           </a:p>
           <a:p>
             <a:r>
-              <a:rPr lang="en-US" sz="2800" dirty="0" smtClean="0"/>
+              <a:rPr lang="en-US" sz="2800" dirty="0"/>
               <a:t>Room to explore ideas</a:t>
             </a:r>
           </a:p>
           <a:p>
             <a:r>
-              <a:rPr lang="en-US" sz="2800" dirty="0" smtClean="0"/>
+              <a:rPr lang="en-US" sz="2800" dirty="0"/>
               <a:t>Grade based on completion, design and creativity</a:t>
             </a:r>
-            <a:endParaRPr lang="en-US" sz="2800" dirty="0"/>
           </a:p>
           <a:p>
             <a:endParaRPr lang="en-US" sz="2800" dirty="0"/>
@@ -9353,21 +9105,6 @@
   <p:clrMapOvr>
     <a:masterClrMapping/>
   </p:clrMapOvr>
-  <mc:AlternateContent xmlns:mc="http://schemas.openxmlformats.org/markup-compatibility/2006">
-    <mc:Choice xmlns:p14="http://schemas.microsoft.com/office/powerpoint/2010/main" Requires="p14">
-      <p:transition spd="slow" p14:dur="2000"/>
-    </mc:Choice>
-    <mc:Fallback>
-      <p:transition spd="slow"/>
-    </mc:Fallback>
-  </mc:AlternateContent>
-  <p:timing>
-    <p:tnLst>
-      <p:par>
-        <p:cTn id="1" dur="indefinite" restart="never" nodeType="tmRoot"/>
-      </p:par>
-    </p:tnLst>
-  </p:timing>
 </p:sld>
 </file>
 
@@ -9422,13 +9159,6 @@
   <p:clrMapOvr>
     <a:masterClrMapping/>
   </p:clrMapOvr>
-  <p:timing>
-    <p:tnLst>
-      <p:par>
-        <p:cTn id="1" dur="indefinite" restart="never" nodeType="tmRoot"/>
-      </p:par>
-    </p:tnLst>
-  </p:timing>
 </p:sld>
 </file>
 
@@ -9467,11 +9197,11 @@
           <a:lstStyle/>
           <a:p>
             <a:r>
-              <a:rPr lang="en-US" dirty="0" smtClean="0"/>
+              <a:rPr lang="en-US" dirty="0"/>
               <a:t>Solve the Other Problems in </a:t>
             </a:r>
             <a:r>
-              <a:rPr lang="en-US" dirty="0" err="1" smtClean="0"/>
+              <a:rPr lang="en-US" dirty="0" err="1"/>
               <a:t>LinkedListSimple</a:t>
             </a:r>
             <a:endParaRPr lang="en-US" dirty="0"/>
@@ -9494,39 +9224,38 @@
           <a:lstStyle/>
           <a:p>
             <a:r>
-              <a:rPr lang="en-US" dirty="0" smtClean="0"/>
+              <a:rPr lang="en-US" dirty="0"/>
               <a:t>Look at </a:t>
             </a:r>
             <a:r>
-              <a:rPr lang="en-US" dirty="0" err="1" smtClean="0"/>
+              <a:rPr lang="en-US" dirty="0" err="1"/>
               <a:t>toString</a:t>
             </a:r>
             <a:r>
-              <a:rPr lang="en-US" dirty="0" smtClean="0"/>
+              <a:rPr lang="en-US" dirty="0"/>
               <a:t> to get an idea of how to do size, then go from there</a:t>
             </a:r>
           </a:p>
           <a:p>
             <a:r>
-              <a:rPr lang="en-US" dirty="0" smtClean="0"/>
+              <a:rPr lang="en-US" dirty="0"/>
               <a:t>They are in approximate difficulty order</a:t>
             </a:r>
           </a:p>
           <a:p>
             <a:r>
-              <a:rPr lang="en-US" dirty="0" smtClean="0"/>
+              <a:rPr lang="en-US" dirty="0"/>
               <a:t>Get help if you get stuck!</a:t>
             </a:r>
           </a:p>
           <a:p>
-            <a:endParaRPr lang="en-US" dirty="0" smtClean="0"/>
-          </a:p>
-          <a:p>
-            <a:r>
-              <a:rPr lang="en-US" dirty="0" smtClean="0"/>
+            <a:endParaRPr lang="en-US" dirty="0"/>
+          </a:p>
+          <a:p>
+            <a:r>
+              <a:rPr lang="en-US" dirty="0"/>
               <a:t>Hold on to your quiz today, we will finish it next class period.</a:t>
             </a:r>
-            <a:endParaRPr lang="en-US" dirty="0"/>
           </a:p>
         </p:txBody>
       </p:sp>
@@ -9540,13 +9269,6 @@
   <p:clrMapOvr>
     <a:masterClrMapping/>
   </p:clrMapOvr>
-  <p:timing>
-    <p:tnLst>
-      <p:par>
-        <p:cTn id="1" dur="indefinite" restart="never" nodeType="tmRoot"/>
-      </p:par>
-    </p:tnLst>
-  </p:timing>
 </p:sld>
 </file>
 
@@ -9583,10 +9305,9 @@
           <a:lstStyle/>
           <a:p>
             <a:r>
-              <a:rPr lang="en-US" dirty="0" smtClean="0"/>
+              <a:rPr lang="en-US" dirty="0"/>
               <a:t>Shorthand Notation</a:t>
             </a:r>
-            <a:endParaRPr lang="en-US" dirty="0"/>
           </a:p>
         </p:txBody>
       </p:sp>
@@ -9613,24 +9334,23 @@
           <a:lstStyle/>
           <a:p>
             <a:r>
-              <a:rPr lang="en-US" dirty="0" smtClean="0"/>
+              <a:rPr lang="en-US" dirty="0"/>
               <a:t>Using pictures will be extremely helpful</a:t>
             </a:r>
           </a:p>
           <a:p>
             <a:r>
-              <a:rPr lang="en-US" dirty="0" smtClean="0"/>
+              <a:rPr lang="en-US" dirty="0"/>
               <a:t>Can use </a:t>
             </a:r>
             <a:r>
-              <a:rPr lang="en-US" dirty="0" err="1" smtClean="0"/>
+              <a:rPr lang="en-US" dirty="0" err="1"/>
               <a:t>System.out.println</a:t>
             </a:r>
             <a:r>
-              <a:rPr lang="en-US" dirty="0" smtClean="0"/>
+              <a:rPr lang="en-US" dirty="0"/>
               <a:t>( this ) to see what the current list looks like (does it match diagram?)</a:t>
             </a:r>
-            <a:endParaRPr lang="en-US" dirty="0"/>
           </a:p>
         </p:txBody>
       </p:sp>
@@ -9668,13 +9388,6 @@
   <p:clrMapOvr>
     <a:masterClrMapping/>
   </p:clrMapOvr>
-  <p:timing>
-    <p:tnLst>
-      <p:par>
-        <p:cTn id="1" dur="indefinite" restart="never" nodeType="tmRoot"/>
-      </p:par>
-    </p:tnLst>
-  </p:timing>
 </p:sld>
 </file>
 
@@ -9711,11 +9424,11 @@
           <a:lstStyle/>
           <a:p>
             <a:r>
-              <a:rPr lang="en-US" dirty="0" smtClean="0"/>
+              <a:rPr lang="en-US" dirty="0"/>
               <a:t>Loops in Arrays vs. </a:t>
             </a:r>
             <a:r>
-              <a:rPr lang="en-US" dirty="0" err="1" smtClean="0"/>
+              <a:rPr lang="en-US" dirty="0" err="1"/>
               <a:t>LinkedLists</a:t>
             </a:r>
             <a:endParaRPr lang="en-US" dirty="0"/>
@@ -9773,25 +9486,25 @@
           <a:lstStyle/>
           <a:p>
             <a:r>
-              <a:rPr lang="en-US" dirty="0" err="1" smtClean="0">
+              <a:rPr lang="en-US" dirty="0" err="1">
                 <a:latin typeface="Consolas" panose="020B0609020204030204" pitchFamily="49" charset="0"/>
               </a:rPr>
               <a:t>int</a:t>
             </a:r>
             <a:r>
-              <a:rPr lang="en-US" dirty="0" smtClean="0">
+              <a:rPr lang="en-US" dirty="0">
                 <a:latin typeface="Consolas" panose="020B0609020204030204" pitchFamily="49" charset="0"/>
               </a:rPr>
               <a:t>[]  </a:t>
             </a:r>
             <a:r>
-              <a:rPr lang="en-US" dirty="0" err="1" smtClean="0">
+              <a:rPr lang="en-US" dirty="0" err="1">
                 <a:latin typeface="Consolas" panose="020B0609020204030204" pitchFamily="49" charset="0"/>
               </a:rPr>
               <a:t>nums</a:t>
             </a:r>
             <a:r>
-              <a:rPr lang="en-US" dirty="0" smtClean="0">
+              <a:rPr lang="en-US" dirty="0">
                 <a:latin typeface="Consolas" panose="020B0609020204030204" pitchFamily="49" charset="0"/>
               </a:rPr>
               <a:t> = ……</a:t>
@@ -9803,104 +9516,101 @@
             </a:endParaRPr>
           </a:p>
           <a:p>
-            <a:endParaRPr lang="en-US" dirty="0" smtClean="0">
-              <a:latin typeface="Consolas" panose="020B0609020204030204" pitchFamily="49" charset="0"/>
-            </a:endParaRPr>
-          </a:p>
-          <a:p>
-            <a:r>
-              <a:rPr lang="en-US" dirty="0" smtClean="0">
-                <a:latin typeface="Consolas" panose="020B0609020204030204" pitchFamily="49" charset="0"/>
-              </a:rPr>
-              <a:t>for (</a:t>
-            </a:r>
-            <a:r>
-              <a:rPr lang="en-US" dirty="0" err="1" smtClean="0">
-                <a:latin typeface="Consolas" panose="020B0609020204030204" pitchFamily="49" charset="0"/>
-              </a:rPr>
-              <a:t>int</a:t>
-            </a:r>
-            <a:r>
-              <a:rPr lang="en-US" dirty="0" smtClean="0">
-                <a:latin typeface="Consolas" panose="020B0609020204030204" pitchFamily="49" charset="0"/>
-              </a:rPr>
-              <a:t> </a:t>
-            </a:r>
-            <a:r>
-              <a:rPr lang="en-US" dirty="0" err="1" smtClean="0">
-                <a:latin typeface="Consolas" panose="020B0609020204030204" pitchFamily="49" charset="0"/>
-              </a:rPr>
-              <a:t>i</a:t>
-            </a:r>
-            <a:r>
-              <a:rPr lang="en-US" dirty="0" smtClean="0">
-                <a:latin typeface="Consolas" panose="020B0609020204030204" pitchFamily="49" charset="0"/>
-              </a:rPr>
-              <a:t>=0; </a:t>
-            </a:r>
-            <a:r>
-              <a:rPr lang="en-US" dirty="0" err="1" smtClean="0">
-                <a:latin typeface="Consolas" panose="020B0609020204030204" pitchFamily="49" charset="0"/>
-              </a:rPr>
-              <a:t>i</a:t>
-            </a:r>
-            <a:r>
-              <a:rPr lang="en-US" dirty="0" smtClean="0">
-                <a:latin typeface="Consolas" panose="020B0609020204030204" pitchFamily="49" charset="0"/>
-              </a:rPr>
-              <a:t>&lt; </a:t>
-            </a:r>
-            <a:r>
-              <a:rPr lang="en-US" dirty="0" err="1" smtClean="0">
-                <a:latin typeface="Consolas" panose="020B0609020204030204" pitchFamily="49" charset="0"/>
-              </a:rPr>
-              <a:t>nums.length</a:t>
-            </a:r>
-            <a:r>
-              <a:rPr lang="en-US" dirty="0" smtClean="0">
-                <a:latin typeface="Consolas" panose="020B0609020204030204" pitchFamily="49" charset="0"/>
-              </a:rPr>
-              <a:t>; ++) {</a:t>
-            </a:r>
-          </a:p>
-          <a:p>
-            <a:r>
-              <a:rPr lang="en-US" dirty="0" smtClean="0">
-                <a:latin typeface="Consolas" panose="020B0609020204030204" pitchFamily="49" charset="0"/>
-              </a:rPr>
-              <a:t>	//do stuff with</a:t>
-            </a:r>
             <a:endParaRPr lang="en-US" dirty="0">
               <a:latin typeface="Consolas" panose="020B0609020204030204" pitchFamily="49" charset="0"/>
             </a:endParaRPr>
           </a:p>
           <a:p>
             <a:r>
-              <a:rPr lang="en-US" dirty="0" smtClean="0">
+              <a:rPr lang="en-US" dirty="0">
+                <a:latin typeface="Consolas" panose="020B0609020204030204" pitchFamily="49" charset="0"/>
+              </a:rPr>
+              <a:t>for (</a:t>
+            </a:r>
+            <a:r>
+              <a:rPr lang="en-US" dirty="0" err="1">
+                <a:latin typeface="Consolas" panose="020B0609020204030204" pitchFamily="49" charset="0"/>
+              </a:rPr>
+              <a:t>int</a:t>
+            </a:r>
+            <a:r>
+              <a:rPr lang="en-US" dirty="0">
+                <a:latin typeface="Consolas" panose="020B0609020204030204" pitchFamily="49" charset="0"/>
+              </a:rPr>
+              <a:t> </a:t>
+            </a:r>
+            <a:r>
+              <a:rPr lang="en-US" dirty="0" err="1">
+                <a:latin typeface="Consolas" panose="020B0609020204030204" pitchFamily="49" charset="0"/>
+              </a:rPr>
+              <a:t>i</a:t>
+            </a:r>
+            <a:r>
+              <a:rPr lang="en-US" dirty="0">
+                <a:latin typeface="Consolas" panose="020B0609020204030204" pitchFamily="49" charset="0"/>
+              </a:rPr>
+              <a:t>=0; </a:t>
+            </a:r>
+            <a:r>
+              <a:rPr lang="en-US" dirty="0" err="1">
+                <a:latin typeface="Consolas" panose="020B0609020204030204" pitchFamily="49" charset="0"/>
+              </a:rPr>
+              <a:t>i</a:t>
+            </a:r>
+            <a:r>
+              <a:rPr lang="en-US" dirty="0">
+                <a:latin typeface="Consolas" panose="020B0609020204030204" pitchFamily="49" charset="0"/>
+              </a:rPr>
+              <a:t>&lt; </a:t>
+            </a:r>
+            <a:r>
+              <a:rPr lang="en-US" dirty="0" err="1">
+                <a:latin typeface="Consolas" panose="020B0609020204030204" pitchFamily="49" charset="0"/>
+              </a:rPr>
+              <a:t>nums.length</a:t>
+            </a:r>
+            <a:r>
+              <a:rPr lang="en-US" dirty="0">
+                <a:latin typeface="Consolas" panose="020B0609020204030204" pitchFamily="49" charset="0"/>
+              </a:rPr>
+              <a:t>; ++) {</a:t>
+            </a:r>
+          </a:p>
+          <a:p>
+            <a:r>
+              <a:rPr lang="en-US" dirty="0">
+                <a:latin typeface="Consolas" panose="020B0609020204030204" pitchFamily="49" charset="0"/>
+              </a:rPr>
+              <a:t>	//do stuff with</a:t>
+            </a:r>
+          </a:p>
+          <a:p>
+            <a:r>
+              <a:rPr lang="en-US" dirty="0">
                 <a:latin typeface="Consolas" panose="020B0609020204030204" pitchFamily="49" charset="0"/>
               </a:rPr>
               <a:t>	//arbitrary element </a:t>
             </a:r>
             <a:r>
-              <a:rPr lang="en-US" dirty="0" err="1" smtClean="0">
+              <a:rPr lang="en-US" dirty="0" err="1">
                 <a:latin typeface="Consolas" panose="020B0609020204030204" pitchFamily="49" charset="0"/>
               </a:rPr>
               <a:t>nums</a:t>
             </a:r>
             <a:r>
-              <a:rPr lang="en-US" dirty="0" smtClean="0">
+              <a:rPr lang="en-US" dirty="0">
                 <a:latin typeface="Consolas" panose="020B0609020204030204" pitchFamily="49" charset="0"/>
               </a:rPr>
               <a:t>[</a:t>
             </a:r>
             <a:r>
-              <a:rPr lang="en-US" dirty="0" err="1" smtClean="0">
+              <a:rPr lang="en-US" dirty="0" err="1">
                 <a:latin typeface="Consolas" panose="020B0609020204030204" pitchFamily="49" charset="0"/>
               </a:rPr>
               <a:t>i</a:t>
             </a:r>
             <a:r>
-              <a:rPr lang="en-US" dirty="0" smtClean="0">
+              <a:rPr lang="en-US" dirty="0">
                 <a:latin typeface="Consolas" panose="020B0609020204030204" pitchFamily="49" charset="0"/>
               </a:rPr>
               <a:t>]</a:t>
@@ -9908,7 +9618,7 @@
           </a:p>
           <a:p>
             <a:r>
-              <a:rPr lang="en-US" dirty="0" smtClean="0">
+              <a:rPr lang="en-US" dirty="0">
                 <a:latin typeface="Consolas" panose="020B0609020204030204" pitchFamily="49" charset="0"/>
               </a:rPr>
               <a:t>}</a:t>
@@ -9921,20 +9631,20 @@
           </a:p>
           <a:p>
             <a:r>
-              <a:rPr lang="en-US" dirty="0" smtClean="0">
+              <a:rPr lang="en-US" dirty="0">
                 <a:latin typeface="Consolas" panose="020B0609020204030204" pitchFamily="49" charset="0"/>
               </a:rPr>
               <a:t>Equivalent in while loop</a:t>
             </a:r>
           </a:p>
           <a:p>
-            <a:endParaRPr lang="en-US" dirty="0" smtClean="0">
+            <a:endParaRPr lang="en-US" dirty="0">
               <a:latin typeface="Consolas" panose="020B0609020204030204" pitchFamily="49" charset="0"/>
             </a:endParaRPr>
           </a:p>
           <a:p>
             <a:r>
-              <a:rPr lang="en-US" dirty="0" err="1" smtClean="0">
+              <a:rPr lang="en-US" dirty="0" err="1">
                 <a:solidFill>
                   <a:srgbClr val="0070C0"/>
                 </a:solidFill>
@@ -9943,7 +9653,7 @@
               <a:t>int</a:t>
             </a:r>
             <a:r>
-              <a:rPr lang="en-US" dirty="0" smtClean="0">
+              <a:rPr lang="en-US" dirty="0">
                 <a:solidFill>
                   <a:srgbClr val="0070C0"/>
                 </a:solidFill>
@@ -9952,7 +9662,7 @@
               <a:t> </a:t>
             </a:r>
             <a:r>
-              <a:rPr lang="en-US" dirty="0" err="1" smtClean="0">
+              <a:rPr lang="en-US" dirty="0" err="1">
                 <a:solidFill>
                   <a:srgbClr val="0070C0"/>
                 </a:solidFill>
@@ -9961,7 +9671,7 @@
               <a:t>i</a:t>
             </a:r>
             <a:r>
-              <a:rPr lang="en-US" dirty="0" smtClean="0">
+              <a:rPr lang="en-US" dirty="0">
                 <a:solidFill>
                   <a:srgbClr val="0070C0"/>
                 </a:solidFill>
@@ -9972,13 +9682,13 @@
           </a:p>
           <a:p>
             <a:r>
-              <a:rPr lang="en-US" dirty="0" smtClean="0">
+              <a:rPr lang="en-US" dirty="0">
                 <a:latin typeface="Consolas" panose="020B0609020204030204" pitchFamily="49" charset="0"/>
               </a:rPr>
               <a:t>while ( </a:t>
             </a:r>
             <a:r>
-              <a:rPr lang="en-US" dirty="0" smtClean="0">
+              <a:rPr lang="en-US" dirty="0">
                 <a:solidFill>
                   <a:schemeClr val="accent3">
                     <a:lumMod val="75000"/>
@@ -9989,7 +9699,7 @@
               <a:t>?</a:t>
             </a:r>
             <a:r>
-              <a:rPr lang="en-US" dirty="0" smtClean="0">
+              <a:rPr lang="en-US" dirty="0">
                 <a:latin typeface="Consolas" panose="020B0609020204030204" pitchFamily="49" charset="0"/>
               </a:rPr>
               <a:t>  ) {</a:t>
@@ -9997,16 +9707,10 @@
           </a:p>
           <a:p>
             <a:r>
-              <a:rPr lang="en-US" dirty="0" smtClean="0">
-                <a:latin typeface="Consolas" panose="020B0609020204030204" pitchFamily="49" charset="0"/>
-              </a:rPr>
-              <a:t>	//</a:t>
-            </a:r>
-            <a:r>
-              <a:rPr lang="en-US" dirty="0">
-                <a:latin typeface="Consolas" panose="020B0609020204030204" pitchFamily="49" charset="0"/>
-              </a:rPr>
-              <a:t>do stuff with</a:t>
+              <a:rPr lang="en-US" dirty="0">
+                <a:latin typeface="Consolas" panose="020B0609020204030204" pitchFamily="49" charset="0"/>
+              </a:rPr>
+              <a:t>	//do stuff with</a:t>
             </a:r>
           </a:p>
           <a:p>
@@ -10035,7 +9739,7 @@
               <a:t>i</a:t>
             </a:r>
             <a:r>
-              <a:rPr lang="en-US" dirty="0" smtClean="0">
+              <a:rPr lang="en-US" dirty="0">
                 <a:latin typeface="Consolas" panose="020B0609020204030204" pitchFamily="49" charset="0"/>
               </a:rPr>
               <a:t>]</a:t>
@@ -10060,7 +9764,7 @@
           </a:p>
           <a:p>
             <a:r>
-              <a:rPr lang="en-US" dirty="0" smtClean="0">
+              <a:rPr lang="en-US" dirty="0">
                 <a:latin typeface="Consolas" panose="020B0609020204030204" pitchFamily="49" charset="0"/>
               </a:rPr>
               <a:t>}</a:t>
@@ -10130,13 +9834,13 @@
           <a:lstStyle/>
           <a:p>
             <a:r>
-              <a:rPr lang="en-US" dirty="0" err="1" smtClean="0">
+              <a:rPr lang="en-US" dirty="0" err="1">
                 <a:latin typeface="Consolas" panose="020B0609020204030204" pitchFamily="49" charset="0"/>
               </a:rPr>
               <a:t>LinkedList</a:t>
             </a:r>
             <a:r>
-              <a:rPr lang="en-US" dirty="0" smtClean="0">
+              <a:rPr lang="en-US" dirty="0">
                 <a:latin typeface="Consolas" panose="020B0609020204030204" pitchFamily="49" charset="0"/>
               </a:rPr>
               <a:t> list = ……</a:t>
@@ -10148,25 +9852,17 @@
             </a:endParaRPr>
           </a:p>
           <a:p>
-            <a:endParaRPr lang="en-US" dirty="0" smtClean="0">
-              <a:latin typeface="Consolas" panose="020B0609020204030204" pitchFamily="49" charset="0"/>
-            </a:endParaRPr>
-          </a:p>
-          <a:p>
-            <a:r>
-              <a:rPr lang="en-US" dirty="0" smtClean="0">
-                <a:latin typeface="Consolas" panose="020B0609020204030204" pitchFamily="49" charset="0"/>
-              </a:rPr>
-              <a:t>//Another Day!</a:t>
-            </a:r>
             <a:endParaRPr lang="en-US" dirty="0">
               <a:latin typeface="Consolas" panose="020B0609020204030204" pitchFamily="49" charset="0"/>
             </a:endParaRPr>
           </a:p>
           <a:p>
-            <a:endParaRPr lang="en-US" dirty="0" smtClean="0">
-              <a:latin typeface="Consolas" panose="020B0609020204030204" pitchFamily="49" charset="0"/>
-            </a:endParaRPr>
+            <a:r>
+              <a:rPr lang="en-US" dirty="0">
+                <a:latin typeface="Consolas" panose="020B0609020204030204" pitchFamily="49" charset="0"/>
+              </a:rPr>
+              <a:t>//Another Day!</a:t>
+            </a:r>
           </a:p>
           <a:p>
             <a:endParaRPr lang="en-US" dirty="0">
@@ -10174,28 +9870,33 @@
             </a:endParaRPr>
           </a:p>
           <a:p>
-            <a:endParaRPr lang="en-US" dirty="0" smtClean="0">
-              <a:latin typeface="Consolas" panose="020B0609020204030204" pitchFamily="49" charset="0"/>
-            </a:endParaRPr>
-          </a:p>
-          <a:p>
             <a:endParaRPr lang="en-US" dirty="0">
               <a:latin typeface="Consolas" panose="020B0609020204030204" pitchFamily="49" charset="0"/>
             </a:endParaRPr>
           </a:p>
           <a:p>
-            <a:endParaRPr lang="en-US" dirty="0" smtClean="0">
+            <a:endParaRPr lang="en-US" dirty="0">
               <a:latin typeface="Consolas" panose="020B0609020204030204" pitchFamily="49" charset="0"/>
             </a:endParaRPr>
           </a:p>
           <a:p>
-            <a:endParaRPr lang="en-US" dirty="0" smtClean="0">
+            <a:endParaRPr lang="en-US" dirty="0">
               <a:latin typeface="Consolas" panose="020B0609020204030204" pitchFamily="49" charset="0"/>
             </a:endParaRPr>
           </a:p>
           <a:p>
-            <a:r>
-              <a:rPr lang="en-US" dirty="0" smtClean="0">
+            <a:endParaRPr lang="en-US" dirty="0">
+              <a:latin typeface="Consolas" panose="020B0609020204030204" pitchFamily="49" charset="0"/>
+            </a:endParaRPr>
+          </a:p>
+          <a:p>
+            <a:endParaRPr lang="en-US" dirty="0">
+              <a:latin typeface="Consolas" panose="020B0609020204030204" pitchFamily="49" charset="0"/>
+            </a:endParaRPr>
+          </a:p>
+          <a:p>
+            <a:r>
+              <a:rPr lang="en-US" dirty="0">
                 <a:solidFill>
                   <a:srgbClr val="0070C0"/>
                 </a:solidFill>
@@ -10204,7 +9905,7 @@
               <a:t>Node current = </a:t>
             </a:r>
             <a:r>
-              <a:rPr lang="en-US" dirty="0" err="1" smtClean="0">
+              <a:rPr lang="en-US" dirty="0" err="1">
                 <a:solidFill>
                   <a:srgbClr val="0070C0"/>
                 </a:solidFill>
@@ -10213,7 +9914,7 @@
               <a:t>this.head</a:t>
             </a:r>
             <a:r>
-              <a:rPr lang="en-US" dirty="0" smtClean="0">
+              <a:rPr lang="en-US" dirty="0">
                 <a:solidFill>
                   <a:srgbClr val="0070C0"/>
                 </a:solidFill>
@@ -10224,13 +9925,13 @@
           </a:p>
           <a:p>
             <a:r>
-              <a:rPr lang="en-US" dirty="0" smtClean="0">
+              <a:rPr lang="en-US" dirty="0">
                 <a:latin typeface="Consolas" panose="020B0609020204030204" pitchFamily="49" charset="0"/>
               </a:rPr>
               <a:t>while ( </a:t>
             </a:r>
             <a:r>
-              <a:rPr lang="en-US" dirty="0" smtClean="0">
+              <a:rPr lang="en-US" dirty="0">
                 <a:solidFill>
                   <a:schemeClr val="accent3">
                     <a:lumMod val="75000"/>
@@ -10241,7 +9942,7 @@
               <a:t>?</a:t>
             </a:r>
             <a:r>
-              <a:rPr lang="en-US" dirty="0" smtClean="0">
+              <a:rPr lang="en-US" dirty="0">
                 <a:latin typeface="Consolas" panose="020B0609020204030204" pitchFamily="49" charset="0"/>
               </a:rPr>
               <a:t>  ) {</a:t>
@@ -10249,30 +9950,18 @@
           </a:p>
           <a:p>
             <a:r>
-              <a:rPr lang="en-US" dirty="0" smtClean="0">
-                <a:latin typeface="Consolas" panose="020B0609020204030204" pitchFamily="49" charset="0"/>
-              </a:rPr>
-              <a:t>	//</a:t>
-            </a:r>
-            <a:r>
-              <a:rPr lang="en-US" dirty="0">
-                <a:latin typeface="Consolas" panose="020B0609020204030204" pitchFamily="49" charset="0"/>
-              </a:rPr>
-              <a:t>do stuff with</a:t>
-            </a:r>
-          </a:p>
-          <a:p>
-            <a:r>
-              <a:rPr lang="en-US" dirty="0">
-                <a:latin typeface="Consolas" panose="020B0609020204030204" pitchFamily="49" charset="0"/>
-              </a:rPr>
-              <a:t>	//arbitrary </a:t>
-            </a:r>
-            <a:r>
-              <a:rPr lang="en-US" dirty="0" smtClean="0">
-                <a:latin typeface="Consolas" panose="020B0609020204030204" pitchFamily="49" charset="0"/>
-              </a:rPr>
-              <a:t>element </a:t>
+              <a:rPr lang="en-US" dirty="0">
+                <a:latin typeface="Consolas" panose="020B0609020204030204" pitchFamily="49" charset="0"/>
+              </a:rPr>
+              <a:t>	//do stuff with</a:t>
+            </a:r>
+          </a:p>
+          <a:p>
+            <a:r>
+              <a:rPr lang="en-US" dirty="0">
+                <a:latin typeface="Consolas" panose="020B0609020204030204" pitchFamily="49" charset="0"/>
+              </a:rPr>
+              <a:t>	//arbitrary element </a:t>
             </a:r>
           </a:p>
           <a:p>
@@ -10294,7 +9983,7 @@
           </a:p>
           <a:p>
             <a:r>
-              <a:rPr lang="en-US" dirty="0" smtClean="0">
+              <a:rPr lang="en-US" dirty="0">
                 <a:latin typeface="Consolas" panose="020B0609020204030204" pitchFamily="49" charset="0"/>
               </a:rPr>
               <a:t>}</a:t>
@@ -10322,13 +10011,6 @@
   <p:clrMapOvr>
     <a:masterClrMapping/>
   </p:clrMapOvr>
-  <p:timing>
-    <p:tnLst>
-      <p:par>
-        <p:cTn id="1" dur="indefinite" restart="never" nodeType="tmRoot"/>
-      </p:par>
-    </p:tnLst>
-  </p:timing>
 </p:sld>
 </file>
 
@@ -10365,11 +10047,11 @@
           <a:lstStyle/>
           <a:p>
             <a:r>
-              <a:rPr lang="en-US" dirty="0" smtClean="0"/>
+              <a:rPr lang="en-US" dirty="0"/>
               <a:t>Loops in Arrays vs. </a:t>
             </a:r>
             <a:r>
-              <a:rPr lang="en-US" dirty="0" err="1" smtClean="0"/>
+              <a:rPr lang="en-US" dirty="0" err="1"/>
               <a:t>LinkedLists</a:t>
             </a:r>
             <a:endParaRPr lang="en-US" dirty="0"/>
@@ -10427,25 +10109,25 @@
           <a:lstStyle/>
           <a:p>
             <a:r>
-              <a:rPr lang="en-US" dirty="0" err="1" smtClean="0">
+              <a:rPr lang="en-US" dirty="0" err="1">
                 <a:latin typeface="Consolas" panose="020B0609020204030204" pitchFamily="49" charset="0"/>
               </a:rPr>
               <a:t>int</a:t>
             </a:r>
             <a:r>
-              <a:rPr lang="en-US" dirty="0" smtClean="0">
+              <a:rPr lang="en-US" dirty="0">
                 <a:latin typeface="Consolas" panose="020B0609020204030204" pitchFamily="49" charset="0"/>
               </a:rPr>
               <a:t>[]  </a:t>
             </a:r>
             <a:r>
-              <a:rPr lang="en-US" dirty="0" err="1" smtClean="0">
+              <a:rPr lang="en-US" dirty="0" err="1">
                 <a:latin typeface="Consolas" panose="020B0609020204030204" pitchFamily="49" charset="0"/>
               </a:rPr>
               <a:t>nums</a:t>
             </a:r>
             <a:r>
-              <a:rPr lang="en-US" dirty="0" smtClean="0">
+              <a:rPr lang="en-US" dirty="0">
                 <a:latin typeface="Consolas" panose="020B0609020204030204" pitchFamily="49" charset="0"/>
               </a:rPr>
               <a:t> = ……</a:t>
@@ -10457,104 +10139,101 @@
             </a:endParaRPr>
           </a:p>
           <a:p>
-            <a:endParaRPr lang="en-US" dirty="0" smtClean="0">
-              <a:latin typeface="Consolas" panose="020B0609020204030204" pitchFamily="49" charset="0"/>
-            </a:endParaRPr>
-          </a:p>
-          <a:p>
-            <a:r>
-              <a:rPr lang="en-US" dirty="0" smtClean="0">
-                <a:latin typeface="Consolas" panose="020B0609020204030204" pitchFamily="49" charset="0"/>
-              </a:rPr>
-              <a:t>for (</a:t>
-            </a:r>
-            <a:r>
-              <a:rPr lang="en-US" dirty="0" err="1" smtClean="0">
-                <a:latin typeface="Consolas" panose="020B0609020204030204" pitchFamily="49" charset="0"/>
-              </a:rPr>
-              <a:t>int</a:t>
-            </a:r>
-            <a:r>
-              <a:rPr lang="en-US" dirty="0" smtClean="0">
-                <a:latin typeface="Consolas" panose="020B0609020204030204" pitchFamily="49" charset="0"/>
-              </a:rPr>
-              <a:t> </a:t>
-            </a:r>
-            <a:r>
-              <a:rPr lang="en-US" dirty="0" err="1" smtClean="0">
-                <a:latin typeface="Consolas" panose="020B0609020204030204" pitchFamily="49" charset="0"/>
-              </a:rPr>
-              <a:t>i</a:t>
-            </a:r>
-            <a:r>
-              <a:rPr lang="en-US" dirty="0" smtClean="0">
-                <a:latin typeface="Consolas" panose="020B0609020204030204" pitchFamily="49" charset="0"/>
-              </a:rPr>
-              <a:t>=0; </a:t>
-            </a:r>
-            <a:r>
-              <a:rPr lang="en-US" dirty="0" err="1" smtClean="0">
-                <a:latin typeface="Consolas" panose="020B0609020204030204" pitchFamily="49" charset="0"/>
-              </a:rPr>
-              <a:t>i</a:t>
-            </a:r>
-            <a:r>
-              <a:rPr lang="en-US" dirty="0" smtClean="0">
-                <a:latin typeface="Consolas" panose="020B0609020204030204" pitchFamily="49" charset="0"/>
-              </a:rPr>
-              <a:t>&lt; </a:t>
-            </a:r>
-            <a:r>
-              <a:rPr lang="en-US" dirty="0" err="1" smtClean="0">
-                <a:latin typeface="Consolas" panose="020B0609020204030204" pitchFamily="49" charset="0"/>
-              </a:rPr>
-              <a:t>nums.length</a:t>
-            </a:r>
-            <a:r>
-              <a:rPr lang="en-US" dirty="0" smtClean="0">
-                <a:latin typeface="Consolas" panose="020B0609020204030204" pitchFamily="49" charset="0"/>
-              </a:rPr>
-              <a:t>; ++) {</a:t>
-            </a:r>
-          </a:p>
-          <a:p>
-            <a:r>
-              <a:rPr lang="en-US" dirty="0" smtClean="0">
-                <a:latin typeface="Consolas" panose="020B0609020204030204" pitchFamily="49" charset="0"/>
-              </a:rPr>
-              <a:t>	//do stuff with</a:t>
-            </a:r>
             <a:endParaRPr lang="en-US" dirty="0">
               <a:latin typeface="Consolas" panose="020B0609020204030204" pitchFamily="49" charset="0"/>
             </a:endParaRPr>
           </a:p>
           <a:p>
             <a:r>
-              <a:rPr lang="en-US" dirty="0" smtClean="0">
+              <a:rPr lang="en-US" dirty="0">
+                <a:latin typeface="Consolas" panose="020B0609020204030204" pitchFamily="49" charset="0"/>
+              </a:rPr>
+              <a:t>for (</a:t>
+            </a:r>
+            <a:r>
+              <a:rPr lang="en-US" dirty="0" err="1">
+                <a:latin typeface="Consolas" panose="020B0609020204030204" pitchFamily="49" charset="0"/>
+              </a:rPr>
+              <a:t>int</a:t>
+            </a:r>
+            <a:r>
+              <a:rPr lang="en-US" dirty="0">
+                <a:latin typeface="Consolas" panose="020B0609020204030204" pitchFamily="49" charset="0"/>
+              </a:rPr>
+              <a:t> </a:t>
+            </a:r>
+            <a:r>
+              <a:rPr lang="en-US" dirty="0" err="1">
+                <a:latin typeface="Consolas" panose="020B0609020204030204" pitchFamily="49" charset="0"/>
+              </a:rPr>
+              <a:t>i</a:t>
+            </a:r>
+            <a:r>
+              <a:rPr lang="en-US" dirty="0">
+                <a:latin typeface="Consolas" panose="020B0609020204030204" pitchFamily="49" charset="0"/>
+              </a:rPr>
+              <a:t>=0; </a:t>
+            </a:r>
+            <a:r>
+              <a:rPr lang="en-US" dirty="0" err="1">
+                <a:latin typeface="Consolas" panose="020B0609020204030204" pitchFamily="49" charset="0"/>
+              </a:rPr>
+              <a:t>i</a:t>
+            </a:r>
+            <a:r>
+              <a:rPr lang="en-US" dirty="0">
+                <a:latin typeface="Consolas" panose="020B0609020204030204" pitchFamily="49" charset="0"/>
+              </a:rPr>
+              <a:t>&lt; </a:t>
+            </a:r>
+            <a:r>
+              <a:rPr lang="en-US" dirty="0" err="1">
+                <a:latin typeface="Consolas" panose="020B0609020204030204" pitchFamily="49" charset="0"/>
+              </a:rPr>
+              <a:t>nums.length</a:t>
+            </a:r>
+            <a:r>
+              <a:rPr lang="en-US" dirty="0">
+                <a:latin typeface="Consolas" panose="020B0609020204030204" pitchFamily="49" charset="0"/>
+              </a:rPr>
+              <a:t>; ++) {</a:t>
+            </a:r>
+          </a:p>
+          <a:p>
+            <a:r>
+              <a:rPr lang="en-US" dirty="0">
+                <a:latin typeface="Consolas" panose="020B0609020204030204" pitchFamily="49" charset="0"/>
+              </a:rPr>
+              <a:t>	//do stuff with</a:t>
+            </a:r>
+          </a:p>
+          <a:p>
+            <a:r>
+              <a:rPr lang="en-US" dirty="0">
                 <a:latin typeface="Consolas" panose="020B0609020204030204" pitchFamily="49" charset="0"/>
               </a:rPr>
               <a:t>	//arbitrary element </a:t>
             </a:r>
             <a:r>
-              <a:rPr lang="en-US" dirty="0" err="1" smtClean="0">
+              <a:rPr lang="en-US" dirty="0" err="1">
                 <a:latin typeface="Consolas" panose="020B0609020204030204" pitchFamily="49" charset="0"/>
               </a:rPr>
               <a:t>nums</a:t>
             </a:r>
             <a:r>
-              <a:rPr lang="en-US" dirty="0" smtClean="0">
+              <a:rPr lang="en-US" dirty="0">
                 <a:latin typeface="Consolas" panose="020B0609020204030204" pitchFamily="49" charset="0"/>
               </a:rPr>
               <a:t>[</a:t>
             </a:r>
             <a:r>
-              <a:rPr lang="en-US" dirty="0" err="1" smtClean="0">
+              <a:rPr lang="en-US" dirty="0" err="1">
                 <a:latin typeface="Consolas" panose="020B0609020204030204" pitchFamily="49" charset="0"/>
               </a:rPr>
               <a:t>i</a:t>
             </a:r>
             <a:r>
-              <a:rPr lang="en-US" dirty="0" smtClean="0">
+              <a:rPr lang="en-US" dirty="0">
                 <a:latin typeface="Consolas" panose="020B0609020204030204" pitchFamily="49" charset="0"/>
               </a:rPr>
               <a:t>]</a:t>
@@ -10562,7 +10241,7 @@
           </a:p>
           <a:p>
             <a:r>
-              <a:rPr lang="en-US" dirty="0" smtClean="0">
+              <a:rPr lang="en-US" dirty="0">
                 <a:latin typeface="Consolas" panose="020B0609020204030204" pitchFamily="49" charset="0"/>
               </a:rPr>
               <a:t>}</a:t>
@@ -10575,20 +10254,20 @@
           </a:p>
           <a:p>
             <a:r>
-              <a:rPr lang="en-US" dirty="0" smtClean="0">
+              <a:rPr lang="en-US" dirty="0">
                 <a:latin typeface="Consolas" panose="020B0609020204030204" pitchFamily="49" charset="0"/>
               </a:rPr>
               <a:t>Equivalent in while loop</a:t>
             </a:r>
           </a:p>
           <a:p>
-            <a:endParaRPr lang="en-US" dirty="0" smtClean="0">
+            <a:endParaRPr lang="en-US" dirty="0">
               <a:latin typeface="Consolas" panose="020B0609020204030204" pitchFamily="49" charset="0"/>
             </a:endParaRPr>
           </a:p>
           <a:p>
             <a:r>
-              <a:rPr lang="en-US" dirty="0" err="1" smtClean="0">
+              <a:rPr lang="en-US" dirty="0" err="1">
                 <a:solidFill>
                   <a:srgbClr val="0070C0"/>
                 </a:solidFill>
@@ -10597,7 +10276,7 @@
               <a:t>int</a:t>
             </a:r>
             <a:r>
-              <a:rPr lang="en-US" dirty="0" smtClean="0">
+              <a:rPr lang="en-US" dirty="0">
                 <a:solidFill>
                   <a:srgbClr val="0070C0"/>
                 </a:solidFill>
@@ -10606,7 +10285,7 @@
               <a:t> </a:t>
             </a:r>
             <a:r>
-              <a:rPr lang="en-US" dirty="0" err="1" smtClean="0">
+              <a:rPr lang="en-US" dirty="0" err="1">
                 <a:solidFill>
                   <a:srgbClr val="0070C0"/>
                 </a:solidFill>
@@ -10615,7 +10294,7 @@
               <a:t>i</a:t>
             </a:r>
             <a:r>
-              <a:rPr lang="en-US" dirty="0" smtClean="0">
+              <a:rPr lang="en-US" dirty="0">
                 <a:solidFill>
                   <a:srgbClr val="0070C0"/>
                 </a:solidFill>
@@ -10626,13 +10305,13 @@
           </a:p>
           <a:p>
             <a:r>
-              <a:rPr lang="en-US" dirty="0" smtClean="0">
+              <a:rPr lang="en-US" dirty="0">
                 <a:latin typeface="Consolas" panose="020B0609020204030204" pitchFamily="49" charset="0"/>
               </a:rPr>
               <a:t>while ( </a:t>
             </a:r>
             <a:r>
-              <a:rPr lang="en-US" dirty="0" err="1" smtClean="0">
+              <a:rPr lang="en-US" dirty="0" err="1">
                 <a:solidFill>
                   <a:schemeClr val="accent3">
                     <a:lumMod val="75000"/>
@@ -10643,7 +10322,7 @@
               <a:t>i</a:t>
             </a:r>
             <a:r>
-              <a:rPr lang="en-US" dirty="0" smtClean="0">
+              <a:rPr lang="en-US" dirty="0">
                 <a:solidFill>
                   <a:schemeClr val="accent3">
                     <a:lumMod val="75000"/>
@@ -10654,7 +10333,7 @@
               <a:t> &lt; </a:t>
             </a:r>
             <a:r>
-              <a:rPr lang="en-US" dirty="0" err="1" smtClean="0">
+              <a:rPr lang="en-US" dirty="0" err="1">
                 <a:solidFill>
                   <a:schemeClr val="accent3">
                     <a:lumMod val="75000"/>
@@ -10665,7 +10344,7 @@
               <a:t>nums.length</a:t>
             </a:r>
             <a:r>
-              <a:rPr lang="en-US" dirty="0" smtClean="0">
+              <a:rPr lang="en-US" dirty="0">
                 <a:latin typeface="Consolas" panose="020B0609020204030204" pitchFamily="49" charset="0"/>
               </a:rPr>
               <a:t>  ) {</a:t>
@@ -10673,16 +10352,10 @@
           </a:p>
           <a:p>
             <a:r>
-              <a:rPr lang="en-US" dirty="0" smtClean="0">
-                <a:latin typeface="Consolas" panose="020B0609020204030204" pitchFamily="49" charset="0"/>
-              </a:rPr>
-              <a:t>	//</a:t>
-            </a:r>
-            <a:r>
-              <a:rPr lang="en-US" dirty="0">
-                <a:latin typeface="Consolas" panose="020B0609020204030204" pitchFamily="49" charset="0"/>
-              </a:rPr>
-              <a:t>do stuff with</a:t>
+              <a:rPr lang="en-US" dirty="0">
+                <a:latin typeface="Consolas" panose="020B0609020204030204" pitchFamily="49" charset="0"/>
+              </a:rPr>
+              <a:t>	//do stuff with</a:t>
             </a:r>
           </a:p>
           <a:p>
@@ -10711,7 +10384,7 @@
               <a:t>i</a:t>
             </a:r>
             <a:r>
-              <a:rPr lang="en-US" dirty="0" smtClean="0">
+              <a:rPr lang="en-US" dirty="0">
                 <a:latin typeface="Consolas" panose="020B0609020204030204" pitchFamily="49" charset="0"/>
               </a:rPr>
               <a:t>]</a:t>
@@ -10725,7 +10398,7 @@
               <a:t>	</a:t>
             </a:r>
             <a:r>
-              <a:rPr lang="en-US" dirty="0" err="1" smtClean="0">
+              <a:rPr lang="en-US" dirty="0" err="1">
                 <a:solidFill>
                   <a:schemeClr val="accent6"/>
                 </a:solidFill>
@@ -10734,7 +10407,7 @@
               <a:t>i</a:t>
             </a:r>
             <a:r>
-              <a:rPr lang="en-US" dirty="0" smtClean="0">
+              <a:rPr lang="en-US" dirty="0">
                 <a:solidFill>
                   <a:schemeClr val="accent6"/>
                 </a:solidFill>
@@ -10742,16 +10415,10 @@
               </a:rPr>
               <a:t>++;</a:t>
             </a:r>
-            <a:endParaRPr lang="en-US" dirty="0">
-              <a:solidFill>
-                <a:schemeClr val="accent6"/>
-              </a:solidFill>
-              <a:latin typeface="Consolas" panose="020B0609020204030204" pitchFamily="49" charset="0"/>
-            </a:endParaRPr>
-          </a:p>
-          <a:p>
-            <a:r>
-              <a:rPr lang="en-US" dirty="0" smtClean="0">
+          </a:p>
+          <a:p>
+            <a:r>
+              <a:rPr lang="en-US" dirty="0">
                 <a:latin typeface="Consolas" panose="020B0609020204030204" pitchFamily="49" charset="0"/>
               </a:rPr>
               <a:t>}</a:t>
@@ -10821,13 +10488,13 @@
           <a:lstStyle/>
           <a:p>
             <a:r>
-              <a:rPr lang="en-US" dirty="0" err="1" smtClean="0">
+              <a:rPr lang="en-US" dirty="0" err="1">
                 <a:latin typeface="Consolas" panose="020B0609020204030204" pitchFamily="49" charset="0"/>
               </a:rPr>
               <a:t>LinkedList</a:t>
             </a:r>
             <a:r>
-              <a:rPr lang="en-US" dirty="0" smtClean="0">
+              <a:rPr lang="en-US" dirty="0">
                 <a:latin typeface="Consolas" panose="020B0609020204030204" pitchFamily="49" charset="0"/>
               </a:rPr>
               <a:t> list = ……</a:t>
@@ -10839,25 +10506,17 @@
             </a:endParaRPr>
           </a:p>
           <a:p>
-            <a:endParaRPr lang="en-US" dirty="0" smtClean="0">
-              <a:latin typeface="Consolas" panose="020B0609020204030204" pitchFamily="49" charset="0"/>
-            </a:endParaRPr>
-          </a:p>
-          <a:p>
-            <a:r>
-              <a:rPr lang="en-US" dirty="0" smtClean="0">
-                <a:latin typeface="Consolas" panose="020B0609020204030204" pitchFamily="49" charset="0"/>
-              </a:rPr>
-              <a:t>//Another Day!</a:t>
-            </a:r>
             <a:endParaRPr lang="en-US" dirty="0">
               <a:latin typeface="Consolas" panose="020B0609020204030204" pitchFamily="49" charset="0"/>
             </a:endParaRPr>
           </a:p>
           <a:p>
-            <a:endParaRPr lang="en-US" dirty="0" smtClean="0">
-              <a:latin typeface="Consolas" panose="020B0609020204030204" pitchFamily="49" charset="0"/>
-            </a:endParaRPr>
+            <a:r>
+              <a:rPr lang="en-US" dirty="0">
+                <a:latin typeface="Consolas" panose="020B0609020204030204" pitchFamily="49" charset="0"/>
+              </a:rPr>
+              <a:t>//Another Day!</a:t>
+            </a:r>
           </a:p>
           <a:p>
             <a:endParaRPr lang="en-US" dirty="0">
@@ -10865,28 +10524,33 @@
             </a:endParaRPr>
           </a:p>
           <a:p>
-            <a:endParaRPr lang="en-US" dirty="0" smtClean="0">
-              <a:latin typeface="Consolas" panose="020B0609020204030204" pitchFamily="49" charset="0"/>
-            </a:endParaRPr>
-          </a:p>
-          <a:p>
             <a:endParaRPr lang="en-US" dirty="0">
               <a:latin typeface="Consolas" panose="020B0609020204030204" pitchFamily="49" charset="0"/>
             </a:endParaRPr>
           </a:p>
           <a:p>
-            <a:endParaRPr lang="en-US" dirty="0" smtClean="0">
+            <a:endParaRPr lang="en-US" dirty="0">
               <a:latin typeface="Consolas" panose="020B0609020204030204" pitchFamily="49" charset="0"/>
             </a:endParaRPr>
           </a:p>
           <a:p>
-            <a:endParaRPr lang="en-US" dirty="0" smtClean="0">
+            <a:endParaRPr lang="en-US" dirty="0">
               <a:latin typeface="Consolas" panose="020B0609020204030204" pitchFamily="49" charset="0"/>
             </a:endParaRPr>
           </a:p>
           <a:p>
-            <a:r>
-              <a:rPr lang="en-US" dirty="0" smtClean="0">
+            <a:endParaRPr lang="en-US" dirty="0">
+              <a:latin typeface="Consolas" panose="020B0609020204030204" pitchFamily="49" charset="0"/>
+            </a:endParaRPr>
+          </a:p>
+          <a:p>
+            <a:endParaRPr lang="en-US" dirty="0">
+              <a:latin typeface="Consolas" panose="020B0609020204030204" pitchFamily="49" charset="0"/>
+            </a:endParaRPr>
+          </a:p>
+          <a:p>
+            <a:r>
+              <a:rPr lang="en-US" dirty="0">
                 <a:solidFill>
                   <a:srgbClr val="0070C0"/>
                 </a:solidFill>
@@ -10895,7 +10559,7 @@
               <a:t>Node current = </a:t>
             </a:r>
             <a:r>
-              <a:rPr lang="en-US" dirty="0" err="1" smtClean="0">
+              <a:rPr lang="en-US" dirty="0" err="1">
                 <a:solidFill>
                   <a:srgbClr val="0070C0"/>
                 </a:solidFill>
@@ -10904,7 +10568,7 @@
               <a:t>this.head</a:t>
             </a:r>
             <a:r>
-              <a:rPr lang="en-US" dirty="0" smtClean="0">
+              <a:rPr lang="en-US" dirty="0">
                 <a:solidFill>
                   <a:srgbClr val="0070C0"/>
                 </a:solidFill>
@@ -10915,13 +10579,13 @@
           </a:p>
           <a:p>
             <a:r>
-              <a:rPr lang="en-US" dirty="0" smtClean="0">
+              <a:rPr lang="en-US" dirty="0">
                 <a:latin typeface="Consolas" panose="020B0609020204030204" pitchFamily="49" charset="0"/>
               </a:rPr>
               <a:t>while ( </a:t>
             </a:r>
             <a:r>
-              <a:rPr lang="en-US" dirty="0" smtClean="0">
+              <a:rPr lang="en-US" dirty="0">
                 <a:solidFill>
                   <a:schemeClr val="accent3">
                     <a:lumMod val="75000"/>
@@ -10932,7 +10596,7 @@
               <a:t>?</a:t>
             </a:r>
             <a:r>
-              <a:rPr lang="en-US" dirty="0" smtClean="0">
+              <a:rPr lang="en-US" dirty="0">
                 <a:latin typeface="Consolas" panose="020B0609020204030204" pitchFamily="49" charset="0"/>
               </a:rPr>
               <a:t>  ) {</a:t>
@@ -10940,16 +10604,10 @@
           </a:p>
           <a:p>
             <a:r>
-              <a:rPr lang="en-US" dirty="0" smtClean="0">
-                <a:latin typeface="Consolas" panose="020B0609020204030204" pitchFamily="49" charset="0"/>
-              </a:rPr>
-              <a:t>	//</a:t>
-            </a:r>
-            <a:r>
-              <a:rPr lang="en-US" dirty="0">
-                <a:latin typeface="Consolas" panose="020B0609020204030204" pitchFamily="49" charset="0"/>
-              </a:rPr>
-              <a:t>do stuff with</a:t>
+              <a:rPr lang="en-US" dirty="0">
+                <a:latin typeface="Consolas" panose="020B0609020204030204" pitchFamily="49" charset="0"/>
+              </a:rPr>
+              <a:t>	//do stuff with</a:t>
             </a:r>
           </a:p>
           <a:p>
@@ -10959,9 +10617,6 @@
               </a:rPr>
               <a:t>	//arbitrary element </a:t>
             </a:r>
-            <a:endParaRPr lang="en-US" dirty="0" smtClean="0">
-              <a:latin typeface="Consolas" panose="020B0609020204030204" pitchFamily="49" charset="0"/>
-            </a:endParaRPr>
           </a:p>
           <a:p>
             <a:r>
@@ -10982,7 +10637,7 @@
           </a:p>
           <a:p>
             <a:r>
-              <a:rPr lang="en-US" dirty="0" smtClean="0">
+              <a:rPr lang="en-US" dirty="0">
                 <a:latin typeface="Consolas" panose="020B0609020204030204" pitchFamily="49" charset="0"/>
               </a:rPr>
               <a:t>}</a:t>
@@ -11010,13 +10665,6 @@
   <p:clrMapOvr>
     <a:masterClrMapping/>
   </p:clrMapOvr>
-  <p:timing>
-    <p:tnLst>
-      <p:par>
-        <p:cTn id="1" dur="indefinite" restart="never" nodeType="tmRoot"/>
-      </p:par>
-    </p:tnLst>
-  </p:timing>
 </p:sld>
 </file>
 
@@ -11053,11 +10701,11 @@
           <a:lstStyle/>
           <a:p>
             <a:r>
-              <a:rPr lang="en-US" dirty="0" smtClean="0"/>
+              <a:rPr lang="en-US" dirty="0"/>
               <a:t>Loops in Arrays vs. </a:t>
             </a:r>
             <a:r>
-              <a:rPr lang="en-US" dirty="0" err="1" smtClean="0"/>
+              <a:rPr lang="en-US" dirty="0" err="1"/>
               <a:t>LinkedLists</a:t>
             </a:r>
             <a:endParaRPr lang="en-US" dirty="0"/>
@@ -11115,25 +10763,25 @@
           <a:lstStyle/>
           <a:p>
             <a:r>
-              <a:rPr lang="en-US" dirty="0" err="1" smtClean="0">
+              <a:rPr lang="en-US" dirty="0" err="1">
                 <a:latin typeface="Consolas" panose="020B0609020204030204" pitchFamily="49" charset="0"/>
               </a:rPr>
               <a:t>int</a:t>
             </a:r>
             <a:r>
-              <a:rPr lang="en-US" dirty="0" smtClean="0">
+              <a:rPr lang="en-US" dirty="0">
                 <a:latin typeface="Consolas" panose="020B0609020204030204" pitchFamily="49" charset="0"/>
               </a:rPr>
               <a:t>[]  </a:t>
             </a:r>
             <a:r>
-              <a:rPr lang="en-US" dirty="0" err="1" smtClean="0">
+              <a:rPr lang="en-US" dirty="0" err="1">
                 <a:latin typeface="Consolas" panose="020B0609020204030204" pitchFamily="49" charset="0"/>
               </a:rPr>
               <a:t>nums</a:t>
             </a:r>
             <a:r>
-              <a:rPr lang="en-US" dirty="0" smtClean="0">
+              <a:rPr lang="en-US" dirty="0">
                 <a:latin typeface="Consolas" panose="020B0609020204030204" pitchFamily="49" charset="0"/>
               </a:rPr>
               <a:t> = ……</a:t>
@@ -11145,104 +10793,101 @@
             </a:endParaRPr>
           </a:p>
           <a:p>
-            <a:endParaRPr lang="en-US" dirty="0" smtClean="0">
-              <a:latin typeface="Consolas" panose="020B0609020204030204" pitchFamily="49" charset="0"/>
-            </a:endParaRPr>
-          </a:p>
-          <a:p>
-            <a:r>
-              <a:rPr lang="en-US" dirty="0" smtClean="0">
-                <a:latin typeface="Consolas" panose="020B0609020204030204" pitchFamily="49" charset="0"/>
-              </a:rPr>
-              <a:t>for (</a:t>
-            </a:r>
-            <a:r>
-              <a:rPr lang="en-US" dirty="0" err="1" smtClean="0">
-                <a:latin typeface="Consolas" panose="020B0609020204030204" pitchFamily="49" charset="0"/>
-              </a:rPr>
-              <a:t>int</a:t>
-            </a:r>
-            <a:r>
-              <a:rPr lang="en-US" dirty="0" smtClean="0">
-                <a:latin typeface="Consolas" panose="020B0609020204030204" pitchFamily="49" charset="0"/>
-              </a:rPr>
-              <a:t> </a:t>
-            </a:r>
-            <a:r>
-              <a:rPr lang="en-US" dirty="0" err="1" smtClean="0">
-                <a:latin typeface="Consolas" panose="020B0609020204030204" pitchFamily="49" charset="0"/>
-              </a:rPr>
-              <a:t>i</a:t>
-            </a:r>
-            <a:r>
-              <a:rPr lang="en-US" dirty="0" smtClean="0">
-                <a:latin typeface="Consolas" panose="020B0609020204030204" pitchFamily="49" charset="0"/>
-              </a:rPr>
-              <a:t>=0; </a:t>
-            </a:r>
-            <a:r>
-              <a:rPr lang="en-US" dirty="0" err="1" smtClean="0">
-                <a:latin typeface="Consolas" panose="020B0609020204030204" pitchFamily="49" charset="0"/>
-              </a:rPr>
-              <a:t>i</a:t>
-            </a:r>
-            <a:r>
-              <a:rPr lang="en-US" dirty="0" smtClean="0">
-                <a:latin typeface="Consolas" panose="020B0609020204030204" pitchFamily="49" charset="0"/>
-              </a:rPr>
-              <a:t>&lt; </a:t>
-            </a:r>
-            <a:r>
-              <a:rPr lang="en-US" dirty="0" err="1" smtClean="0">
-                <a:latin typeface="Consolas" panose="020B0609020204030204" pitchFamily="49" charset="0"/>
-              </a:rPr>
-              <a:t>nums.length</a:t>
-            </a:r>
-            <a:r>
-              <a:rPr lang="en-US" dirty="0" smtClean="0">
-                <a:latin typeface="Consolas" panose="020B0609020204030204" pitchFamily="49" charset="0"/>
-              </a:rPr>
-              <a:t>; ++) {</a:t>
-            </a:r>
-          </a:p>
-          <a:p>
-            <a:r>
-              <a:rPr lang="en-US" dirty="0" smtClean="0">
-                <a:latin typeface="Consolas" panose="020B0609020204030204" pitchFamily="49" charset="0"/>
-              </a:rPr>
-              <a:t>	//do stuff with</a:t>
-            </a:r>
             <a:endParaRPr lang="en-US" dirty="0">
               <a:latin typeface="Consolas" panose="020B0609020204030204" pitchFamily="49" charset="0"/>
             </a:endParaRPr>
           </a:p>
           <a:p>
             <a:r>
-              <a:rPr lang="en-US" dirty="0" smtClean="0">
+              <a:rPr lang="en-US" dirty="0">
+                <a:latin typeface="Consolas" panose="020B0609020204030204" pitchFamily="49" charset="0"/>
+              </a:rPr>
+              <a:t>for (</a:t>
+            </a:r>
+            <a:r>
+              <a:rPr lang="en-US" dirty="0" err="1">
+                <a:latin typeface="Consolas" panose="020B0609020204030204" pitchFamily="49" charset="0"/>
+              </a:rPr>
+              <a:t>int</a:t>
+            </a:r>
+            <a:r>
+              <a:rPr lang="en-US" dirty="0">
+                <a:latin typeface="Consolas" panose="020B0609020204030204" pitchFamily="49" charset="0"/>
+              </a:rPr>
+              <a:t> </a:t>
+            </a:r>
+            <a:r>
+              <a:rPr lang="en-US" dirty="0" err="1">
+                <a:latin typeface="Consolas" panose="020B0609020204030204" pitchFamily="49" charset="0"/>
+              </a:rPr>
+              <a:t>i</a:t>
+            </a:r>
+            <a:r>
+              <a:rPr lang="en-US" dirty="0">
+                <a:latin typeface="Consolas" panose="020B0609020204030204" pitchFamily="49" charset="0"/>
+              </a:rPr>
+              <a:t>=0; </a:t>
+            </a:r>
+            <a:r>
+              <a:rPr lang="en-US" dirty="0" err="1">
+                <a:latin typeface="Consolas" panose="020B0609020204030204" pitchFamily="49" charset="0"/>
+              </a:rPr>
+              <a:t>i</a:t>
+            </a:r>
+            <a:r>
+              <a:rPr lang="en-US" dirty="0">
+                <a:latin typeface="Consolas" panose="020B0609020204030204" pitchFamily="49" charset="0"/>
+              </a:rPr>
+              <a:t>&lt; </a:t>
+            </a:r>
+            <a:r>
+              <a:rPr lang="en-US" dirty="0" err="1">
+                <a:latin typeface="Consolas" panose="020B0609020204030204" pitchFamily="49" charset="0"/>
+              </a:rPr>
+              <a:t>nums.length</a:t>
+            </a:r>
+            <a:r>
+              <a:rPr lang="en-US" dirty="0">
+                <a:latin typeface="Consolas" panose="020B0609020204030204" pitchFamily="49" charset="0"/>
+              </a:rPr>
+              <a:t>; ++) {</a:t>
+            </a:r>
+          </a:p>
+          <a:p>
+            <a:r>
+              <a:rPr lang="en-US" dirty="0">
+                <a:latin typeface="Consolas" panose="020B0609020204030204" pitchFamily="49" charset="0"/>
+              </a:rPr>
+              <a:t>	//do stuff with</a:t>
+            </a:r>
+          </a:p>
+          <a:p>
+            <a:r>
+              <a:rPr lang="en-US" dirty="0">
                 <a:latin typeface="Consolas" panose="020B0609020204030204" pitchFamily="49" charset="0"/>
               </a:rPr>
               <a:t>	//arbitrary element </a:t>
             </a:r>
             <a:r>
-              <a:rPr lang="en-US" dirty="0" err="1" smtClean="0">
+              <a:rPr lang="en-US" dirty="0" err="1">
                 <a:latin typeface="Consolas" panose="020B0609020204030204" pitchFamily="49" charset="0"/>
               </a:rPr>
               <a:t>nums</a:t>
             </a:r>
             <a:r>
-              <a:rPr lang="en-US" dirty="0" smtClean="0">
+              <a:rPr lang="en-US" dirty="0">
                 <a:latin typeface="Consolas" panose="020B0609020204030204" pitchFamily="49" charset="0"/>
               </a:rPr>
               <a:t>[</a:t>
             </a:r>
             <a:r>
-              <a:rPr lang="en-US" dirty="0" err="1" smtClean="0">
+              <a:rPr lang="en-US" dirty="0" err="1">
                 <a:latin typeface="Consolas" panose="020B0609020204030204" pitchFamily="49" charset="0"/>
               </a:rPr>
               <a:t>i</a:t>
             </a:r>
             <a:r>
-              <a:rPr lang="en-US" dirty="0" smtClean="0">
+              <a:rPr lang="en-US" dirty="0">
                 <a:latin typeface="Consolas" panose="020B0609020204030204" pitchFamily="49" charset="0"/>
               </a:rPr>
               <a:t>]</a:t>
@@ -11250,7 +10895,7 @@
           </a:p>
           <a:p>
             <a:r>
-              <a:rPr lang="en-US" dirty="0" smtClean="0">
+              <a:rPr lang="en-US" dirty="0">
                 <a:latin typeface="Consolas" panose="020B0609020204030204" pitchFamily="49" charset="0"/>
               </a:rPr>
               <a:t>}</a:t>
@@ -11263,20 +10908,20 @@
           </a:p>
           <a:p>
             <a:r>
-              <a:rPr lang="en-US" dirty="0" smtClean="0">
+              <a:rPr lang="en-US" dirty="0">
                 <a:latin typeface="Consolas" panose="020B0609020204030204" pitchFamily="49" charset="0"/>
               </a:rPr>
               <a:t>Equivalent in while loop</a:t>
             </a:r>
           </a:p>
           <a:p>
-            <a:endParaRPr lang="en-US" dirty="0" smtClean="0">
+            <a:endParaRPr lang="en-US" dirty="0">
               <a:latin typeface="Consolas" panose="020B0609020204030204" pitchFamily="49" charset="0"/>
             </a:endParaRPr>
           </a:p>
           <a:p>
             <a:r>
-              <a:rPr lang="en-US" dirty="0" err="1" smtClean="0">
+              <a:rPr lang="en-US" dirty="0" err="1">
                 <a:solidFill>
                   <a:srgbClr val="0070C0"/>
                 </a:solidFill>
@@ -11285,7 +10930,7 @@
               <a:t>int</a:t>
             </a:r>
             <a:r>
-              <a:rPr lang="en-US" dirty="0" smtClean="0">
+              <a:rPr lang="en-US" dirty="0">
                 <a:solidFill>
                   <a:srgbClr val="0070C0"/>
                 </a:solidFill>
@@ -11294,7 +10939,7 @@
               <a:t> </a:t>
             </a:r>
             <a:r>
-              <a:rPr lang="en-US" dirty="0" err="1" smtClean="0">
+              <a:rPr lang="en-US" dirty="0" err="1">
                 <a:solidFill>
                   <a:srgbClr val="0070C0"/>
                 </a:solidFill>
@@ -11303,7 +10948,7 @@
               <a:t>i</a:t>
             </a:r>
             <a:r>
-              <a:rPr lang="en-US" dirty="0" smtClean="0">
+              <a:rPr lang="en-US" dirty="0">
                 <a:solidFill>
                   <a:srgbClr val="0070C0"/>
                 </a:solidFill>
@@ -11314,13 +10959,13 @@
           </a:p>
           <a:p>
             <a:r>
-              <a:rPr lang="en-US" dirty="0" smtClean="0">
+              <a:rPr lang="en-US" dirty="0">
                 <a:latin typeface="Consolas" panose="020B0609020204030204" pitchFamily="49" charset="0"/>
               </a:rPr>
               <a:t>while ( </a:t>
             </a:r>
             <a:r>
-              <a:rPr lang="en-US" dirty="0" err="1" smtClean="0">
+              <a:rPr lang="en-US" dirty="0" err="1">
                 <a:solidFill>
                   <a:schemeClr val="accent3">
                     <a:lumMod val="75000"/>
@@ -11331,7 +10976,7 @@
               <a:t>i</a:t>
             </a:r>
             <a:r>
-              <a:rPr lang="en-US" dirty="0" smtClean="0">
+              <a:rPr lang="en-US" dirty="0">
                 <a:solidFill>
                   <a:schemeClr val="accent3">
                     <a:lumMod val="75000"/>
@@ -11342,7 +10987,7 @@
               <a:t> &lt; </a:t>
             </a:r>
             <a:r>
-              <a:rPr lang="en-US" dirty="0" err="1" smtClean="0">
+              <a:rPr lang="en-US" dirty="0" err="1">
                 <a:solidFill>
                   <a:schemeClr val="accent3">
                     <a:lumMod val="75000"/>
@@ -11353,7 +10998,7 @@
               <a:t>nums.length</a:t>
             </a:r>
             <a:r>
-              <a:rPr lang="en-US" dirty="0" smtClean="0">
+              <a:rPr lang="en-US" dirty="0">
                 <a:latin typeface="Consolas" panose="020B0609020204030204" pitchFamily="49" charset="0"/>
               </a:rPr>
               <a:t>  ) {</a:t>
@@ -11361,16 +11006,10 @@
           </a:p>
           <a:p>
             <a:r>
-              <a:rPr lang="en-US" dirty="0" smtClean="0">
-                <a:latin typeface="Consolas" panose="020B0609020204030204" pitchFamily="49" charset="0"/>
-              </a:rPr>
-              <a:t>	//</a:t>
-            </a:r>
-            <a:r>
-              <a:rPr lang="en-US" dirty="0">
-                <a:latin typeface="Consolas" panose="020B0609020204030204" pitchFamily="49" charset="0"/>
-              </a:rPr>
-              <a:t>do stuff with</a:t>
+              <a:rPr lang="en-US" dirty="0">
+                <a:latin typeface="Consolas" panose="020B0609020204030204" pitchFamily="49" charset="0"/>
+              </a:rPr>
+              <a:t>	//do stuff with</a:t>
             </a:r>
           </a:p>
           <a:p>
@@ -11399,7 +11038,7 @@
               <a:t>i</a:t>
             </a:r>
             <a:r>
-              <a:rPr lang="en-US" dirty="0" smtClean="0">
+              <a:rPr lang="en-US" dirty="0">
                 <a:latin typeface="Consolas" panose="020B0609020204030204" pitchFamily="49" charset="0"/>
               </a:rPr>
               <a:t>]</a:t>
@@ -11413,7 +11052,7 @@
               <a:t>	</a:t>
             </a:r>
             <a:r>
-              <a:rPr lang="en-US" dirty="0" err="1" smtClean="0">
+              <a:rPr lang="en-US" dirty="0" err="1">
                 <a:solidFill>
                   <a:schemeClr val="accent6"/>
                 </a:solidFill>
@@ -11422,7 +11061,7 @@
               <a:t>i</a:t>
             </a:r>
             <a:r>
-              <a:rPr lang="en-US" smtClean="0">
+              <a:rPr lang="en-US">
                 <a:solidFill>
                   <a:schemeClr val="accent6"/>
                 </a:solidFill>
@@ -11439,7 +11078,7 @@
           </a:p>
           <a:p>
             <a:r>
-              <a:rPr lang="en-US" dirty="0" smtClean="0">
+              <a:rPr lang="en-US" dirty="0">
                 <a:latin typeface="Consolas" panose="020B0609020204030204" pitchFamily="49" charset="0"/>
               </a:rPr>
               <a:t>}</a:t>
@@ -11509,13 +11148,13 @@
           <a:lstStyle/>
           <a:p>
             <a:r>
-              <a:rPr lang="en-US" dirty="0" err="1" smtClean="0">
+              <a:rPr lang="en-US" dirty="0" err="1">
                 <a:latin typeface="Consolas" panose="020B0609020204030204" pitchFamily="49" charset="0"/>
               </a:rPr>
               <a:t>LinkedList</a:t>
             </a:r>
             <a:r>
-              <a:rPr lang="en-US" dirty="0" smtClean="0">
+              <a:rPr lang="en-US" dirty="0">
                 <a:latin typeface="Consolas" panose="020B0609020204030204" pitchFamily="49" charset="0"/>
               </a:rPr>
               <a:t> list = ……</a:t>
@@ -11527,25 +11166,17 @@
             </a:endParaRPr>
           </a:p>
           <a:p>
-            <a:endParaRPr lang="en-US" dirty="0" smtClean="0">
-              <a:latin typeface="Consolas" panose="020B0609020204030204" pitchFamily="49" charset="0"/>
-            </a:endParaRPr>
-          </a:p>
-          <a:p>
-            <a:r>
-              <a:rPr lang="en-US" dirty="0" smtClean="0">
-                <a:latin typeface="Consolas" panose="020B0609020204030204" pitchFamily="49" charset="0"/>
-              </a:rPr>
-              <a:t>//Another Day!</a:t>
-            </a:r>
             <a:endParaRPr lang="en-US" dirty="0">
               <a:latin typeface="Consolas" panose="020B0609020204030204" pitchFamily="49" charset="0"/>
             </a:endParaRPr>
           </a:p>
           <a:p>
-            <a:endParaRPr lang="en-US" dirty="0" smtClean="0">
-              <a:latin typeface="Consolas" panose="020B0609020204030204" pitchFamily="49" charset="0"/>
-            </a:endParaRPr>
+            <a:r>
+              <a:rPr lang="en-US" dirty="0">
+                <a:latin typeface="Consolas" panose="020B0609020204030204" pitchFamily="49" charset="0"/>
+              </a:rPr>
+              <a:t>//Another Day!</a:t>
+            </a:r>
           </a:p>
           <a:p>
             <a:endParaRPr lang="en-US" dirty="0">
@@ -11553,28 +11184,33 @@
             </a:endParaRPr>
           </a:p>
           <a:p>
-            <a:endParaRPr lang="en-US" dirty="0" smtClean="0">
-              <a:latin typeface="Consolas" panose="020B0609020204030204" pitchFamily="49" charset="0"/>
-            </a:endParaRPr>
-          </a:p>
-          <a:p>
             <a:endParaRPr lang="en-US" dirty="0">
               <a:latin typeface="Consolas" panose="020B0609020204030204" pitchFamily="49" charset="0"/>
             </a:endParaRPr>
           </a:p>
           <a:p>
-            <a:endParaRPr lang="en-US" dirty="0" smtClean="0">
+            <a:endParaRPr lang="en-US" dirty="0">
               <a:latin typeface="Consolas" panose="020B0609020204030204" pitchFamily="49" charset="0"/>
             </a:endParaRPr>
           </a:p>
           <a:p>
-            <a:endParaRPr lang="en-US" dirty="0" smtClean="0">
+            <a:endParaRPr lang="en-US" dirty="0">
               <a:latin typeface="Consolas" panose="020B0609020204030204" pitchFamily="49" charset="0"/>
             </a:endParaRPr>
           </a:p>
           <a:p>
-            <a:r>
-              <a:rPr lang="en-US" dirty="0" smtClean="0">
+            <a:endParaRPr lang="en-US" dirty="0">
+              <a:latin typeface="Consolas" panose="020B0609020204030204" pitchFamily="49" charset="0"/>
+            </a:endParaRPr>
+          </a:p>
+          <a:p>
+            <a:endParaRPr lang="en-US" dirty="0">
+              <a:latin typeface="Consolas" panose="020B0609020204030204" pitchFamily="49" charset="0"/>
+            </a:endParaRPr>
+          </a:p>
+          <a:p>
+            <a:r>
+              <a:rPr lang="en-US" dirty="0">
                 <a:solidFill>
                   <a:srgbClr val="0070C0"/>
                 </a:solidFill>
@@ -11583,7 +11219,7 @@
               <a:t>Node current = </a:t>
             </a:r>
             <a:r>
-              <a:rPr lang="en-US" dirty="0" err="1" smtClean="0">
+              <a:rPr lang="en-US" dirty="0" err="1">
                 <a:solidFill>
                   <a:srgbClr val="0070C0"/>
                 </a:solidFill>
@@ -11592,7 +11228,7 @@
               <a:t>this.head</a:t>
             </a:r>
             <a:r>
-              <a:rPr lang="en-US" dirty="0" smtClean="0">
+              <a:rPr lang="en-US" dirty="0">
                 <a:solidFill>
                   <a:srgbClr val="0070C0"/>
                 </a:solidFill>
@@ -11603,13 +11239,13 @@
           </a:p>
           <a:p>
             <a:r>
-              <a:rPr lang="en-US" dirty="0" smtClean="0">
+              <a:rPr lang="en-US" dirty="0">
                 <a:latin typeface="Consolas" panose="020B0609020204030204" pitchFamily="49" charset="0"/>
               </a:rPr>
               <a:t>while ( </a:t>
             </a:r>
             <a:r>
-              <a:rPr lang="en-US" dirty="0" smtClean="0">
+              <a:rPr lang="en-US" dirty="0">
                 <a:solidFill>
                   <a:schemeClr val="accent3">
                     <a:lumMod val="75000"/>
@@ -11620,7 +11256,7 @@
               <a:t>? </a:t>
             </a:r>
             <a:r>
-              <a:rPr lang="en-US" dirty="0" smtClean="0">
+              <a:rPr lang="en-US" dirty="0">
                 <a:latin typeface="Consolas" panose="020B0609020204030204" pitchFamily="49" charset="0"/>
               </a:rPr>
               <a:t> ) {</a:t>
@@ -11628,16 +11264,10 @@
           </a:p>
           <a:p>
             <a:r>
-              <a:rPr lang="en-US" dirty="0" smtClean="0">
-                <a:latin typeface="Consolas" panose="020B0609020204030204" pitchFamily="49" charset="0"/>
-              </a:rPr>
-              <a:t>	//</a:t>
-            </a:r>
-            <a:r>
-              <a:rPr lang="en-US" dirty="0">
-                <a:latin typeface="Consolas" panose="020B0609020204030204" pitchFamily="49" charset="0"/>
-              </a:rPr>
-              <a:t>do stuff with</a:t>
+              <a:rPr lang="en-US" dirty="0">
+                <a:latin typeface="Consolas" panose="020B0609020204030204" pitchFamily="49" charset="0"/>
+              </a:rPr>
+              <a:t>	//do stuff with</a:t>
             </a:r>
           </a:p>
           <a:p>
@@ -11647,9 +11277,6 @@
               </a:rPr>
               <a:t>	//arbitrary element </a:t>
             </a:r>
-            <a:endParaRPr lang="en-US" dirty="0" smtClean="0">
-              <a:latin typeface="Consolas" panose="020B0609020204030204" pitchFamily="49" charset="0"/>
-            </a:endParaRPr>
           </a:p>
           <a:p>
             <a:r>
@@ -11659,7 +11286,7 @@
               <a:t>	</a:t>
             </a:r>
             <a:r>
-              <a:rPr lang="en-US" dirty="0" smtClean="0">
+              <a:rPr lang="en-US" dirty="0">
                 <a:solidFill>
                   <a:schemeClr val="accent6"/>
                 </a:solidFill>
@@ -11668,7 +11295,7 @@
               <a:t>current = </a:t>
             </a:r>
             <a:r>
-              <a:rPr lang="en-US" dirty="0" err="1" smtClean="0">
+              <a:rPr lang="en-US" dirty="0" err="1">
                 <a:solidFill>
                   <a:schemeClr val="accent6"/>
                 </a:solidFill>
@@ -11677,7 +11304,7 @@
               <a:t>current.next</a:t>
             </a:r>
             <a:r>
-              <a:rPr lang="en-US" dirty="0" smtClean="0">
+              <a:rPr lang="en-US" dirty="0">
                 <a:solidFill>
                   <a:schemeClr val="accent6"/>
                 </a:solidFill>
@@ -11685,16 +11312,10 @@
               </a:rPr>
               <a:t>;</a:t>
             </a:r>
-            <a:endParaRPr lang="en-US" dirty="0">
-              <a:solidFill>
-                <a:schemeClr val="accent6"/>
-              </a:solidFill>
-              <a:latin typeface="Consolas" panose="020B0609020204030204" pitchFamily="49" charset="0"/>
-            </a:endParaRPr>
-          </a:p>
-          <a:p>
-            <a:r>
-              <a:rPr lang="en-US" dirty="0" smtClean="0">
+          </a:p>
+          <a:p>
+            <a:r>
+              <a:rPr lang="en-US" dirty="0">
                 <a:latin typeface="Consolas" panose="020B0609020204030204" pitchFamily="49" charset="0"/>
               </a:rPr>
               <a:t>}</a:t>
@@ -11722,13 +11343,6 @@
   <p:clrMapOvr>
     <a:masterClrMapping/>
   </p:clrMapOvr>
-  <p:timing>
-    <p:tnLst>
-      <p:par>
-        <p:cTn id="1" dur="indefinite" restart="never" nodeType="tmRoot"/>
-      </p:par>
-    </p:tnLst>
-  </p:timing>
 </p:sld>
 </file>
 
@@ -11765,11 +11379,11 @@
           <a:lstStyle/>
           <a:p>
             <a:r>
-              <a:rPr lang="en-US" dirty="0" smtClean="0"/>
+              <a:rPr lang="en-US" dirty="0"/>
               <a:t>Loops in Arrays vs. </a:t>
             </a:r>
             <a:r>
-              <a:rPr lang="en-US" dirty="0" err="1" smtClean="0"/>
+              <a:rPr lang="en-US" dirty="0" err="1"/>
               <a:t>LinkedLists</a:t>
             </a:r>
             <a:endParaRPr lang="en-US" dirty="0"/>
@@ -11827,25 +11441,25 @@
           <a:lstStyle/>
           <a:p>
             <a:r>
-              <a:rPr lang="en-US" dirty="0" err="1" smtClean="0">
+              <a:rPr lang="en-US" dirty="0" err="1">
                 <a:latin typeface="Consolas" panose="020B0609020204030204" pitchFamily="49" charset="0"/>
               </a:rPr>
               <a:t>int</a:t>
             </a:r>
             <a:r>
-              <a:rPr lang="en-US" dirty="0" smtClean="0">
+              <a:rPr lang="en-US" dirty="0">
                 <a:latin typeface="Consolas" panose="020B0609020204030204" pitchFamily="49" charset="0"/>
               </a:rPr>
               <a:t>[]  </a:t>
             </a:r>
             <a:r>
-              <a:rPr lang="en-US" dirty="0" err="1" smtClean="0">
+              <a:rPr lang="en-US" dirty="0" err="1">
                 <a:latin typeface="Consolas" panose="020B0609020204030204" pitchFamily="49" charset="0"/>
               </a:rPr>
               <a:t>nums</a:t>
             </a:r>
             <a:r>
-              <a:rPr lang="en-US" dirty="0" smtClean="0">
+              <a:rPr lang="en-US" dirty="0">
                 <a:latin typeface="Consolas" panose="020B0609020204030204" pitchFamily="49" charset="0"/>
               </a:rPr>
               <a:t> = ……</a:t>
@@ -11857,104 +11471,101 @@
             </a:endParaRPr>
           </a:p>
           <a:p>
-            <a:endParaRPr lang="en-US" dirty="0" smtClean="0">
-              <a:latin typeface="Consolas" panose="020B0609020204030204" pitchFamily="49" charset="0"/>
-            </a:endParaRPr>
-          </a:p>
-          <a:p>
-            <a:r>
-              <a:rPr lang="en-US" dirty="0" smtClean="0">
-                <a:latin typeface="Consolas" panose="020B0609020204030204" pitchFamily="49" charset="0"/>
-              </a:rPr>
-              <a:t>for (</a:t>
-            </a:r>
-            <a:r>
-              <a:rPr lang="en-US" dirty="0" err="1" smtClean="0">
-                <a:latin typeface="Consolas" panose="020B0609020204030204" pitchFamily="49" charset="0"/>
-              </a:rPr>
-              <a:t>int</a:t>
-            </a:r>
-            <a:r>
-              <a:rPr lang="en-US" dirty="0" smtClean="0">
-                <a:latin typeface="Consolas" panose="020B0609020204030204" pitchFamily="49" charset="0"/>
-              </a:rPr>
-              <a:t> </a:t>
-            </a:r>
-            <a:r>
-              <a:rPr lang="en-US" dirty="0" err="1" smtClean="0">
-                <a:latin typeface="Consolas" panose="020B0609020204030204" pitchFamily="49" charset="0"/>
-              </a:rPr>
-              <a:t>i</a:t>
-            </a:r>
-            <a:r>
-              <a:rPr lang="en-US" dirty="0" smtClean="0">
-                <a:latin typeface="Consolas" panose="020B0609020204030204" pitchFamily="49" charset="0"/>
-              </a:rPr>
-              <a:t>=0; </a:t>
-            </a:r>
-            <a:r>
-              <a:rPr lang="en-US" dirty="0" err="1" smtClean="0">
-                <a:latin typeface="Consolas" panose="020B0609020204030204" pitchFamily="49" charset="0"/>
-              </a:rPr>
-              <a:t>i</a:t>
-            </a:r>
-            <a:r>
-              <a:rPr lang="en-US" dirty="0" smtClean="0">
-                <a:latin typeface="Consolas" panose="020B0609020204030204" pitchFamily="49" charset="0"/>
-              </a:rPr>
-              <a:t>&lt; </a:t>
-            </a:r>
-            <a:r>
-              <a:rPr lang="en-US" dirty="0" err="1" smtClean="0">
-                <a:latin typeface="Consolas" panose="020B0609020204030204" pitchFamily="49" charset="0"/>
-              </a:rPr>
-              <a:t>nums.length</a:t>
-            </a:r>
-            <a:r>
-              <a:rPr lang="en-US" dirty="0" smtClean="0">
-                <a:latin typeface="Consolas" panose="020B0609020204030204" pitchFamily="49" charset="0"/>
-              </a:rPr>
-              <a:t>; ++) {</a:t>
-            </a:r>
-          </a:p>
-          <a:p>
-            <a:r>
-              <a:rPr lang="en-US" dirty="0" smtClean="0">
-                <a:latin typeface="Consolas" panose="020B0609020204030204" pitchFamily="49" charset="0"/>
-              </a:rPr>
-              <a:t>	//do stuff with</a:t>
-            </a:r>
             <a:endParaRPr lang="en-US" dirty="0">
               <a:latin typeface="Consolas" panose="020B0609020204030204" pitchFamily="49" charset="0"/>
             </a:endParaRPr>
           </a:p>
           <a:p>
             <a:r>
-              <a:rPr lang="en-US" dirty="0" smtClean="0">
+              <a:rPr lang="en-US" dirty="0">
+                <a:latin typeface="Consolas" panose="020B0609020204030204" pitchFamily="49" charset="0"/>
+              </a:rPr>
+              <a:t>for (</a:t>
+            </a:r>
+            <a:r>
+              <a:rPr lang="en-US" dirty="0" err="1">
+                <a:latin typeface="Consolas" panose="020B0609020204030204" pitchFamily="49" charset="0"/>
+              </a:rPr>
+              <a:t>int</a:t>
+            </a:r>
+            <a:r>
+              <a:rPr lang="en-US" dirty="0">
+                <a:latin typeface="Consolas" panose="020B0609020204030204" pitchFamily="49" charset="0"/>
+              </a:rPr>
+              <a:t> </a:t>
+            </a:r>
+            <a:r>
+              <a:rPr lang="en-US" dirty="0" err="1">
+                <a:latin typeface="Consolas" panose="020B0609020204030204" pitchFamily="49" charset="0"/>
+              </a:rPr>
+              <a:t>i</a:t>
+            </a:r>
+            <a:r>
+              <a:rPr lang="en-US" dirty="0">
+                <a:latin typeface="Consolas" panose="020B0609020204030204" pitchFamily="49" charset="0"/>
+              </a:rPr>
+              <a:t>=0; </a:t>
+            </a:r>
+            <a:r>
+              <a:rPr lang="en-US" dirty="0" err="1">
+                <a:latin typeface="Consolas" panose="020B0609020204030204" pitchFamily="49" charset="0"/>
+              </a:rPr>
+              <a:t>i</a:t>
+            </a:r>
+            <a:r>
+              <a:rPr lang="en-US" dirty="0">
+                <a:latin typeface="Consolas" panose="020B0609020204030204" pitchFamily="49" charset="0"/>
+              </a:rPr>
+              <a:t>&lt; </a:t>
+            </a:r>
+            <a:r>
+              <a:rPr lang="en-US" dirty="0" err="1">
+                <a:latin typeface="Consolas" panose="020B0609020204030204" pitchFamily="49" charset="0"/>
+              </a:rPr>
+              <a:t>nums.length</a:t>
+            </a:r>
+            <a:r>
+              <a:rPr lang="en-US" dirty="0">
+                <a:latin typeface="Consolas" panose="020B0609020204030204" pitchFamily="49" charset="0"/>
+              </a:rPr>
+              <a:t>; ++) {</a:t>
+            </a:r>
+          </a:p>
+          <a:p>
+            <a:r>
+              <a:rPr lang="en-US" dirty="0">
+                <a:latin typeface="Consolas" panose="020B0609020204030204" pitchFamily="49" charset="0"/>
+              </a:rPr>
+              <a:t>	//do stuff with</a:t>
+            </a:r>
+          </a:p>
+          <a:p>
+            <a:r>
+              <a:rPr lang="en-US" dirty="0">
                 <a:latin typeface="Consolas" panose="020B0609020204030204" pitchFamily="49" charset="0"/>
               </a:rPr>
               <a:t>	//arbitrary element </a:t>
             </a:r>
             <a:r>
-              <a:rPr lang="en-US" dirty="0" err="1" smtClean="0">
+              <a:rPr lang="en-US" dirty="0" err="1">
                 <a:latin typeface="Consolas" panose="020B0609020204030204" pitchFamily="49" charset="0"/>
               </a:rPr>
               <a:t>nums</a:t>
             </a:r>
             <a:r>
-              <a:rPr lang="en-US" dirty="0" smtClean="0">
+              <a:rPr lang="en-US" dirty="0">
                 <a:latin typeface="Consolas" panose="020B0609020204030204" pitchFamily="49" charset="0"/>
               </a:rPr>
               <a:t>[</a:t>
             </a:r>
             <a:r>
-              <a:rPr lang="en-US" dirty="0" err="1" smtClean="0">
+              <a:rPr lang="en-US" dirty="0" err="1">
                 <a:latin typeface="Consolas" panose="020B0609020204030204" pitchFamily="49" charset="0"/>
               </a:rPr>
               <a:t>i</a:t>
             </a:r>
             <a:r>
-              <a:rPr lang="en-US" dirty="0" smtClean="0">
+              <a:rPr lang="en-US" dirty="0">
                 <a:latin typeface="Consolas" panose="020B0609020204030204" pitchFamily="49" charset="0"/>
               </a:rPr>
               <a:t>]</a:t>
@@ -11962,7 +11573,7 @@
           </a:p>
           <a:p>
             <a:r>
-              <a:rPr lang="en-US" dirty="0" smtClean="0">
+              <a:rPr lang="en-US" dirty="0">
                 <a:latin typeface="Consolas" panose="020B0609020204030204" pitchFamily="49" charset="0"/>
               </a:rPr>
               <a:t>}</a:t>
@@ -11975,20 +11586,20 @@
           </a:p>
           <a:p>
             <a:r>
-              <a:rPr lang="en-US" dirty="0" smtClean="0">
+              <a:rPr lang="en-US" dirty="0">
                 <a:latin typeface="Consolas" panose="020B0609020204030204" pitchFamily="49" charset="0"/>
               </a:rPr>
               <a:t>Equivalent in while loop</a:t>
             </a:r>
           </a:p>
           <a:p>
-            <a:endParaRPr lang="en-US" dirty="0" smtClean="0">
+            <a:endParaRPr lang="en-US" dirty="0">
               <a:latin typeface="Consolas" panose="020B0609020204030204" pitchFamily="49" charset="0"/>
             </a:endParaRPr>
           </a:p>
           <a:p>
             <a:r>
-              <a:rPr lang="en-US" dirty="0" err="1" smtClean="0">
+              <a:rPr lang="en-US" dirty="0" err="1">
                 <a:solidFill>
                   <a:srgbClr val="0070C0"/>
                 </a:solidFill>
@@ -11997,7 +11608,7 @@
               <a:t>int</a:t>
             </a:r>
             <a:r>
-              <a:rPr lang="en-US" dirty="0" smtClean="0">
+              <a:rPr lang="en-US" dirty="0">
                 <a:solidFill>
                   <a:srgbClr val="0070C0"/>
                 </a:solidFill>
@@ -12006,7 +11617,7 @@
               <a:t> </a:t>
             </a:r>
             <a:r>
-              <a:rPr lang="en-US" dirty="0" err="1" smtClean="0">
+              <a:rPr lang="en-US" dirty="0" err="1">
                 <a:solidFill>
                   <a:srgbClr val="0070C0"/>
                 </a:solidFill>
@@ -12015,7 +11626,7 @@
               <a:t>i</a:t>
             </a:r>
             <a:r>
-              <a:rPr lang="en-US" dirty="0" smtClean="0">
+              <a:rPr lang="en-US" dirty="0">
                 <a:solidFill>
                   <a:srgbClr val="0070C0"/>
                 </a:solidFill>
@@ -12026,13 +11637,13 @@
           </a:p>
           <a:p>
             <a:r>
-              <a:rPr lang="en-US" dirty="0" smtClean="0">
+              <a:rPr lang="en-US" dirty="0">
                 <a:latin typeface="Consolas" panose="020B0609020204030204" pitchFamily="49" charset="0"/>
               </a:rPr>
               <a:t>while ( </a:t>
             </a:r>
             <a:r>
-              <a:rPr lang="en-US" dirty="0" err="1" smtClean="0">
+              <a:rPr lang="en-US" dirty="0" err="1">
                 <a:solidFill>
                   <a:schemeClr val="accent3">
                     <a:lumMod val="75000"/>
@@ -12043,7 +11654,7 @@
               <a:t>i</a:t>
             </a:r>
             <a:r>
-              <a:rPr lang="en-US" dirty="0" smtClean="0">
+              <a:rPr lang="en-US" dirty="0">
                 <a:solidFill>
                   <a:schemeClr val="accent3">
                     <a:lumMod val="75000"/>
@@ -12054,7 +11665,7 @@
               <a:t> &lt; </a:t>
             </a:r>
             <a:r>
-              <a:rPr lang="en-US" dirty="0" err="1" smtClean="0">
+              <a:rPr lang="en-US" dirty="0" err="1">
                 <a:solidFill>
                   <a:schemeClr val="accent3">
                     <a:lumMod val="75000"/>
@@ -12065,7 +11676,7 @@
               <a:t>nums.length</a:t>
             </a:r>
             <a:r>
-              <a:rPr lang="en-US" dirty="0" smtClean="0">
+              <a:rPr lang="en-US" dirty="0">
                 <a:latin typeface="Consolas" panose="020B0609020204030204" pitchFamily="49" charset="0"/>
               </a:rPr>
               <a:t>  ) {</a:t>
@@ -12073,16 +11684,10 @@
           </a:p>
           <a:p>
             <a:r>
-              <a:rPr lang="en-US" dirty="0" smtClean="0">
-                <a:latin typeface="Consolas" panose="020B0609020204030204" pitchFamily="49" charset="0"/>
-              </a:rPr>
-              <a:t>	//</a:t>
-            </a:r>
-            <a:r>
-              <a:rPr lang="en-US" dirty="0">
-                <a:latin typeface="Consolas" panose="020B0609020204030204" pitchFamily="49" charset="0"/>
-              </a:rPr>
-              <a:t>do stuff with</a:t>
+              <a:rPr lang="en-US" dirty="0">
+                <a:latin typeface="Consolas" panose="020B0609020204030204" pitchFamily="49" charset="0"/>
+              </a:rPr>
+              <a:t>	//do stuff with</a:t>
             </a:r>
           </a:p>
           <a:p>
@@ -12111,7 +11716,7 @@
               <a:t>i</a:t>
             </a:r>
             <a:r>
-              <a:rPr lang="en-US" dirty="0" smtClean="0">
+              <a:rPr lang="en-US" dirty="0">
                 <a:latin typeface="Consolas" panose="020B0609020204030204" pitchFamily="49" charset="0"/>
               </a:rPr>
               <a:t>]</a:t>
@@ -12125,7 +11730,7 @@
               <a:t>	</a:t>
             </a:r>
             <a:r>
-              <a:rPr lang="en-US" dirty="0" err="1" smtClean="0">
+              <a:rPr lang="en-US" dirty="0" err="1">
                 <a:solidFill>
                   <a:schemeClr val="accent6"/>
                 </a:solidFill>
@@ -12134,7 +11739,7 @@
               <a:t>i</a:t>
             </a:r>
             <a:r>
-              <a:rPr lang="en-US" dirty="0" smtClean="0">
+              <a:rPr lang="en-US" dirty="0">
                 <a:solidFill>
                   <a:schemeClr val="accent6"/>
                 </a:solidFill>
@@ -12142,16 +11747,10 @@
               </a:rPr>
               <a:t>++;</a:t>
             </a:r>
-            <a:endParaRPr lang="en-US" dirty="0">
-              <a:solidFill>
-                <a:schemeClr val="accent6"/>
-              </a:solidFill>
-              <a:latin typeface="Consolas" panose="020B0609020204030204" pitchFamily="49" charset="0"/>
-            </a:endParaRPr>
-          </a:p>
-          <a:p>
-            <a:r>
-              <a:rPr lang="en-US" dirty="0" smtClean="0">
+          </a:p>
+          <a:p>
+            <a:r>
+              <a:rPr lang="en-US" dirty="0">
                 <a:latin typeface="Consolas" panose="020B0609020204030204" pitchFamily="49" charset="0"/>
               </a:rPr>
               <a:t>}</a:t>
@@ -12221,13 +11820,13 @@
           <a:lstStyle/>
           <a:p>
             <a:r>
-              <a:rPr lang="en-US" dirty="0" err="1" smtClean="0">
+              <a:rPr lang="en-US" dirty="0" err="1">
                 <a:latin typeface="Consolas" panose="020B0609020204030204" pitchFamily="49" charset="0"/>
               </a:rPr>
               <a:t>LinkedList</a:t>
             </a:r>
             <a:r>
-              <a:rPr lang="en-US" dirty="0" smtClean="0">
+              <a:rPr lang="en-US" dirty="0">
                 <a:latin typeface="Consolas" panose="020B0609020204030204" pitchFamily="49" charset="0"/>
               </a:rPr>
               <a:t> list = ……</a:t>
@@ -12239,25 +11838,17 @@
             </a:endParaRPr>
           </a:p>
           <a:p>
-            <a:endParaRPr lang="en-US" dirty="0" smtClean="0">
-              <a:latin typeface="Consolas" panose="020B0609020204030204" pitchFamily="49" charset="0"/>
-            </a:endParaRPr>
-          </a:p>
-          <a:p>
-            <a:r>
-              <a:rPr lang="en-US" dirty="0" smtClean="0">
-                <a:latin typeface="Consolas" panose="020B0609020204030204" pitchFamily="49" charset="0"/>
-              </a:rPr>
-              <a:t>//Another Day!</a:t>
-            </a:r>
             <a:endParaRPr lang="en-US" dirty="0">
               <a:latin typeface="Consolas" panose="020B0609020204030204" pitchFamily="49" charset="0"/>
             </a:endParaRPr>
           </a:p>
           <a:p>
-            <a:endParaRPr lang="en-US" dirty="0" smtClean="0">
-              <a:latin typeface="Consolas" panose="020B0609020204030204" pitchFamily="49" charset="0"/>
-            </a:endParaRPr>
+            <a:r>
+              <a:rPr lang="en-US" dirty="0">
+                <a:latin typeface="Consolas" panose="020B0609020204030204" pitchFamily="49" charset="0"/>
+              </a:rPr>
+              <a:t>//Another Day!</a:t>
+            </a:r>
           </a:p>
           <a:p>
             <a:endParaRPr lang="en-US" dirty="0">
@@ -12265,28 +11856,33 @@
             </a:endParaRPr>
           </a:p>
           <a:p>
-            <a:endParaRPr lang="en-US" dirty="0" smtClean="0">
-              <a:latin typeface="Consolas" panose="020B0609020204030204" pitchFamily="49" charset="0"/>
-            </a:endParaRPr>
-          </a:p>
-          <a:p>
             <a:endParaRPr lang="en-US" dirty="0">
               <a:latin typeface="Consolas" panose="020B0609020204030204" pitchFamily="49" charset="0"/>
             </a:endParaRPr>
           </a:p>
           <a:p>
-            <a:endParaRPr lang="en-US" dirty="0" smtClean="0">
+            <a:endParaRPr lang="en-US" dirty="0">
               <a:latin typeface="Consolas" panose="020B0609020204030204" pitchFamily="49" charset="0"/>
             </a:endParaRPr>
           </a:p>
           <a:p>
-            <a:endParaRPr lang="en-US" dirty="0" smtClean="0">
+            <a:endParaRPr lang="en-US" dirty="0">
               <a:latin typeface="Consolas" panose="020B0609020204030204" pitchFamily="49" charset="0"/>
             </a:endParaRPr>
           </a:p>
           <a:p>
-            <a:r>
-              <a:rPr lang="en-US" dirty="0" smtClean="0">
+            <a:endParaRPr lang="en-US" dirty="0">
+              <a:latin typeface="Consolas" panose="020B0609020204030204" pitchFamily="49" charset="0"/>
+            </a:endParaRPr>
+          </a:p>
+          <a:p>
+            <a:endParaRPr lang="en-US" dirty="0">
+              <a:latin typeface="Consolas" panose="020B0609020204030204" pitchFamily="49" charset="0"/>
+            </a:endParaRPr>
+          </a:p>
+          <a:p>
+            <a:r>
+              <a:rPr lang="en-US" dirty="0">
                 <a:solidFill>
                   <a:srgbClr val="0070C0"/>
                 </a:solidFill>
@@ -12295,7 +11891,7 @@
               <a:t>Node current = </a:t>
             </a:r>
             <a:r>
-              <a:rPr lang="en-US" dirty="0" err="1" smtClean="0">
+              <a:rPr lang="en-US" dirty="0" err="1">
                 <a:solidFill>
                   <a:srgbClr val="0070C0"/>
                 </a:solidFill>
@@ -12304,7 +11900,7 @@
               <a:t>this.head</a:t>
             </a:r>
             <a:r>
-              <a:rPr lang="en-US" dirty="0" smtClean="0">
+              <a:rPr lang="en-US" dirty="0">
                 <a:solidFill>
                   <a:srgbClr val="0070C0"/>
                 </a:solidFill>
@@ -12315,13 +11911,13 @@
           </a:p>
           <a:p>
             <a:r>
-              <a:rPr lang="en-US" dirty="0" smtClean="0">
+              <a:rPr lang="en-US" dirty="0">
                 <a:latin typeface="Consolas" panose="020B0609020204030204" pitchFamily="49" charset="0"/>
               </a:rPr>
               <a:t>while ( </a:t>
             </a:r>
             <a:r>
-              <a:rPr lang="en-US" dirty="0" smtClean="0">
+              <a:rPr lang="en-US" dirty="0">
                 <a:solidFill>
                   <a:schemeClr val="accent3">
                     <a:lumMod val="75000"/>
@@ -12332,7 +11928,7 @@
               <a:t>current != null  </a:t>
             </a:r>
             <a:r>
-              <a:rPr lang="en-US" dirty="0" smtClean="0">
+              <a:rPr lang="en-US" dirty="0">
                 <a:latin typeface="Consolas" panose="020B0609020204030204" pitchFamily="49" charset="0"/>
               </a:rPr>
               <a:t>) {</a:t>
@@ -12340,16 +11936,10 @@
           </a:p>
           <a:p>
             <a:r>
-              <a:rPr lang="en-US" dirty="0" smtClean="0">
-                <a:latin typeface="Consolas" panose="020B0609020204030204" pitchFamily="49" charset="0"/>
-              </a:rPr>
-              <a:t>	//</a:t>
-            </a:r>
-            <a:r>
-              <a:rPr lang="en-US" dirty="0">
-                <a:latin typeface="Consolas" panose="020B0609020204030204" pitchFamily="49" charset="0"/>
-              </a:rPr>
-              <a:t>do stuff with</a:t>
+              <a:rPr lang="en-US" dirty="0">
+                <a:latin typeface="Consolas" panose="020B0609020204030204" pitchFamily="49" charset="0"/>
+              </a:rPr>
+              <a:t>	//do stuff with</a:t>
             </a:r>
           </a:p>
           <a:p>
@@ -12359,9 +11949,6 @@
               </a:rPr>
               <a:t>	//arbitrary element </a:t>
             </a:r>
-            <a:endParaRPr lang="en-US" dirty="0" smtClean="0">
-              <a:latin typeface="Consolas" panose="020B0609020204030204" pitchFamily="49" charset="0"/>
-            </a:endParaRPr>
           </a:p>
           <a:p>
             <a:r>
@@ -12371,7 +11958,7 @@
               <a:t>	</a:t>
             </a:r>
             <a:r>
-              <a:rPr lang="en-US" dirty="0" smtClean="0">
+              <a:rPr lang="en-US" dirty="0">
                 <a:solidFill>
                   <a:schemeClr val="accent6"/>
                 </a:solidFill>
@@ -12380,7 +11967,7 @@
               <a:t>current = </a:t>
             </a:r>
             <a:r>
-              <a:rPr lang="en-US" dirty="0" err="1" smtClean="0">
+              <a:rPr lang="en-US" dirty="0" err="1">
                 <a:solidFill>
                   <a:schemeClr val="accent6"/>
                 </a:solidFill>
@@ -12389,7 +11976,7 @@
               <a:t>current.next</a:t>
             </a:r>
             <a:r>
-              <a:rPr lang="en-US" dirty="0" smtClean="0">
+              <a:rPr lang="en-US" dirty="0">
                 <a:solidFill>
                   <a:schemeClr val="accent6"/>
                 </a:solidFill>
@@ -12397,16 +11984,10 @@
               </a:rPr>
               <a:t>;</a:t>
             </a:r>
-            <a:endParaRPr lang="en-US" dirty="0">
-              <a:solidFill>
-                <a:schemeClr val="accent6"/>
-              </a:solidFill>
-              <a:latin typeface="Consolas" panose="020B0609020204030204" pitchFamily="49" charset="0"/>
-            </a:endParaRPr>
-          </a:p>
-          <a:p>
-            <a:r>
-              <a:rPr lang="en-US" dirty="0" smtClean="0">
+          </a:p>
+          <a:p>
+            <a:r>
+              <a:rPr lang="en-US" dirty="0">
                 <a:latin typeface="Consolas" panose="020B0609020204030204" pitchFamily="49" charset="0"/>
               </a:rPr>
               <a:t>}</a:t>
@@ -12434,13 +12015,6 @@
   <p:clrMapOvr>
     <a:masterClrMapping/>
   </p:clrMapOvr>
-  <p:timing>
-    <p:tnLst>
-      <p:par>
-        <p:cTn id="1" dur="indefinite" restart="never" nodeType="tmRoot"/>
-      </p:par>
-    </p:tnLst>
-  </p:timing>
 </p:sld>
 </file>
 

--- a/ClassMaterials/LinkedLists/Slides/LinkedLists.pptx
+++ b/ClassMaterials/LinkedLists/Slides/LinkedLists.pptx
@@ -5,10 +5,10 @@
     <p:sldMasterId id="2147484539" r:id="rId4"/>
   </p:sldMasterIdLst>
   <p:notesMasterIdLst>
-    <p:notesMasterId r:id="rId17"/>
+    <p:notesMasterId r:id="rId28"/>
   </p:notesMasterIdLst>
   <p:handoutMasterIdLst>
-    <p:handoutMasterId r:id="rId18"/>
+    <p:handoutMasterId r:id="rId29"/>
   </p:handoutMasterIdLst>
   <p:sldIdLst>
     <p:sldId id="256" r:id="rId5"/>
@@ -23,6 +23,17 @@
     <p:sldId id="347" r:id="rId14"/>
     <p:sldId id="342" r:id="rId15"/>
     <p:sldId id="334" r:id="rId16"/>
+    <p:sldId id="277" r:id="rId17"/>
+    <p:sldId id="356" r:id="rId18"/>
+    <p:sldId id="357" r:id="rId19"/>
+    <p:sldId id="358" r:id="rId20"/>
+    <p:sldId id="359" r:id="rId21"/>
+    <p:sldId id="318" r:id="rId22"/>
+    <p:sldId id="319" r:id="rId23"/>
+    <p:sldId id="360" r:id="rId24"/>
+    <p:sldId id="361" r:id="rId25"/>
+    <p:sldId id="362" r:id="rId26"/>
+    <p:sldId id="332" r:id="rId27"/>
   </p:sldIdLst>
   <p:sldSz cx="9144000" cy="6858000" type="screen4x3"/>
   <p:notesSz cx="6881813" cy="9296400"/>
@@ -316,7 +327,7 @@
               <a:pPr>
                 <a:defRPr/>
               </a:pPr>
-              <a:t>10/28/22</a:t>
+              <a:t>10/31/22</a:t>
             </a:fld>
             <a:endParaRPr lang="en-US"/>
           </a:p>
@@ -551,7 +562,7 @@
               <a:pPr>
                 <a:defRPr/>
               </a:pPr>
-              <a:t>10/28/22</a:t>
+              <a:t>10/31/22</a:t>
             </a:fld>
             <a:endParaRPr lang="en-US"/>
           </a:p>
@@ -1030,6 +1041,614 @@
 </p:notes>
 </file>
 
+<file path=ppt/notesSlides/notesSlide10.xml><?xml version="1.0" encoding="utf-8"?>
+<p:notes xmlns:a="http://schemas.openxmlformats.org/drawingml/2006/main" xmlns:r="http://schemas.openxmlformats.org/officeDocument/2006/relationships" xmlns:p="http://schemas.openxmlformats.org/presentationml/2006/main">
+  <p:cSld>
+    <p:spTree>
+      <p:nvGrpSpPr>
+        <p:cNvPr id="1" name=""/>
+        <p:cNvGrpSpPr/>
+        <p:nvPr/>
+      </p:nvGrpSpPr>
+      <p:grpSpPr>
+        <a:xfrm>
+          <a:off x="0" y="0"/>
+          <a:ext cx="0" cy="0"/>
+          <a:chOff x="0" y="0"/>
+          <a:chExt cx="0" cy="0"/>
+        </a:xfrm>
+      </p:grpSpPr>
+      <p:sp>
+        <p:nvSpPr>
+          <p:cNvPr id="2" name="Slide Image Placeholder 1"/>
+          <p:cNvSpPr>
+            <a:spLocks noGrp="1" noRot="1" noChangeAspect="1"/>
+          </p:cNvSpPr>
+          <p:nvPr>
+            <p:ph type="sldImg"/>
+          </p:nvPr>
+        </p:nvSpPr>
+        <p:spPr/>
+      </p:sp>
+      <p:sp>
+        <p:nvSpPr>
+          <p:cNvPr id="3" name="Notes Placeholder 2"/>
+          <p:cNvSpPr>
+            <a:spLocks noGrp="1"/>
+          </p:cNvSpPr>
+          <p:nvPr>
+            <p:ph type="body" idx="1"/>
+          </p:nvPr>
+        </p:nvSpPr>
+        <p:spPr/>
+        <p:txBody>
+          <a:bodyPr/>
+          <a:lstStyle/>
+          <a:p>
+            <a:endParaRPr lang="en-US"/>
+          </a:p>
+        </p:txBody>
+      </p:sp>
+      <p:sp>
+        <p:nvSpPr>
+          <p:cNvPr id="4" name="Slide Number Placeholder 3"/>
+          <p:cNvSpPr>
+            <a:spLocks noGrp="1"/>
+          </p:cNvSpPr>
+          <p:nvPr>
+            <p:ph type="sldNum" sz="quarter" idx="10"/>
+          </p:nvPr>
+        </p:nvSpPr>
+        <p:spPr/>
+        <p:txBody>
+          <a:bodyPr/>
+          <a:lstStyle/>
+          <a:p>
+            <a:pPr>
+              <a:defRPr/>
+            </a:pPr>
+            <a:fld id="{BDF97A26-8EDD-4564-9705-85BE5B01BB34}" type="slidenum">
+              <a:rPr lang="en-US" smtClean="0"/>
+              <a:pPr>
+                <a:defRPr/>
+              </a:pPr>
+              <a:t>18</a:t>
+            </a:fld>
+            <a:endParaRPr lang="en-US"/>
+          </a:p>
+        </p:txBody>
+      </p:sp>
+    </p:spTree>
+    <p:extLst>
+      <p:ext uri="{BB962C8B-B14F-4D97-AF65-F5344CB8AC3E}">
+        <p14:creationId xmlns:p14="http://schemas.microsoft.com/office/powerpoint/2010/main" val="317362217"/>
+      </p:ext>
+    </p:extLst>
+  </p:cSld>
+  <p:clrMapOvr>
+    <a:masterClrMapping/>
+  </p:clrMapOvr>
+</p:notes>
+</file>
+
+<file path=ppt/notesSlides/notesSlide11.xml><?xml version="1.0" encoding="utf-8"?>
+<p:notes xmlns:a="http://schemas.openxmlformats.org/drawingml/2006/main" xmlns:r="http://schemas.openxmlformats.org/officeDocument/2006/relationships" xmlns:p="http://schemas.openxmlformats.org/presentationml/2006/main">
+  <p:cSld>
+    <p:spTree>
+      <p:nvGrpSpPr>
+        <p:cNvPr id="1" name=""/>
+        <p:cNvGrpSpPr/>
+        <p:nvPr/>
+      </p:nvGrpSpPr>
+      <p:grpSpPr>
+        <a:xfrm>
+          <a:off x="0" y="0"/>
+          <a:ext cx="0" cy="0"/>
+          <a:chOff x="0" y="0"/>
+          <a:chExt cx="0" cy="0"/>
+        </a:xfrm>
+      </p:grpSpPr>
+      <p:sp>
+        <p:nvSpPr>
+          <p:cNvPr id="2" name="Slide Image Placeholder 1"/>
+          <p:cNvSpPr>
+            <a:spLocks noGrp="1" noRot="1" noChangeAspect="1"/>
+          </p:cNvSpPr>
+          <p:nvPr>
+            <p:ph type="sldImg"/>
+          </p:nvPr>
+        </p:nvSpPr>
+        <p:spPr/>
+      </p:sp>
+      <p:sp>
+        <p:nvSpPr>
+          <p:cNvPr id="3" name="Notes Placeholder 2"/>
+          <p:cNvSpPr>
+            <a:spLocks noGrp="1"/>
+          </p:cNvSpPr>
+          <p:nvPr>
+            <p:ph type="body" idx="1"/>
+          </p:nvPr>
+        </p:nvSpPr>
+        <p:spPr/>
+        <p:txBody>
+          <a:bodyPr/>
+          <a:lstStyle/>
+          <a:p>
+            <a:r>
+              <a:rPr lang="en-US" dirty="0"/>
+              <a:t>We care about which part of the expression grows the fastest as n,</a:t>
+            </a:r>
+            <a:r>
+              <a:rPr lang="en-US" baseline="0" dirty="0"/>
+              <a:t> the input size, grows.</a:t>
+            </a:r>
+            <a:endParaRPr lang="en-US" dirty="0"/>
+          </a:p>
+        </p:txBody>
+      </p:sp>
+      <p:sp>
+        <p:nvSpPr>
+          <p:cNvPr id="4" name="Slide Number Placeholder 3"/>
+          <p:cNvSpPr>
+            <a:spLocks noGrp="1"/>
+          </p:cNvSpPr>
+          <p:nvPr>
+            <p:ph type="sldNum" sz="quarter" idx="10"/>
+          </p:nvPr>
+        </p:nvSpPr>
+        <p:spPr/>
+        <p:txBody>
+          <a:bodyPr/>
+          <a:lstStyle/>
+          <a:p>
+            <a:pPr>
+              <a:defRPr/>
+            </a:pPr>
+            <a:fld id="{BDF97A26-8EDD-4564-9705-85BE5B01BB34}" type="slidenum">
+              <a:rPr lang="en-US" smtClean="0"/>
+              <a:pPr>
+                <a:defRPr/>
+              </a:pPr>
+              <a:t>19</a:t>
+            </a:fld>
+            <a:endParaRPr lang="en-US"/>
+          </a:p>
+        </p:txBody>
+      </p:sp>
+    </p:spTree>
+    <p:extLst>
+      <p:ext uri="{BB962C8B-B14F-4D97-AF65-F5344CB8AC3E}">
+        <p14:creationId xmlns:p14="http://schemas.microsoft.com/office/powerpoint/2010/main" val="1864529778"/>
+      </p:ext>
+    </p:extLst>
+  </p:cSld>
+  <p:clrMapOvr>
+    <a:masterClrMapping/>
+  </p:clrMapOvr>
+</p:notes>
+</file>
+
+<file path=ppt/notesSlides/notesSlide12.xml><?xml version="1.0" encoding="utf-8"?>
+<p:notes xmlns:a="http://schemas.openxmlformats.org/drawingml/2006/main" xmlns:r="http://schemas.openxmlformats.org/officeDocument/2006/relationships" xmlns:p="http://schemas.openxmlformats.org/presentationml/2006/main">
+  <p:cSld>
+    <p:spTree>
+      <p:nvGrpSpPr>
+        <p:cNvPr id="1" name=""/>
+        <p:cNvGrpSpPr/>
+        <p:nvPr/>
+      </p:nvGrpSpPr>
+      <p:grpSpPr>
+        <a:xfrm>
+          <a:off x="0" y="0"/>
+          <a:ext cx="0" cy="0"/>
+          <a:chOff x="0" y="0"/>
+          <a:chExt cx="0" cy="0"/>
+        </a:xfrm>
+      </p:grpSpPr>
+      <p:sp>
+        <p:nvSpPr>
+          <p:cNvPr id="2" name="Slide Image Placeholder 1"/>
+          <p:cNvSpPr>
+            <a:spLocks noGrp="1" noRot="1" noChangeAspect="1"/>
+          </p:cNvSpPr>
+          <p:nvPr>
+            <p:ph type="sldImg"/>
+          </p:nvPr>
+        </p:nvSpPr>
+        <p:spPr/>
+      </p:sp>
+      <p:sp>
+        <p:nvSpPr>
+          <p:cNvPr id="3" name="Notes Placeholder 2"/>
+          <p:cNvSpPr>
+            <a:spLocks noGrp="1"/>
+          </p:cNvSpPr>
+          <p:nvPr>
+            <p:ph type="body" idx="1"/>
+          </p:nvPr>
+        </p:nvSpPr>
+        <p:spPr/>
+        <p:txBody>
+          <a:bodyPr/>
+          <a:lstStyle/>
+          <a:p>
+            <a:endParaRPr lang="en-US"/>
+          </a:p>
+        </p:txBody>
+      </p:sp>
+      <p:sp>
+        <p:nvSpPr>
+          <p:cNvPr id="4" name="Slide Number Placeholder 3"/>
+          <p:cNvSpPr>
+            <a:spLocks noGrp="1"/>
+          </p:cNvSpPr>
+          <p:nvPr>
+            <p:ph type="sldNum" sz="quarter" idx="10"/>
+          </p:nvPr>
+        </p:nvSpPr>
+        <p:spPr/>
+        <p:txBody>
+          <a:bodyPr/>
+          <a:lstStyle/>
+          <a:p>
+            <a:pPr>
+              <a:defRPr/>
+            </a:pPr>
+            <a:fld id="{BDF97A26-8EDD-4564-9705-85BE5B01BB34}" type="slidenum">
+              <a:rPr lang="en-US" smtClean="0"/>
+              <a:pPr>
+                <a:defRPr/>
+              </a:pPr>
+              <a:t>20</a:t>
+            </a:fld>
+            <a:endParaRPr lang="en-US"/>
+          </a:p>
+        </p:txBody>
+      </p:sp>
+    </p:spTree>
+    <p:extLst>
+      <p:ext uri="{BB962C8B-B14F-4D97-AF65-F5344CB8AC3E}">
+        <p14:creationId xmlns:p14="http://schemas.microsoft.com/office/powerpoint/2010/main" val="1455335898"/>
+      </p:ext>
+    </p:extLst>
+  </p:cSld>
+  <p:clrMapOvr>
+    <a:masterClrMapping/>
+  </p:clrMapOvr>
+</p:notes>
+</file>
+
+<file path=ppt/notesSlides/notesSlide13.xml><?xml version="1.0" encoding="utf-8"?>
+<p:notes xmlns:a="http://schemas.openxmlformats.org/drawingml/2006/main" xmlns:r="http://schemas.openxmlformats.org/officeDocument/2006/relationships" xmlns:p="http://schemas.openxmlformats.org/presentationml/2006/main">
+  <p:cSld>
+    <p:spTree>
+      <p:nvGrpSpPr>
+        <p:cNvPr id="1" name=""/>
+        <p:cNvGrpSpPr/>
+        <p:nvPr/>
+      </p:nvGrpSpPr>
+      <p:grpSpPr>
+        <a:xfrm>
+          <a:off x="0" y="0"/>
+          <a:ext cx="0" cy="0"/>
+          <a:chOff x="0" y="0"/>
+          <a:chExt cx="0" cy="0"/>
+        </a:xfrm>
+      </p:grpSpPr>
+      <p:sp>
+        <p:nvSpPr>
+          <p:cNvPr id="65538" name="Slide Image Placeholder 1"/>
+          <p:cNvSpPr>
+            <a:spLocks noGrp="1" noRot="1" noChangeAspect="1" noTextEdit="1"/>
+          </p:cNvSpPr>
+          <p:nvPr>
+            <p:ph type="sldImg"/>
+          </p:nvPr>
+        </p:nvSpPr>
+        <p:spPr bwMode="auto">
+          <a:noFill/>
+          <a:ln>
+            <a:solidFill>
+              <a:srgbClr val="000000"/>
+            </a:solidFill>
+            <a:miter lim="800000"/>
+            <a:headEnd/>
+            <a:tailEnd/>
+          </a:ln>
+        </p:spPr>
+      </p:sp>
+      <p:sp>
+        <p:nvSpPr>
+          <p:cNvPr id="65539" name="Notes Placeholder 2"/>
+          <p:cNvSpPr>
+            <a:spLocks noGrp="1"/>
+          </p:cNvSpPr>
+          <p:nvPr>
+            <p:ph type="body" idx="1"/>
+          </p:nvPr>
+        </p:nvSpPr>
+        <p:spPr>
+          <a:noFill/>
+          <a:ln/>
+        </p:spPr>
+        <p:txBody>
+          <a:bodyPr/>
+          <a:lstStyle/>
+          <a:p>
+            <a:r>
+              <a:rPr lang="en-US"/>
+              <a:t>- Examples: employee list, music play list</a:t>
+            </a:r>
+          </a:p>
+          <a:p>
+            <a:r>
+              <a:rPr lang="en-US"/>
+              <a:t>Sketch a linked list on the board</a:t>
+            </a:r>
+            <a:r>
+              <a:rPr lang="en-US" baseline="0"/>
+              <a:t> for “two more weeks” (quiz #3)</a:t>
+            </a:r>
+            <a:endParaRPr lang="en-US"/>
+          </a:p>
+          <a:p>
+            <a:endParaRPr lang="en-US"/>
+          </a:p>
+          <a:p>
+            <a:r>
+              <a:rPr lang="en-US"/>
+              <a:t>Then show insertion and deletion.  </a:t>
+            </a:r>
+          </a:p>
+        </p:txBody>
+      </p:sp>
+      <p:sp>
+        <p:nvSpPr>
+          <p:cNvPr id="65540" name="Slide Number Placeholder 3"/>
+          <p:cNvSpPr>
+            <a:spLocks noGrp="1"/>
+          </p:cNvSpPr>
+          <p:nvPr>
+            <p:ph type="sldNum" sz="quarter" idx="5"/>
+          </p:nvPr>
+        </p:nvSpPr>
+        <p:spPr>
+          <a:noFill/>
+        </p:spPr>
+        <p:txBody>
+          <a:bodyPr/>
+          <a:lstStyle/>
+          <a:p>
+            <a:fld id="{DBC8B16D-3522-4DF2-8915-4B0542FC956A}" type="slidenum">
+              <a:rPr lang="en-US" smtClean="0"/>
+              <a:pPr/>
+              <a:t>21</a:t>
+            </a:fld>
+            <a:endParaRPr lang="en-US"/>
+          </a:p>
+        </p:txBody>
+      </p:sp>
+    </p:spTree>
+    <p:extLst>
+      <p:ext uri="{BB962C8B-B14F-4D97-AF65-F5344CB8AC3E}">
+        <p14:creationId xmlns:p14="http://schemas.microsoft.com/office/powerpoint/2010/main" val="3647241296"/>
+      </p:ext>
+    </p:extLst>
+  </p:cSld>
+  <p:clrMapOvr>
+    <a:masterClrMapping/>
+  </p:clrMapOvr>
+</p:notes>
+</file>
+
+<file path=ppt/notesSlides/notesSlide14.xml><?xml version="1.0" encoding="utf-8"?>
+<p:notes xmlns:a="http://schemas.openxmlformats.org/drawingml/2006/main" xmlns:r="http://schemas.openxmlformats.org/officeDocument/2006/relationships" xmlns:p="http://schemas.openxmlformats.org/presentationml/2006/main">
+  <p:cSld>
+    <p:spTree>
+      <p:nvGrpSpPr>
+        <p:cNvPr id="1" name=""/>
+        <p:cNvGrpSpPr/>
+        <p:nvPr/>
+      </p:nvGrpSpPr>
+      <p:grpSpPr>
+        <a:xfrm>
+          <a:off x="0" y="0"/>
+          <a:ext cx="0" cy="0"/>
+          <a:chOff x="0" y="0"/>
+          <a:chExt cx="0" cy="0"/>
+        </a:xfrm>
+      </p:grpSpPr>
+      <p:sp>
+        <p:nvSpPr>
+          <p:cNvPr id="40962" name="Rectangle 2"/>
+          <p:cNvSpPr>
+            <a:spLocks noGrp="1" noRot="1" noChangeAspect="1" noTextEdit="1"/>
+          </p:cNvSpPr>
+          <p:nvPr>
+            <p:ph type="sldImg"/>
+          </p:nvPr>
+        </p:nvSpPr>
+        <p:spPr bwMode="auto">
+          <a:noFill/>
+          <a:ln>
+            <a:solidFill>
+              <a:srgbClr val="000000"/>
+            </a:solidFill>
+            <a:miter lim="800000"/>
+            <a:headEnd/>
+            <a:tailEnd/>
+          </a:ln>
+        </p:spPr>
+      </p:sp>
+      <p:sp>
+        <p:nvSpPr>
+          <p:cNvPr id="40963" name="Rectangle 3"/>
+          <p:cNvSpPr>
+            <a:spLocks noGrp="1"/>
+          </p:cNvSpPr>
+          <p:nvPr>
+            <p:ph type="body" idx="1"/>
+          </p:nvPr>
+        </p:nvSpPr>
+        <p:spPr>
+          <a:noFill/>
+          <a:ln/>
+        </p:spPr>
+        <p:txBody>
+          <a:bodyPr/>
+          <a:lstStyle/>
+          <a:p>
+            <a:r>
+              <a:rPr lang="en-US"/>
+              <a:t>Big-Oh of each?</a:t>
+            </a:r>
+          </a:p>
+          <a:p>
+            <a:endParaRPr lang="en-US"/>
+          </a:p>
+          <a:p>
+            <a:r>
+              <a:rPr lang="en-US" sz="1200" kern="1200">
+                <a:solidFill>
+                  <a:schemeClr val="tx1"/>
+                </a:solidFill>
+                <a:latin typeface="+mn-lt"/>
+                <a:ea typeface="+mn-ea"/>
+                <a:cs typeface="+mn-cs"/>
+              </a:rPr>
+              <a:t>All of the operations perform as could be expected for a doubly-linked list. </a:t>
+            </a:r>
+          </a:p>
+          <a:p>
+            <a:endParaRPr lang="en-US" sz="1200" kern="1200">
+              <a:solidFill>
+                <a:schemeClr val="tx1"/>
+              </a:solidFill>
+              <a:latin typeface="+mn-lt"/>
+              <a:ea typeface="+mn-ea"/>
+              <a:cs typeface="+mn-cs"/>
+            </a:endParaRPr>
+          </a:p>
+          <a:p>
+            <a:r>
+              <a:rPr lang="en-US" sz="1200" kern="1200">
+                <a:solidFill>
+                  <a:schemeClr val="tx1"/>
+                </a:solidFill>
+                <a:latin typeface="+mn-lt"/>
+                <a:ea typeface="+mn-ea"/>
+                <a:cs typeface="+mn-cs"/>
+              </a:rPr>
+              <a:t>Thus, these operations all take O(1) time.</a:t>
+            </a:r>
+            <a:endParaRPr lang="en-US"/>
+          </a:p>
+        </p:txBody>
+      </p:sp>
+    </p:spTree>
+    <p:extLst>
+      <p:ext uri="{BB962C8B-B14F-4D97-AF65-F5344CB8AC3E}">
+        <p14:creationId xmlns:p14="http://schemas.microsoft.com/office/powerpoint/2010/main" val="2944510501"/>
+      </p:ext>
+    </p:extLst>
+  </p:cSld>
+  <p:clrMapOvr>
+    <a:masterClrMapping/>
+  </p:clrMapOvr>
+</p:notes>
+</file>
+
+<file path=ppt/notesSlides/notesSlide15.xml><?xml version="1.0" encoding="utf-8"?>
+<p:notes xmlns:a="http://schemas.openxmlformats.org/drawingml/2006/main" xmlns:r="http://schemas.openxmlformats.org/officeDocument/2006/relationships" xmlns:p="http://schemas.openxmlformats.org/presentationml/2006/main">
+  <p:cSld>
+    <p:spTree>
+      <p:nvGrpSpPr>
+        <p:cNvPr id="1" name=""/>
+        <p:cNvGrpSpPr/>
+        <p:nvPr/>
+      </p:nvGrpSpPr>
+      <p:grpSpPr>
+        <a:xfrm>
+          <a:off x="0" y="0"/>
+          <a:ext cx="0" cy="0"/>
+          <a:chOff x="0" y="0"/>
+          <a:chExt cx="0" cy="0"/>
+        </a:xfrm>
+      </p:grpSpPr>
+      <p:sp>
+        <p:nvSpPr>
+          <p:cNvPr id="2" name="Slide Image Placeholder 1"/>
+          <p:cNvSpPr>
+            <a:spLocks noGrp="1" noRot="1" noChangeAspect="1"/>
+          </p:cNvSpPr>
+          <p:nvPr>
+            <p:ph type="sldImg"/>
+          </p:nvPr>
+        </p:nvSpPr>
+        <p:spPr/>
+      </p:sp>
+      <p:sp>
+        <p:nvSpPr>
+          <p:cNvPr id="3" name="Notes Placeholder 2"/>
+          <p:cNvSpPr>
+            <a:spLocks noGrp="1"/>
+          </p:cNvSpPr>
+          <p:nvPr>
+            <p:ph type="body" idx="1"/>
+          </p:nvPr>
+        </p:nvSpPr>
+        <p:spPr/>
+        <p:txBody>
+          <a:bodyPr/>
+          <a:lstStyle/>
+          <a:p>
+            <a:endParaRPr lang="en-US" dirty="0"/>
+          </a:p>
+        </p:txBody>
+      </p:sp>
+      <p:sp>
+        <p:nvSpPr>
+          <p:cNvPr id="4" name="Slide Number Placeholder 3"/>
+          <p:cNvSpPr>
+            <a:spLocks noGrp="1"/>
+          </p:cNvSpPr>
+          <p:nvPr>
+            <p:ph type="sldNum" sz="quarter" idx="10"/>
+          </p:nvPr>
+        </p:nvSpPr>
+        <p:spPr/>
+        <p:txBody>
+          <a:bodyPr/>
+          <a:lstStyle/>
+          <a:p>
+            <a:pPr>
+              <a:defRPr/>
+            </a:pPr>
+            <a:fld id="{BDF97A26-8EDD-4564-9705-85BE5B01BB34}" type="slidenum">
+              <a:rPr lang="en-US" smtClean="0"/>
+              <a:pPr>
+                <a:defRPr/>
+              </a:pPr>
+              <a:t>23</a:t>
+            </a:fld>
+            <a:endParaRPr lang="en-US"/>
+          </a:p>
+        </p:txBody>
+      </p:sp>
+    </p:spTree>
+    <p:extLst>
+      <p:ext uri="{BB962C8B-B14F-4D97-AF65-F5344CB8AC3E}">
+        <p14:creationId xmlns:p14="http://schemas.microsoft.com/office/powerpoint/2010/main" val="2526261208"/>
+      </p:ext>
+    </p:extLst>
+  </p:cSld>
+  <p:clrMapOvr>
+    <a:masterClrMapping/>
+  </p:clrMapOvr>
+</p:notes>
+</file>
+
 <file path=ppt/notesSlides/notesSlide2.xml><?xml version="1.0" encoding="utf-8"?>
 <p:notes xmlns:a="http://schemas.openxmlformats.org/drawingml/2006/main" xmlns:r="http://schemas.openxmlformats.org/officeDocument/2006/relationships" xmlns:p="http://schemas.openxmlformats.org/presentationml/2006/main">
   <p:cSld>
@@ -1294,6 +1913,526 @@
     <p:extLst>
       <p:ext uri="{BB962C8B-B14F-4D97-AF65-F5344CB8AC3E}">
         <p14:creationId xmlns:p14="http://schemas.microsoft.com/office/powerpoint/2010/main" val="3093329614"/>
+      </p:ext>
+    </p:extLst>
+  </p:cSld>
+  <p:clrMapOvr>
+    <a:masterClrMapping/>
+  </p:clrMapOvr>
+</p:notes>
+</file>
+
+<file path=ppt/notesSlides/notesSlide5.xml><?xml version="1.0" encoding="utf-8"?>
+<p:notes xmlns:a="http://schemas.openxmlformats.org/drawingml/2006/main" xmlns:r="http://schemas.openxmlformats.org/officeDocument/2006/relationships" xmlns:p="http://schemas.openxmlformats.org/presentationml/2006/main">
+  <p:cSld>
+    <p:spTree>
+      <p:nvGrpSpPr>
+        <p:cNvPr id="1" name=""/>
+        <p:cNvGrpSpPr/>
+        <p:nvPr/>
+      </p:nvGrpSpPr>
+      <p:grpSpPr>
+        <a:xfrm>
+          <a:off x="0" y="0"/>
+          <a:ext cx="0" cy="0"/>
+          <a:chOff x="0" y="0"/>
+          <a:chExt cx="0" cy="0"/>
+        </a:xfrm>
+      </p:grpSpPr>
+      <p:sp>
+        <p:nvSpPr>
+          <p:cNvPr id="37890" name="Slide Image Placeholder 1"/>
+          <p:cNvSpPr>
+            <a:spLocks noGrp="1" noRot="1" noChangeAspect="1" noTextEdit="1"/>
+          </p:cNvSpPr>
+          <p:nvPr>
+            <p:ph type="sldImg"/>
+          </p:nvPr>
+        </p:nvSpPr>
+        <p:spPr bwMode="auto">
+          <a:noFill/>
+          <a:ln>
+            <a:solidFill>
+              <a:srgbClr val="000000"/>
+            </a:solidFill>
+            <a:miter lim="800000"/>
+            <a:headEnd/>
+            <a:tailEnd/>
+          </a:ln>
+        </p:spPr>
+      </p:sp>
+      <p:sp>
+        <p:nvSpPr>
+          <p:cNvPr id="37891" name="Notes Placeholder 2"/>
+          <p:cNvSpPr>
+            <a:spLocks noGrp="1"/>
+          </p:cNvSpPr>
+          <p:nvPr>
+            <p:ph type="body" idx="1"/>
+          </p:nvPr>
+        </p:nvSpPr>
+        <p:spPr>
+          <a:noFill/>
+          <a:ln/>
+        </p:spPr>
+        <p:txBody>
+          <a:bodyPr/>
+          <a:lstStyle/>
+          <a:p>
+            <a:r>
+              <a:rPr lang="en-US" dirty="0"/>
+              <a:t>If students get through things quickly</a:t>
+            </a:r>
+            <a:r>
+              <a:rPr lang="en-US" baseline="0" dirty="0"/>
+              <a:t> we can move into this material in the first hour, but if not- that is OK, we have the next class period to go through it and give them time to work on the rest of the quiz and the homework problems.</a:t>
+            </a:r>
+            <a:endParaRPr lang="en-US" dirty="0"/>
+          </a:p>
+        </p:txBody>
+      </p:sp>
+      <p:sp>
+        <p:nvSpPr>
+          <p:cNvPr id="37892" name="Slide Number Placeholder 3"/>
+          <p:cNvSpPr>
+            <a:spLocks noGrp="1"/>
+          </p:cNvSpPr>
+          <p:nvPr>
+            <p:ph type="sldNum" sz="quarter" idx="5"/>
+          </p:nvPr>
+        </p:nvSpPr>
+        <p:spPr>
+          <a:noFill/>
+        </p:spPr>
+        <p:txBody>
+          <a:bodyPr/>
+          <a:lstStyle/>
+          <a:p>
+            <a:fld id="{3F61CCCE-EBAC-4FB5-91D4-9759E6271461}" type="slidenum">
+              <a:rPr lang="en-US" smtClean="0"/>
+              <a:pPr/>
+              <a:t>13</a:t>
+            </a:fld>
+            <a:endParaRPr lang="en-US"/>
+          </a:p>
+        </p:txBody>
+      </p:sp>
+    </p:spTree>
+    <p:extLst>
+      <p:ext uri="{BB962C8B-B14F-4D97-AF65-F5344CB8AC3E}">
+        <p14:creationId xmlns:p14="http://schemas.microsoft.com/office/powerpoint/2010/main" val="248893057"/>
+      </p:ext>
+    </p:extLst>
+  </p:cSld>
+  <p:clrMapOvr>
+    <a:masterClrMapping/>
+  </p:clrMapOvr>
+</p:notes>
+</file>
+
+<file path=ppt/notesSlides/notesSlide6.xml><?xml version="1.0" encoding="utf-8"?>
+<p:notes xmlns:a="http://schemas.openxmlformats.org/drawingml/2006/main" xmlns:r="http://schemas.openxmlformats.org/officeDocument/2006/relationships" xmlns:p="http://schemas.openxmlformats.org/presentationml/2006/main">
+  <p:cSld>
+    <p:spTree>
+      <p:nvGrpSpPr>
+        <p:cNvPr id="1" name=""/>
+        <p:cNvGrpSpPr/>
+        <p:nvPr/>
+      </p:nvGrpSpPr>
+      <p:grpSpPr>
+        <a:xfrm>
+          <a:off x="0" y="0"/>
+          <a:ext cx="0" cy="0"/>
+          <a:chOff x="0" y="0"/>
+          <a:chExt cx="0" cy="0"/>
+        </a:xfrm>
+      </p:grpSpPr>
+      <p:sp>
+        <p:nvSpPr>
+          <p:cNvPr id="38914" name="Slide Image Placeholder 1"/>
+          <p:cNvSpPr>
+            <a:spLocks noGrp="1" noRot="1" noChangeAspect="1" noTextEdit="1"/>
+          </p:cNvSpPr>
+          <p:nvPr>
+            <p:ph type="sldImg"/>
+          </p:nvPr>
+        </p:nvSpPr>
+        <p:spPr bwMode="auto">
+          <a:noFill/>
+          <a:ln>
+            <a:solidFill>
+              <a:srgbClr val="000000"/>
+            </a:solidFill>
+            <a:miter lim="800000"/>
+            <a:headEnd/>
+            <a:tailEnd/>
+          </a:ln>
+        </p:spPr>
+      </p:sp>
+      <p:sp>
+        <p:nvSpPr>
+          <p:cNvPr id="38915" name="Notes Placeholder 2"/>
+          <p:cNvSpPr>
+            <a:spLocks noGrp="1"/>
+          </p:cNvSpPr>
+          <p:nvPr>
+            <p:ph type="body" idx="1"/>
+          </p:nvPr>
+        </p:nvSpPr>
+        <p:spPr>
+          <a:noFill/>
+          <a:ln/>
+        </p:spPr>
+        <p:txBody>
+          <a:bodyPr/>
+          <a:lstStyle/>
+          <a:p>
+            <a:r>
+              <a:rPr lang="en-US"/>
+              <a:t>Q: Have to move all the other elements up or down to make/use room.  O(n)</a:t>
+            </a:r>
+          </a:p>
+        </p:txBody>
+      </p:sp>
+      <p:sp>
+        <p:nvSpPr>
+          <p:cNvPr id="38916" name="Slide Number Placeholder 3"/>
+          <p:cNvSpPr>
+            <a:spLocks noGrp="1"/>
+          </p:cNvSpPr>
+          <p:nvPr>
+            <p:ph type="sldNum" sz="quarter" idx="5"/>
+          </p:nvPr>
+        </p:nvSpPr>
+        <p:spPr>
+          <a:noFill/>
+        </p:spPr>
+        <p:txBody>
+          <a:bodyPr/>
+          <a:lstStyle/>
+          <a:p>
+            <a:fld id="{44E6C81E-B2A6-437F-BF75-B7739F182E02}" type="slidenum">
+              <a:rPr lang="en-US" smtClean="0"/>
+              <a:pPr/>
+              <a:t>14</a:t>
+            </a:fld>
+            <a:endParaRPr lang="en-US"/>
+          </a:p>
+        </p:txBody>
+      </p:sp>
+    </p:spTree>
+    <p:extLst>
+      <p:ext uri="{BB962C8B-B14F-4D97-AF65-F5344CB8AC3E}">
+        <p14:creationId xmlns:p14="http://schemas.microsoft.com/office/powerpoint/2010/main" val="3971722243"/>
+      </p:ext>
+    </p:extLst>
+  </p:cSld>
+  <p:clrMapOvr>
+    <a:masterClrMapping/>
+  </p:clrMapOvr>
+</p:notes>
+</file>
+
+<file path=ppt/notesSlides/notesSlide7.xml><?xml version="1.0" encoding="utf-8"?>
+<p:notes xmlns:a="http://schemas.openxmlformats.org/drawingml/2006/main" xmlns:r="http://schemas.openxmlformats.org/officeDocument/2006/relationships" xmlns:p="http://schemas.openxmlformats.org/presentationml/2006/main">
+  <p:cSld>
+    <p:spTree>
+      <p:nvGrpSpPr>
+        <p:cNvPr id="1" name=""/>
+        <p:cNvGrpSpPr/>
+        <p:nvPr/>
+      </p:nvGrpSpPr>
+      <p:grpSpPr>
+        <a:xfrm>
+          <a:off x="0" y="0"/>
+          <a:ext cx="0" cy="0"/>
+          <a:chOff x="0" y="0"/>
+          <a:chExt cx="0" cy="0"/>
+        </a:xfrm>
+      </p:grpSpPr>
+      <p:sp>
+        <p:nvSpPr>
+          <p:cNvPr id="38914" name="Slide Image Placeholder 1"/>
+          <p:cNvSpPr>
+            <a:spLocks noGrp="1" noRot="1" noChangeAspect="1" noTextEdit="1"/>
+          </p:cNvSpPr>
+          <p:nvPr>
+            <p:ph type="sldImg"/>
+          </p:nvPr>
+        </p:nvSpPr>
+        <p:spPr bwMode="auto">
+          <a:noFill/>
+          <a:ln>
+            <a:solidFill>
+              <a:srgbClr val="000000"/>
+            </a:solidFill>
+            <a:miter lim="800000"/>
+            <a:headEnd/>
+            <a:tailEnd/>
+          </a:ln>
+        </p:spPr>
+      </p:sp>
+      <p:sp>
+        <p:nvSpPr>
+          <p:cNvPr id="38915" name="Notes Placeholder 2"/>
+          <p:cNvSpPr>
+            <a:spLocks noGrp="1"/>
+          </p:cNvSpPr>
+          <p:nvPr>
+            <p:ph type="body" idx="1"/>
+          </p:nvPr>
+        </p:nvSpPr>
+        <p:spPr>
+          <a:noFill/>
+          <a:ln/>
+        </p:spPr>
+        <p:txBody>
+          <a:bodyPr/>
+          <a:lstStyle/>
+          <a:p>
+            <a:r>
+              <a:rPr lang="en-US"/>
+              <a:t>Q: Have to move all the other elements up or down to make/use room.  O(n)</a:t>
+            </a:r>
+          </a:p>
+        </p:txBody>
+      </p:sp>
+      <p:sp>
+        <p:nvSpPr>
+          <p:cNvPr id="38916" name="Slide Number Placeholder 3"/>
+          <p:cNvSpPr>
+            <a:spLocks noGrp="1"/>
+          </p:cNvSpPr>
+          <p:nvPr>
+            <p:ph type="sldNum" sz="quarter" idx="5"/>
+          </p:nvPr>
+        </p:nvSpPr>
+        <p:spPr>
+          <a:noFill/>
+        </p:spPr>
+        <p:txBody>
+          <a:bodyPr/>
+          <a:lstStyle/>
+          <a:p>
+            <a:fld id="{44E6C81E-B2A6-437F-BF75-B7739F182E02}" type="slidenum">
+              <a:rPr lang="en-US" smtClean="0"/>
+              <a:pPr/>
+              <a:t>15</a:t>
+            </a:fld>
+            <a:endParaRPr lang="en-US"/>
+          </a:p>
+        </p:txBody>
+      </p:sp>
+    </p:spTree>
+    <p:extLst>
+      <p:ext uri="{BB962C8B-B14F-4D97-AF65-F5344CB8AC3E}">
+        <p14:creationId xmlns:p14="http://schemas.microsoft.com/office/powerpoint/2010/main" val="147840720"/>
+      </p:ext>
+    </p:extLst>
+  </p:cSld>
+  <p:clrMapOvr>
+    <a:masterClrMapping/>
+  </p:clrMapOvr>
+</p:notes>
+</file>
+
+<file path=ppt/notesSlides/notesSlide8.xml><?xml version="1.0" encoding="utf-8"?>
+<p:notes xmlns:a="http://schemas.openxmlformats.org/drawingml/2006/main" xmlns:r="http://schemas.openxmlformats.org/officeDocument/2006/relationships" xmlns:p="http://schemas.openxmlformats.org/presentationml/2006/main">
+  <p:cSld>
+    <p:spTree>
+      <p:nvGrpSpPr>
+        <p:cNvPr id="1" name=""/>
+        <p:cNvGrpSpPr/>
+        <p:nvPr/>
+      </p:nvGrpSpPr>
+      <p:grpSpPr>
+        <a:xfrm>
+          <a:off x="0" y="0"/>
+          <a:ext cx="0" cy="0"/>
+          <a:chOff x="0" y="0"/>
+          <a:chExt cx="0" cy="0"/>
+        </a:xfrm>
+      </p:grpSpPr>
+      <p:sp>
+        <p:nvSpPr>
+          <p:cNvPr id="38914" name="Slide Image Placeholder 1"/>
+          <p:cNvSpPr>
+            <a:spLocks noGrp="1" noRot="1" noChangeAspect="1" noTextEdit="1"/>
+          </p:cNvSpPr>
+          <p:nvPr>
+            <p:ph type="sldImg"/>
+          </p:nvPr>
+        </p:nvSpPr>
+        <p:spPr bwMode="auto">
+          <a:noFill/>
+          <a:ln>
+            <a:solidFill>
+              <a:srgbClr val="000000"/>
+            </a:solidFill>
+            <a:miter lim="800000"/>
+            <a:headEnd/>
+            <a:tailEnd/>
+          </a:ln>
+        </p:spPr>
+      </p:sp>
+      <p:sp>
+        <p:nvSpPr>
+          <p:cNvPr id="38915" name="Notes Placeholder 2"/>
+          <p:cNvSpPr>
+            <a:spLocks noGrp="1"/>
+          </p:cNvSpPr>
+          <p:nvPr>
+            <p:ph type="body" idx="1"/>
+          </p:nvPr>
+        </p:nvSpPr>
+        <p:spPr>
+          <a:noFill/>
+          <a:ln/>
+        </p:spPr>
+        <p:txBody>
+          <a:bodyPr/>
+          <a:lstStyle/>
+          <a:p>
+            <a:r>
+              <a:rPr lang="en-US"/>
+              <a:t>Q: Have to move all the other elements up or down to make/use room.  O(n)</a:t>
+            </a:r>
+          </a:p>
+        </p:txBody>
+      </p:sp>
+      <p:sp>
+        <p:nvSpPr>
+          <p:cNvPr id="38916" name="Slide Number Placeholder 3"/>
+          <p:cNvSpPr>
+            <a:spLocks noGrp="1"/>
+          </p:cNvSpPr>
+          <p:nvPr>
+            <p:ph type="sldNum" sz="quarter" idx="5"/>
+          </p:nvPr>
+        </p:nvSpPr>
+        <p:spPr>
+          <a:noFill/>
+        </p:spPr>
+        <p:txBody>
+          <a:bodyPr/>
+          <a:lstStyle/>
+          <a:p>
+            <a:fld id="{44E6C81E-B2A6-437F-BF75-B7739F182E02}" type="slidenum">
+              <a:rPr lang="en-US" smtClean="0"/>
+              <a:pPr/>
+              <a:t>16</a:t>
+            </a:fld>
+            <a:endParaRPr lang="en-US"/>
+          </a:p>
+        </p:txBody>
+      </p:sp>
+    </p:spTree>
+    <p:extLst>
+      <p:ext uri="{BB962C8B-B14F-4D97-AF65-F5344CB8AC3E}">
+        <p14:creationId xmlns:p14="http://schemas.microsoft.com/office/powerpoint/2010/main" val="469131989"/>
+      </p:ext>
+    </p:extLst>
+  </p:cSld>
+  <p:clrMapOvr>
+    <a:masterClrMapping/>
+  </p:clrMapOvr>
+</p:notes>
+</file>
+
+<file path=ppt/notesSlides/notesSlide9.xml><?xml version="1.0" encoding="utf-8"?>
+<p:notes xmlns:a="http://schemas.openxmlformats.org/drawingml/2006/main" xmlns:r="http://schemas.openxmlformats.org/officeDocument/2006/relationships" xmlns:p="http://schemas.openxmlformats.org/presentationml/2006/main">
+  <p:cSld>
+    <p:spTree>
+      <p:nvGrpSpPr>
+        <p:cNvPr id="1" name=""/>
+        <p:cNvGrpSpPr/>
+        <p:nvPr/>
+      </p:nvGrpSpPr>
+      <p:grpSpPr>
+        <a:xfrm>
+          <a:off x="0" y="0"/>
+          <a:ext cx="0" cy="0"/>
+          <a:chOff x="0" y="0"/>
+          <a:chExt cx="0" cy="0"/>
+        </a:xfrm>
+      </p:grpSpPr>
+      <p:sp>
+        <p:nvSpPr>
+          <p:cNvPr id="38914" name="Slide Image Placeholder 1"/>
+          <p:cNvSpPr>
+            <a:spLocks noGrp="1" noRot="1" noChangeAspect="1" noTextEdit="1"/>
+          </p:cNvSpPr>
+          <p:nvPr>
+            <p:ph type="sldImg"/>
+          </p:nvPr>
+        </p:nvSpPr>
+        <p:spPr bwMode="auto">
+          <a:noFill/>
+          <a:ln>
+            <a:solidFill>
+              <a:srgbClr val="000000"/>
+            </a:solidFill>
+            <a:miter lim="800000"/>
+            <a:headEnd/>
+            <a:tailEnd/>
+          </a:ln>
+        </p:spPr>
+      </p:sp>
+      <p:sp>
+        <p:nvSpPr>
+          <p:cNvPr id="38915" name="Notes Placeholder 2"/>
+          <p:cNvSpPr>
+            <a:spLocks noGrp="1"/>
+          </p:cNvSpPr>
+          <p:nvPr>
+            <p:ph type="body" idx="1"/>
+          </p:nvPr>
+        </p:nvSpPr>
+        <p:spPr>
+          <a:noFill/>
+          <a:ln/>
+        </p:spPr>
+        <p:txBody>
+          <a:bodyPr/>
+          <a:lstStyle/>
+          <a:p>
+            <a:r>
+              <a:rPr lang="en-US"/>
+              <a:t>Q: Have to move all the other elements up or down to make/use room.  O(n)</a:t>
+            </a:r>
+          </a:p>
+        </p:txBody>
+      </p:sp>
+      <p:sp>
+        <p:nvSpPr>
+          <p:cNvPr id="38916" name="Slide Number Placeholder 3"/>
+          <p:cNvSpPr>
+            <a:spLocks noGrp="1"/>
+          </p:cNvSpPr>
+          <p:nvPr>
+            <p:ph type="sldNum" sz="quarter" idx="5"/>
+          </p:nvPr>
+        </p:nvSpPr>
+        <p:spPr>
+          <a:noFill/>
+        </p:spPr>
+        <p:txBody>
+          <a:bodyPr/>
+          <a:lstStyle/>
+          <a:p>
+            <a:fld id="{44E6C81E-B2A6-437F-BF75-B7739F182E02}" type="slidenum">
+              <a:rPr lang="en-US" smtClean="0"/>
+              <a:pPr/>
+              <a:t>17</a:t>
+            </a:fld>
+            <a:endParaRPr lang="en-US"/>
+          </a:p>
+        </p:txBody>
+      </p:sp>
+    </p:spTree>
+    <p:extLst>
+      <p:ext uri="{BB962C8B-B14F-4D97-AF65-F5344CB8AC3E}">
+        <p14:creationId xmlns:p14="http://schemas.microsoft.com/office/powerpoint/2010/main" val="2808565418"/>
       </p:ext>
     </p:extLst>
   </p:cSld>
@@ -1488,7 +2627,7 @@
               <a:pPr>
                 <a:defRPr/>
               </a:pPr>
-              <a:t>Friday, October 28, 2022</a:t>
+              <a:t>Monday, October 31, 2022</a:t>
             </a:fld>
             <a:endParaRPr lang="en-US"/>
           </a:p>
@@ -1671,7 +2810,7 @@
               <a:pPr>
                 <a:defRPr/>
               </a:pPr>
-              <a:t>Friday, October 28, 2022</a:t>
+              <a:t>Monday, October 31, 2022</a:t>
             </a:fld>
             <a:endParaRPr lang="en-US"/>
           </a:p>
@@ -1864,7 +3003,7 @@
               <a:pPr>
                 <a:defRPr/>
               </a:pPr>
-              <a:t>Friday, October 28, 2022</a:t>
+              <a:t>Monday, October 31, 2022</a:t>
             </a:fld>
             <a:endParaRPr lang="en-US"/>
           </a:p>
@@ -2047,7 +3186,7 @@
               <a:pPr>
                 <a:defRPr/>
               </a:pPr>
-              <a:t>Friday, October 28, 2022</a:t>
+              <a:t>Monday, October 31, 2022</a:t>
             </a:fld>
             <a:endParaRPr lang="en-US"/>
           </a:p>
@@ -2307,7 +3446,7 @@
               <a:pPr>
                 <a:defRPr/>
               </a:pPr>
-              <a:t>Friday, October 28, 2022</a:t>
+              <a:t>Monday, October 31, 2022</a:t>
             </a:fld>
             <a:endParaRPr lang="en-US"/>
           </a:p>
@@ -2607,7 +3746,7 @@
               <a:pPr>
                 <a:defRPr/>
               </a:pPr>
-              <a:t>Friday, October 28, 2022</a:t>
+              <a:t>Monday, October 31, 2022</a:t>
             </a:fld>
             <a:endParaRPr lang="en-US"/>
           </a:p>
@@ -3041,7 +4180,7 @@
               <a:pPr>
                 <a:defRPr/>
               </a:pPr>
-              <a:t>Friday, October 28, 2022</a:t>
+              <a:t>Monday, October 31, 2022</a:t>
             </a:fld>
             <a:endParaRPr lang="en-US"/>
           </a:p>
@@ -3173,7 +4312,7 @@
               <a:pPr>
                 <a:defRPr/>
               </a:pPr>
-              <a:t>Friday, October 28, 2022</a:t>
+              <a:t>Monday, October 31, 2022</a:t>
             </a:fld>
             <a:endParaRPr lang="en-US"/>
           </a:p>
@@ -3283,7 +4422,7 @@
               <a:pPr>
                 <a:defRPr/>
               </a:pPr>
-              <a:t>Friday, October 28, 2022</a:t>
+              <a:t>Monday, October 31, 2022</a:t>
             </a:fld>
             <a:endParaRPr lang="en-US"/>
           </a:p>
@@ -3573,7 +4712,7 @@
               <a:pPr>
                 <a:defRPr/>
               </a:pPr>
-              <a:t>Friday, October 28, 2022</a:t>
+              <a:t>Monday, October 31, 2022</a:t>
             </a:fld>
             <a:endParaRPr lang="en-US"/>
           </a:p>
@@ -3840,7 +4979,7 @@
               <a:pPr>
                 <a:defRPr/>
               </a:pPr>
-              <a:t>Friday, October 28, 2022</a:t>
+              <a:t>Monday, October 31, 2022</a:t>
             </a:fld>
             <a:endParaRPr lang="en-US"/>
           </a:p>
@@ -4066,7 +5205,7 @@
               <a:pPr>
                 <a:defRPr/>
               </a:pPr>
-              <a:t>Friday, October 28, 2022</a:t>
+              <a:t>Monday, October 31, 2022</a:t>
             </a:fld>
             <a:endParaRPr lang="en-US"/>
           </a:p>
@@ -5168,6 +6307,1308 @@
 </p:sld>
 </file>
 
+<file path=ppt/slides/slide13.xml><?xml version="1.0" encoding="utf-8"?>
+<p:sld xmlns:a="http://schemas.openxmlformats.org/drawingml/2006/main" xmlns:r="http://schemas.openxmlformats.org/officeDocument/2006/relationships" xmlns:p="http://schemas.openxmlformats.org/presentationml/2006/main">
+  <p:cSld>
+    <p:spTree>
+      <p:nvGrpSpPr>
+        <p:cNvPr id="1" name=""/>
+        <p:cNvGrpSpPr/>
+        <p:nvPr/>
+      </p:nvGrpSpPr>
+      <p:grpSpPr>
+        <a:xfrm>
+          <a:off x="0" y="0"/>
+          <a:ext cx="0" cy="0"/>
+          <a:chOff x="0" y="0"/>
+          <a:chExt cx="0" cy="0"/>
+        </a:xfrm>
+      </p:grpSpPr>
+      <p:sp>
+        <p:nvSpPr>
+          <p:cNvPr id="4" name="Title 3"/>
+          <p:cNvSpPr>
+            <a:spLocks noGrp="1"/>
+          </p:cNvSpPr>
+          <p:nvPr>
+            <p:ph type="title"/>
+          </p:nvPr>
+        </p:nvSpPr>
+        <p:spPr>
+          <a:xfrm>
+            <a:off x="638908" y="2667000"/>
+            <a:ext cx="7772400" cy="1362075"/>
+          </a:xfrm>
+        </p:spPr>
+        <p:txBody>
+          <a:bodyPr/>
+          <a:lstStyle/>
+          <a:p>
+            <a:pPr>
+              <a:defRPr/>
+            </a:pPr>
+            <a:r>
+              <a:rPr lang="en-US" dirty="0"/>
+              <a:t>Data Structures +</a:t>
+            </a:r>
+            <a:br>
+              <a:rPr lang="en-US" dirty="0"/>
+            </a:br>
+            <a:r>
+              <a:rPr lang="en-US" dirty="0" err="1"/>
+              <a:t>BiG</a:t>
+            </a:r>
+            <a:r>
+              <a:rPr lang="en-US" dirty="0"/>
+              <a:t>-O Notation</a:t>
+            </a:r>
+          </a:p>
+        </p:txBody>
+      </p:sp>
+      <p:sp>
+        <p:nvSpPr>
+          <p:cNvPr id="11267" name="Text Placeholder 4"/>
+          <p:cNvSpPr>
+            <a:spLocks noGrp="1"/>
+          </p:cNvSpPr>
+          <p:nvPr>
+            <p:ph type="body" idx="1"/>
+          </p:nvPr>
+        </p:nvSpPr>
+        <p:spPr/>
+        <p:txBody>
+          <a:bodyPr/>
+          <a:lstStyle/>
+          <a:p>
+            <a:r>
+              <a:rPr lang="en-US" dirty="0"/>
+              <a:t>Understanding the engineering trade-offs when storing data</a:t>
+            </a:r>
+          </a:p>
+        </p:txBody>
+      </p:sp>
+      <p:sp>
+        <p:nvSpPr>
+          <p:cNvPr id="5" name="Rectangle 1"/>
+          <p:cNvSpPr txBox="1">
+            <a:spLocks/>
+          </p:cNvSpPr>
+          <p:nvPr/>
+        </p:nvSpPr>
+        <p:spPr>
+          <a:xfrm>
+            <a:off x="2819400" y="1244600"/>
+            <a:ext cx="7772400" cy="1470025"/>
+          </a:xfrm>
+          <a:prstGeom prst="rect">
+            <a:avLst/>
+          </a:prstGeom>
+        </p:spPr>
+        <p:txBody>
+          <a:bodyPr vert="horz" lIns="91440" tIns="45720" rIns="91440" bIns="45720" rtlCol="0" anchor="t">
+            <a:normAutofit/>
+          </a:bodyPr>
+          <a:lstStyle>
+            <a:lvl1pPr algn="l" defTabSz="914400" rtl="0" eaLnBrk="1" latinLnBrk="0" hangingPunct="1">
+              <a:spcBef>
+                <a:spcPct val="0"/>
+              </a:spcBef>
+              <a:buNone/>
+              <a:defRPr sz="4000" b="1" kern="1200" cap="all">
+                <a:solidFill>
+                  <a:schemeClr val="tx1"/>
+                </a:solidFill>
+                <a:latin typeface="+mj-lt"/>
+                <a:ea typeface="+mj-ea"/>
+                <a:cs typeface="+mj-cs"/>
+              </a:defRPr>
+            </a:lvl1pPr>
+          </a:lstStyle>
+          <a:p>
+            <a:pPr fontAlgn="auto">
+              <a:spcAft>
+                <a:spcPts val="0"/>
+              </a:spcAft>
+              <a:defRPr/>
+            </a:pPr>
+            <a:r>
+              <a:rPr lang="en-US" dirty="0"/>
+              <a:t>CSSE 220</a:t>
+            </a:r>
+          </a:p>
+        </p:txBody>
+      </p:sp>
+      <p:sp>
+        <p:nvSpPr>
+          <p:cNvPr id="8" name="Rectangle 7">
+            <a:extLst>
+              <a:ext uri="{FF2B5EF4-FFF2-40B4-BE49-F238E27FC236}">
+                <a16:creationId xmlns:a16="http://schemas.microsoft.com/office/drawing/2014/main" id="{F73FC399-1E29-7D4B-85AF-66732E35E676}"/>
+              </a:ext>
+            </a:extLst>
+          </p:cNvPr>
+          <p:cNvSpPr/>
+          <p:nvPr/>
+        </p:nvSpPr>
+        <p:spPr>
+          <a:xfrm>
+            <a:off x="304800" y="5276850"/>
+            <a:ext cx="8534400" cy="1295400"/>
+          </a:xfrm>
+          <a:prstGeom prst="rect">
+            <a:avLst/>
+          </a:prstGeom>
+          <a:solidFill>
+            <a:schemeClr val="accent3"/>
+          </a:solidFill>
+        </p:spPr>
+        <p:style>
+          <a:lnRef idx="2">
+            <a:schemeClr val="accent3">
+              <a:shade val="50000"/>
+            </a:schemeClr>
+          </a:lnRef>
+          <a:fillRef idx="1">
+            <a:schemeClr val="accent3"/>
+          </a:fillRef>
+          <a:effectRef idx="0">
+            <a:schemeClr val="accent3"/>
+          </a:effectRef>
+          <a:fontRef idx="minor">
+            <a:schemeClr val="lt1"/>
+          </a:fontRef>
+        </p:style>
+        <p:txBody>
+          <a:bodyPr rtlCol="0" anchor="ctr"/>
+          <a:lstStyle/>
+          <a:p>
+            <a:r>
+              <a:rPr lang="en-US" sz="2400" dirty="0">
+                <a:solidFill>
+                  <a:srgbClr val="FFFFFF"/>
+                </a:solidFill>
+              </a:rPr>
+              <a:t>The </a:t>
+            </a:r>
+            <a:r>
+              <a:rPr lang="en-US" sz="2400" i="1" dirty="0">
+                <a:solidFill>
+                  <a:srgbClr val="FFFFFF"/>
+                </a:solidFill>
+              </a:rPr>
+              <a:t>git</a:t>
+            </a:r>
+            <a:r>
+              <a:rPr lang="en-US" sz="2400" dirty="0">
+                <a:solidFill>
+                  <a:srgbClr val="FFFFFF"/>
+                </a:solidFill>
+              </a:rPr>
+              <a:t> projects for today are:</a:t>
+            </a:r>
+          </a:p>
+          <a:p>
+            <a:pPr marL="342900" indent="-342900">
+              <a:buFont typeface="Arial" panose="020B0604020202020204" pitchFamily="34" charset="0"/>
+              <a:buChar char="•"/>
+            </a:pPr>
+            <a:r>
+              <a:rPr lang="en-US" sz="2400" i="1" dirty="0" err="1"/>
+              <a:t>PracticeLinkedListSimple</a:t>
+            </a:r>
+            <a:endParaRPr lang="en-US" sz="2400" i="1" dirty="0"/>
+          </a:p>
+          <a:p>
+            <a:pPr marL="342900" indent="-342900">
+              <a:buFont typeface="Arial" panose="020B0604020202020204" pitchFamily="34" charset="0"/>
+              <a:buChar char="•"/>
+            </a:pPr>
+            <a:r>
+              <a:rPr lang="en-US" sz="2400" i="1" dirty="0" err="1"/>
+              <a:t>PracticeLinkedListSimpleSolution</a:t>
+            </a:r>
+            <a:endParaRPr lang="en-US" sz="2400" i="1" dirty="0"/>
+          </a:p>
+        </p:txBody>
+      </p:sp>
+      <p:pic>
+        <p:nvPicPr>
+          <p:cNvPr id="9" name="Picture 8">
+            <a:extLst>
+              <a:ext uri="{FF2B5EF4-FFF2-40B4-BE49-F238E27FC236}">
+                <a16:creationId xmlns:a16="http://schemas.microsoft.com/office/drawing/2014/main" id="{A8AE3E50-A240-80D8-A78D-A7D1D25A2917}"/>
+              </a:ext>
+            </a:extLst>
+          </p:cNvPr>
+          <p:cNvPicPr>
+            <a:picLocks noChangeAspect="1"/>
+          </p:cNvPicPr>
+          <p:nvPr/>
+        </p:nvPicPr>
+        <p:blipFill>
+          <a:blip r:embed="rId3"/>
+          <a:stretch>
+            <a:fillRect/>
+          </a:stretch>
+        </p:blipFill>
+        <p:spPr>
+          <a:xfrm>
+            <a:off x="5937409" y="1015626"/>
+            <a:ext cx="2816626" cy="2439173"/>
+          </a:xfrm>
+          <a:prstGeom prst="rect">
+            <a:avLst/>
+          </a:prstGeom>
+        </p:spPr>
+      </p:pic>
+    </p:spTree>
+  </p:cSld>
+  <p:clrMapOvr>
+    <a:masterClrMapping/>
+  </p:clrMapOvr>
+</p:sld>
+</file>
+
+<file path=ppt/slides/slide14.xml><?xml version="1.0" encoding="utf-8"?>
+<p:sld xmlns:a="http://schemas.openxmlformats.org/drawingml/2006/main" xmlns:r="http://schemas.openxmlformats.org/officeDocument/2006/relationships" xmlns:p="http://schemas.openxmlformats.org/presentationml/2006/main">
+  <p:cSld>
+    <p:spTree>
+      <p:nvGrpSpPr>
+        <p:cNvPr id="1" name=""/>
+        <p:cNvGrpSpPr/>
+        <p:nvPr/>
+      </p:nvGrpSpPr>
+      <p:grpSpPr>
+        <a:xfrm>
+          <a:off x="0" y="0"/>
+          <a:ext cx="0" cy="0"/>
+          <a:chOff x="0" y="0"/>
+          <a:chExt cx="0" cy="0"/>
+        </a:xfrm>
+      </p:grpSpPr>
+      <p:sp>
+        <p:nvSpPr>
+          <p:cNvPr id="4" name="Title 3"/>
+          <p:cNvSpPr>
+            <a:spLocks noGrp="1"/>
+          </p:cNvSpPr>
+          <p:nvPr>
+            <p:ph type="title"/>
+          </p:nvPr>
+        </p:nvSpPr>
+        <p:spPr/>
+        <p:txBody>
+          <a:bodyPr/>
+          <a:lstStyle/>
+          <a:p>
+            <a:pPr>
+              <a:defRPr/>
+            </a:pPr>
+            <a:r>
+              <a:rPr lang="en-US"/>
+              <a:t>Data Structures</a:t>
+            </a:r>
+          </a:p>
+        </p:txBody>
+      </p:sp>
+      <p:sp>
+        <p:nvSpPr>
+          <p:cNvPr id="12290" name="Content Placeholder 4"/>
+          <p:cNvSpPr>
+            <a:spLocks noGrp="1"/>
+          </p:cNvSpPr>
+          <p:nvPr>
+            <p:ph idx="1"/>
+          </p:nvPr>
+        </p:nvSpPr>
+        <p:spPr>
+          <a:xfrm>
+            <a:off x="457200" y="1240972"/>
+            <a:ext cx="8229600" cy="4885192"/>
+          </a:xfrm>
+        </p:spPr>
+        <p:txBody>
+          <a:bodyPr>
+            <a:normAutofit/>
+          </a:bodyPr>
+          <a:lstStyle/>
+          <a:p>
+            <a:r>
+              <a:rPr lang="en-US" dirty="0"/>
+              <a:t>We need efficient ways to store data </a:t>
+            </a:r>
+            <a:r>
+              <a:rPr lang="en-US" b="1" dirty="0"/>
+              <a:t>based on how we’ll use it</a:t>
+            </a:r>
+          </a:p>
+          <a:p>
+            <a:r>
+              <a:rPr lang="en-US" dirty="0"/>
+              <a:t>"How we'll use it" = algorithms used to access/update data stored in the data structure</a:t>
+            </a:r>
+          </a:p>
+          <a:p>
+            <a:endParaRPr lang="en-US" dirty="0"/>
+          </a:p>
+          <a:p>
+            <a:r>
+              <a:rPr lang="en-US" dirty="0"/>
+              <a:t>The main theme for the rest of the course</a:t>
+            </a:r>
+          </a:p>
+          <a:p>
+            <a:pPr marL="0" indent="0">
+              <a:buNone/>
+            </a:pPr>
+            <a:endParaRPr lang="en-US" dirty="0"/>
+          </a:p>
+        </p:txBody>
+      </p:sp>
+    </p:spTree>
+  </p:cSld>
+  <p:clrMapOvr>
+    <a:masterClrMapping/>
+  </p:clrMapOvr>
+</p:sld>
+</file>
+
+<file path=ppt/slides/slide15.xml><?xml version="1.0" encoding="utf-8"?>
+<p:sld xmlns:a="http://schemas.openxmlformats.org/drawingml/2006/main" xmlns:r="http://schemas.openxmlformats.org/officeDocument/2006/relationships" xmlns:p="http://schemas.openxmlformats.org/presentationml/2006/main">
+  <p:cSld>
+    <p:spTree>
+      <p:nvGrpSpPr>
+        <p:cNvPr id="1" name=""/>
+        <p:cNvGrpSpPr/>
+        <p:nvPr/>
+      </p:nvGrpSpPr>
+      <p:grpSpPr>
+        <a:xfrm>
+          <a:off x="0" y="0"/>
+          <a:ext cx="0" cy="0"/>
+          <a:chOff x="0" y="0"/>
+          <a:chExt cx="0" cy="0"/>
+        </a:xfrm>
+      </p:grpSpPr>
+      <p:sp>
+        <p:nvSpPr>
+          <p:cNvPr id="4" name="Title 3"/>
+          <p:cNvSpPr>
+            <a:spLocks noGrp="1"/>
+          </p:cNvSpPr>
+          <p:nvPr>
+            <p:ph type="title"/>
+          </p:nvPr>
+        </p:nvSpPr>
+        <p:spPr>
+          <a:xfrm>
+            <a:off x="500742" y="78695"/>
+            <a:ext cx="8229600" cy="1143000"/>
+          </a:xfrm>
+        </p:spPr>
+        <p:txBody>
+          <a:bodyPr/>
+          <a:lstStyle/>
+          <a:p>
+            <a:pPr>
+              <a:defRPr/>
+            </a:pPr>
+            <a:r>
+              <a:rPr lang="en-US" dirty="0" err="1"/>
+              <a:t>ArrayList</a:t>
+            </a:r>
+            <a:r>
+              <a:rPr lang="en-US" dirty="0"/>
+              <a:t> Data Structure in Java</a:t>
+            </a:r>
+          </a:p>
+        </p:txBody>
+      </p:sp>
+      <p:sp>
+        <p:nvSpPr>
+          <p:cNvPr id="12290" name="Content Placeholder 4"/>
+          <p:cNvSpPr>
+            <a:spLocks noGrp="1"/>
+          </p:cNvSpPr>
+          <p:nvPr>
+            <p:ph idx="1"/>
+          </p:nvPr>
+        </p:nvSpPr>
+        <p:spPr>
+          <a:xfrm>
+            <a:off x="424543" y="914400"/>
+            <a:ext cx="8229600" cy="4885192"/>
+          </a:xfrm>
+        </p:spPr>
+        <p:txBody>
+          <a:bodyPr>
+            <a:normAutofit/>
+          </a:bodyPr>
+          <a:lstStyle/>
+          <a:p>
+            <a:pPr lvl="1"/>
+            <a:r>
+              <a:rPr lang="en-US" dirty="0"/>
+              <a:t>Fast addition </a:t>
+            </a:r>
+            <a:r>
+              <a:rPr lang="en-US" b="1" dirty="0"/>
+              <a:t>to end of list</a:t>
+            </a:r>
+            <a:br>
+              <a:rPr lang="en-US" b="1" dirty="0"/>
+            </a:br>
+            <a:r>
+              <a:rPr lang="en-US" sz="2400" dirty="0"/>
+              <a:t>Requires 1 multiplication and 1 addition to compute address</a:t>
+            </a:r>
+            <a:endParaRPr lang="en-US" sz="2400" b="1" dirty="0"/>
+          </a:p>
+        </p:txBody>
+      </p:sp>
+      <p:pic>
+        <p:nvPicPr>
+          <p:cNvPr id="3" name="Picture 2" descr="Graphical user interface&#10;&#10;Description automatically generated with medium confidence">
+            <a:extLst>
+              <a:ext uri="{FF2B5EF4-FFF2-40B4-BE49-F238E27FC236}">
+                <a16:creationId xmlns:a16="http://schemas.microsoft.com/office/drawing/2014/main" id="{63700C4F-FFD7-4B45-A727-EEC331387E3B}"/>
+              </a:ext>
+            </a:extLst>
+          </p:cNvPr>
+          <p:cNvPicPr>
+            <a:picLocks noChangeAspect="1"/>
+          </p:cNvPicPr>
+          <p:nvPr/>
+        </p:nvPicPr>
+        <p:blipFill>
+          <a:blip r:embed="rId3">
+            <a:extLst>
+              <a:ext uri="{28A0092B-C50C-407E-A947-70E740481C1C}">
+                <a14:useLocalDpi xmlns:a14="http://schemas.microsoft.com/office/drawing/2010/main" val="0"/>
+              </a:ext>
+            </a:extLst>
+          </a:blip>
+          <a:stretch>
+            <a:fillRect/>
+          </a:stretch>
+        </p:blipFill>
+        <p:spPr>
+          <a:xfrm>
+            <a:off x="1208314" y="2081147"/>
+            <a:ext cx="5334000" cy="4544375"/>
+          </a:xfrm>
+          <a:prstGeom prst="rect">
+            <a:avLst/>
+          </a:prstGeom>
+        </p:spPr>
+      </p:pic>
+      <p:sp>
+        <p:nvSpPr>
+          <p:cNvPr id="5" name="Freeform 4">
+            <a:extLst>
+              <a:ext uri="{FF2B5EF4-FFF2-40B4-BE49-F238E27FC236}">
+                <a16:creationId xmlns:a16="http://schemas.microsoft.com/office/drawing/2014/main" id="{C9801F98-9AB0-CA48-86A9-2B6F511A3F82}"/>
+              </a:ext>
+            </a:extLst>
+          </p:cNvPr>
+          <p:cNvSpPr/>
+          <p:nvPr/>
+        </p:nvSpPr>
+        <p:spPr>
+          <a:xfrm>
+            <a:off x="5516217" y="1600200"/>
+            <a:ext cx="2915790" cy="4104861"/>
+          </a:xfrm>
+          <a:custGeom>
+            <a:avLst/>
+            <a:gdLst>
+              <a:gd name="connsiteX0" fmla="*/ 2266122 w 2915790"/>
+              <a:gd name="connsiteY0" fmla="*/ 0 h 4104861"/>
+              <a:gd name="connsiteX1" fmla="*/ 2773018 w 2915790"/>
+              <a:gd name="connsiteY1" fmla="*/ 2763078 h 4104861"/>
+              <a:gd name="connsiteX2" fmla="*/ 0 w 2915790"/>
+              <a:gd name="connsiteY2" fmla="*/ 4104861 h 4104861"/>
+            </a:gdLst>
+            <a:ahLst/>
+            <a:cxnLst>
+              <a:cxn ang="0">
+                <a:pos x="connsiteX0" y="connsiteY0"/>
+              </a:cxn>
+              <a:cxn ang="0">
+                <a:pos x="connsiteX1" y="connsiteY1"/>
+              </a:cxn>
+              <a:cxn ang="0">
+                <a:pos x="connsiteX2" y="connsiteY2"/>
+              </a:cxn>
+            </a:cxnLst>
+            <a:rect l="l" t="t" r="r" b="b"/>
+            <a:pathLst>
+              <a:path w="2915790" h="4104861">
+                <a:moveTo>
+                  <a:pt x="2266122" y="0"/>
+                </a:moveTo>
+                <a:cubicBezTo>
+                  <a:pt x="2708413" y="1039467"/>
+                  <a:pt x="3150705" y="2078935"/>
+                  <a:pt x="2773018" y="2763078"/>
+                </a:cubicBezTo>
+                <a:cubicBezTo>
+                  <a:pt x="2395331" y="3447221"/>
+                  <a:pt x="1197665" y="3776041"/>
+                  <a:pt x="0" y="4104861"/>
+                </a:cubicBezTo>
+              </a:path>
+            </a:pathLst>
+          </a:custGeom>
+          <a:noFill/>
+          <a:ln>
+            <a:solidFill>
+              <a:srgbClr val="C00000"/>
+            </a:solidFill>
+            <a:headEnd type="none" w="med" len="med"/>
+            <a:tailEnd type="arrow" w="med" len="med"/>
+          </a:ln>
+        </p:spPr>
+        <p:style>
+          <a:lnRef idx="2">
+            <a:schemeClr val="accent1">
+              <a:shade val="50000"/>
+            </a:schemeClr>
+          </a:lnRef>
+          <a:fillRef idx="1">
+            <a:schemeClr val="accent1"/>
+          </a:fillRef>
+          <a:effectRef idx="0">
+            <a:schemeClr val="accent1"/>
+          </a:effectRef>
+          <a:fontRef idx="minor">
+            <a:schemeClr val="lt1"/>
+          </a:fontRef>
+        </p:style>
+        <p:txBody>
+          <a:bodyPr rtlCol="0" anchor="ctr"/>
+          <a:lstStyle/>
+          <a:p>
+            <a:pPr algn="ctr"/>
+            <a:endParaRPr lang="en-US"/>
+          </a:p>
+        </p:txBody>
+      </p:sp>
+    </p:spTree>
+    <p:extLst>
+      <p:ext uri="{BB962C8B-B14F-4D97-AF65-F5344CB8AC3E}">
+        <p14:creationId xmlns:p14="http://schemas.microsoft.com/office/powerpoint/2010/main" val="627166366"/>
+      </p:ext>
+    </p:extLst>
+  </p:cSld>
+  <p:clrMapOvr>
+    <a:masterClrMapping/>
+  </p:clrMapOvr>
+</p:sld>
+</file>
+
+<file path=ppt/slides/slide16.xml><?xml version="1.0" encoding="utf-8"?>
+<p:sld xmlns:a="http://schemas.openxmlformats.org/drawingml/2006/main" xmlns:r="http://schemas.openxmlformats.org/officeDocument/2006/relationships" xmlns:p="http://schemas.openxmlformats.org/presentationml/2006/main">
+  <p:cSld>
+    <p:spTree>
+      <p:nvGrpSpPr>
+        <p:cNvPr id="1" name=""/>
+        <p:cNvGrpSpPr/>
+        <p:nvPr/>
+      </p:nvGrpSpPr>
+      <p:grpSpPr>
+        <a:xfrm>
+          <a:off x="0" y="0"/>
+          <a:ext cx="0" cy="0"/>
+          <a:chOff x="0" y="0"/>
+          <a:chExt cx="0" cy="0"/>
+        </a:xfrm>
+      </p:grpSpPr>
+      <p:sp>
+        <p:nvSpPr>
+          <p:cNvPr id="4" name="Title 3"/>
+          <p:cNvSpPr>
+            <a:spLocks noGrp="1"/>
+          </p:cNvSpPr>
+          <p:nvPr>
+            <p:ph type="title"/>
+          </p:nvPr>
+        </p:nvSpPr>
+        <p:spPr>
+          <a:xfrm>
+            <a:off x="500742" y="78695"/>
+            <a:ext cx="8229600" cy="1143000"/>
+          </a:xfrm>
+        </p:spPr>
+        <p:txBody>
+          <a:bodyPr/>
+          <a:lstStyle/>
+          <a:p>
+            <a:pPr>
+              <a:defRPr/>
+            </a:pPr>
+            <a:r>
+              <a:rPr lang="en-US" dirty="0" err="1"/>
+              <a:t>ArrayList</a:t>
+            </a:r>
+            <a:r>
+              <a:rPr lang="en-US" dirty="0"/>
+              <a:t> Data Structure in Java</a:t>
+            </a:r>
+          </a:p>
+        </p:txBody>
+      </p:sp>
+      <p:sp>
+        <p:nvSpPr>
+          <p:cNvPr id="12290" name="Content Placeholder 4"/>
+          <p:cNvSpPr>
+            <a:spLocks noGrp="1"/>
+          </p:cNvSpPr>
+          <p:nvPr>
+            <p:ph idx="1"/>
+          </p:nvPr>
+        </p:nvSpPr>
+        <p:spPr>
+          <a:xfrm>
+            <a:off x="424543" y="914400"/>
+            <a:ext cx="8229600" cy="4885192"/>
+          </a:xfrm>
+        </p:spPr>
+        <p:txBody>
+          <a:bodyPr>
+            <a:normAutofit/>
+          </a:bodyPr>
+          <a:lstStyle/>
+          <a:p>
+            <a:pPr lvl="1"/>
+            <a:r>
+              <a:rPr lang="en-US" dirty="0"/>
+              <a:t>Fast access to any existing position</a:t>
+            </a:r>
+            <a:br>
+              <a:rPr lang="en-US" b="1" dirty="0"/>
+            </a:br>
+            <a:r>
+              <a:rPr lang="en-US" sz="2400" dirty="0"/>
+              <a:t>Requires 1 multiplication and 1 addition to compute address</a:t>
+            </a:r>
+            <a:endParaRPr lang="en-US" sz="2400" b="1" dirty="0"/>
+          </a:p>
+        </p:txBody>
+      </p:sp>
+      <p:pic>
+        <p:nvPicPr>
+          <p:cNvPr id="6" name="Picture 5" descr="Diagram&#10;&#10;Description automatically generated">
+            <a:extLst>
+              <a:ext uri="{FF2B5EF4-FFF2-40B4-BE49-F238E27FC236}">
+                <a16:creationId xmlns:a16="http://schemas.microsoft.com/office/drawing/2014/main" id="{FDC82C5D-D934-754F-BC72-F68CA9C4CD44}"/>
+              </a:ext>
+            </a:extLst>
+          </p:cNvPr>
+          <p:cNvPicPr>
+            <a:picLocks noChangeAspect="1"/>
+          </p:cNvPicPr>
+          <p:nvPr/>
+        </p:nvPicPr>
+        <p:blipFill>
+          <a:blip r:embed="rId3">
+            <a:extLst>
+              <a:ext uri="{28A0092B-C50C-407E-A947-70E740481C1C}">
+                <a14:useLocalDpi xmlns:a14="http://schemas.microsoft.com/office/drawing/2010/main" val="0"/>
+              </a:ext>
+            </a:extLst>
+          </a:blip>
+          <a:stretch>
+            <a:fillRect/>
+          </a:stretch>
+        </p:blipFill>
+        <p:spPr>
+          <a:xfrm>
+            <a:off x="576468" y="2279586"/>
+            <a:ext cx="6817691" cy="3877153"/>
+          </a:xfrm>
+          <a:prstGeom prst="rect">
+            <a:avLst/>
+          </a:prstGeom>
+        </p:spPr>
+      </p:pic>
+      <p:sp>
+        <p:nvSpPr>
+          <p:cNvPr id="7" name="Freeform 6">
+            <a:extLst>
+              <a:ext uri="{FF2B5EF4-FFF2-40B4-BE49-F238E27FC236}">
+                <a16:creationId xmlns:a16="http://schemas.microsoft.com/office/drawing/2014/main" id="{BC15A584-A2CF-6543-9B04-88A074B507DD}"/>
+              </a:ext>
+            </a:extLst>
+          </p:cNvPr>
+          <p:cNvSpPr/>
+          <p:nvPr/>
+        </p:nvSpPr>
+        <p:spPr>
+          <a:xfrm>
+            <a:off x="6291470" y="1425450"/>
+            <a:ext cx="2248433" cy="3504359"/>
+          </a:xfrm>
+          <a:custGeom>
+            <a:avLst/>
+            <a:gdLst>
+              <a:gd name="connsiteX0" fmla="*/ 1500808 w 2248433"/>
+              <a:gd name="connsiteY0" fmla="*/ 174750 h 3504359"/>
+              <a:gd name="connsiteX1" fmla="*/ 2236304 w 2248433"/>
+              <a:gd name="connsiteY1" fmla="*/ 254263 h 3504359"/>
+              <a:gd name="connsiteX2" fmla="*/ 1808921 w 2248433"/>
+              <a:gd name="connsiteY2" fmla="*/ 2609837 h 3504359"/>
+              <a:gd name="connsiteX3" fmla="*/ 0 w 2248433"/>
+              <a:gd name="connsiteY3" fmla="*/ 3504359 h 3504359"/>
+            </a:gdLst>
+            <a:ahLst/>
+            <a:cxnLst>
+              <a:cxn ang="0">
+                <a:pos x="connsiteX0" y="connsiteY0"/>
+              </a:cxn>
+              <a:cxn ang="0">
+                <a:pos x="connsiteX1" y="connsiteY1"/>
+              </a:cxn>
+              <a:cxn ang="0">
+                <a:pos x="connsiteX2" y="connsiteY2"/>
+              </a:cxn>
+              <a:cxn ang="0">
+                <a:pos x="connsiteX3" y="connsiteY3"/>
+              </a:cxn>
+            </a:cxnLst>
+            <a:rect l="l" t="t" r="r" b="b"/>
+            <a:pathLst>
+              <a:path w="2248433" h="3504359">
+                <a:moveTo>
+                  <a:pt x="1500808" y="174750"/>
+                </a:moveTo>
+                <a:cubicBezTo>
+                  <a:pt x="1842880" y="11582"/>
+                  <a:pt x="2184952" y="-151585"/>
+                  <a:pt x="2236304" y="254263"/>
+                </a:cubicBezTo>
+                <a:cubicBezTo>
+                  <a:pt x="2287656" y="660111"/>
+                  <a:pt x="2181638" y="2068154"/>
+                  <a:pt x="1808921" y="2609837"/>
+                </a:cubicBezTo>
+                <a:cubicBezTo>
+                  <a:pt x="1436204" y="3151520"/>
+                  <a:pt x="718102" y="3327939"/>
+                  <a:pt x="0" y="3504359"/>
+                </a:cubicBezTo>
+              </a:path>
+            </a:pathLst>
+          </a:custGeom>
+          <a:noFill/>
+          <a:ln>
+            <a:solidFill>
+              <a:srgbClr val="C00000"/>
+            </a:solidFill>
+            <a:headEnd type="none" w="med" len="med"/>
+            <a:tailEnd type="arrow" w="med" len="med"/>
+          </a:ln>
+        </p:spPr>
+        <p:style>
+          <a:lnRef idx="2">
+            <a:schemeClr val="accent1">
+              <a:shade val="50000"/>
+            </a:schemeClr>
+          </a:lnRef>
+          <a:fillRef idx="1">
+            <a:schemeClr val="accent1"/>
+          </a:fillRef>
+          <a:effectRef idx="0">
+            <a:schemeClr val="accent1"/>
+          </a:effectRef>
+          <a:fontRef idx="minor">
+            <a:schemeClr val="lt1"/>
+          </a:fontRef>
+        </p:style>
+        <p:txBody>
+          <a:bodyPr rtlCol="0" anchor="ctr"/>
+          <a:lstStyle/>
+          <a:p>
+            <a:pPr algn="ctr"/>
+            <a:endParaRPr lang="en-US"/>
+          </a:p>
+        </p:txBody>
+      </p:sp>
+    </p:spTree>
+    <p:extLst>
+      <p:ext uri="{BB962C8B-B14F-4D97-AF65-F5344CB8AC3E}">
+        <p14:creationId xmlns:p14="http://schemas.microsoft.com/office/powerpoint/2010/main" val="2575321881"/>
+      </p:ext>
+    </p:extLst>
+  </p:cSld>
+  <p:clrMapOvr>
+    <a:masterClrMapping/>
+  </p:clrMapOvr>
+</p:sld>
+</file>
+
+<file path=ppt/slides/slide17.xml><?xml version="1.0" encoding="utf-8"?>
+<p:sld xmlns:a="http://schemas.openxmlformats.org/drawingml/2006/main" xmlns:r="http://schemas.openxmlformats.org/officeDocument/2006/relationships" xmlns:p="http://schemas.openxmlformats.org/presentationml/2006/main">
+  <p:cSld>
+    <p:spTree>
+      <p:nvGrpSpPr>
+        <p:cNvPr id="1" name=""/>
+        <p:cNvGrpSpPr/>
+        <p:nvPr/>
+      </p:nvGrpSpPr>
+      <p:grpSpPr>
+        <a:xfrm>
+          <a:off x="0" y="0"/>
+          <a:ext cx="0" cy="0"/>
+          <a:chOff x="0" y="0"/>
+          <a:chExt cx="0" cy="0"/>
+        </a:xfrm>
+      </p:grpSpPr>
+      <p:sp>
+        <p:nvSpPr>
+          <p:cNvPr id="4" name="Title 3"/>
+          <p:cNvSpPr>
+            <a:spLocks noGrp="1"/>
+          </p:cNvSpPr>
+          <p:nvPr>
+            <p:ph type="title"/>
+          </p:nvPr>
+        </p:nvSpPr>
+        <p:spPr>
+          <a:xfrm>
+            <a:off x="500742" y="78695"/>
+            <a:ext cx="8229600" cy="1143000"/>
+          </a:xfrm>
+        </p:spPr>
+        <p:txBody>
+          <a:bodyPr/>
+          <a:lstStyle/>
+          <a:p>
+            <a:pPr>
+              <a:defRPr/>
+            </a:pPr>
+            <a:r>
+              <a:rPr lang="en-US" dirty="0" err="1"/>
+              <a:t>ArrayList</a:t>
+            </a:r>
+            <a:r>
+              <a:rPr lang="en-US" dirty="0"/>
+              <a:t> Data Structure in Java</a:t>
+            </a:r>
+          </a:p>
+        </p:txBody>
+      </p:sp>
+      <p:sp>
+        <p:nvSpPr>
+          <p:cNvPr id="12290" name="Content Placeholder 4"/>
+          <p:cNvSpPr>
+            <a:spLocks noGrp="1"/>
+          </p:cNvSpPr>
+          <p:nvPr>
+            <p:ph idx="1"/>
+          </p:nvPr>
+        </p:nvSpPr>
+        <p:spPr>
+          <a:xfrm>
+            <a:off x="424543" y="914400"/>
+            <a:ext cx="8229600" cy="4885192"/>
+          </a:xfrm>
+        </p:spPr>
+        <p:txBody>
+          <a:bodyPr>
+            <a:normAutofit/>
+          </a:bodyPr>
+          <a:lstStyle/>
+          <a:p>
+            <a:pPr lvl="1"/>
+            <a:r>
+              <a:rPr lang="en-US" dirty="0"/>
+              <a:t>Slow inserts to and deletes from middle of list</a:t>
+            </a:r>
+            <a:br>
+              <a:rPr lang="en-US" b="1" dirty="0"/>
+            </a:br>
+            <a:endParaRPr lang="en-US" sz="2400" b="1" dirty="0"/>
+          </a:p>
+        </p:txBody>
+      </p:sp>
+      <p:pic>
+        <p:nvPicPr>
+          <p:cNvPr id="3" name="Picture 2" descr="Diagram&#10;&#10;Description automatically generated with medium confidence">
+            <a:extLst>
+              <a:ext uri="{FF2B5EF4-FFF2-40B4-BE49-F238E27FC236}">
+                <a16:creationId xmlns:a16="http://schemas.microsoft.com/office/drawing/2014/main" id="{FFDC3466-A7E9-9B4E-8E69-B0D42FE383C1}"/>
+              </a:ext>
+            </a:extLst>
+          </p:cNvPr>
+          <p:cNvPicPr>
+            <a:picLocks noChangeAspect="1"/>
+          </p:cNvPicPr>
+          <p:nvPr/>
+        </p:nvPicPr>
+        <p:blipFill>
+          <a:blip r:embed="rId3">
+            <a:extLst>
+              <a:ext uri="{28A0092B-C50C-407E-A947-70E740481C1C}">
+                <a14:useLocalDpi xmlns:a14="http://schemas.microsoft.com/office/drawing/2010/main" val="0"/>
+              </a:ext>
+            </a:extLst>
+          </a:blip>
+          <a:stretch>
+            <a:fillRect/>
+          </a:stretch>
+        </p:blipFill>
+        <p:spPr>
+          <a:xfrm>
+            <a:off x="397289" y="1520963"/>
+            <a:ext cx="8369300" cy="4432300"/>
+          </a:xfrm>
+          <a:prstGeom prst="rect">
+            <a:avLst/>
+          </a:prstGeom>
+        </p:spPr>
+      </p:pic>
+    </p:spTree>
+    <p:extLst>
+      <p:ext uri="{BB962C8B-B14F-4D97-AF65-F5344CB8AC3E}">
+        <p14:creationId xmlns:p14="http://schemas.microsoft.com/office/powerpoint/2010/main" val="2710827089"/>
+      </p:ext>
+    </p:extLst>
+  </p:cSld>
+  <p:clrMapOvr>
+    <a:masterClrMapping/>
+  </p:clrMapOvr>
+</p:sld>
+</file>
+
+<file path=ppt/slides/slide18.xml><?xml version="1.0" encoding="utf-8"?>
+<p:sld xmlns:a="http://schemas.openxmlformats.org/drawingml/2006/main" xmlns:r="http://schemas.openxmlformats.org/officeDocument/2006/relationships" xmlns:p="http://schemas.openxmlformats.org/presentationml/2006/main">
+  <p:cSld>
+    <p:spTree>
+      <p:nvGrpSpPr>
+        <p:cNvPr id="1" name=""/>
+        <p:cNvGrpSpPr/>
+        <p:nvPr/>
+      </p:nvGrpSpPr>
+      <p:grpSpPr>
+        <a:xfrm>
+          <a:off x="0" y="0"/>
+          <a:ext cx="0" cy="0"/>
+          <a:chOff x="0" y="0"/>
+          <a:chExt cx="0" cy="0"/>
+        </a:xfrm>
+      </p:grpSpPr>
+      <p:sp>
+        <p:nvSpPr>
+          <p:cNvPr id="2" name="Title 1"/>
+          <p:cNvSpPr>
+            <a:spLocks noGrp="1"/>
+          </p:cNvSpPr>
+          <p:nvPr>
+            <p:ph type="title"/>
+          </p:nvPr>
+        </p:nvSpPr>
+        <p:spPr/>
+        <p:txBody>
+          <a:bodyPr/>
+          <a:lstStyle/>
+          <a:p>
+            <a:r>
+              <a:rPr lang="en-US" dirty="0"/>
+              <a:t>Big-O Notation</a:t>
+            </a:r>
+          </a:p>
+        </p:txBody>
+      </p:sp>
+      <p:sp>
+        <p:nvSpPr>
+          <p:cNvPr id="3" name="Content Placeholder 2"/>
+          <p:cNvSpPr>
+            <a:spLocks noGrp="1"/>
+          </p:cNvSpPr>
+          <p:nvPr>
+            <p:ph idx="1"/>
+          </p:nvPr>
+        </p:nvSpPr>
+        <p:spPr/>
+        <p:txBody>
+          <a:bodyPr/>
+          <a:lstStyle/>
+          <a:p>
+            <a:r>
+              <a:rPr lang="en-US" dirty="0"/>
+              <a:t>Describes the limiting behavior </a:t>
+            </a:r>
+          </a:p>
+          <a:p>
+            <a:pPr lvl="1"/>
+            <a:r>
+              <a:rPr lang="en-US" dirty="0"/>
+              <a:t>How slow it can possibly run?</a:t>
+            </a:r>
+          </a:p>
+          <a:p>
+            <a:pPr lvl="1"/>
+            <a:r>
+              <a:rPr lang="en-US" dirty="0"/>
+              <a:t>Describes the </a:t>
+            </a:r>
+            <a:r>
+              <a:rPr lang="en-US" u="sng" dirty="0"/>
+              <a:t>worst case</a:t>
+            </a:r>
+          </a:p>
+          <a:p>
+            <a:r>
+              <a:rPr lang="en-US" dirty="0"/>
+              <a:t>Used for Classifying Algorithm Efficiency</a:t>
+            </a:r>
+          </a:p>
+          <a:p>
+            <a:r>
+              <a:rPr lang="en-US" dirty="0"/>
+              <a:t>“O” for “Order”</a:t>
+            </a:r>
+          </a:p>
+          <a:p>
+            <a:pPr lvl="1"/>
+            <a:r>
+              <a:rPr lang="en-US" dirty="0"/>
+              <a:t>O(n) </a:t>
+            </a:r>
+            <a:r>
+              <a:rPr lang="en-US" dirty="0">
+                <a:sym typeface="Wingdings" panose="05000000000000000000" pitchFamily="2" charset="2"/>
+              </a:rPr>
+              <a:t> said as “Order n”</a:t>
+            </a:r>
+          </a:p>
+          <a:p>
+            <a:pPr lvl="1"/>
+            <a:r>
+              <a:rPr lang="en-US" dirty="0">
+                <a:sym typeface="Wingdings" panose="05000000000000000000" pitchFamily="2" charset="2"/>
+              </a:rPr>
+              <a:t>O(n^2)  said as “Order n-squared”</a:t>
+            </a:r>
+          </a:p>
+        </p:txBody>
+      </p:sp>
+    </p:spTree>
+    <p:extLst>
+      <p:ext uri="{BB962C8B-B14F-4D97-AF65-F5344CB8AC3E}">
+        <p14:creationId xmlns:p14="http://schemas.microsoft.com/office/powerpoint/2010/main" val="3916409691"/>
+      </p:ext>
+    </p:extLst>
+  </p:cSld>
+  <p:clrMapOvr>
+    <a:masterClrMapping/>
+  </p:clrMapOvr>
+</p:sld>
+</file>
+
+<file path=ppt/slides/slide19.xml><?xml version="1.0" encoding="utf-8"?>
+<p:sld xmlns:a="http://schemas.openxmlformats.org/drawingml/2006/main" xmlns:r="http://schemas.openxmlformats.org/officeDocument/2006/relationships" xmlns:p="http://schemas.openxmlformats.org/presentationml/2006/main">
+  <p:cSld>
+    <p:spTree>
+      <p:nvGrpSpPr>
+        <p:cNvPr id="1" name=""/>
+        <p:cNvGrpSpPr/>
+        <p:nvPr/>
+      </p:nvGrpSpPr>
+      <p:grpSpPr>
+        <a:xfrm>
+          <a:off x="0" y="0"/>
+          <a:ext cx="0" cy="0"/>
+          <a:chOff x="0" y="0"/>
+          <a:chExt cx="0" cy="0"/>
+        </a:xfrm>
+      </p:grpSpPr>
+      <p:sp>
+        <p:nvSpPr>
+          <p:cNvPr id="2" name="Title 1"/>
+          <p:cNvSpPr>
+            <a:spLocks noGrp="1"/>
+          </p:cNvSpPr>
+          <p:nvPr>
+            <p:ph type="title"/>
+          </p:nvPr>
+        </p:nvSpPr>
+        <p:spPr/>
+        <p:txBody>
+          <a:bodyPr/>
+          <a:lstStyle/>
+          <a:p>
+            <a:r>
+              <a:rPr lang="en-US" dirty="0"/>
+              <a:t>Big-O Notation (continued)</a:t>
+            </a:r>
+          </a:p>
+        </p:txBody>
+      </p:sp>
+      <p:sp>
+        <p:nvSpPr>
+          <p:cNvPr id="3" name="Content Placeholder 2"/>
+          <p:cNvSpPr>
+            <a:spLocks noGrp="1"/>
+          </p:cNvSpPr>
+          <p:nvPr>
+            <p:ph idx="1"/>
+          </p:nvPr>
+        </p:nvSpPr>
+        <p:spPr/>
+        <p:txBody>
+          <a:bodyPr/>
+          <a:lstStyle/>
+          <a:p>
+            <a:r>
+              <a:rPr lang="en-US" dirty="0"/>
+              <a:t>Don’t Care About Constants</a:t>
+            </a:r>
+          </a:p>
+          <a:p>
+            <a:pPr lvl="1"/>
+            <a:r>
+              <a:rPr lang="en-US" dirty="0"/>
+              <a:t>O(2n + 7) </a:t>
+            </a:r>
+            <a:r>
+              <a:rPr lang="en-US" dirty="0">
+                <a:sym typeface="Wingdings" panose="05000000000000000000" pitchFamily="2" charset="2"/>
+              </a:rPr>
+              <a:t> O(n)</a:t>
+            </a:r>
+          </a:p>
+          <a:p>
+            <a:r>
+              <a:rPr lang="en-US" dirty="0">
+                <a:sym typeface="Wingdings" panose="05000000000000000000" pitchFamily="2" charset="2"/>
+              </a:rPr>
+              <a:t>Don’t Care About Smaller Powers</a:t>
+            </a:r>
+          </a:p>
+          <a:p>
+            <a:pPr lvl="1"/>
+            <a:r>
+              <a:rPr lang="en-US" dirty="0">
+                <a:sym typeface="Wingdings" panose="05000000000000000000" pitchFamily="2" charset="2"/>
+              </a:rPr>
+              <a:t>O(6n^2 + 7n) O(n^2)</a:t>
+            </a:r>
+          </a:p>
+          <a:p>
+            <a:pPr lvl="1"/>
+            <a:r>
+              <a:rPr lang="en-US" dirty="0">
+                <a:sym typeface="Wingdings" panose="05000000000000000000" pitchFamily="2" charset="2"/>
+              </a:rPr>
+              <a:t>Algorithm grows asymptotically no faster than n^2</a:t>
+            </a:r>
+          </a:p>
+          <a:p>
+            <a:r>
+              <a:rPr lang="en-US" dirty="0"/>
+              <a:t>If constant value, we say O(1) </a:t>
+            </a:r>
+            <a:r>
+              <a:rPr lang="en-US" dirty="0">
+                <a:sym typeface="Wingdings" panose="05000000000000000000" pitchFamily="2" charset="2"/>
+              </a:rPr>
+              <a:t> </a:t>
+            </a:r>
+            <a:r>
+              <a:rPr lang="en-US" dirty="0"/>
+              <a:t>“Order 1”</a:t>
+            </a:r>
+          </a:p>
+          <a:p>
+            <a:pPr lvl="1"/>
+            <a:r>
+              <a:rPr lang="en-US" dirty="0"/>
+              <a:t>O(48) </a:t>
+            </a:r>
+            <a:r>
+              <a:rPr lang="en-US" dirty="0">
+                <a:sym typeface="Wingdings" panose="05000000000000000000" pitchFamily="2" charset="2"/>
+              </a:rPr>
+              <a:t> O(1)</a:t>
+            </a:r>
+          </a:p>
+          <a:p>
+            <a:endParaRPr lang="en-US" dirty="0"/>
+          </a:p>
+        </p:txBody>
+      </p:sp>
+      <p:sp>
+        <p:nvSpPr>
+          <p:cNvPr id="4" name="Rectangle 9"/>
+          <p:cNvSpPr>
+            <a:spLocks/>
+          </p:cNvSpPr>
+          <p:nvPr/>
+        </p:nvSpPr>
+        <p:spPr bwMode="auto">
+          <a:xfrm>
+            <a:off x="8432800" y="6334564"/>
+            <a:ext cx="558800" cy="419100"/>
+          </a:xfrm>
+          <a:prstGeom prst="rect">
+            <a:avLst/>
+          </a:prstGeom>
+          <a:ln>
+            <a:headEnd/>
+            <a:tailEnd/>
+          </a:ln>
+        </p:spPr>
+        <p:style>
+          <a:lnRef idx="2">
+            <a:schemeClr val="accent3">
+              <a:shade val="50000"/>
+            </a:schemeClr>
+          </a:lnRef>
+          <a:fillRef idx="1">
+            <a:schemeClr val="accent3"/>
+          </a:fillRef>
+          <a:effectRef idx="0">
+            <a:schemeClr val="accent3"/>
+          </a:effectRef>
+          <a:fontRef idx="minor">
+            <a:schemeClr val="lt1"/>
+          </a:fontRef>
+        </p:style>
+        <p:txBody>
+          <a:bodyPr lIns="0" tIns="0" rIns="0" bIns="0" anchor="ctr"/>
+          <a:lstStyle/>
+          <a:p>
+            <a:pPr algn="ctr">
+              <a:defRPr/>
+            </a:pPr>
+            <a:r>
+              <a:rPr lang="en-US" sz="1800" dirty="0">
+                <a:solidFill>
+                  <a:schemeClr val="bg1"/>
+                </a:solidFill>
+                <a:cs typeface="Arial" pitchFamily="34" charset="0"/>
+                <a:sym typeface="Arial" pitchFamily="34" charset="0"/>
+              </a:rPr>
+              <a:t>Q2</a:t>
+            </a:r>
+          </a:p>
+        </p:txBody>
+      </p:sp>
+    </p:spTree>
+    <p:extLst>
+      <p:ext uri="{BB962C8B-B14F-4D97-AF65-F5344CB8AC3E}">
+        <p14:creationId xmlns:p14="http://schemas.microsoft.com/office/powerpoint/2010/main" val="1074093599"/>
+      </p:ext>
+    </p:extLst>
+  </p:cSld>
+  <p:clrMapOvr>
+    <a:masterClrMapping/>
+  </p:clrMapOvr>
+</p:sld>
+</file>
+
 <file path=ppt/slides/slide2.xml><?xml version="1.0" encoding="utf-8"?>
 <p:sld xmlns:a="http://schemas.openxmlformats.org/drawingml/2006/main" xmlns:r="http://schemas.openxmlformats.org/officeDocument/2006/relationships" xmlns:p="http://schemas.openxmlformats.org/presentationml/2006/main">
   <p:cSld>
@@ -5502,6 +7943,1641 @@
     <p:extLst>
       <p:ext uri="{BB962C8B-B14F-4D97-AF65-F5344CB8AC3E}">
         <p14:creationId xmlns:p14="http://schemas.microsoft.com/office/powerpoint/2010/main" val="141368525"/>
+      </p:ext>
+    </p:extLst>
+  </p:cSld>
+  <p:clrMapOvr>
+    <a:masterClrMapping/>
+  </p:clrMapOvr>
+</p:sld>
+</file>
+
+<file path=ppt/slides/slide20.xml><?xml version="1.0" encoding="utf-8"?>
+<p:sld xmlns:a="http://schemas.openxmlformats.org/drawingml/2006/main" xmlns:r="http://schemas.openxmlformats.org/officeDocument/2006/relationships" xmlns:p="http://schemas.openxmlformats.org/presentationml/2006/main">
+  <p:cSld>
+    <p:spTree>
+      <p:nvGrpSpPr>
+        <p:cNvPr id="1" name=""/>
+        <p:cNvGrpSpPr/>
+        <p:nvPr/>
+      </p:nvGrpSpPr>
+      <p:grpSpPr>
+        <a:xfrm>
+          <a:off x="0" y="0"/>
+          <a:ext cx="0" cy="0"/>
+          <a:chOff x="0" y="0"/>
+          <a:chExt cx="0" cy="0"/>
+        </a:xfrm>
+      </p:grpSpPr>
+      <p:sp>
+        <p:nvSpPr>
+          <p:cNvPr id="2" name="Title 1"/>
+          <p:cNvSpPr>
+            <a:spLocks noGrp="1"/>
+          </p:cNvSpPr>
+          <p:nvPr>
+            <p:ph type="title"/>
+          </p:nvPr>
+        </p:nvSpPr>
+        <p:spPr>
+          <a:xfrm>
+            <a:off x="228601" y="116377"/>
+            <a:ext cx="8607667" cy="1485899"/>
+          </a:xfrm>
+        </p:spPr>
+        <p:txBody>
+          <a:bodyPr/>
+          <a:lstStyle/>
+          <a:p>
+            <a:r>
+              <a:rPr lang="en-US" err="1"/>
+              <a:t>ArrayList</a:t>
+            </a:r>
+            <a:r>
+              <a:rPr lang="en-US"/>
+              <a:t> Performance (Revisited)</a:t>
+            </a:r>
+          </a:p>
+        </p:txBody>
+      </p:sp>
+      <p:sp>
+        <p:nvSpPr>
+          <p:cNvPr id="3" name="Content Placeholder 2"/>
+          <p:cNvSpPr>
+            <a:spLocks noGrp="1"/>
+          </p:cNvSpPr>
+          <p:nvPr>
+            <p:ph idx="1"/>
+          </p:nvPr>
+        </p:nvSpPr>
+        <p:spPr>
+          <a:xfrm>
+            <a:off x="228600" y="1600200"/>
+            <a:ext cx="8610600" cy="4953000"/>
+          </a:xfrm>
+        </p:spPr>
+        <p:txBody>
+          <a:bodyPr>
+            <a:normAutofit/>
+          </a:bodyPr>
+          <a:lstStyle/>
+          <a:p>
+            <a:r>
+              <a:rPr lang="en-US" dirty="0"/>
+              <a:t>Fast addition to </a:t>
+            </a:r>
+            <a:r>
+              <a:rPr lang="en-US" b="1" dirty="0"/>
+              <a:t>end of list</a:t>
+            </a:r>
+            <a:r>
+              <a:rPr lang="en-US" dirty="0"/>
+              <a:t>:</a:t>
+            </a:r>
+          </a:p>
+          <a:p>
+            <a:pPr lvl="1"/>
+            <a:r>
+              <a:rPr lang="en-US" dirty="0"/>
+              <a:t>Fast access to any existing position – </a:t>
+            </a:r>
+            <a:r>
+              <a:rPr lang="en-US" dirty="0">
+                <a:highlight>
+                  <a:srgbClr val="FFFF00"/>
+                </a:highlight>
+              </a:rPr>
+              <a:t>O(1)</a:t>
+            </a:r>
+            <a:r>
+              <a:rPr lang="en-US" dirty="0"/>
+              <a:t> (like array) </a:t>
+            </a:r>
+          </a:p>
+          <a:p>
+            <a:pPr lvl="1"/>
+            <a:r>
+              <a:rPr lang="en-US" dirty="0"/>
+              <a:t>Keep extra </a:t>
+            </a:r>
+            <a:r>
+              <a:rPr lang="en-US" i="1" dirty="0"/>
+              <a:t>capacity </a:t>
+            </a:r>
+            <a:r>
+              <a:rPr lang="en-US" dirty="0"/>
+              <a:t>for list growth </a:t>
+            </a:r>
+          </a:p>
+          <a:p>
+            <a:pPr lvl="2"/>
+            <a:r>
+              <a:rPr lang="en-US" dirty="0"/>
+              <a:t>Fast access includes items in capacity not yet filled – </a:t>
+            </a:r>
+            <a:r>
+              <a:rPr lang="en-US" dirty="0">
+                <a:highlight>
+                  <a:srgbClr val="FFFF00"/>
+                </a:highlight>
+              </a:rPr>
+              <a:t>O(1)</a:t>
+            </a:r>
+          </a:p>
+          <a:p>
+            <a:pPr lvl="1"/>
+            <a:r>
+              <a:rPr lang="en-US" dirty="0"/>
+              <a:t>Capacity management is best left for CSSE230</a:t>
+            </a:r>
+          </a:p>
+          <a:p>
+            <a:r>
+              <a:rPr lang="en-US" dirty="0"/>
+              <a:t>Slow inserts to and deletes from middle of list</a:t>
+            </a:r>
+          </a:p>
+          <a:p>
+            <a:pPr lvl="1"/>
+            <a:r>
+              <a:rPr lang="en-US" dirty="0"/>
+              <a:t>Can get to insert/delete location quickly</a:t>
+            </a:r>
+          </a:p>
+          <a:p>
+            <a:pPr lvl="1"/>
+            <a:r>
+              <a:rPr lang="en-US" dirty="0"/>
+              <a:t>For insert, shift all items right to accommodate - </a:t>
+            </a:r>
+            <a:r>
+              <a:rPr lang="en-US" dirty="0">
+                <a:highlight>
+                  <a:srgbClr val="FFFF00"/>
+                </a:highlight>
+              </a:rPr>
+              <a:t>O(n)</a:t>
+            </a:r>
+          </a:p>
+          <a:p>
+            <a:pPr lvl="1"/>
+            <a:r>
+              <a:rPr lang="en-US" dirty="0"/>
+              <a:t>For delete, shift all items left to fill gap – </a:t>
+            </a:r>
+            <a:r>
+              <a:rPr lang="en-US" dirty="0">
+                <a:highlight>
+                  <a:srgbClr val="FFFF00"/>
+                </a:highlight>
+              </a:rPr>
+              <a:t>O(n)</a:t>
+            </a:r>
+          </a:p>
+          <a:p>
+            <a:pPr lvl="1"/>
+            <a:endParaRPr lang="en-US" i="1" dirty="0"/>
+          </a:p>
+        </p:txBody>
+      </p:sp>
+      <p:sp>
+        <p:nvSpPr>
+          <p:cNvPr id="4" name="Rectangle 9"/>
+          <p:cNvSpPr>
+            <a:spLocks/>
+          </p:cNvSpPr>
+          <p:nvPr/>
+        </p:nvSpPr>
+        <p:spPr bwMode="auto">
+          <a:xfrm>
+            <a:off x="8432800" y="6334564"/>
+            <a:ext cx="558800" cy="419100"/>
+          </a:xfrm>
+          <a:prstGeom prst="rect">
+            <a:avLst/>
+          </a:prstGeom>
+          <a:ln>
+            <a:headEnd/>
+            <a:tailEnd/>
+          </a:ln>
+        </p:spPr>
+        <p:style>
+          <a:lnRef idx="2">
+            <a:schemeClr val="accent3">
+              <a:shade val="50000"/>
+            </a:schemeClr>
+          </a:lnRef>
+          <a:fillRef idx="1">
+            <a:schemeClr val="accent3"/>
+          </a:fillRef>
+          <a:effectRef idx="0">
+            <a:schemeClr val="accent3"/>
+          </a:effectRef>
+          <a:fontRef idx="minor">
+            <a:schemeClr val="lt1"/>
+          </a:fontRef>
+        </p:style>
+        <p:txBody>
+          <a:bodyPr lIns="0" tIns="0" rIns="0" bIns="0" anchor="ctr"/>
+          <a:lstStyle/>
+          <a:p>
+            <a:pPr algn="ctr">
+              <a:defRPr/>
+            </a:pPr>
+            <a:r>
+              <a:rPr lang="en-US" sz="1800">
+                <a:solidFill>
+                  <a:schemeClr val="bg1"/>
+                </a:solidFill>
+                <a:cs typeface="Arial" pitchFamily="34" charset="0"/>
+                <a:sym typeface="Arial" pitchFamily="34" charset="0"/>
+              </a:rPr>
+              <a:t>Q3</a:t>
+            </a:r>
+          </a:p>
+        </p:txBody>
+      </p:sp>
+    </p:spTree>
+    <p:extLst>
+      <p:ext uri="{BB962C8B-B14F-4D97-AF65-F5344CB8AC3E}">
+        <p14:creationId xmlns:p14="http://schemas.microsoft.com/office/powerpoint/2010/main" val="3704871556"/>
+      </p:ext>
+    </p:extLst>
+  </p:cSld>
+  <p:clrMapOvr>
+    <a:masterClrMapping/>
+  </p:clrMapOvr>
+</p:sld>
+</file>
+
+<file path=ppt/slides/slide21.xml><?xml version="1.0" encoding="utf-8"?>
+<p:sld xmlns:a="http://schemas.openxmlformats.org/drawingml/2006/main" xmlns:r="http://schemas.openxmlformats.org/officeDocument/2006/relationships" xmlns:p="http://schemas.openxmlformats.org/presentationml/2006/main">
+  <p:cSld>
+    <p:spTree>
+      <p:nvGrpSpPr>
+        <p:cNvPr id="1" name=""/>
+        <p:cNvGrpSpPr/>
+        <p:nvPr/>
+      </p:nvGrpSpPr>
+      <p:grpSpPr>
+        <a:xfrm>
+          <a:off x="0" y="0"/>
+          <a:ext cx="0" cy="0"/>
+          <a:chOff x="0" y="0"/>
+          <a:chExt cx="0" cy="0"/>
+        </a:xfrm>
+      </p:grpSpPr>
+      <p:sp>
+        <p:nvSpPr>
+          <p:cNvPr id="3" name="Title 2"/>
+          <p:cNvSpPr>
+            <a:spLocks noGrp="1"/>
+          </p:cNvSpPr>
+          <p:nvPr>
+            <p:ph type="title"/>
+          </p:nvPr>
+        </p:nvSpPr>
+        <p:spPr/>
+        <p:txBody>
+          <a:bodyPr/>
+          <a:lstStyle/>
+          <a:p>
+            <a:pPr>
+              <a:defRPr/>
+            </a:pPr>
+            <a:r>
+              <a:rPr lang="en-US"/>
+              <a:t>Another List Data Structure</a:t>
+            </a:r>
+          </a:p>
+        </p:txBody>
+      </p:sp>
+      <p:sp>
+        <p:nvSpPr>
+          <p:cNvPr id="34818" name="Content Placeholder 1"/>
+          <p:cNvSpPr>
+            <a:spLocks noGrp="1"/>
+          </p:cNvSpPr>
+          <p:nvPr>
+            <p:ph idx="1"/>
+          </p:nvPr>
+        </p:nvSpPr>
+        <p:spPr/>
+        <p:txBody>
+          <a:bodyPr/>
+          <a:lstStyle/>
+          <a:p>
+            <a:r>
+              <a:rPr lang="en-US" dirty="0"/>
+              <a:t>What if we have to add/remove data from a list frequently?</a:t>
+            </a:r>
+          </a:p>
+          <a:p>
+            <a:r>
+              <a:rPr lang="en-US" dirty="0" err="1">
+                <a:latin typeface="Lucida Sans Typewriter" charset="0"/>
+              </a:rPr>
+              <a:t>LinkedLists</a:t>
+            </a:r>
+            <a:r>
+              <a:rPr lang="en-US" dirty="0"/>
+              <a:t> support this:</a:t>
+            </a:r>
+          </a:p>
+          <a:p>
+            <a:pPr lvl="1"/>
+            <a:r>
+              <a:rPr lang="en-US" dirty="0"/>
+              <a:t>Fast insertion and removal of elements </a:t>
+            </a:r>
+          </a:p>
+          <a:p>
+            <a:pPr lvl="2"/>
+            <a:r>
+              <a:rPr lang="en-US" dirty="0">
+                <a:highlight>
+                  <a:srgbClr val="FFFF00"/>
+                </a:highlight>
+              </a:rPr>
+              <a:t>Once we know where they go</a:t>
+            </a:r>
+          </a:p>
+          <a:p>
+            <a:pPr lvl="1"/>
+            <a:r>
+              <a:rPr lang="en-US" dirty="0"/>
+              <a:t>Slow access to arbitrary elements</a:t>
+            </a:r>
+          </a:p>
+          <a:p>
+            <a:pPr lvl="1"/>
+            <a:endParaRPr lang="en-US" dirty="0"/>
+          </a:p>
+          <a:p>
+            <a:pPr lvl="1"/>
+            <a:endParaRPr lang="en-US" dirty="0"/>
+          </a:p>
+          <a:p>
+            <a:pPr lvl="1">
+              <a:buFont typeface="Verdana" charset="0"/>
+              <a:buNone/>
+            </a:pPr>
+            <a:endParaRPr lang="en-US" dirty="0"/>
+          </a:p>
+        </p:txBody>
+      </p:sp>
+      <p:grpSp>
+        <p:nvGrpSpPr>
+          <p:cNvPr id="2" name="Group 1"/>
+          <p:cNvGrpSpPr/>
+          <p:nvPr/>
+        </p:nvGrpSpPr>
+        <p:grpSpPr>
+          <a:xfrm>
+            <a:off x="6601408" y="2404188"/>
+            <a:ext cx="2514600" cy="3771900"/>
+            <a:chOff x="6400799" y="2019300"/>
+            <a:chExt cx="2514600" cy="3771900"/>
+          </a:xfrm>
+        </p:grpSpPr>
+        <p:sp>
+          <p:nvSpPr>
+            <p:cNvPr id="5" name="Rectangle 4"/>
+            <p:cNvSpPr/>
+            <p:nvPr/>
+          </p:nvSpPr>
+          <p:spPr>
+            <a:xfrm>
+              <a:off x="7317591" y="2019300"/>
+              <a:ext cx="838200" cy="381000"/>
+            </a:xfrm>
+            <a:prstGeom prst="rect">
+              <a:avLst/>
+            </a:prstGeom>
+            <a:noFill/>
+            <a:ln w="38100"/>
+          </p:spPr>
+          <p:style>
+            <a:lnRef idx="2">
+              <a:schemeClr val="accent1">
+                <a:shade val="50000"/>
+              </a:schemeClr>
+            </a:lnRef>
+            <a:fillRef idx="1">
+              <a:schemeClr val="accent1"/>
+            </a:fillRef>
+            <a:effectRef idx="0">
+              <a:schemeClr val="accent1"/>
+            </a:effectRef>
+            <a:fontRef idx="minor">
+              <a:schemeClr val="lt1"/>
+            </a:fontRef>
+          </p:style>
+          <p:txBody>
+            <a:bodyPr rtlCol="0" anchor="ctr"/>
+            <a:lstStyle/>
+            <a:p>
+              <a:pPr algn="ctr"/>
+              <a:r>
+                <a:rPr lang="en-US">
+                  <a:solidFill>
+                    <a:srgbClr val="0070C0"/>
+                  </a:solidFill>
+                </a:rPr>
+                <a:t>data</a:t>
+              </a:r>
+            </a:p>
+          </p:txBody>
+        </p:sp>
+        <p:sp>
+          <p:nvSpPr>
+            <p:cNvPr id="6" name="Rectangle 5"/>
+            <p:cNvSpPr/>
+            <p:nvPr/>
+          </p:nvSpPr>
+          <p:spPr>
+            <a:xfrm>
+              <a:off x="6858000" y="3124200"/>
+              <a:ext cx="838200" cy="381000"/>
+            </a:xfrm>
+            <a:prstGeom prst="rect">
+              <a:avLst/>
+            </a:prstGeom>
+            <a:noFill/>
+            <a:ln w="38100"/>
+          </p:spPr>
+          <p:style>
+            <a:lnRef idx="2">
+              <a:schemeClr val="accent1">
+                <a:shade val="50000"/>
+              </a:schemeClr>
+            </a:lnRef>
+            <a:fillRef idx="1">
+              <a:schemeClr val="accent1"/>
+            </a:fillRef>
+            <a:effectRef idx="0">
+              <a:schemeClr val="accent1"/>
+            </a:effectRef>
+            <a:fontRef idx="minor">
+              <a:schemeClr val="lt1"/>
+            </a:fontRef>
+          </p:style>
+          <p:txBody>
+            <a:bodyPr rtlCol="0" anchor="ctr"/>
+            <a:lstStyle/>
+            <a:p>
+              <a:pPr algn="ctr"/>
+              <a:r>
+                <a:rPr lang="en-US">
+                  <a:solidFill>
+                    <a:srgbClr val="0070C0"/>
+                  </a:solidFill>
+                </a:rPr>
+                <a:t>data</a:t>
+              </a:r>
+            </a:p>
+          </p:txBody>
+        </p:sp>
+        <p:sp>
+          <p:nvSpPr>
+            <p:cNvPr id="7" name="Rectangle 6"/>
+            <p:cNvSpPr/>
+            <p:nvPr/>
+          </p:nvSpPr>
+          <p:spPr>
+            <a:xfrm>
+              <a:off x="8155791" y="2019300"/>
+              <a:ext cx="457200" cy="381000"/>
+            </a:xfrm>
+            <a:prstGeom prst="rect">
+              <a:avLst/>
+            </a:prstGeom>
+            <a:noFill/>
+            <a:ln w="38100"/>
+          </p:spPr>
+          <p:style>
+            <a:lnRef idx="2">
+              <a:schemeClr val="accent1">
+                <a:shade val="50000"/>
+              </a:schemeClr>
+            </a:lnRef>
+            <a:fillRef idx="1">
+              <a:schemeClr val="accent1"/>
+            </a:fillRef>
+            <a:effectRef idx="0">
+              <a:schemeClr val="accent1"/>
+            </a:effectRef>
+            <a:fontRef idx="minor">
+              <a:schemeClr val="lt1"/>
+            </a:fontRef>
+          </p:style>
+          <p:txBody>
+            <a:bodyPr rtlCol="0" anchor="ctr"/>
+            <a:lstStyle/>
+            <a:p>
+              <a:pPr algn="ctr"/>
+              <a:endParaRPr lang="en-US">
+                <a:solidFill>
+                  <a:srgbClr val="0070C0"/>
+                </a:solidFill>
+              </a:endParaRPr>
+            </a:p>
+          </p:txBody>
+        </p:sp>
+        <p:sp>
+          <p:nvSpPr>
+            <p:cNvPr id="8" name="Rectangle 7"/>
+            <p:cNvSpPr/>
+            <p:nvPr/>
+          </p:nvSpPr>
+          <p:spPr>
+            <a:xfrm>
+              <a:off x="7696200" y="3124200"/>
+              <a:ext cx="457200" cy="381000"/>
+            </a:xfrm>
+            <a:prstGeom prst="rect">
+              <a:avLst/>
+            </a:prstGeom>
+            <a:noFill/>
+            <a:ln w="38100"/>
+          </p:spPr>
+          <p:style>
+            <a:lnRef idx="2">
+              <a:schemeClr val="accent1">
+                <a:shade val="50000"/>
+              </a:schemeClr>
+            </a:lnRef>
+            <a:fillRef idx="1">
+              <a:schemeClr val="accent1"/>
+            </a:fillRef>
+            <a:effectRef idx="0">
+              <a:schemeClr val="accent1"/>
+            </a:effectRef>
+            <a:fontRef idx="minor">
+              <a:schemeClr val="lt1"/>
+            </a:fontRef>
+          </p:style>
+          <p:txBody>
+            <a:bodyPr rtlCol="0" anchor="ctr"/>
+            <a:lstStyle/>
+            <a:p>
+              <a:pPr algn="ctr"/>
+              <a:endParaRPr lang="en-US">
+                <a:solidFill>
+                  <a:srgbClr val="0070C0"/>
+                </a:solidFill>
+              </a:endParaRPr>
+            </a:p>
+          </p:txBody>
+        </p:sp>
+        <p:sp>
+          <p:nvSpPr>
+            <p:cNvPr id="9" name="Rectangle 8"/>
+            <p:cNvSpPr/>
+            <p:nvPr/>
+          </p:nvSpPr>
+          <p:spPr>
+            <a:xfrm>
+              <a:off x="6400800" y="3962400"/>
+              <a:ext cx="838200" cy="381000"/>
+            </a:xfrm>
+            <a:prstGeom prst="rect">
+              <a:avLst/>
+            </a:prstGeom>
+            <a:noFill/>
+            <a:ln w="38100"/>
+          </p:spPr>
+          <p:style>
+            <a:lnRef idx="2">
+              <a:schemeClr val="accent1">
+                <a:shade val="50000"/>
+              </a:schemeClr>
+            </a:lnRef>
+            <a:fillRef idx="1">
+              <a:schemeClr val="accent1"/>
+            </a:fillRef>
+            <a:effectRef idx="0">
+              <a:schemeClr val="accent1"/>
+            </a:effectRef>
+            <a:fontRef idx="minor">
+              <a:schemeClr val="lt1"/>
+            </a:fontRef>
+          </p:style>
+          <p:txBody>
+            <a:bodyPr rtlCol="0" anchor="ctr"/>
+            <a:lstStyle/>
+            <a:p>
+              <a:pPr algn="ctr"/>
+              <a:r>
+                <a:rPr lang="en-US">
+                  <a:solidFill>
+                    <a:srgbClr val="0070C0"/>
+                  </a:solidFill>
+                </a:rPr>
+                <a:t>data</a:t>
+              </a:r>
+            </a:p>
+          </p:txBody>
+        </p:sp>
+        <p:sp>
+          <p:nvSpPr>
+            <p:cNvPr id="10" name="Rectangle 9"/>
+            <p:cNvSpPr/>
+            <p:nvPr/>
+          </p:nvSpPr>
+          <p:spPr>
+            <a:xfrm>
+              <a:off x="7239000" y="3962400"/>
+              <a:ext cx="457200" cy="381000"/>
+            </a:xfrm>
+            <a:prstGeom prst="rect">
+              <a:avLst/>
+            </a:prstGeom>
+            <a:noFill/>
+            <a:ln w="38100"/>
+          </p:spPr>
+          <p:style>
+            <a:lnRef idx="2">
+              <a:schemeClr val="accent1">
+                <a:shade val="50000"/>
+              </a:schemeClr>
+            </a:lnRef>
+            <a:fillRef idx="1">
+              <a:schemeClr val="accent1"/>
+            </a:fillRef>
+            <a:effectRef idx="0">
+              <a:schemeClr val="accent1"/>
+            </a:effectRef>
+            <a:fontRef idx="minor">
+              <a:schemeClr val="lt1"/>
+            </a:fontRef>
+          </p:style>
+          <p:txBody>
+            <a:bodyPr rtlCol="0" anchor="ctr"/>
+            <a:lstStyle/>
+            <a:p>
+              <a:pPr algn="ctr"/>
+              <a:endParaRPr lang="en-US">
+                <a:solidFill>
+                  <a:srgbClr val="0070C0"/>
+                </a:solidFill>
+              </a:endParaRPr>
+            </a:p>
+          </p:txBody>
+        </p:sp>
+        <p:sp>
+          <p:nvSpPr>
+            <p:cNvPr id="11" name="Rectangle 10"/>
+            <p:cNvSpPr/>
+            <p:nvPr/>
+          </p:nvSpPr>
+          <p:spPr>
+            <a:xfrm>
+              <a:off x="6400799" y="5410200"/>
+              <a:ext cx="838200" cy="381000"/>
+            </a:xfrm>
+            <a:prstGeom prst="rect">
+              <a:avLst/>
+            </a:prstGeom>
+            <a:noFill/>
+            <a:ln w="38100"/>
+          </p:spPr>
+          <p:style>
+            <a:lnRef idx="2">
+              <a:schemeClr val="accent1">
+                <a:shade val="50000"/>
+              </a:schemeClr>
+            </a:lnRef>
+            <a:fillRef idx="1">
+              <a:schemeClr val="accent1"/>
+            </a:fillRef>
+            <a:effectRef idx="0">
+              <a:schemeClr val="accent1"/>
+            </a:effectRef>
+            <a:fontRef idx="minor">
+              <a:schemeClr val="lt1"/>
+            </a:fontRef>
+          </p:style>
+          <p:txBody>
+            <a:bodyPr rtlCol="0" anchor="ctr"/>
+            <a:lstStyle/>
+            <a:p>
+              <a:pPr algn="ctr"/>
+              <a:r>
+                <a:rPr lang="en-US">
+                  <a:solidFill>
+                    <a:srgbClr val="0070C0"/>
+                  </a:solidFill>
+                </a:rPr>
+                <a:t>data</a:t>
+              </a:r>
+            </a:p>
+          </p:txBody>
+        </p:sp>
+        <p:sp>
+          <p:nvSpPr>
+            <p:cNvPr id="12" name="Rectangle 11"/>
+            <p:cNvSpPr/>
+            <p:nvPr/>
+          </p:nvSpPr>
+          <p:spPr>
+            <a:xfrm>
+              <a:off x="7238999" y="5410200"/>
+              <a:ext cx="457200" cy="381000"/>
+            </a:xfrm>
+            <a:prstGeom prst="rect">
+              <a:avLst/>
+            </a:prstGeom>
+            <a:noFill/>
+            <a:ln w="38100"/>
+          </p:spPr>
+          <p:style>
+            <a:lnRef idx="2">
+              <a:schemeClr val="accent1">
+                <a:shade val="50000"/>
+              </a:schemeClr>
+            </a:lnRef>
+            <a:fillRef idx="1">
+              <a:schemeClr val="accent1"/>
+            </a:fillRef>
+            <a:effectRef idx="0">
+              <a:schemeClr val="accent1"/>
+            </a:effectRef>
+            <a:fontRef idx="minor">
+              <a:schemeClr val="lt1"/>
+            </a:fontRef>
+          </p:style>
+          <p:txBody>
+            <a:bodyPr rtlCol="0" anchor="ctr"/>
+            <a:lstStyle/>
+            <a:p>
+              <a:pPr algn="ctr"/>
+              <a:endParaRPr lang="en-US">
+                <a:solidFill>
+                  <a:srgbClr val="0070C0"/>
+                </a:solidFill>
+              </a:endParaRPr>
+            </a:p>
+          </p:txBody>
+        </p:sp>
+        <p:sp>
+          <p:nvSpPr>
+            <p:cNvPr id="13" name="Rectangle 12"/>
+            <p:cNvSpPr/>
+            <p:nvPr/>
+          </p:nvSpPr>
+          <p:spPr>
+            <a:xfrm>
+              <a:off x="7467599" y="4533899"/>
+              <a:ext cx="838200" cy="381000"/>
+            </a:xfrm>
+            <a:prstGeom prst="rect">
+              <a:avLst/>
+            </a:prstGeom>
+            <a:noFill/>
+            <a:ln w="38100"/>
+          </p:spPr>
+          <p:style>
+            <a:lnRef idx="2">
+              <a:schemeClr val="accent1">
+                <a:shade val="50000"/>
+              </a:schemeClr>
+            </a:lnRef>
+            <a:fillRef idx="1">
+              <a:schemeClr val="accent1"/>
+            </a:fillRef>
+            <a:effectRef idx="0">
+              <a:schemeClr val="accent1"/>
+            </a:effectRef>
+            <a:fontRef idx="minor">
+              <a:schemeClr val="lt1"/>
+            </a:fontRef>
+          </p:style>
+          <p:txBody>
+            <a:bodyPr rtlCol="0" anchor="ctr"/>
+            <a:lstStyle/>
+            <a:p>
+              <a:pPr algn="ctr"/>
+              <a:r>
+                <a:rPr lang="en-US">
+                  <a:solidFill>
+                    <a:srgbClr val="0070C0"/>
+                  </a:solidFill>
+                </a:rPr>
+                <a:t>data</a:t>
+              </a:r>
+            </a:p>
+          </p:txBody>
+        </p:sp>
+        <p:sp>
+          <p:nvSpPr>
+            <p:cNvPr id="14" name="Rectangle 13"/>
+            <p:cNvSpPr/>
+            <p:nvPr/>
+          </p:nvSpPr>
+          <p:spPr>
+            <a:xfrm>
+              <a:off x="8305799" y="4533899"/>
+              <a:ext cx="609600" cy="381000"/>
+            </a:xfrm>
+            <a:prstGeom prst="rect">
+              <a:avLst/>
+            </a:prstGeom>
+            <a:noFill/>
+            <a:ln w="38100"/>
+          </p:spPr>
+          <p:style>
+            <a:lnRef idx="2">
+              <a:schemeClr val="accent1">
+                <a:shade val="50000"/>
+              </a:schemeClr>
+            </a:lnRef>
+            <a:fillRef idx="1">
+              <a:schemeClr val="accent1"/>
+            </a:fillRef>
+            <a:effectRef idx="0">
+              <a:schemeClr val="accent1"/>
+            </a:effectRef>
+            <a:fontRef idx="minor">
+              <a:schemeClr val="lt1"/>
+            </a:fontRef>
+          </p:style>
+          <p:txBody>
+            <a:bodyPr rtlCol="0" anchor="ctr"/>
+            <a:lstStyle/>
+            <a:p>
+              <a:pPr algn="ctr"/>
+              <a:r>
+                <a:rPr lang="en-US" sz="1600">
+                  <a:solidFill>
+                    <a:srgbClr val="FF0000"/>
+                  </a:solidFill>
+                </a:rPr>
+                <a:t>null</a:t>
+              </a:r>
+              <a:endParaRPr lang="en-US" sz="1100">
+                <a:solidFill>
+                  <a:srgbClr val="FF0000"/>
+                </a:solidFill>
+              </a:endParaRPr>
+            </a:p>
+          </p:txBody>
+        </p:sp>
+        <p:cxnSp>
+          <p:nvCxnSpPr>
+            <p:cNvPr id="16" name="Straight Arrow Connector 15"/>
+            <p:cNvCxnSpPr/>
+            <p:nvPr/>
+          </p:nvCxnSpPr>
+          <p:spPr>
+            <a:xfrm rot="10800000" flipV="1">
+              <a:off x="6858002" y="2209799"/>
+              <a:ext cx="1524001" cy="914399"/>
+            </a:xfrm>
+            <a:prstGeom prst="straightConnector1">
+              <a:avLst/>
+            </a:prstGeom>
+            <a:ln w="38100">
+              <a:tailEnd type="arrow"/>
+            </a:ln>
+          </p:spPr>
+          <p:style>
+            <a:lnRef idx="1">
+              <a:schemeClr val="accent1"/>
+            </a:lnRef>
+            <a:fillRef idx="0">
+              <a:schemeClr val="accent1"/>
+            </a:fillRef>
+            <a:effectRef idx="0">
+              <a:schemeClr val="accent1"/>
+            </a:effectRef>
+            <a:fontRef idx="minor">
+              <a:schemeClr val="tx1"/>
+            </a:fontRef>
+          </p:style>
+        </p:cxnSp>
+        <p:cxnSp>
+          <p:nvCxnSpPr>
+            <p:cNvPr id="19" name="Straight Arrow Connector 18"/>
+            <p:cNvCxnSpPr/>
+            <p:nvPr/>
+          </p:nvCxnSpPr>
+          <p:spPr>
+            <a:xfrm rot="10800000" flipV="1">
+              <a:off x="6400800" y="3352798"/>
+              <a:ext cx="1524000" cy="609602"/>
+            </a:xfrm>
+            <a:prstGeom prst="straightConnector1">
+              <a:avLst/>
+            </a:prstGeom>
+            <a:ln w="38100">
+              <a:tailEnd type="arrow"/>
+            </a:ln>
+          </p:spPr>
+          <p:style>
+            <a:lnRef idx="1">
+              <a:schemeClr val="accent1"/>
+            </a:lnRef>
+            <a:fillRef idx="0">
+              <a:schemeClr val="accent1"/>
+            </a:fillRef>
+            <a:effectRef idx="0">
+              <a:schemeClr val="accent1"/>
+            </a:effectRef>
+            <a:fontRef idx="minor">
+              <a:schemeClr val="tx1"/>
+            </a:fontRef>
+          </p:style>
+        </p:cxnSp>
+        <p:cxnSp>
+          <p:nvCxnSpPr>
+            <p:cNvPr id="21" name="Straight Arrow Connector 20"/>
+            <p:cNvCxnSpPr/>
+            <p:nvPr/>
+          </p:nvCxnSpPr>
+          <p:spPr>
+            <a:xfrm rot="5400000">
+              <a:off x="6287295" y="4229895"/>
+              <a:ext cx="1293810" cy="1066800"/>
+            </a:xfrm>
+            <a:prstGeom prst="straightConnector1">
+              <a:avLst/>
+            </a:prstGeom>
+            <a:ln w="38100">
+              <a:tailEnd type="arrow"/>
+            </a:ln>
+          </p:spPr>
+          <p:style>
+            <a:lnRef idx="1">
+              <a:schemeClr val="accent1"/>
+            </a:lnRef>
+            <a:fillRef idx="0">
+              <a:schemeClr val="accent1"/>
+            </a:fillRef>
+            <a:effectRef idx="0">
+              <a:schemeClr val="accent1"/>
+            </a:effectRef>
+            <a:fontRef idx="minor">
+              <a:schemeClr val="tx1"/>
+            </a:fontRef>
+          </p:style>
+        </p:cxnSp>
+        <p:cxnSp>
+          <p:nvCxnSpPr>
+            <p:cNvPr id="24" name="Straight Arrow Connector 23"/>
+            <p:cNvCxnSpPr/>
+            <p:nvPr/>
+          </p:nvCxnSpPr>
+          <p:spPr>
+            <a:xfrm rot="5400000" flipH="1" flipV="1">
+              <a:off x="7143749" y="5238748"/>
+              <a:ext cx="647702" cy="5"/>
+            </a:xfrm>
+            <a:prstGeom prst="straightConnector1">
+              <a:avLst/>
+            </a:prstGeom>
+            <a:ln w="38100">
+              <a:tailEnd type="arrow"/>
+            </a:ln>
+          </p:spPr>
+          <p:style>
+            <a:lnRef idx="1">
+              <a:schemeClr val="accent1"/>
+            </a:lnRef>
+            <a:fillRef idx="0">
+              <a:schemeClr val="accent1"/>
+            </a:fillRef>
+            <a:effectRef idx="0">
+              <a:schemeClr val="accent1"/>
+            </a:effectRef>
+            <a:fontRef idx="minor">
+              <a:schemeClr val="tx1"/>
+            </a:fontRef>
+          </p:style>
+        </p:cxnSp>
+      </p:grpSp>
+      <p:pic>
+        <p:nvPicPr>
+          <p:cNvPr id="1026" name="Picture 2"/>
+          <p:cNvPicPr>
+            <a:picLocks noChangeAspect="1" noChangeArrowheads="1"/>
+          </p:cNvPicPr>
+          <p:nvPr/>
+        </p:nvPicPr>
+        <p:blipFill>
+          <a:blip r:embed="rId3" cstate="print"/>
+          <a:srcRect/>
+          <a:stretch>
+            <a:fillRect/>
+          </a:stretch>
+        </p:blipFill>
+        <p:spPr bwMode="auto">
+          <a:xfrm>
+            <a:off x="228600" y="4724400"/>
+            <a:ext cx="5960823" cy="2057400"/>
+          </a:xfrm>
+          <a:prstGeom prst="rect">
+            <a:avLst/>
+          </a:prstGeom>
+          <a:noFill/>
+          <a:ln w="9525">
+            <a:noFill/>
+            <a:miter lim="800000"/>
+            <a:headEnd/>
+            <a:tailEnd/>
+          </a:ln>
+        </p:spPr>
+      </p:pic>
+      <p:sp>
+        <p:nvSpPr>
+          <p:cNvPr id="32" name="TextBox 31"/>
+          <p:cNvSpPr txBox="1"/>
+          <p:nvPr/>
+        </p:nvSpPr>
+        <p:spPr>
+          <a:xfrm>
+            <a:off x="4722009" y="6412468"/>
+            <a:ext cx="2595582" cy="369332"/>
+          </a:xfrm>
+          <a:prstGeom prst="rect">
+            <a:avLst/>
+          </a:prstGeom>
+          <a:noFill/>
+        </p:spPr>
+        <p:txBody>
+          <a:bodyPr wrap="none" rtlCol="0">
+            <a:spAutoFit/>
+          </a:bodyPr>
+          <a:lstStyle/>
+          <a:p>
+            <a:r>
+              <a:rPr lang="en-US"/>
+              <a:t>Insertion, per Wikipedia</a:t>
+            </a:r>
+          </a:p>
+        </p:txBody>
+      </p:sp>
+      <p:sp>
+        <p:nvSpPr>
+          <p:cNvPr id="20" name="Rectangle 9"/>
+          <p:cNvSpPr>
+            <a:spLocks/>
+          </p:cNvSpPr>
+          <p:nvPr/>
+        </p:nvSpPr>
+        <p:spPr bwMode="auto">
+          <a:xfrm>
+            <a:off x="8432800" y="6334564"/>
+            <a:ext cx="558800" cy="419100"/>
+          </a:xfrm>
+          <a:prstGeom prst="rect">
+            <a:avLst/>
+          </a:prstGeom>
+          <a:ln>
+            <a:headEnd/>
+            <a:tailEnd/>
+          </a:ln>
+        </p:spPr>
+        <p:style>
+          <a:lnRef idx="2">
+            <a:schemeClr val="accent3">
+              <a:shade val="50000"/>
+            </a:schemeClr>
+          </a:lnRef>
+          <a:fillRef idx="1">
+            <a:schemeClr val="accent3"/>
+          </a:fillRef>
+          <a:effectRef idx="0">
+            <a:schemeClr val="accent3"/>
+          </a:effectRef>
+          <a:fontRef idx="minor">
+            <a:schemeClr val="lt1"/>
+          </a:fontRef>
+        </p:style>
+        <p:txBody>
+          <a:bodyPr lIns="0" tIns="0" rIns="0" bIns="0" anchor="ctr"/>
+          <a:lstStyle/>
+          <a:p>
+            <a:pPr algn="ctr">
+              <a:defRPr/>
+            </a:pPr>
+            <a:r>
+              <a:rPr lang="en-US" sz="1800">
+                <a:solidFill>
+                  <a:schemeClr val="bg1"/>
+                </a:solidFill>
+                <a:cs typeface="Arial" pitchFamily="34" charset="0"/>
+                <a:sym typeface="Arial" pitchFamily="34" charset="0"/>
+              </a:rPr>
+              <a:t>Q4-5</a:t>
+            </a:r>
+          </a:p>
+        </p:txBody>
+      </p:sp>
+    </p:spTree>
+  </p:cSld>
+  <p:clrMapOvr>
+    <a:masterClrMapping/>
+  </p:clrMapOvr>
+  <p:timing>
+    <p:tnLst>
+      <p:par>
+        <p:cTn id="1" dur="indefinite" restart="never" nodeType="tmRoot">
+          <p:childTnLst>
+            <p:seq concurrent="1" nextAc="seek">
+              <p:cTn id="2" dur="indefinite" nodeType="mainSeq">
+                <p:childTnLst>
+                  <p:par>
+                    <p:cTn id="3" fill="hold">
+                      <p:stCondLst>
+                        <p:cond delay="indefinite"/>
+                      </p:stCondLst>
+                      <p:childTnLst>
+                        <p:par>
+                          <p:cTn id="4" fill="hold">
+                            <p:stCondLst>
+                              <p:cond delay="0"/>
+                            </p:stCondLst>
+                            <p:childTnLst>
+                              <p:par>
+                                <p:cTn id="5" presetID="1" presetClass="entr" presetSubtype="0" fill="hold" nodeType="clickEffect">
+                                  <p:stCondLst>
+                                    <p:cond delay="0"/>
+                                  </p:stCondLst>
+                                  <p:childTnLst>
+                                    <p:set>
+                                      <p:cBhvr>
+                                        <p:cTn id="6" dur="1" fill="hold">
+                                          <p:stCondLst>
+                                            <p:cond delay="0"/>
+                                          </p:stCondLst>
+                                        </p:cTn>
+                                        <p:tgtEl>
+                                          <p:spTgt spid="1026"/>
+                                        </p:tgtEl>
+                                        <p:attrNameLst>
+                                          <p:attrName>style.visibility</p:attrName>
+                                        </p:attrNameLst>
+                                      </p:cBhvr>
+                                      <p:to>
+                                        <p:strVal val="visible"/>
+                                      </p:to>
+                                    </p:set>
+                                  </p:childTnLst>
+                                </p:cTn>
+                              </p:par>
+                            </p:childTnLst>
+                          </p:cTn>
+                        </p:par>
+                      </p:childTnLst>
+                    </p:cTn>
+                  </p:par>
+                </p:childTnLst>
+              </p:cTn>
+              <p:prevCondLst>
+                <p:cond evt="onPrev" delay="0">
+                  <p:tgtEl>
+                    <p:sldTgt/>
+                  </p:tgtEl>
+                </p:cond>
+              </p:prevCondLst>
+              <p:nextCondLst>
+                <p:cond evt="onNext" delay="0">
+                  <p:tgtEl>
+                    <p:sldTgt/>
+                  </p:tgtEl>
+                </p:cond>
+              </p:nextCondLst>
+            </p:seq>
+          </p:childTnLst>
+        </p:cTn>
+      </p:par>
+    </p:tnLst>
+  </p:timing>
+</p:sld>
+</file>
+
+<file path=ppt/slides/slide22.xml><?xml version="1.0" encoding="utf-8"?>
+<p:sld xmlns:a="http://schemas.openxmlformats.org/drawingml/2006/main" xmlns:r="http://schemas.openxmlformats.org/officeDocument/2006/relationships" xmlns:p="http://schemas.openxmlformats.org/presentationml/2006/main">
+  <p:cSld>
+    <p:spTree>
+      <p:nvGrpSpPr>
+        <p:cNvPr id="1" name=""/>
+        <p:cNvGrpSpPr/>
+        <p:nvPr/>
+      </p:nvGrpSpPr>
+      <p:grpSpPr>
+        <a:xfrm>
+          <a:off x="0" y="0"/>
+          <a:ext cx="0" cy="0"/>
+          <a:chOff x="0" y="0"/>
+          <a:chExt cx="0" cy="0"/>
+        </a:xfrm>
+      </p:grpSpPr>
+      <p:sp>
+        <p:nvSpPr>
+          <p:cNvPr id="3" name="Title 2"/>
+          <p:cNvSpPr>
+            <a:spLocks noGrp="1"/>
+          </p:cNvSpPr>
+          <p:nvPr>
+            <p:ph type="title"/>
+          </p:nvPr>
+        </p:nvSpPr>
+        <p:spPr/>
+        <p:txBody>
+          <a:bodyPr>
+            <a:normAutofit fontScale="90000"/>
+          </a:bodyPr>
+          <a:lstStyle/>
+          <a:p>
+            <a:pPr>
+              <a:defRPr/>
+            </a:pPr>
+            <a:r>
+              <a:rPr lang="en-US" dirty="0">
+                <a:latin typeface="Lucida Sans Typewriter" pitchFamily="49" charset="0"/>
+              </a:rPr>
+              <a:t>Big-O LinkedList&lt;E&gt;</a:t>
+            </a:r>
+            <a:r>
+              <a:rPr lang="en-US" dirty="0"/>
+              <a:t> Methods?</a:t>
+            </a:r>
+          </a:p>
+        </p:txBody>
+      </p:sp>
+      <p:sp>
+        <p:nvSpPr>
+          <p:cNvPr id="2" name="Content Placeholder 1"/>
+          <p:cNvSpPr>
+            <a:spLocks noGrp="1"/>
+          </p:cNvSpPr>
+          <p:nvPr>
+            <p:ph idx="1"/>
+          </p:nvPr>
+        </p:nvSpPr>
+        <p:spPr>
+          <a:xfrm>
+            <a:off x="431800" y="1168400"/>
+            <a:ext cx="8229600" cy="4525963"/>
+          </a:xfrm>
+        </p:spPr>
+        <p:txBody>
+          <a:bodyPr>
+            <a:normAutofit/>
+          </a:bodyPr>
+          <a:lstStyle/>
+          <a:p>
+            <a:pPr>
+              <a:buFont typeface="+mj-lt"/>
+              <a:buAutoNum type="arabicPeriod"/>
+              <a:tabLst>
+                <a:tab pos="4564063" algn="l"/>
+              </a:tabLst>
+              <a:defRPr/>
+            </a:pPr>
+            <a:r>
+              <a:rPr lang="en-US" sz="1800" b="1" dirty="0">
+                <a:latin typeface="Courier New" panose="02070309020205020404" pitchFamily="49" charset="0"/>
+                <a:cs typeface="Courier New" panose="02070309020205020404" pitchFamily="49" charset="0"/>
+              </a:rPr>
+              <a:t>void</a:t>
+            </a:r>
+            <a:r>
+              <a:rPr lang="en-US" sz="1800" dirty="0">
+                <a:latin typeface="Courier New" panose="02070309020205020404" pitchFamily="49" charset="0"/>
+                <a:cs typeface="Courier New" panose="02070309020205020404" pitchFamily="49" charset="0"/>
+              </a:rPr>
+              <a:t> </a:t>
+            </a:r>
+            <a:r>
+              <a:rPr lang="en-US" sz="1800" dirty="0" err="1">
+                <a:latin typeface="Courier New" panose="02070309020205020404" pitchFamily="49" charset="0"/>
+                <a:cs typeface="Courier New" panose="02070309020205020404" pitchFamily="49" charset="0"/>
+              </a:rPr>
+              <a:t>addFirst</a:t>
+            </a:r>
+            <a:r>
+              <a:rPr lang="en-US" sz="1800" dirty="0">
+                <a:latin typeface="Courier New" panose="02070309020205020404" pitchFamily="49" charset="0"/>
+                <a:cs typeface="Courier New" panose="02070309020205020404" pitchFamily="49" charset="0"/>
+              </a:rPr>
+              <a:t>(E element)	_____________</a:t>
+            </a:r>
+          </a:p>
+          <a:p>
+            <a:pPr>
+              <a:buFont typeface="+mj-lt"/>
+              <a:buAutoNum type="arabicPeriod"/>
+              <a:tabLst>
+                <a:tab pos="4564063" algn="l"/>
+              </a:tabLst>
+              <a:defRPr/>
+            </a:pPr>
+            <a:r>
+              <a:rPr lang="en-US" sz="1800" b="1" dirty="0">
+                <a:latin typeface="Courier New" panose="02070309020205020404" pitchFamily="49" charset="0"/>
+                <a:cs typeface="Courier New" panose="02070309020205020404" pitchFamily="49" charset="0"/>
+              </a:rPr>
+              <a:t>void</a:t>
+            </a:r>
+            <a:r>
+              <a:rPr lang="en-US" sz="1800" dirty="0">
+                <a:latin typeface="Courier New" panose="02070309020205020404" pitchFamily="49" charset="0"/>
+                <a:cs typeface="Courier New" panose="02070309020205020404" pitchFamily="49" charset="0"/>
+              </a:rPr>
+              <a:t> </a:t>
+            </a:r>
+            <a:r>
+              <a:rPr lang="en-US" sz="1800" dirty="0" err="1">
+                <a:latin typeface="Courier New" panose="02070309020205020404" pitchFamily="49" charset="0"/>
+                <a:cs typeface="Courier New" panose="02070309020205020404" pitchFamily="49" charset="0"/>
+              </a:rPr>
+              <a:t>addLast</a:t>
+            </a:r>
+            <a:r>
+              <a:rPr lang="en-US" sz="1800" dirty="0">
+                <a:latin typeface="Courier New" panose="02070309020205020404" pitchFamily="49" charset="0"/>
+                <a:cs typeface="Courier New" panose="02070309020205020404" pitchFamily="49" charset="0"/>
+              </a:rPr>
+              <a:t>(E element) 	_____________</a:t>
+            </a:r>
+          </a:p>
+          <a:p>
+            <a:pPr>
+              <a:buFont typeface="+mj-lt"/>
+              <a:buAutoNum type="arabicPeriod"/>
+              <a:tabLst>
+                <a:tab pos="4564063" algn="l"/>
+              </a:tabLst>
+              <a:defRPr/>
+            </a:pPr>
+            <a:r>
+              <a:rPr lang="en-US" sz="1800" dirty="0">
+                <a:latin typeface="Courier New" panose="02070309020205020404" pitchFamily="49" charset="0"/>
+                <a:cs typeface="Courier New" panose="02070309020205020404" pitchFamily="49" charset="0"/>
+              </a:rPr>
+              <a:t>E </a:t>
+            </a:r>
+            <a:r>
+              <a:rPr lang="en-US" sz="1800" dirty="0" err="1">
+                <a:latin typeface="Courier New" panose="02070309020205020404" pitchFamily="49" charset="0"/>
+                <a:cs typeface="Courier New" panose="02070309020205020404" pitchFamily="49" charset="0"/>
+              </a:rPr>
+              <a:t>getFirst</a:t>
+            </a:r>
+            <a:r>
+              <a:rPr lang="en-US" sz="1800" dirty="0">
+                <a:latin typeface="Courier New" panose="02070309020205020404" pitchFamily="49" charset="0"/>
+                <a:cs typeface="Courier New" panose="02070309020205020404" pitchFamily="49" charset="0"/>
+              </a:rPr>
+              <a:t>() 	_____________</a:t>
+            </a:r>
+          </a:p>
+          <a:p>
+            <a:pPr>
+              <a:buFont typeface="+mj-lt"/>
+              <a:buAutoNum type="arabicPeriod"/>
+              <a:tabLst>
+                <a:tab pos="4564063" algn="l"/>
+              </a:tabLst>
+              <a:defRPr/>
+            </a:pPr>
+            <a:r>
+              <a:rPr lang="en-US" sz="1800" dirty="0">
+                <a:latin typeface="Courier New" panose="02070309020205020404" pitchFamily="49" charset="0"/>
+                <a:cs typeface="Courier New" panose="02070309020205020404" pitchFamily="49" charset="0"/>
+              </a:rPr>
+              <a:t>E </a:t>
+            </a:r>
+            <a:r>
+              <a:rPr lang="en-US" sz="1800" dirty="0" err="1">
+                <a:latin typeface="Courier New" panose="02070309020205020404" pitchFamily="49" charset="0"/>
+                <a:cs typeface="Courier New" panose="02070309020205020404" pitchFamily="49" charset="0"/>
+              </a:rPr>
+              <a:t>getLast</a:t>
+            </a:r>
+            <a:r>
+              <a:rPr lang="en-US" sz="1800" dirty="0">
+                <a:latin typeface="Courier New" panose="02070309020205020404" pitchFamily="49" charset="0"/>
+                <a:cs typeface="Courier New" panose="02070309020205020404" pitchFamily="49" charset="0"/>
+              </a:rPr>
+              <a:t>() 	_____________</a:t>
+            </a:r>
+          </a:p>
+          <a:p>
+            <a:pPr>
+              <a:buFont typeface="+mj-lt"/>
+              <a:buAutoNum type="arabicPeriod"/>
+              <a:tabLst>
+                <a:tab pos="4564063" algn="l"/>
+              </a:tabLst>
+              <a:defRPr/>
+            </a:pPr>
+            <a:r>
+              <a:rPr lang="en-US" sz="1800" dirty="0">
+                <a:latin typeface="Courier New" panose="02070309020205020404" pitchFamily="49" charset="0"/>
+                <a:cs typeface="Courier New" panose="02070309020205020404" pitchFamily="49" charset="0"/>
+              </a:rPr>
+              <a:t>E </a:t>
+            </a:r>
+            <a:r>
+              <a:rPr lang="en-US" sz="1800" dirty="0" err="1">
+                <a:latin typeface="Courier New" panose="02070309020205020404" pitchFamily="49" charset="0"/>
+                <a:cs typeface="Courier New" panose="02070309020205020404" pitchFamily="49" charset="0"/>
+              </a:rPr>
+              <a:t>removeFirst</a:t>
+            </a:r>
+            <a:r>
+              <a:rPr lang="en-US" sz="1800" dirty="0">
+                <a:latin typeface="Courier New" panose="02070309020205020404" pitchFamily="49" charset="0"/>
+                <a:cs typeface="Courier New" panose="02070309020205020404" pitchFamily="49" charset="0"/>
+              </a:rPr>
+              <a:t>() 	_____________</a:t>
+            </a:r>
+          </a:p>
+          <a:p>
+            <a:pPr>
+              <a:buFont typeface="+mj-lt"/>
+              <a:buAutoNum type="arabicPeriod"/>
+              <a:tabLst>
+                <a:tab pos="4564063" algn="l"/>
+              </a:tabLst>
+              <a:defRPr/>
+            </a:pPr>
+            <a:r>
+              <a:rPr lang="en-US" sz="1800" dirty="0">
+                <a:latin typeface="Courier New" panose="02070309020205020404" pitchFamily="49" charset="0"/>
+                <a:cs typeface="Courier New" panose="02070309020205020404" pitchFamily="49" charset="0"/>
+              </a:rPr>
+              <a:t>E </a:t>
+            </a:r>
+            <a:r>
+              <a:rPr lang="en-US" sz="1800" dirty="0" err="1">
+                <a:latin typeface="Courier New" panose="02070309020205020404" pitchFamily="49" charset="0"/>
+                <a:cs typeface="Courier New" panose="02070309020205020404" pitchFamily="49" charset="0"/>
+              </a:rPr>
+              <a:t>removeLast</a:t>
+            </a:r>
+            <a:r>
+              <a:rPr lang="en-US" sz="1800" dirty="0">
+                <a:latin typeface="Courier New" panose="02070309020205020404" pitchFamily="49" charset="0"/>
+                <a:cs typeface="Courier New" panose="02070309020205020404" pitchFamily="49" charset="0"/>
+              </a:rPr>
+              <a:t>() 	_____________</a:t>
+            </a:r>
+          </a:p>
+        </p:txBody>
+      </p:sp>
+      <p:pic>
+        <p:nvPicPr>
+          <p:cNvPr id="5" name="Picture 4" descr="Diagram&#10;&#10;Description automatically generated">
+            <a:extLst>
+              <a:ext uri="{FF2B5EF4-FFF2-40B4-BE49-F238E27FC236}">
+                <a16:creationId xmlns:a16="http://schemas.microsoft.com/office/drawing/2014/main" id="{26C68BB4-FE19-754E-9980-9B004E76ACE2}"/>
+              </a:ext>
+            </a:extLst>
+          </p:cNvPr>
+          <p:cNvPicPr>
+            <a:picLocks noChangeAspect="1"/>
+          </p:cNvPicPr>
+          <p:nvPr/>
+        </p:nvPicPr>
+        <p:blipFill>
+          <a:blip r:embed="rId3">
+            <a:extLst>
+              <a:ext uri="{28A0092B-C50C-407E-A947-70E740481C1C}">
+                <a14:useLocalDpi xmlns:a14="http://schemas.microsoft.com/office/drawing/2010/main" val="0"/>
+              </a:ext>
+            </a:extLst>
+          </a:blip>
+          <a:stretch>
+            <a:fillRect/>
+          </a:stretch>
+        </p:blipFill>
+        <p:spPr>
+          <a:xfrm>
+            <a:off x="1600200" y="3182759"/>
+            <a:ext cx="7391399" cy="3472041"/>
+          </a:xfrm>
+          <a:prstGeom prst="rect">
+            <a:avLst/>
+          </a:prstGeom>
+        </p:spPr>
+      </p:pic>
+    </p:spTree>
+  </p:cSld>
+  <p:clrMapOvr>
+    <a:masterClrMapping/>
+  </p:clrMapOvr>
+</p:sld>
+</file>
+
+<file path=ppt/slides/slide23.xml><?xml version="1.0" encoding="utf-8"?>
+<p:sld xmlns:a="http://schemas.openxmlformats.org/drawingml/2006/main" xmlns:r="http://schemas.openxmlformats.org/officeDocument/2006/relationships" xmlns:p="http://schemas.openxmlformats.org/presentationml/2006/main">
+  <p:cSld>
+    <p:spTree>
+      <p:nvGrpSpPr>
+        <p:cNvPr id="1" name=""/>
+        <p:cNvGrpSpPr/>
+        <p:nvPr/>
+      </p:nvGrpSpPr>
+      <p:grpSpPr>
+        <a:xfrm>
+          <a:off x="0" y="0"/>
+          <a:ext cx="0" cy="0"/>
+          <a:chOff x="0" y="0"/>
+          <a:chExt cx="0" cy="0"/>
+        </a:xfrm>
+      </p:grpSpPr>
+      <p:sp>
+        <p:nvSpPr>
+          <p:cNvPr id="2" name="Title 1"/>
+          <p:cNvSpPr>
+            <a:spLocks noGrp="1"/>
+          </p:cNvSpPr>
+          <p:nvPr>
+            <p:ph type="title"/>
+          </p:nvPr>
+        </p:nvSpPr>
+        <p:spPr/>
+        <p:txBody>
+          <a:bodyPr/>
+          <a:lstStyle/>
+          <a:p>
+            <a:r>
+              <a:rPr lang="en-US" dirty="0"/>
+              <a:t>Homework</a:t>
+            </a:r>
+          </a:p>
+        </p:txBody>
+      </p:sp>
+      <p:sp>
+        <p:nvSpPr>
+          <p:cNvPr id="3" name="Content Placeholder 2"/>
+          <p:cNvSpPr>
+            <a:spLocks noGrp="1"/>
+          </p:cNvSpPr>
+          <p:nvPr>
+            <p:ph idx="1"/>
+          </p:nvPr>
+        </p:nvSpPr>
+        <p:spPr/>
+        <p:txBody>
+          <a:bodyPr/>
+          <a:lstStyle/>
+          <a:p>
+            <a:r>
+              <a:rPr lang="en-US" dirty="0" err="1"/>
+              <a:t>SinglyLinkedList</a:t>
+            </a:r>
+            <a:endParaRPr lang="en-US" dirty="0"/>
+          </a:p>
+          <a:p>
+            <a:pPr lvl="1"/>
+            <a:r>
+              <a:rPr lang="en-US" dirty="0"/>
+              <a:t>Requires you to implement a </a:t>
+            </a:r>
+            <a:r>
+              <a:rPr lang="en-US" dirty="0" err="1"/>
+              <a:t>SinglyLinkedList</a:t>
+            </a:r>
+            <a:endParaRPr lang="en-US" dirty="0"/>
+          </a:p>
+          <a:p>
+            <a:pPr lvl="1"/>
+            <a:r>
+              <a:rPr lang="en-US" dirty="0"/>
+              <a:t>Additional algorithm questions which make use of the </a:t>
+            </a:r>
+            <a:r>
+              <a:rPr lang="en-US" dirty="0" err="1"/>
+              <a:t>SinglyLinkedList</a:t>
+            </a:r>
+            <a:endParaRPr lang="en-US" dirty="0"/>
+          </a:p>
+          <a:p>
+            <a:pPr lvl="1"/>
+            <a:r>
+              <a:rPr lang="en-US" dirty="0"/>
+              <a:t>Will give you remaining class time to work on it</a:t>
+            </a:r>
+          </a:p>
+          <a:p>
+            <a:pPr lvl="1"/>
+            <a:r>
+              <a:rPr lang="en-US" dirty="0"/>
+              <a:t>If you complete it, work on the project!</a:t>
+            </a:r>
+          </a:p>
+        </p:txBody>
+      </p:sp>
+    </p:spTree>
+    <p:extLst>
+      <p:ext uri="{BB962C8B-B14F-4D97-AF65-F5344CB8AC3E}">
+        <p14:creationId xmlns:p14="http://schemas.microsoft.com/office/powerpoint/2010/main" val="1503594254"/>
       </p:ext>
     </p:extLst>
   </p:cSld>
@@ -9156,18 +13232,18 @@
 </file>
 
 <file path=customXml/item1.xml><?xml version="1.0" encoding="utf-8"?>
-<p:properties xmlns:p="http://schemas.microsoft.com/office/2006/metadata/properties" xmlns:xsi="http://www.w3.org/2001/XMLSchema-instance" xmlns:pc="http://schemas.microsoft.com/office/infopath/2007/PartnerControls">
-  <documentManagement/>
-</p:properties>
-</file>
-
-<file path=customXml/item2.xml><?xml version="1.0" encoding="utf-8"?>
 <?mso-contentType ?>
 <FormTemplates xmlns="http://schemas.microsoft.com/sharepoint/v3/contenttype/forms">
   <Display>DocumentLibraryForm</Display>
   <Edit>DocumentLibraryForm</Edit>
   <New>DocumentLibraryForm</New>
 </FormTemplates>
+</file>
+
+<file path=customXml/item2.xml><?xml version="1.0" encoding="utf-8"?>
+<p:properties xmlns:p="http://schemas.microsoft.com/office/2006/metadata/properties" xmlns:xsi="http://www.w3.org/2001/XMLSchema-instance" xmlns:pc="http://schemas.microsoft.com/office/infopath/2007/PartnerControls">
+  <documentManagement/>
+</p:properties>
 </file>
 
 <file path=customXml/item3.xml><?xml version="1.0" encoding="utf-8"?>
@@ -9355,18 +13431,18 @@
 </file>
 
 <file path=customXml/itemProps1.xml><?xml version="1.0" encoding="utf-8"?>
-<ds:datastoreItem xmlns:ds="http://schemas.openxmlformats.org/officeDocument/2006/customXml" ds:itemID="{32EB23CE-1CD2-4B69-9E50-DC66E79D388B}">
+<ds:datastoreItem xmlns:ds="http://schemas.openxmlformats.org/officeDocument/2006/customXml" ds:itemID="{65F6D3FF-4230-44B7-891A-B84816FD1392}">
   <ds:schemaRefs>
-    <ds:schemaRef ds:uri="http://schemas.microsoft.com/office/2006/metadata/properties"/>
-    <ds:schemaRef ds:uri="http://schemas.microsoft.com/office/infopath/2007/PartnerControls"/>
+    <ds:schemaRef ds:uri="http://schemas.microsoft.com/sharepoint/v3/contenttype/forms"/>
   </ds:schemaRefs>
 </ds:datastoreItem>
 </file>
 
 <file path=customXml/itemProps2.xml><?xml version="1.0" encoding="utf-8"?>
-<ds:datastoreItem xmlns:ds="http://schemas.openxmlformats.org/officeDocument/2006/customXml" ds:itemID="{65F6D3FF-4230-44B7-891A-B84816FD1392}">
+<ds:datastoreItem xmlns:ds="http://schemas.openxmlformats.org/officeDocument/2006/customXml" ds:itemID="{32EB23CE-1CD2-4B69-9E50-DC66E79D388B}">
   <ds:schemaRefs>
-    <ds:schemaRef ds:uri="http://schemas.microsoft.com/sharepoint/v3/contenttype/forms"/>
+    <ds:schemaRef ds:uri="http://schemas.microsoft.com/office/2006/metadata/properties"/>
+    <ds:schemaRef ds:uri="http://schemas.microsoft.com/office/infopath/2007/PartnerControls"/>
   </ds:schemaRefs>
 </ds:datastoreItem>
 </file>

--- a/ClassMaterials/LinkedLists/Slides/LinkedLists.pptx
+++ b/ClassMaterials/LinkedLists/Slides/LinkedLists.pptx
@@ -6690,88 +6690,12 @@
           <a:chExt cx="0" cy="0"/>
         </a:xfrm>
       </p:grpSpPr>
-      <p:sp>
-        <p:nvSpPr>
-          <p:cNvPr id="4" name="Title 3"/>
-          <p:cNvSpPr>
-            <a:spLocks noGrp="1"/>
-          </p:cNvSpPr>
-          <p:nvPr>
-            <p:ph type="title"/>
-          </p:nvPr>
-        </p:nvSpPr>
-        <p:spPr>
-          <a:xfrm>
-            <a:off x="500742" y="78695"/>
-            <a:ext cx="8229600" cy="1143000"/>
-          </a:xfrm>
-        </p:spPr>
-        <p:txBody>
-          <a:bodyPr/>
-          <a:lstStyle/>
-          <a:p>
-            <a:pPr>
-              <a:defRPr/>
-            </a:pPr>
-            <a:r>
-              <a:rPr lang="en-US" dirty="0" err="1"/>
-              <a:t>ArrayList</a:t>
-            </a:r>
-            <a:r>
-              <a:rPr lang="en-US" dirty="0"/>
-              <a:t> Data Structure in Java</a:t>
-            </a:r>
-          </a:p>
-        </p:txBody>
-      </p:sp>
-      <p:sp>
-        <p:nvSpPr>
-          <p:cNvPr id="12290" name="Content Placeholder 4"/>
-          <p:cNvSpPr>
-            <a:spLocks noGrp="1"/>
-          </p:cNvSpPr>
-          <p:nvPr>
-            <p:ph idx="1"/>
-          </p:nvPr>
-        </p:nvSpPr>
-        <p:spPr>
-          <a:xfrm>
-            <a:off x="424543" y="914400"/>
-            <a:ext cx="8229600" cy="4885192"/>
-          </a:xfrm>
-        </p:spPr>
-        <p:txBody>
-          <a:bodyPr>
-            <a:normAutofit/>
-          </a:bodyPr>
-          <a:lstStyle/>
-          <a:p>
-            <a:pPr lvl="1"/>
-            <a:r>
-              <a:rPr lang="en-US" dirty="0"/>
-              <a:t>Fast addition </a:t>
-            </a:r>
-            <a:r>
-              <a:rPr lang="en-US" b="1" dirty="0"/>
-              <a:t>to end of list</a:t>
-            </a:r>
-            <a:br>
-              <a:rPr lang="en-US" b="1" dirty="0"/>
-            </a:br>
-            <a:r>
-              <a:rPr lang="en-US" sz="2400" dirty="0"/>
-              <a:t>Requires 1 multiplication and 1 addition to compute address</a:t>
-            </a:r>
-            <a:endParaRPr lang="en-US" sz="2400" b="1" dirty="0"/>
-          </a:p>
-        </p:txBody>
-      </p:sp>
       <p:pic>
         <p:nvPicPr>
-          <p:cNvPr id="3" name="Picture 2" descr="Graphical user interface&#10;&#10;Description automatically generated with medium confidence">
+          <p:cNvPr id="2" name="Picture 1">
             <a:extLst>
               <a:ext uri="{FF2B5EF4-FFF2-40B4-BE49-F238E27FC236}">
-                <a16:creationId xmlns:a16="http://schemas.microsoft.com/office/drawing/2014/main" id="{63700C4F-FFD7-4B45-A727-EEC331387E3B}"/>
+                <a16:creationId xmlns:a16="http://schemas.microsoft.com/office/drawing/2014/main" id="{37D4294C-2FF2-382F-284F-CAC867A826DE}"/>
               </a:ext>
             </a:extLst>
           </p:cNvPr>
@@ -6781,27 +6705,97 @@
           <p:nvPr/>
         </p:nvPicPr>
         <p:blipFill>
-          <a:blip r:embed="rId3">
-            <a:extLst>
-              <a:ext uri="{28A0092B-C50C-407E-A947-70E740481C1C}">
-                <a14:useLocalDpi xmlns:a14="http://schemas.microsoft.com/office/drawing/2010/main" val="0"/>
-              </a:ext>
-            </a:extLst>
-          </a:blip>
+          <a:blip r:embed="rId3"/>
           <a:stretch>
             <a:fillRect/>
           </a:stretch>
         </p:blipFill>
         <p:spPr>
           <a:xfrm>
-            <a:off x="1208314" y="2081147"/>
-            <a:ext cx="5334000" cy="4544375"/>
+            <a:off x="1328055" y="2100944"/>
+            <a:ext cx="5334000" cy="4546600"/>
           </a:xfrm>
           <a:prstGeom prst="rect">
             <a:avLst/>
           </a:prstGeom>
         </p:spPr>
       </p:pic>
+      <p:sp>
+        <p:nvSpPr>
+          <p:cNvPr id="4" name="Title 3"/>
+          <p:cNvSpPr>
+            <a:spLocks noGrp="1"/>
+          </p:cNvSpPr>
+          <p:nvPr>
+            <p:ph type="title"/>
+          </p:nvPr>
+        </p:nvSpPr>
+        <p:spPr>
+          <a:xfrm>
+            <a:off x="500742" y="78695"/>
+            <a:ext cx="8229600" cy="1143000"/>
+          </a:xfrm>
+        </p:spPr>
+        <p:txBody>
+          <a:bodyPr/>
+          <a:lstStyle/>
+          <a:p>
+            <a:pPr>
+              <a:defRPr/>
+            </a:pPr>
+            <a:r>
+              <a:rPr lang="en-US" dirty="0" err="1"/>
+              <a:t>ArrayList</a:t>
+            </a:r>
+            <a:r>
+              <a:rPr lang="en-US" dirty="0"/>
+              <a:t> Data Structure in Java</a:t>
+            </a:r>
+          </a:p>
+        </p:txBody>
+      </p:sp>
+      <p:sp>
+        <p:nvSpPr>
+          <p:cNvPr id="12290" name="Content Placeholder 4"/>
+          <p:cNvSpPr>
+            <a:spLocks noGrp="1"/>
+          </p:cNvSpPr>
+          <p:nvPr>
+            <p:ph idx="1"/>
+          </p:nvPr>
+        </p:nvSpPr>
+        <p:spPr>
+          <a:xfrm>
+            <a:off x="424543" y="914400"/>
+            <a:ext cx="8229600" cy="4885192"/>
+          </a:xfrm>
+        </p:spPr>
+        <p:txBody>
+          <a:bodyPr>
+            <a:normAutofit/>
+          </a:bodyPr>
+          <a:lstStyle/>
+          <a:p>
+            <a:pPr lvl="1"/>
+            <a:r>
+              <a:rPr lang="en-US" dirty="0"/>
+              <a:t>Fast addition </a:t>
+            </a:r>
+            <a:r>
+              <a:rPr lang="en-US" b="1" dirty="0"/>
+              <a:t>to end of list</a:t>
+            </a:r>
+            <a:br>
+              <a:rPr lang="en-US" b="1" dirty="0"/>
+            </a:br>
+            <a:r>
+              <a:rPr lang="en-US" sz="2400" dirty="0"/>
+              <a:t>Requires 1 multiplication and 1 addition to compute address</a:t>
+            </a:r>
+            <a:endParaRPr lang="en-US" sz="2400" b="1" dirty="0"/>
+          </a:p>
+        </p:txBody>
+      </p:sp>
       <p:sp>
         <p:nvSpPr>
           <p:cNvPr id="5" name="Freeform 4">
@@ -7234,10 +7228,10 @@
       </p:sp>
       <p:pic>
         <p:nvPicPr>
-          <p:cNvPr id="3" name="Picture 2" descr="Diagram&#10;&#10;Description automatically generated with medium confidence">
+          <p:cNvPr id="2" name="Picture 1">
             <a:extLst>
               <a:ext uri="{FF2B5EF4-FFF2-40B4-BE49-F238E27FC236}">
-                <a16:creationId xmlns:a16="http://schemas.microsoft.com/office/drawing/2014/main" id="{FFDC3466-A7E9-9B4E-8E69-B0D42FE383C1}"/>
+                <a16:creationId xmlns:a16="http://schemas.microsoft.com/office/drawing/2014/main" id="{0EF13401-0F2C-A1A4-CAE5-115E27630962}"/>
               </a:ext>
             </a:extLst>
           </p:cNvPr>
@@ -7247,21 +7241,15 @@
           <p:nvPr/>
         </p:nvPicPr>
         <p:blipFill>
-          <a:blip r:embed="rId3">
-            <a:extLst>
-              <a:ext uri="{28A0092B-C50C-407E-A947-70E740481C1C}">
-                <a14:useLocalDpi xmlns:a14="http://schemas.microsoft.com/office/drawing/2010/main" val="0"/>
-              </a:ext>
-            </a:extLst>
-          </a:blip>
+          <a:blip r:embed="rId3"/>
           <a:stretch>
             <a:fillRect/>
           </a:stretch>
         </p:blipFill>
         <p:spPr>
           <a:xfrm>
-            <a:off x="397289" y="1520963"/>
-            <a:ext cx="8369300" cy="4432300"/>
+            <a:off x="685800" y="1683405"/>
+            <a:ext cx="7772400" cy="4116187"/>
           </a:xfrm>
           <a:prstGeom prst="rect">
             <a:avLst/>
@@ -13241,12 +13229,6 @@
 </file>
 
 <file path=customXml/item2.xml><?xml version="1.0" encoding="utf-8"?>
-<p:properties xmlns:p="http://schemas.microsoft.com/office/2006/metadata/properties" xmlns:xsi="http://www.w3.org/2001/XMLSchema-instance" xmlns:pc="http://schemas.microsoft.com/office/infopath/2007/PartnerControls">
-  <documentManagement/>
-</p:properties>
-</file>
-
-<file path=customXml/item3.xml><?xml version="1.0" encoding="utf-8"?>
 <ct:contentTypeSchema xmlns:ct="http://schemas.microsoft.com/office/2006/metadata/contentType" xmlns:ma="http://schemas.microsoft.com/office/2006/metadata/properties/metaAttributes" ct:_="" ma:_="" ma:contentTypeName="Document" ma:contentTypeID="0x0101001570BCAAD2E4294F9443DCB038A55380" ma:contentTypeVersion="10" ma:contentTypeDescription="Create a new document." ma:contentTypeScope="" ma:versionID="84c2e02ee7a0dfaa743622fbac484332">
   <xsd:schema xmlns:xsd="http://www.w3.org/2001/XMLSchema" xmlns:xs="http://www.w3.org/2001/XMLSchema" xmlns:p="http://schemas.microsoft.com/office/2006/metadata/properties" xmlns:ns2="201674f6-2bdd-4f13-ba1e-424e4aa70473" targetNamespace="http://schemas.microsoft.com/office/2006/metadata/properties" ma:root="true" ma:fieldsID="0b220e6722f2c0d473d2d30e5cad202c" ns2:_="">
     <xsd:import namespace="201674f6-2bdd-4f13-ba1e-424e4aa70473"/>
@@ -13430,6 +13412,12 @@
 </ct:contentTypeSchema>
 </file>
 
+<file path=customXml/item3.xml><?xml version="1.0" encoding="utf-8"?>
+<p:properties xmlns:p="http://schemas.microsoft.com/office/2006/metadata/properties" xmlns:xsi="http://www.w3.org/2001/XMLSchema-instance" xmlns:pc="http://schemas.microsoft.com/office/infopath/2007/PartnerControls">
+  <documentManagement/>
+</p:properties>
+</file>
+
 <file path=customXml/itemProps1.xml><?xml version="1.0" encoding="utf-8"?>
 <ds:datastoreItem xmlns:ds="http://schemas.openxmlformats.org/officeDocument/2006/customXml" ds:itemID="{65F6D3FF-4230-44B7-891A-B84816FD1392}">
   <ds:schemaRefs>
@@ -13439,15 +13427,6 @@
 </file>
 
 <file path=customXml/itemProps2.xml><?xml version="1.0" encoding="utf-8"?>
-<ds:datastoreItem xmlns:ds="http://schemas.openxmlformats.org/officeDocument/2006/customXml" ds:itemID="{32EB23CE-1CD2-4B69-9E50-DC66E79D388B}">
-  <ds:schemaRefs>
-    <ds:schemaRef ds:uri="http://schemas.microsoft.com/office/2006/metadata/properties"/>
-    <ds:schemaRef ds:uri="http://schemas.microsoft.com/office/infopath/2007/PartnerControls"/>
-  </ds:schemaRefs>
-</ds:datastoreItem>
-</file>
-
-<file path=customXml/itemProps3.xml><?xml version="1.0" encoding="utf-8"?>
 <ds:datastoreItem xmlns:ds="http://schemas.openxmlformats.org/officeDocument/2006/customXml" ds:itemID="{922F283B-6588-4A17-9501-58C69A53AC37}">
   <ds:schemaRefs>
     <ds:schemaRef ds:uri="http://schemas.microsoft.com/office/2006/metadata/contentType"/>
@@ -13463,4 +13442,13 @@
     <ds:schemaRef ds:uri="http://schemas.microsoft.com/internal/obd"/>
   </ds:schemaRefs>
 </ds:datastoreItem>
+</file>
+
+<file path=customXml/itemProps3.xml><?xml version="1.0" encoding="utf-8"?>
+<ds:datastoreItem xmlns:ds="http://schemas.openxmlformats.org/officeDocument/2006/customXml" ds:itemID="{32EB23CE-1CD2-4B69-9E50-DC66E79D388B}">
+  <ds:schemaRefs>
+    <ds:schemaRef ds:uri="http://schemas.microsoft.com/office/2006/metadata/properties"/>
+    <ds:schemaRef ds:uri="http://schemas.microsoft.com/office/infopath/2007/PartnerControls"/>
+  </ds:schemaRefs>
+</ds:datastoreItem>
 </file>